--- a/Classes/Class_1/Git Helper.pptx
+++ b/Classes/Class_1/Git Helper.pptx
@@ -5,7 +5,7 @@
     <p:sldMasterId id="2147483702" r:id="rId1"/>
   </p:sldMasterIdLst>
   <p:handoutMasterIdLst>
-    <p:handoutMasterId r:id="rId12"/>
+    <p:handoutMasterId r:id="rId13"/>
   </p:handoutMasterIdLst>
   <p:sldIdLst>
     <p:sldId id="256" r:id="rId2"/>
@@ -17,7 +17,8 @@
     <p:sldId id="266" r:id="rId8"/>
     <p:sldId id="268" r:id="rId9"/>
     <p:sldId id="269" r:id="rId10"/>
-    <p:sldId id="258" r:id="rId11"/>
+    <p:sldId id="271" r:id="rId11"/>
+    <p:sldId id="258" r:id="rId12"/>
   </p:sldIdLst>
   <p:sldSz cx="12192000" cy="6858000"/>
   <p:notesSz cx="6858000" cy="9144000"/>
@@ -3124,6 +3125,1504 @@
 </file>
 
 <file path=ppt/diagrams/colors13.xml><?xml version="1.0" encoding="utf-8"?>
+<dgm:colorsDef xmlns:dgm="http://schemas.openxmlformats.org/drawingml/2006/diagram" xmlns:a="http://schemas.openxmlformats.org/drawingml/2006/main" uniqueId="urn:microsoft.com/office/officeart/2005/8/colors/accent1_2">
+  <dgm:title val=""/>
+  <dgm:desc val=""/>
+  <dgm:catLst>
+    <dgm:cat type="accent1" pri="11200"/>
+  </dgm:catLst>
+  <dgm:styleLbl name="node0">
+    <dgm:fillClrLst meth="repeat">
+      <a:schemeClr val="accent1"/>
+    </dgm:fillClrLst>
+    <dgm:linClrLst meth="repeat">
+      <a:schemeClr val="lt1"/>
+    </dgm:linClrLst>
+    <dgm:effectClrLst/>
+    <dgm:txLinClrLst/>
+    <dgm:txFillClrLst/>
+    <dgm:txEffectClrLst/>
+  </dgm:styleLbl>
+  <dgm:styleLbl name="alignNode1">
+    <dgm:fillClrLst meth="repeat">
+      <a:schemeClr val="accent1"/>
+    </dgm:fillClrLst>
+    <dgm:linClrLst meth="repeat">
+      <a:schemeClr val="accent1"/>
+    </dgm:linClrLst>
+    <dgm:effectClrLst/>
+    <dgm:txLinClrLst/>
+    <dgm:txFillClrLst/>
+    <dgm:txEffectClrLst/>
+  </dgm:styleLbl>
+  <dgm:styleLbl name="node1">
+    <dgm:fillClrLst meth="repeat">
+      <a:schemeClr val="accent1"/>
+    </dgm:fillClrLst>
+    <dgm:linClrLst meth="repeat">
+      <a:schemeClr val="lt1"/>
+    </dgm:linClrLst>
+    <dgm:effectClrLst/>
+    <dgm:txLinClrLst/>
+    <dgm:txFillClrLst/>
+    <dgm:txEffectClrLst/>
+  </dgm:styleLbl>
+  <dgm:styleLbl name="lnNode1">
+    <dgm:fillClrLst meth="repeat">
+      <a:schemeClr val="accent1"/>
+    </dgm:fillClrLst>
+    <dgm:linClrLst meth="repeat">
+      <a:schemeClr val="lt1"/>
+    </dgm:linClrLst>
+    <dgm:effectClrLst/>
+    <dgm:txLinClrLst/>
+    <dgm:txFillClrLst/>
+    <dgm:txEffectClrLst/>
+  </dgm:styleLbl>
+  <dgm:styleLbl name="vennNode1">
+    <dgm:fillClrLst meth="repeat">
+      <a:schemeClr val="accent1">
+        <a:alpha val="50000"/>
+      </a:schemeClr>
+    </dgm:fillClrLst>
+    <dgm:linClrLst meth="repeat">
+      <a:schemeClr val="lt1"/>
+    </dgm:linClrLst>
+    <dgm:effectClrLst/>
+    <dgm:txLinClrLst/>
+    <dgm:txFillClrLst/>
+    <dgm:txEffectClrLst/>
+  </dgm:styleLbl>
+  <dgm:styleLbl name="node2">
+    <dgm:fillClrLst meth="repeat">
+      <a:schemeClr val="accent1"/>
+    </dgm:fillClrLst>
+    <dgm:linClrLst meth="repeat">
+      <a:schemeClr val="lt1"/>
+    </dgm:linClrLst>
+    <dgm:effectClrLst/>
+    <dgm:txLinClrLst/>
+    <dgm:txFillClrLst/>
+    <dgm:txEffectClrLst/>
+  </dgm:styleLbl>
+  <dgm:styleLbl name="node3">
+    <dgm:fillClrLst meth="repeat">
+      <a:schemeClr val="accent1"/>
+    </dgm:fillClrLst>
+    <dgm:linClrLst meth="repeat">
+      <a:schemeClr val="lt1"/>
+    </dgm:linClrLst>
+    <dgm:effectClrLst/>
+    <dgm:txLinClrLst/>
+    <dgm:txFillClrLst/>
+    <dgm:txEffectClrLst/>
+  </dgm:styleLbl>
+  <dgm:styleLbl name="node4">
+    <dgm:fillClrLst meth="repeat">
+      <a:schemeClr val="accent1"/>
+    </dgm:fillClrLst>
+    <dgm:linClrLst meth="repeat">
+      <a:schemeClr val="lt1"/>
+    </dgm:linClrLst>
+    <dgm:effectClrLst/>
+    <dgm:txLinClrLst/>
+    <dgm:txFillClrLst/>
+    <dgm:txEffectClrLst/>
+  </dgm:styleLbl>
+  <dgm:styleLbl name="fgImgPlace1">
+    <dgm:fillClrLst meth="repeat">
+      <a:schemeClr val="accent1">
+        <a:tint val="50000"/>
+      </a:schemeClr>
+    </dgm:fillClrLst>
+    <dgm:linClrLst meth="repeat">
+      <a:schemeClr val="lt1"/>
+    </dgm:linClrLst>
+    <dgm:effectClrLst/>
+    <dgm:txLinClrLst/>
+    <dgm:txFillClrLst meth="repeat">
+      <a:schemeClr val="lt1"/>
+    </dgm:txFillClrLst>
+    <dgm:txEffectClrLst/>
+  </dgm:styleLbl>
+  <dgm:styleLbl name="alignImgPlace1">
+    <dgm:fillClrLst meth="repeat">
+      <a:schemeClr val="accent1">
+        <a:tint val="50000"/>
+      </a:schemeClr>
+    </dgm:fillClrLst>
+    <dgm:linClrLst meth="repeat">
+      <a:schemeClr val="lt1"/>
+    </dgm:linClrLst>
+    <dgm:effectClrLst/>
+    <dgm:txLinClrLst/>
+    <dgm:txFillClrLst meth="repeat">
+      <a:schemeClr val="lt1"/>
+    </dgm:txFillClrLst>
+    <dgm:txEffectClrLst/>
+  </dgm:styleLbl>
+  <dgm:styleLbl name="bgImgPlace1">
+    <dgm:fillClrLst meth="repeat">
+      <a:schemeClr val="accent1">
+        <a:tint val="50000"/>
+      </a:schemeClr>
+    </dgm:fillClrLst>
+    <dgm:linClrLst meth="repeat">
+      <a:schemeClr val="lt1"/>
+    </dgm:linClrLst>
+    <dgm:effectClrLst/>
+    <dgm:txLinClrLst/>
+    <dgm:txFillClrLst meth="repeat">
+      <a:schemeClr val="lt1"/>
+    </dgm:txFillClrLst>
+    <dgm:txEffectClrLst/>
+  </dgm:styleLbl>
+  <dgm:styleLbl name="sibTrans2D1">
+    <dgm:fillClrLst meth="repeat">
+      <a:schemeClr val="accent1">
+        <a:tint val="60000"/>
+      </a:schemeClr>
+    </dgm:fillClrLst>
+    <dgm:linClrLst meth="repeat">
+      <a:schemeClr val="accent1">
+        <a:tint val="60000"/>
+      </a:schemeClr>
+    </dgm:linClrLst>
+    <dgm:effectClrLst/>
+    <dgm:txLinClrLst/>
+    <dgm:txFillClrLst/>
+    <dgm:txEffectClrLst/>
+  </dgm:styleLbl>
+  <dgm:styleLbl name="fgSibTrans2D1">
+    <dgm:fillClrLst meth="repeat">
+      <a:schemeClr val="accent1">
+        <a:tint val="60000"/>
+      </a:schemeClr>
+    </dgm:fillClrLst>
+    <dgm:linClrLst meth="repeat">
+      <a:schemeClr val="accent1">
+        <a:tint val="60000"/>
+      </a:schemeClr>
+    </dgm:linClrLst>
+    <dgm:effectClrLst/>
+    <dgm:txLinClrLst/>
+    <dgm:txFillClrLst/>
+    <dgm:txEffectClrLst/>
+  </dgm:styleLbl>
+  <dgm:styleLbl name="bgSibTrans2D1">
+    <dgm:fillClrLst meth="repeat">
+      <a:schemeClr val="accent1">
+        <a:tint val="60000"/>
+      </a:schemeClr>
+    </dgm:fillClrLst>
+    <dgm:linClrLst meth="repeat">
+      <a:schemeClr val="accent1">
+        <a:tint val="60000"/>
+      </a:schemeClr>
+    </dgm:linClrLst>
+    <dgm:effectClrLst/>
+    <dgm:txLinClrLst/>
+    <dgm:txFillClrLst/>
+    <dgm:txEffectClrLst/>
+  </dgm:styleLbl>
+  <dgm:styleLbl name="sibTrans1D1">
+    <dgm:fillClrLst meth="repeat">
+      <a:schemeClr val="accent1"/>
+    </dgm:fillClrLst>
+    <dgm:linClrLst meth="repeat">
+      <a:schemeClr val="accent1"/>
+    </dgm:linClrLst>
+    <dgm:effectClrLst/>
+    <dgm:txLinClrLst/>
+    <dgm:txFillClrLst meth="repeat">
+      <a:schemeClr val="tx1"/>
+    </dgm:txFillClrLst>
+    <dgm:txEffectClrLst/>
+  </dgm:styleLbl>
+  <dgm:styleLbl name="callout">
+    <dgm:fillClrLst meth="repeat">
+      <a:schemeClr val="accent1"/>
+    </dgm:fillClrLst>
+    <dgm:linClrLst meth="repeat">
+      <a:schemeClr val="accent1">
+        <a:tint val="50000"/>
+      </a:schemeClr>
+    </dgm:linClrLst>
+    <dgm:effectClrLst/>
+    <dgm:txLinClrLst/>
+    <dgm:txFillClrLst meth="repeat">
+      <a:schemeClr val="tx1"/>
+    </dgm:txFillClrLst>
+    <dgm:txEffectClrLst/>
+  </dgm:styleLbl>
+  <dgm:styleLbl name="asst0">
+    <dgm:fillClrLst meth="repeat">
+      <a:schemeClr val="accent1"/>
+    </dgm:fillClrLst>
+    <dgm:linClrLst meth="repeat">
+      <a:schemeClr val="lt1"/>
+    </dgm:linClrLst>
+    <dgm:effectClrLst/>
+    <dgm:txLinClrLst/>
+    <dgm:txFillClrLst/>
+    <dgm:txEffectClrLst/>
+  </dgm:styleLbl>
+  <dgm:styleLbl name="asst1">
+    <dgm:fillClrLst meth="repeat">
+      <a:schemeClr val="accent1"/>
+    </dgm:fillClrLst>
+    <dgm:linClrLst meth="repeat">
+      <a:schemeClr val="lt1"/>
+    </dgm:linClrLst>
+    <dgm:effectClrLst/>
+    <dgm:txLinClrLst/>
+    <dgm:txFillClrLst/>
+    <dgm:txEffectClrLst/>
+  </dgm:styleLbl>
+  <dgm:styleLbl name="asst2">
+    <dgm:fillClrLst meth="repeat">
+      <a:schemeClr val="accent1"/>
+    </dgm:fillClrLst>
+    <dgm:linClrLst meth="repeat">
+      <a:schemeClr val="lt1"/>
+    </dgm:linClrLst>
+    <dgm:effectClrLst/>
+    <dgm:txLinClrLst/>
+    <dgm:txFillClrLst/>
+    <dgm:txEffectClrLst/>
+  </dgm:styleLbl>
+  <dgm:styleLbl name="asst3">
+    <dgm:fillClrLst meth="repeat">
+      <a:schemeClr val="accent1"/>
+    </dgm:fillClrLst>
+    <dgm:linClrLst meth="repeat">
+      <a:schemeClr val="lt1"/>
+    </dgm:linClrLst>
+    <dgm:effectClrLst/>
+    <dgm:txLinClrLst/>
+    <dgm:txFillClrLst/>
+    <dgm:txEffectClrLst/>
+  </dgm:styleLbl>
+  <dgm:styleLbl name="asst4">
+    <dgm:fillClrLst meth="repeat">
+      <a:schemeClr val="accent1"/>
+    </dgm:fillClrLst>
+    <dgm:linClrLst meth="repeat">
+      <a:schemeClr val="lt1"/>
+    </dgm:linClrLst>
+    <dgm:effectClrLst/>
+    <dgm:txLinClrLst/>
+    <dgm:txFillClrLst/>
+    <dgm:txEffectClrLst/>
+  </dgm:styleLbl>
+  <dgm:styleLbl name="parChTrans2D1">
+    <dgm:fillClrLst meth="repeat">
+      <a:schemeClr val="accent1">
+        <a:tint val="60000"/>
+      </a:schemeClr>
+    </dgm:fillClrLst>
+    <dgm:linClrLst meth="repeat">
+      <a:schemeClr val="accent1">
+        <a:tint val="60000"/>
+      </a:schemeClr>
+    </dgm:linClrLst>
+    <dgm:effectClrLst/>
+    <dgm:txLinClrLst/>
+    <dgm:txFillClrLst meth="repeat">
+      <a:schemeClr val="lt1"/>
+    </dgm:txFillClrLst>
+    <dgm:txEffectClrLst/>
+  </dgm:styleLbl>
+  <dgm:styleLbl name="parChTrans2D2">
+    <dgm:fillClrLst meth="repeat">
+      <a:schemeClr val="accent1"/>
+    </dgm:fillClrLst>
+    <dgm:linClrLst meth="repeat">
+      <a:schemeClr val="accent1"/>
+    </dgm:linClrLst>
+    <dgm:effectClrLst/>
+    <dgm:txLinClrLst/>
+    <dgm:txFillClrLst meth="repeat">
+      <a:schemeClr val="lt1"/>
+    </dgm:txFillClrLst>
+    <dgm:txEffectClrLst/>
+  </dgm:styleLbl>
+  <dgm:styleLbl name="parChTrans2D3">
+    <dgm:fillClrLst meth="repeat">
+      <a:schemeClr val="accent1"/>
+    </dgm:fillClrLst>
+    <dgm:linClrLst meth="repeat">
+      <a:schemeClr val="accent1"/>
+    </dgm:linClrLst>
+    <dgm:effectClrLst/>
+    <dgm:txLinClrLst/>
+    <dgm:txFillClrLst meth="repeat">
+      <a:schemeClr val="lt1"/>
+    </dgm:txFillClrLst>
+    <dgm:txEffectClrLst/>
+  </dgm:styleLbl>
+  <dgm:styleLbl name="parChTrans2D4">
+    <dgm:fillClrLst meth="repeat">
+      <a:schemeClr val="accent1"/>
+    </dgm:fillClrLst>
+    <dgm:linClrLst meth="repeat">
+      <a:schemeClr val="accent1"/>
+    </dgm:linClrLst>
+    <dgm:effectClrLst/>
+    <dgm:txLinClrLst/>
+    <dgm:txFillClrLst meth="repeat">
+      <a:schemeClr val="lt1"/>
+    </dgm:txFillClrLst>
+    <dgm:txEffectClrLst/>
+  </dgm:styleLbl>
+  <dgm:styleLbl name="parChTrans1D1">
+    <dgm:fillClrLst meth="repeat">
+      <a:schemeClr val="accent1"/>
+    </dgm:fillClrLst>
+    <dgm:linClrLst meth="repeat">
+      <a:schemeClr val="accent1">
+        <a:shade val="60000"/>
+      </a:schemeClr>
+    </dgm:linClrLst>
+    <dgm:effectClrLst/>
+    <dgm:txLinClrLst/>
+    <dgm:txFillClrLst meth="repeat">
+      <a:schemeClr val="tx1"/>
+    </dgm:txFillClrLst>
+    <dgm:txEffectClrLst/>
+  </dgm:styleLbl>
+  <dgm:styleLbl name="parChTrans1D2">
+    <dgm:fillClrLst meth="repeat">
+      <a:schemeClr val="accent1"/>
+    </dgm:fillClrLst>
+    <dgm:linClrLst meth="repeat">
+      <a:schemeClr val="accent1">
+        <a:shade val="60000"/>
+      </a:schemeClr>
+    </dgm:linClrLst>
+    <dgm:effectClrLst/>
+    <dgm:txLinClrLst/>
+    <dgm:txFillClrLst meth="repeat">
+      <a:schemeClr val="tx1"/>
+    </dgm:txFillClrLst>
+    <dgm:txEffectClrLst/>
+  </dgm:styleLbl>
+  <dgm:styleLbl name="parChTrans1D3">
+    <dgm:fillClrLst meth="repeat">
+      <a:schemeClr val="accent1"/>
+    </dgm:fillClrLst>
+    <dgm:linClrLst meth="repeat">
+      <a:schemeClr val="accent1">
+        <a:shade val="80000"/>
+      </a:schemeClr>
+    </dgm:linClrLst>
+    <dgm:effectClrLst/>
+    <dgm:txLinClrLst/>
+    <dgm:txFillClrLst meth="repeat">
+      <a:schemeClr val="tx1"/>
+    </dgm:txFillClrLst>
+    <dgm:txEffectClrLst/>
+  </dgm:styleLbl>
+  <dgm:styleLbl name="parChTrans1D4">
+    <dgm:fillClrLst meth="repeat">
+      <a:schemeClr val="accent1"/>
+    </dgm:fillClrLst>
+    <dgm:linClrLst meth="repeat">
+      <a:schemeClr val="accent1">
+        <a:shade val="80000"/>
+      </a:schemeClr>
+    </dgm:linClrLst>
+    <dgm:effectClrLst/>
+    <dgm:txLinClrLst/>
+    <dgm:txFillClrLst meth="repeat">
+      <a:schemeClr val="tx1"/>
+    </dgm:txFillClrLst>
+    <dgm:txEffectClrLst/>
+  </dgm:styleLbl>
+  <dgm:styleLbl name="fgAcc1">
+    <dgm:fillClrLst meth="repeat">
+      <a:schemeClr val="lt1">
+        <a:alpha val="90000"/>
+      </a:schemeClr>
+    </dgm:fillClrLst>
+    <dgm:linClrLst meth="repeat">
+      <a:schemeClr val="accent1"/>
+    </dgm:linClrLst>
+    <dgm:effectClrLst/>
+    <dgm:txLinClrLst/>
+    <dgm:txFillClrLst meth="repeat">
+      <a:schemeClr val="dk1"/>
+    </dgm:txFillClrLst>
+    <dgm:txEffectClrLst/>
+  </dgm:styleLbl>
+  <dgm:styleLbl name="conFgAcc1">
+    <dgm:fillClrLst meth="repeat">
+      <a:schemeClr val="lt1">
+        <a:alpha val="90000"/>
+      </a:schemeClr>
+    </dgm:fillClrLst>
+    <dgm:linClrLst meth="repeat">
+      <a:schemeClr val="accent1"/>
+    </dgm:linClrLst>
+    <dgm:effectClrLst/>
+    <dgm:txLinClrLst/>
+    <dgm:txFillClrLst meth="repeat">
+      <a:schemeClr val="dk1"/>
+    </dgm:txFillClrLst>
+    <dgm:txEffectClrLst/>
+  </dgm:styleLbl>
+  <dgm:styleLbl name="alignAcc1">
+    <dgm:fillClrLst meth="repeat">
+      <a:schemeClr val="lt1">
+        <a:alpha val="90000"/>
+      </a:schemeClr>
+    </dgm:fillClrLst>
+    <dgm:linClrLst meth="repeat">
+      <a:schemeClr val="accent1"/>
+    </dgm:linClrLst>
+    <dgm:effectClrLst/>
+    <dgm:txLinClrLst/>
+    <dgm:txFillClrLst meth="repeat">
+      <a:schemeClr val="dk1"/>
+    </dgm:txFillClrLst>
+    <dgm:txEffectClrLst/>
+  </dgm:styleLbl>
+  <dgm:styleLbl name="trAlignAcc1">
+    <dgm:fillClrLst meth="repeat">
+      <a:schemeClr val="lt1">
+        <a:alpha val="40000"/>
+      </a:schemeClr>
+    </dgm:fillClrLst>
+    <dgm:linClrLst meth="repeat">
+      <a:schemeClr val="accent1"/>
+    </dgm:linClrLst>
+    <dgm:effectClrLst/>
+    <dgm:txLinClrLst/>
+    <dgm:txFillClrLst meth="repeat">
+      <a:schemeClr val="dk1"/>
+    </dgm:txFillClrLst>
+    <dgm:txEffectClrLst/>
+  </dgm:styleLbl>
+  <dgm:styleLbl name="bgAcc1">
+    <dgm:fillClrLst meth="repeat">
+      <a:schemeClr val="lt1">
+        <a:alpha val="90000"/>
+      </a:schemeClr>
+    </dgm:fillClrLst>
+    <dgm:linClrLst meth="repeat">
+      <a:schemeClr val="accent1"/>
+    </dgm:linClrLst>
+    <dgm:effectClrLst/>
+    <dgm:txLinClrLst/>
+    <dgm:txFillClrLst meth="repeat">
+      <a:schemeClr val="dk1"/>
+    </dgm:txFillClrLst>
+    <dgm:txEffectClrLst/>
+  </dgm:styleLbl>
+  <dgm:styleLbl name="solidFgAcc1">
+    <dgm:fillClrLst meth="repeat">
+      <a:schemeClr val="lt1"/>
+    </dgm:fillClrLst>
+    <dgm:linClrLst meth="repeat">
+      <a:schemeClr val="accent1"/>
+    </dgm:linClrLst>
+    <dgm:effectClrLst/>
+    <dgm:txLinClrLst/>
+    <dgm:txFillClrLst meth="repeat">
+      <a:schemeClr val="dk1"/>
+    </dgm:txFillClrLst>
+    <dgm:txEffectClrLst/>
+  </dgm:styleLbl>
+  <dgm:styleLbl name="solidAlignAcc1">
+    <dgm:fillClrLst meth="repeat">
+      <a:schemeClr val="lt1"/>
+    </dgm:fillClrLst>
+    <dgm:linClrLst meth="repeat">
+      <a:schemeClr val="accent1"/>
+    </dgm:linClrLst>
+    <dgm:effectClrLst/>
+    <dgm:txLinClrLst/>
+    <dgm:txFillClrLst meth="repeat">
+      <a:schemeClr val="dk1"/>
+    </dgm:txFillClrLst>
+    <dgm:txEffectClrLst/>
+  </dgm:styleLbl>
+  <dgm:styleLbl name="solidBgAcc1">
+    <dgm:fillClrLst meth="repeat">
+      <a:schemeClr val="lt1"/>
+    </dgm:fillClrLst>
+    <dgm:linClrLst meth="repeat">
+      <a:schemeClr val="accent1"/>
+    </dgm:linClrLst>
+    <dgm:effectClrLst/>
+    <dgm:txLinClrLst/>
+    <dgm:txFillClrLst meth="repeat">
+      <a:schemeClr val="dk1"/>
+    </dgm:txFillClrLst>
+    <dgm:txEffectClrLst/>
+  </dgm:styleLbl>
+  <dgm:styleLbl name="fgAccFollowNode1">
+    <dgm:fillClrLst meth="repeat">
+      <a:schemeClr val="accent1">
+        <a:alpha val="90000"/>
+        <a:tint val="40000"/>
+      </a:schemeClr>
+    </dgm:fillClrLst>
+    <dgm:linClrLst meth="repeat">
+      <a:schemeClr val="accent1">
+        <a:alpha val="90000"/>
+        <a:tint val="40000"/>
+      </a:schemeClr>
+    </dgm:linClrLst>
+    <dgm:effectClrLst/>
+    <dgm:txLinClrLst/>
+    <dgm:txFillClrLst meth="repeat">
+      <a:schemeClr val="dk1"/>
+    </dgm:txFillClrLst>
+    <dgm:txEffectClrLst/>
+  </dgm:styleLbl>
+  <dgm:styleLbl name="alignAccFollowNode1">
+    <dgm:fillClrLst meth="repeat">
+      <a:schemeClr val="accent1">
+        <a:alpha val="90000"/>
+        <a:tint val="40000"/>
+      </a:schemeClr>
+    </dgm:fillClrLst>
+    <dgm:linClrLst meth="repeat">
+      <a:schemeClr val="accent1">
+        <a:alpha val="90000"/>
+        <a:tint val="40000"/>
+      </a:schemeClr>
+    </dgm:linClrLst>
+    <dgm:effectClrLst/>
+    <dgm:txLinClrLst/>
+    <dgm:txFillClrLst meth="repeat">
+      <a:schemeClr val="dk1"/>
+    </dgm:txFillClrLst>
+    <dgm:txEffectClrLst/>
+  </dgm:styleLbl>
+  <dgm:styleLbl name="bgAccFollowNode1">
+    <dgm:fillClrLst meth="repeat">
+      <a:schemeClr val="accent1">
+        <a:alpha val="90000"/>
+        <a:tint val="40000"/>
+      </a:schemeClr>
+    </dgm:fillClrLst>
+    <dgm:linClrLst meth="repeat">
+      <a:schemeClr val="accent1">
+        <a:alpha val="90000"/>
+        <a:tint val="40000"/>
+      </a:schemeClr>
+    </dgm:linClrLst>
+    <dgm:effectClrLst/>
+    <dgm:txLinClrLst/>
+    <dgm:txFillClrLst meth="repeat">
+      <a:schemeClr val="dk1"/>
+    </dgm:txFillClrLst>
+    <dgm:txEffectClrLst/>
+  </dgm:styleLbl>
+  <dgm:styleLbl name="fgAcc0">
+    <dgm:fillClrLst meth="repeat">
+      <a:schemeClr val="lt1">
+        <a:alpha val="90000"/>
+      </a:schemeClr>
+    </dgm:fillClrLst>
+    <dgm:linClrLst meth="repeat">
+      <a:schemeClr val="accent1"/>
+    </dgm:linClrLst>
+    <dgm:effectClrLst/>
+    <dgm:txLinClrLst/>
+    <dgm:txFillClrLst meth="repeat">
+      <a:schemeClr val="dk1"/>
+    </dgm:txFillClrLst>
+    <dgm:txEffectClrLst/>
+  </dgm:styleLbl>
+  <dgm:styleLbl name="fgAcc2">
+    <dgm:fillClrLst meth="repeat">
+      <a:schemeClr val="lt1">
+        <a:alpha val="90000"/>
+      </a:schemeClr>
+    </dgm:fillClrLst>
+    <dgm:linClrLst meth="repeat">
+      <a:schemeClr val="accent1"/>
+    </dgm:linClrLst>
+    <dgm:effectClrLst/>
+    <dgm:txLinClrLst/>
+    <dgm:txFillClrLst meth="repeat">
+      <a:schemeClr val="dk1"/>
+    </dgm:txFillClrLst>
+    <dgm:txEffectClrLst/>
+  </dgm:styleLbl>
+  <dgm:styleLbl name="fgAcc3">
+    <dgm:fillClrLst meth="repeat">
+      <a:schemeClr val="lt1">
+        <a:alpha val="90000"/>
+      </a:schemeClr>
+    </dgm:fillClrLst>
+    <dgm:linClrLst meth="repeat">
+      <a:schemeClr val="accent1"/>
+    </dgm:linClrLst>
+    <dgm:effectClrLst/>
+    <dgm:txLinClrLst/>
+    <dgm:txFillClrLst meth="repeat">
+      <a:schemeClr val="dk1"/>
+    </dgm:txFillClrLst>
+    <dgm:txEffectClrLst/>
+  </dgm:styleLbl>
+  <dgm:styleLbl name="fgAcc4">
+    <dgm:fillClrLst meth="repeat">
+      <a:schemeClr val="lt1">
+        <a:alpha val="90000"/>
+      </a:schemeClr>
+    </dgm:fillClrLst>
+    <dgm:linClrLst meth="repeat">
+      <a:schemeClr val="accent1"/>
+    </dgm:linClrLst>
+    <dgm:effectClrLst/>
+    <dgm:txLinClrLst/>
+    <dgm:txFillClrLst meth="repeat">
+      <a:schemeClr val="dk1"/>
+    </dgm:txFillClrLst>
+    <dgm:txEffectClrLst/>
+  </dgm:styleLbl>
+  <dgm:styleLbl name="bgShp">
+    <dgm:fillClrLst meth="repeat">
+      <a:schemeClr val="accent1">
+        <a:tint val="40000"/>
+      </a:schemeClr>
+    </dgm:fillClrLst>
+    <dgm:linClrLst meth="repeat">
+      <a:schemeClr val="accent1"/>
+    </dgm:linClrLst>
+    <dgm:effectClrLst/>
+    <dgm:txLinClrLst/>
+    <dgm:txFillClrLst meth="repeat">
+      <a:schemeClr val="dk1"/>
+    </dgm:txFillClrLst>
+    <dgm:txEffectClrLst/>
+  </dgm:styleLbl>
+  <dgm:styleLbl name="dkBgShp">
+    <dgm:fillClrLst meth="repeat">
+      <a:schemeClr val="accent1">
+        <a:shade val="80000"/>
+      </a:schemeClr>
+    </dgm:fillClrLst>
+    <dgm:linClrLst meth="repeat">
+      <a:schemeClr val="accent1"/>
+    </dgm:linClrLst>
+    <dgm:effectClrLst/>
+    <dgm:txLinClrLst/>
+    <dgm:txFillClrLst meth="repeat">
+      <a:schemeClr val="lt1"/>
+    </dgm:txFillClrLst>
+    <dgm:txEffectClrLst/>
+  </dgm:styleLbl>
+  <dgm:styleLbl name="trBgShp">
+    <dgm:fillClrLst meth="repeat">
+      <a:schemeClr val="accent1">
+        <a:tint val="50000"/>
+        <a:alpha val="40000"/>
+      </a:schemeClr>
+    </dgm:fillClrLst>
+    <dgm:linClrLst meth="repeat">
+      <a:schemeClr val="accent1"/>
+    </dgm:linClrLst>
+    <dgm:effectClrLst/>
+    <dgm:txLinClrLst/>
+    <dgm:txFillClrLst meth="repeat">
+      <a:schemeClr val="lt1"/>
+    </dgm:txFillClrLst>
+    <dgm:txEffectClrLst/>
+  </dgm:styleLbl>
+  <dgm:styleLbl name="fgShp">
+    <dgm:fillClrLst meth="repeat">
+      <a:schemeClr val="accent1">
+        <a:tint val="60000"/>
+      </a:schemeClr>
+    </dgm:fillClrLst>
+    <dgm:linClrLst meth="repeat">
+      <a:schemeClr val="lt1"/>
+    </dgm:linClrLst>
+    <dgm:effectClrLst/>
+    <dgm:txLinClrLst/>
+    <dgm:txFillClrLst meth="repeat">
+      <a:schemeClr val="dk1"/>
+    </dgm:txFillClrLst>
+    <dgm:txEffectClrLst/>
+  </dgm:styleLbl>
+  <dgm:styleLbl name="revTx">
+    <dgm:fillClrLst meth="repeat">
+      <a:schemeClr val="lt1">
+        <a:alpha val="0"/>
+      </a:schemeClr>
+    </dgm:fillClrLst>
+    <dgm:linClrLst meth="repeat">
+      <a:schemeClr val="dk1">
+        <a:alpha val="0"/>
+      </a:schemeClr>
+    </dgm:linClrLst>
+    <dgm:effectClrLst/>
+    <dgm:txLinClrLst/>
+    <dgm:txFillClrLst meth="repeat">
+      <a:schemeClr val="tx1"/>
+    </dgm:txFillClrLst>
+    <dgm:txEffectClrLst/>
+  </dgm:styleLbl>
+</dgm:colorsDef>
+</file>
+
+<file path=ppt/diagrams/colors14.xml><?xml version="1.0" encoding="utf-8"?>
+<dgm:colorsDef xmlns:dgm="http://schemas.openxmlformats.org/drawingml/2006/diagram" xmlns:a="http://schemas.openxmlformats.org/drawingml/2006/main" uniqueId="urn:microsoft.com/office/officeart/2005/8/colors/accent0_3">
+  <dgm:title val=""/>
+  <dgm:desc val=""/>
+  <dgm:catLst>
+    <dgm:cat type="mainScheme" pri="10300"/>
+  </dgm:catLst>
+  <dgm:styleLbl name="node0">
+    <dgm:fillClrLst meth="repeat">
+      <a:schemeClr val="dk2"/>
+    </dgm:fillClrLst>
+    <dgm:linClrLst meth="repeat">
+      <a:schemeClr val="lt2"/>
+    </dgm:linClrLst>
+    <dgm:effectClrLst/>
+    <dgm:txLinClrLst/>
+    <dgm:txFillClrLst/>
+    <dgm:txEffectClrLst/>
+  </dgm:styleLbl>
+  <dgm:styleLbl name="alignNode1">
+    <dgm:fillClrLst meth="repeat">
+      <a:schemeClr val="dk2"/>
+    </dgm:fillClrLst>
+    <dgm:linClrLst meth="repeat">
+      <a:schemeClr val="dk2"/>
+    </dgm:linClrLst>
+    <dgm:effectClrLst/>
+    <dgm:txLinClrLst/>
+    <dgm:txFillClrLst/>
+    <dgm:txEffectClrLst/>
+  </dgm:styleLbl>
+  <dgm:styleLbl name="node1">
+    <dgm:fillClrLst meth="repeat">
+      <a:schemeClr val="dk2"/>
+    </dgm:fillClrLst>
+    <dgm:linClrLst meth="repeat">
+      <a:schemeClr val="lt2"/>
+    </dgm:linClrLst>
+    <dgm:effectClrLst/>
+    <dgm:txLinClrLst/>
+    <dgm:txFillClrLst/>
+    <dgm:txEffectClrLst/>
+  </dgm:styleLbl>
+  <dgm:styleLbl name="lnNode1">
+    <dgm:fillClrLst meth="repeat">
+      <a:schemeClr val="dk2"/>
+    </dgm:fillClrLst>
+    <dgm:linClrLst meth="repeat">
+      <a:schemeClr val="lt2"/>
+    </dgm:linClrLst>
+    <dgm:effectClrLst/>
+    <dgm:txLinClrLst/>
+    <dgm:txFillClrLst/>
+    <dgm:txEffectClrLst/>
+  </dgm:styleLbl>
+  <dgm:styleLbl name="vennNode1">
+    <dgm:fillClrLst meth="repeat">
+      <a:schemeClr val="dk2">
+        <a:alpha val="50000"/>
+      </a:schemeClr>
+    </dgm:fillClrLst>
+    <dgm:linClrLst meth="repeat">
+      <a:schemeClr val="lt2"/>
+    </dgm:linClrLst>
+    <dgm:effectClrLst/>
+    <dgm:txLinClrLst/>
+    <dgm:txFillClrLst/>
+    <dgm:txEffectClrLst/>
+  </dgm:styleLbl>
+  <dgm:styleLbl name="node2">
+    <dgm:fillClrLst meth="repeat">
+      <a:schemeClr val="dk2"/>
+    </dgm:fillClrLst>
+    <dgm:linClrLst meth="repeat">
+      <a:schemeClr val="lt2"/>
+    </dgm:linClrLst>
+    <dgm:effectClrLst/>
+    <dgm:txLinClrLst/>
+    <dgm:txFillClrLst/>
+    <dgm:txEffectClrLst/>
+  </dgm:styleLbl>
+  <dgm:styleLbl name="node3">
+    <dgm:fillClrLst meth="repeat">
+      <a:schemeClr val="dk2"/>
+    </dgm:fillClrLst>
+    <dgm:linClrLst meth="repeat">
+      <a:schemeClr val="lt2"/>
+    </dgm:linClrLst>
+    <dgm:effectClrLst/>
+    <dgm:txLinClrLst/>
+    <dgm:txFillClrLst/>
+    <dgm:txEffectClrLst/>
+  </dgm:styleLbl>
+  <dgm:styleLbl name="node4">
+    <dgm:fillClrLst meth="repeat">
+      <a:schemeClr val="dk2"/>
+    </dgm:fillClrLst>
+    <dgm:linClrLst meth="repeat">
+      <a:schemeClr val="lt2"/>
+    </dgm:linClrLst>
+    <dgm:effectClrLst/>
+    <dgm:txLinClrLst/>
+    <dgm:txFillClrLst/>
+    <dgm:txEffectClrLst/>
+  </dgm:styleLbl>
+  <dgm:styleLbl name="fgImgPlace1">
+    <dgm:fillClrLst meth="repeat">
+      <a:schemeClr val="dk2">
+        <a:tint val="50000"/>
+      </a:schemeClr>
+    </dgm:fillClrLst>
+    <dgm:linClrLst meth="repeat">
+      <a:schemeClr val="lt2"/>
+    </dgm:linClrLst>
+    <dgm:effectClrLst/>
+    <dgm:txLinClrLst/>
+    <dgm:txFillClrLst meth="repeat">
+      <a:schemeClr val="lt2"/>
+    </dgm:txFillClrLst>
+    <dgm:txEffectClrLst/>
+  </dgm:styleLbl>
+  <dgm:styleLbl name="alignImgPlace1">
+    <dgm:fillClrLst meth="repeat">
+      <a:schemeClr val="dk2">
+        <a:tint val="50000"/>
+      </a:schemeClr>
+    </dgm:fillClrLst>
+    <dgm:linClrLst meth="repeat">
+      <a:schemeClr val="dk2">
+        <a:shade val="80000"/>
+      </a:schemeClr>
+    </dgm:linClrLst>
+    <dgm:effectClrLst/>
+    <dgm:txLinClrLst/>
+    <dgm:txFillClrLst meth="repeat">
+      <a:schemeClr val="lt2"/>
+    </dgm:txFillClrLst>
+    <dgm:txEffectClrLst/>
+  </dgm:styleLbl>
+  <dgm:styleLbl name="bgImgPlace1">
+    <dgm:fillClrLst meth="repeat">
+      <a:schemeClr val="dk2">
+        <a:tint val="50000"/>
+      </a:schemeClr>
+    </dgm:fillClrLst>
+    <dgm:linClrLst meth="repeat">
+      <a:schemeClr val="dk2">
+        <a:shade val="80000"/>
+      </a:schemeClr>
+    </dgm:linClrLst>
+    <dgm:effectClrLst/>
+    <dgm:txLinClrLst/>
+    <dgm:txFillClrLst meth="repeat">
+      <a:schemeClr val="lt2"/>
+    </dgm:txFillClrLst>
+    <dgm:txEffectClrLst/>
+  </dgm:styleLbl>
+  <dgm:styleLbl name="sibTrans2D1">
+    <dgm:fillClrLst meth="repeat">
+      <a:schemeClr val="dk2">
+        <a:tint val="60000"/>
+      </a:schemeClr>
+    </dgm:fillClrLst>
+    <dgm:linClrLst meth="repeat">
+      <a:schemeClr val="dk2">
+        <a:tint val="60000"/>
+      </a:schemeClr>
+    </dgm:linClrLst>
+    <dgm:effectClrLst/>
+    <dgm:txLinClrLst/>
+    <dgm:txFillClrLst/>
+    <dgm:txEffectClrLst/>
+  </dgm:styleLbl>
+  <dgm:styleLbl name="fgSibTrans2D1">
+    <dgm:fillClrLst meth="repeat">
+      <a:schemeClr val="dk2">
+        <a:tint val="60000"/>
+      </a:schemeClr>
+    </dgm:fillClrLst>
+    <dgm:linClrLst meth="repeat">
+      <a:schemeClr val="dk2">
+        <a:tint val="60000"/>
+      </a:schemeClr>
+    </dgm:linClrLst>
+    <dgm:effectClrLst/>
+    <dgm:txLinClrLst/>
+    <dgm:txFillClrLst/>
+    <dgm:txEffectClrLst/>
+  </dgm:styleLbl>
+  <dgm:styleLbl name="bgSibTrans2D1">
+    <dgm:fillClrLst meth="repeat">
+      <a:schemeClr val="dk2">
+        <a:tint val="60000"/>
+      </a:schemeClr>
+    </dgm:fillClrLst>
+    <dgm:linClrLst meth="repeat">
+      <a:schemeClr val="dk2">
+        <a:tint val="60000"/>
+      </a:schemeClr>
+    </dgm:linClrLst>
+    <dgm:effectClrLst/>
+    <dgm:txLinClrLst/>
+    <dgm:txFillClrLst/>
+    <dgm:txEffectClrLst/>
+  </dgm:styleLbl>
+  <dgm:styleLbl name="sibTrans1D1">
+    <dgm:fillClrLst meth="repeat">
+      <a:schemeClr val="dk2"/>
+    </dgm:fillClrLst>
+    <dgm:linClrLst meth="repeat">
+      <a:schemeClr val="dk2"/>
+    </dgm:linClrLst>
+    <dgm:effectClrLst/>
+    <dgm:txLinClrLst/>
+    <dgm:txFillClrLst meth="repeat">
+      <a:schemeClr val="lt2"/>
+    </dgm:txFillClrLst>
+    <dgm:txEffectClrLst/>
+  </dgm:styleLbl>
+  <dgm:styleLbl name="callout">
+    <dgm:fillClrLst meth="repeat">
+      <a:schemeClr val="dk2"/>
+    </dgm:fillClrLst>
+    <dgm:linClrLst meth="repeat">
+      <a:schemeClr val="dk2">
+        <a:tint val="50000"/>
+      </a:schemeClr>
+    </dgm:linClrLst>
+    <dgm:effectClrLst/>
+    <dgm:txLinClrLst/>
+    <dgm:txFillClrLst meth="repeat">
+      <a:schemeClr val="lt2"/>
+    </dgm:txFillClrLst>
+    <dgm:txEffectClrLst/>
+  </dgm:styleLbl>
+  <dgm:styleLbl name="asst0">
+    <dgm:fillClrLst meth="repeat">
+      <a:schemeClr val="dk2"/>
+    </dgm:fillClrLst>
+    <dgm:linClrLst meth="repeat">
+      <a:schemeClr val="lt2"/>
+    </dgm:linClrLst>
+    <dgm:effectClrLst/>
+    <dgm:txLinClrLst/>
+    <dgm:txFillClrLst/>
+    <dgm:txEffectClrLst/>
+  </dgm:styleLbl>
+  <dgm:styleLbl name="asst1">
+    <dgm:fillClrLst meth="repeat">
+      <a:schemeClr val="dk2"/>
+    </dgm:fillClrLst>
+    <dgm:linClrLst meth="repeat">
+      <a:schemeClr val="lt2"/>
+    </dgm:linClrLst>
+    <dgm:effectClrLst/>
+    <dgm:txLinClrLst/>
+    <dgm:txFillClrLst/>
+    <dgm:txEffectClrLst/>
+  </dgm:styleLbl>
+  <dgm:styleLbl name="asst2">
+    <dgm:fillClrLst meth="repeat">
+      <a:schemeClr val="dk2"/>
+    </dgm:fillClrLst>
+    <dgm:linClrLst meth="repeat">
+      <a:schemeClr val="lt2"/>
+    </dgm:linClrLst>
+    <dgm:effectClrLst/>
+    <dgm:txLinClrLst/>
+    <dgm:txFillClrLst/>
+    <dgm:txEffectClrLst/>
+  </dgm:styleLbl>
+  <dgm:styleLbl name="asst3">
+    <dgm:fillClrLst meth="repeat">
+      <a:schemeClr val="dk2"/>
+    </dgm:fillClrLst>
+    <dgm:linClrLst meth="repeat">
+      <a:schemeClr val="lt2"/>
+    </dgm:linClrLst>
+    <dgm:effectClrLst/>
+    <dgm:txLinClrLst/>
+    <dgm:txFillClrLst/>
+    <dgm:txEffectClrLst/>
+  </dgm:styleLbl>
+  <dgm:styleLbl name="asst4">
+    <dgm:fillClrLst meth="repeat">
+      <a:schemeClr val="dk2"/>
+    </dgm:fillClrLst>
+    <dgm:linClrLst meth="repeat">
+      <a:schemeClr val="lt2"/>
+    </dgm:linClrLst>
+    <dgm:effectClrLst/>
+    <dgm:txLinClrLst/>
+    <dgm:txFillClrLst/>
+    <dgm:txEffectClrLst/>
+  </dgm:styleLbl>
+  <dgm:styleLbl name="parChTrans2D1">
+    <dgm:fillClrLst meth="repeat">
+      <a:schemeClr val="dk2">
+        <a:tint val="60000"/>
+      </a:schemeClr>
+    </dgm:fillClrLst>
+    <dgm:linClrLst meth="repeat">
+      <a:schemeClr val="dk2">
+        <a:tint val="60000"/>
+      </a:schemeClr>
+    </dgm:linClrLst>
+    <dgm:effectClrLst/>
+    <dgm:txLinClrLst/>
+    <dgm:txFillClrLst meth="repeat">
+      <a:schemeClr val="lt2"/>
+    </dgm:txFillClrLst>
+    <dgm:txEffectClrLst/>
+  </dgm:styleLbl>
+  <dgm:styleLbl name="parChTrans2D2">
+    <dgm:fillClrLst meth="repeat">
+      <a:schemeClr val="dk2"/>
+    </dgm:fillClrLst>
+    <dgm:linClrLst meth="repeat">
+      <a:schemeClr val="dk2"/>
+    </dgm:linClrLst>
+    <dgm:effectClrLst/>
+    <dgm:txLinClrLst/>
+    <dgm:txFillClrLst meth="repeat">
+      <a:schemeClr val="lt2"/>
+    </dgm:txFillClrLst>
+    <dgm:txEffectClrLst/>
+  </dgm:styleLbl>
+  <dgm:styleLbl name="parChTrans2D3">
+    <dgm:fillClrLst meth="repeat">
+      <a:schemeClr val="dk2"/>
+    </dgm:fillClrLst>
+    <dgm:linClrLst meth="repeat">
+      <a:schemeClr val="dk2"/>
+    </dgm:linClrLst>
+    <dgm:effectClrLst/>
+    <dgm:txLinClrLst/>
+    <dgm:txFillClrLst meth="repeat">
+      <a:schemeClr val="lt2"/>
+    </dgm:txFillClrLst>
+    <dgm:txEffectClrLst/>
+  </dgm:styleLbl>
+  <dgm:styleLbl name="parChTrans2D4">
+    <dgm:fillClrLst meth="repeat">
+      <a:schemeClr val="dk2"/>
+    </dgm:fillClrLst>
+    <dgm:linClrLst meth="repeat">
+      <a:schemeClr val="dk2"/>
+    </dgm:linClrLst>
+    <dgm:effectClrLst/>
+    <dgm:txLinClrLst/>
+    <dgm:txFillClrLst meth="repeat">
+      <a:schemeClr val="lt2"/>
+    </dgm:txFillClrLst>
+    <dgm:txEffectClrLst/>
+  </dgm:styleLbl>
+  <dgm:styleLbl name="parChTrans1D1">
+    <dgm:fillClrLst meth="repeat">
+      <a:schemeClr val="dk2"/>
+    </dgm:fillClrLst>
+    <dgm:linClrLst meth="repeat">
+      <a:schemeClr val="dk2">
+        <a:shade val="60000"/>
+      </a:schemeClr>
+    </dgm:linClrLst>
+    <dgm:effectClrLst/>
+    <dgm:txLinClrLst/>
+    <dgm:txFillClrLst meth="repeat">
+      <a:schemeClr val="tx1"/>
+    </dgm:txFillClrLst>
+    <dgm:txEffectClrLst/>
+  </dgm:styleLbl>
+  <dgm:styleLbl name="parChTrans1D2">
+    <dgm:fillClrLst meth="repeat">
+      <a:schemeClr val="dk2"/>
+    </dgm:fillClrLst>
+    <dgm:linClrLst meth="repeat">
+      <a:schemeClr val="dk2">
+        <a:shade val="60000"/>
+      </a:schemeClr>
+    </dgm:linClrLst>
+    <dgm:effectClrLst/>
+    <dgm:txLinClrLst/>
+    <dgm:txFillClrLst meth="repeat">
+      <a:schemeClr val="tx1"/>
+    </dgm:txFillClrLst>
+    <dgm:txEffectClrLst/>
+  </dgm:styleLbl>
+  <dgm:styleLbl name="parChTrans1D3">
+    <dgm:fillClrLst meth="repeat">
+      <a:schemeClr val="dk2"/>
+    </dgm:fillClrLst>
+    <dgm:linClrLst meth="repeat">
+      <a:schemeClr val="dk2">
+        <a:shade val="80000"/>
+      </a:schemeClr>
+    </dgm:linClrLst>
+    <dgm:effectClrLst/>
+    <dgm:txLinClrLst/>
+    <dgm:txFillClrLst meth="repeat">
+      <a:schemeClr val="tx1"/>
+    </dgm:txFillClrLst>
+    <dgm:txEffectClrLst/>
+  </dgm:styleLbl>
+  <dgm:styleLbl name="parChTrans1D4">
+    <dgm:fillClrLst meth="repeat">
+      <a:schemeClr val="dk2"/>
+    </dgm:fillClrLst>
+    <dgm:linClrLst meth="repeat">
+      <a:schemeClr val="dk2">
+        <a:shade val="80000"/>
+      </a:schemeClr>
+    </dgm:linClrLst>
+    <dgm:effectClrLst/>
+    <dgm:txLinClrLst/>
+    <dgm:txFillClrLst meth="repeat">
+      <a:schemeClr val="tx1"/>
+    </dgm:txFillClrLst>
+    <dgm:txEffectClrLst/>
+  </dgm:styleLbl>
+  <dgm:styleLbl name="fgAcc1">
+    <dgm:fillClrLst meth="repeat">
+      <a:schemeClr val="lt2">
+        <a:alpha val="90000"/>
+      </a:schemeClr>
+    </dgm:fillClrLst>
+    <dgm:linClrLst meth="repeat">
+      <a:schemeClr val="dk2"/>
+    </dgm:linClrLst>
+    <dgm:effectClrLst/>
+    <dgm:txLinClrLst/>
+    <dgm:txFillClrLst meth="repeat">
+      <a:schemeClr val="dk1"/>
+    </dgm:txFillClrLst>
+    <dgm:txEffectClrLst/>
+  </dgm:styleLbl>
+  <dgm:styleLbl name="conFgAcc1">
+    <dgm:fillClrLst meth="repeat">
+      <a:schemeClr val="lt2">
+        <a:alpha val="90000"/>
+      </a:schemeClr>
+    </dgm:fillClrLst>
+    <dgm:linClrLst meth="repeat">
+      <a:schemeClr val="dk2"/>
+    </dgm:linClrLst>
+    <dgm:effectClrLst/>
+    <dgm:txLinClrLst/>
+    <dgm:txFillClrLst meth="repeat">
+      <a:schemeClr val="dk1"/>
+    </dgm:txFillClrLst>
+    <dgm:txEffectClrLst/>
+  </dgm:styleLbl>
+  <dgm:styleLbl name="alignAcc1">
+    <dgm:fillClrLst meth="repeat">
+      <a:schemeClr val="lt2">
+        <a:alpha val="90000"/>
+      </a:schemeClr>
+    </dgm:fillClrLst>
+    <dgm:linClrLst meth="repeat">
+      <a:schemeClr val="dk2"/>
+    </dgm:linClrLst>
+    <dgm:effectClrLst/>
+    <dgm:txLinClrLst/>
+    <dgm:txFillClrLst meth="repeat">
+      <a:schemeClr val="dk1"/>
+    </dgm:txFillClrLst>
+    <dgm:txEffectClrLst/>
+  </dgm:styleLbl>
+  <dgm:styleLbl name="trAlignAcc1">
+    <dgm:fillClrLst meth="repeat">
+      <a:schemeClr val="lt2">
+        <a:alpha val="40000"/>
+      </a:schemeClr>
+    </dgm:fillClrLst>
+    <dgm:linClrLst meth="repeat">
+      <a:schemeClr val="dk2"/>
+    </dgm:linClrLst>
+    <dgm:effectClrLst/>
+    <dgm:txLinClrLst/>
+    <dgm:txFillClrLst meth="repeat">
+      <a:schemeClr val="dk1"/>
+    </dgm:txFillClrLst>
+    <dgm:txEffectClrLst/>
+  </dgm:styleLbl>
+  <dgm:styleLbl name="bgAcc1">
+    <dgm:fillClrLst meth="repeat">
+      <a:schemeClr val="lt2">
+        <a:alpha val="90000"/>
+      </a:schemeClr>
+    </dgm:fillClrLst>
+    <dgm:linClrLst meth="repeat">
+      <a:schemeClr val="dk2"/>
+    </dgm:linClrLst>
+    <dgm:effectClrLst/>
+    <dgm:txLinClrLst/>
+    <dgm:txFillClrLst meth="repeat">
+      <a:schemeClr val="dk1"/>
+    </dgm:txFillClrLst>
+    <dgm:txEffectClrLst/>
+  </dgm:styleLbl>
+  <dgm:styleLbl name="solidFgAcc1">
+    <dgm:fillClrLst meth="repeat">
+      <a:schemeClr val="lt2"/>
+    </dgm:fillClrLst>
+    <dgm:linClrLst meth="repeat">
+      <a:schemeClr val="dk2"/>
+    </dgm:linClrLst>
+    <dgm:effectClrLst/>
+    <dgm:txLinClrLst/>
+    <dgm:txFillClrLst meth="repeat">
+      <a:schemeClr val="dk1"/>
+    </dgm:txFillClrLst>
+    <dgm:txEffectClrLst/>
+  </dgm:styleLbl>
+  <dgm:styleLbl name="solidAlignAcc1">
+    <dgm:fillClrLst meth="repeat">
+      <a:schemeClr val="lt2"/>
+    </dgm:fillClrLst>
+    <dgm:linClrLst meth="repeat">
+      <a:schemeClr val="dk2"/>
+    </dgm:linClrLst>
+    <dgm:effectClrLst/>
+    <dgm:txLinClrLst/>
+    <dgm:txFillClrLst meth="repeat">
+      <a:schemeClr val="dk1"/>
+    </dgm:txFillClrLst>
+    <dgm:txEffectClrLst/>
+  </dgm:styleLbl>
+  <dgm:styleLbl name="solidBgAcc1">
+    <dgm:fillClrLst meth="repeat">
+      <a:schemeClr val="lt2"/>
+    </dgm:fillClrLst>
+    <dgm:linClrLst meth="repeat">
+      <a:schemeClr val="dk2"/>
+    </dgm:linClrLst>
+    <dgm:effectClrLst/>
+    <dgm:txLinClrLst/>
+    <dgm:txFillClrLst meth="repeat">
+      <a:schemeClr val="dk1"/>
+    </dgm:txFillClrLst>
+    <dgm:txEffectClrLst/>
+  </dgm:styleLbl>
+  <dgm:styleLbl name="fgAccFollowNode1">
+    <dgm:fillClrLst meth="repeat">
+      <a:schemeClr val="dk2">
+        <a:alpha val="90000"/>
+        <a:tint val="40000"/>
+      </a:schemeClr>
+    </dgm:fillClrLst>
+    <dgm:linClrLst meth="repeat">
+      <a:schemeClr val="dk2">
+        <a:alpha val="90000"/>
+        <a:tint val="40000"/>
+      </a:schemeClr>
+    </dgm:linClrLst>
+    <dgm:effectClrLst/>
+    <dgm:txLinClrLst/>
+    <dgm:txFillClrLst meth="repeat">
+      <a:schemeClr val="dk1"/>
+    </dgm:txFillClrLst>
+    <dgm:txEffectClrLst/>
+  </dgm:styleLbl>
+  <dgm:styleLbl name="alignAccFollowNode1">
+    <dgm:fillClrLst meth="repeat">
+      <a:schemeClr val="dk2">
+        <a:alpha val="90000"/>
+        <a:tint val="40000"/>
+      </a:schemeClr>
+    </dgm:fillClrLst>
+    <dgm:linClrLst meth="repeat">
+      <a:schemeClr val="dk2">
+        <a:alpha val="90000"/>
+        <a:tint val="40000"/>
+      </a:schemeClr>
+    </dgm:linClrLst>
+    <dgm:effectClrLst/>
+    <dgm:txLinClrLst/>
+    <dgm:txFillClrLst meth="repeat">
+      <a:schemeClr val="dk1"/>
+    </dgm:txFillClrLst>
+    <dgm:txEffectClrLst/>
+  </dgm:styleLbl>
+  <dgm:styleLbl name="bgAccFollowNode1">
+    <dgm:fillClrLst meth="repeat">
+      <a:schemeClr val="dk2">
+        <a:alpha val="90000"/>
+        <a:tint val="40000"/>
+      </a:schemeClr>
+    </dgm:fillClrLst>
+    <dgm:linClrLst meth="repeat">
+      <a:schemeClr val="dk2">
+        <a:alpha val="90000"/>
+        <a:tint val="40000"/>
+      </a:schemeClr>
+    </dgm:linClrLst>
+    <dgm:effectClrLst/>
+    <dgm:txLinClrLst/>
+    <dgm:txFillClrLst meth="repeat">
+      <a:schemeClr val="dk1"/>
+    </dgm:txFillClrLst>
+    <dgm:txEffectClrLst/>
+  </dgm:styleLbl>
+  <dgm:styleLbl name="fgAcc0">
+    <dgm:fillClrLst meth="repeat">
+      <a:schemeClr val="lt2">
+        <a:alpha val="90000"/>
+      </a:schemeClr>
+    </dgm:fillClrLst>
+    <dgm:linClrLst meth="repeat">
+      <a:schemeClr val="dk2"/>
+    </dgm:linClrLst>
+    <dgm:effectClrLst/>
+    <dgm:txLinClrLst/>
+    <dgm:txFillClrLst meth="repeat">
+      <a:schemeClr val="dk1"/>
+    </dgm:txFillClrLst>
+    <dgm:txEffectClrLst/>
+  </dgm:styleLbl>
+  <dgm:styleLbl name="fgAcc2">
+    <dgm:fillClrLst meth="repeat">
+      <a:schemeClr val="lt2">
+        <a:alpha val="90000"/>
+      </a:schemeClr>
+    </dgm:fillClrLst>
+    <dgm:linClrLst meth="repeat">
+      <a:schemeClr val="dk2"/>
+    </dgm:linClrLst>
+    <dgm:effectClrLst/>
+    <dgm:txLinClrLst/>
+    <dgm:txFillClrLst meth="repeat">
+      <a:schemeClr val="dk1"/>
+    </dgm:txFillClrLst>
+    <dgm:txEffectClrLst/>
+  </dgm:styleLbl>
+  <dgm:styleLbl name="fgAcc3">
+    <dgm:fillClrLst meth="repeat">
+      <a:schemeClr val="lt2">
+        <a:alpha val="90000"/>
+      </a:schemeClr>
+    </dgm:fillClrLst>
+    <dgm:linClrLst meth="repeat">
+      <a:schemeClr val="dk2"/>
+    </dgm:linClrLst>
+    <dgm:effectClrLst/>
+    <dgm:txLinClrLst/>
+    <dgm:txFillClrLst meth="repeat">
+      <a:schemeClr val="dk1"/>
+    </dgm:txFillClrLst>
+    <dgm:txEffectClrLst/>
+  </dgm:styleLbl>
+  <dgm:styleLbl name="fgAcc4">
+    <dgm:fillClrLst meth="repeat">
+      <a:schemeClr val="lt2">
+        <a:alpha val="90000"/>
+      </a:schemeClr>
+    </dgm:fillClrLst>
+    <dgm:linClrLst meth="repeat">
+      <a:schemeClr val="dk2"/>
+    </dgm:linClrLst>
+    <dgm:effectClrLst/>
+    <dgm:txLinClrLst/>
+    <dgm:txFillClrLst meth="repeat">
+      <a:schemeClr val="dk1"/>
+    </dgm:txFillClrLst>
+    <dgm:txEffectClrLst/>
+  </dgm:styleLbl>
+  <dgm:styleLbl name="bgShp">
+    <dgm:fillClrLst meth="repeat">
+      <a:schemeClr val="dk2">
+        <a:tint val="40000"/>
+      </a:schemeClr>
+    </dgm:fillClrLst>
+    <dgm:linClrLst meth="repeat">
+      <a:schemeClr val="dk2"/>
+    </dgm:linClrLst>
+    <dgm:effectClrLst/>
+    <dgm:txLinClrLst/>
+    <dgm:txFillClrLst meth="repeat">
+      <a:schemeClr val="dk1"/>
+    </dgm:txFillClrLst>
+    <dgm:txEffectClrLst/>
+  </dgm:styleLbl>
+  <dgm:styleLbl name="dkBgShp">
+    <dgm:fillClrLst meth="repeat">
+      <a:schemeClr val="dk2">
+        <a:shade val="80000"/>
+      </a:schemeClr>
+    </dgm:fillClrLst>
+    <dgm:linClrLst meth="repeat">
+      <a:schemeClr val="dk2"/>
+    </dgm:linClrLst>
+    <dgm:effectClrLst/>
+    <dgm:txLinClrLst/>
+    <dgm:txFillClrLst meth="repeat">
+      <a:schemeClr val="lt1"/>
+    </dgm:txFillClrLst>
+    <dgm:txEffectClrLst/>
+  </dgm:styleLbl>
+  <dgm:styleLbl name="trBgShp">
+    <dgm:fillClrLst meth="repeat">
+      <a:schemeClr val="dk2">
+        <a:tint val="50000"/>
+        <a:alpha val="40000"/>
+      </a:schemeClr>
+    </dgm:fillClrLst>
+    <dgm:linClrLst meth="repeat">
+      <a:schemeClr val="dk2"/>
+    </dgm:linClrLst>
+    <dgm:effectClrLst/>
+    <dgm:txLinClrLst/>
+    <dgm:txFillClrLst meth="repeat">
+      <a:schemeClr val="lt1"/>
+    </dgm:txFillClrLst>
+    <dgm:txEffectClrLst/>
+  </dgm:styleLbl>
+  <dgm:styleLbl name="fgShp">
+    <dgm:fillClrLst meth="repeat">
+      <a:schemeClr val="dk2">
+        <a:tint val="60000"/>
+      </a:schemeClr>
+    </dgm:fillClrLst>
+    <dgm:linClrLst meth="repeat">
+      <a:schemeClr val="lt2"/>
+    </dgm:linClrLst>
+    <dgm:effectClrLst/>
+    <dgm:txLinClrLst/>
+    <dgm:txFillClrLst meth="repeat">
+      <a:schemeClr val="dk1"/>
+    </dgm:txFillClrLst>
+    <dgm:txEffectClrLst/>
+  </dgm:styleLbl>
+  <dgm:styleLbl name="revTx">
+    <dgm:fillClrLst meth="repeat">
+      <a:schemeClr val="lt2">
+        <a:alpha val="0"/>
+      </a:schemeClr>
+    </dgm:fillClrLst>
+    <dgm:linClrLst meth="repeat">
+      <a:schemeClr val="dk1">
+        <a:alpha val="0"/>
+      </a:schemeClr>
+    </dgm:linClrLst>
+    <dgm:effectClrLst/>
+    <dgm:txLinClrLst/>
+    <dgm:txFillClrLst meth="repeat">
+      <a:schemeClr val="tx1"/>
+    </dgm:txFillClrLst>
+    <dgm:txEffectClrLst/>
+  </dgm:styleLbl>
+</dgm:colorsDef>
+</file>
+
+<file path=ppt/diagrams/colors15.xml><?xml version="1.0" encoding="utf-8"?>
 <dgm:colorsDef xmlns:dgm="http://schemas.openxmlformats.org/drawingml/2006/diagram" xmlns:a="http://schemas.openxmlformats.org/drawingml/2006/main" uniqueId="urn:microsoft.com/office/officeart/2005/8/colors/accent1_2">
   <dgm:title val=""/>
   <dgm:desc val=""/>
@@ -10247,41 +11746,30 @@
         </a:p>
       </dgm:t>
     </dgm:pt>
-    <dgm:pt modelId="{411B8D0D-8A5E-4B38-8A3D-7EBC8CA00E53}">
-      <dgm:prSet phldrT="[Text]" custT="1"/>
+    <dgm:pt modelId="{75B842C1-CF52-47E6-AD39-8A3A8C51A002}">
+      <dgm:prSet/>
       <dgm:spPr/>
       <dgm:t>
         <a:bodyPr/>
         <a:lstStyle/>
         <a:p>
           <a:r>
-            <a:rPr lang="en-US" sz="2000" dirty="0">
+            <a:rPr lang="en-US" dirty="0">
               <a:solidFill>
                 <a:schemeClr val="bg1"/>
               </a:solidFill>
             </a:rPr>
-            <a:t>After we commit changes, we need to sync the remote repo (the one on </a:t>
+            <a:t>The command “git pull” downloads changes in the server version of the repo to our local repo</a:t>
           </a:r>
-          <a:r>
-            <a:rPr lang="en-US" sz="2000" dirty="0" err="1">
-              <a:solidFill>
-                <a:schemeClr val="bg1"/>
-              </a:solidFill>
-            </a:rPr>
-            <a:t>github</a:t>
-          </a:r>
-          <a:r>
-            <a:rPr lang="en-US" sz="2000" dirty="0">
-              <a:solidFill>
-                <a:schemeClr val="bg1"/>
-              </a:solidFill>
-            </a:rPr>
-            <a:t>…)</a:t>
-          </a:r>
+          <a:endParaRPr lang="en-IL" dirty="0">
+            <a:solidFill>
+              <a:schemeClr val="bg1"/>
+            </a:solidFill>
+          </a:endParaRPr>
         </a:p>
       </dgm:t>
     </dgm:pt>
-    <dgm:pt modelId="{C4C8A620-9F69-4ED5-B63B-3D3A59565D68}" type="parTrans" cxnId="{AF149B2D-5D1B-43FB-BE7C-699555993A80}">
+    <dgm:pt modelId="{70A8DE6A-5EA3-45A3-9517-53D873109099}" type="parTrans" cxnId="{D360E3C5-BFB2-4BF1-BF02-7F4F948C7061}">
       <dgm:prSet/>
       <dgm:spPr/>
       <dgm:t>
@@ -10292,7 +11780,7 @@
         </a:p>
       </dgm:t>
     </dgm:pt>
-    <dgm:pt modelId="{9FCAC67F-754E-4D63-ACA7-51B566AF12BD}" type="sibTrans" cxnId="{AF149B2D-5D1B-43FB-BE7C-699555993A80}">
+    <dgm:pt modelId="{84B980F9-511E-4CD3-A6E2-ABA0F05DADF7}" type="sibTrans" cxnId="{D360E3C5-BFB2-4BF1-BF02-7F4F948C7061}">
       <dgm:prSet/>
       <dgm:spPr/>
       <dgm:t>
@@ -10303,61 +11791,96 @@
         </a:p>
       </dgm:t>
     </dgm:pt>
-    <dgm:pt modelId="{3879BF30-01FD-46E6-8ABD-C82FAB8B42E6}">
-      <dgm:prSet phldrT="[Text]" custT="1"/>
+    <dgm:pt modelId="{40727E57-3C51-4EB3-B34A-D58CB453ECB3}">
+      <dgm:prSet/>
       <dgm:spPr/>
       <dgm:t>
         <a:bodyPr/>
         <a:lstStyle/>
         <a:p>
           <a:r>
-            <a:rPr lang="en-US" sz="1800" dirty="0">
+            <a:rPr lang="en-US" dirty="0">
               <a:solidFill>
                 <a:schemeClr val="bg1"/>
               </a:solidFill>
             </a:rPr>
-            <a:t>***NOTICE***:</a:t>
+            <a:t>***WARNING***</a:t>
           </a:r>
         </a:p>
         <a:p>
           <a:r>
-            <a:rPr lang="en-US" sz="1000" dirty="0">
+            <a:rPr lang="en-US" dirty="0">
+              <a:solidFill>
+                <a:schemeClr val="accent1"/>
+              </a:solidFill>
+            </a:rPr>
+            <a:t>Before “pulling”, make sure you have </a:t>
+          </a:r>
+          <a:r>
+            <a:rPr lang="en-US" b="1" dirty="0">
+              <a:solidFill>
+                <a:schemeClr val="accent1"/>
+              </a:solidFill>
+            </a:rPr>
+            <a:t>staged</a:t>
+          </a:r>
+          <a:r>
+            <a:rPr lang="en-US" dirty="0">
+              <a:solidFill>
+                <a:schemeClr val="accent1"/>
+              </a:solidFill>
+            </a:rPr>
+            <a:t>, </a:t>
+          </a:r>
+          <a:r>
+            <a:rPr lang="en-US" b="1" dirty="0">
+              <a:solidFill>
+                <a:schemeClr val="accent1"/>
+              </a:solidFill>
+            </a:rPr>
+            <a:t>committed</a:t>
+          </a:r>
+          <a:r>
+            <a:rPr lang="en-US" dirty="0">
+              <a:solidFill>
+                <a:schemeClr val="accent1"/>
+              </a:solidFill>
+            </a:rPr>
+            <a:t>, and </a:t>
+          </a:r>
+          <a:r>
+            <a:rPr lang="en-US" b="1" dirty="0">
+              <a:solidFill>
+                <a:schemeClr val="accent1"/>
+              </a:solidFill>
+            </a:rPr>
+            <a:t>pushed</a:t>
+          </a:r>
+          <a:r>
+            <a:rPr lang="en-US" dirty="0">
+              <a:solidFill>
+                <a:schemeClr val="accent1"/>
+              </a:solidFill>
+            </a:rPr>
+            <a:t> all your changes. </a:t>
+          </a:r>
+          <a:r>
+            <a:rPr lang="en-US" dirty="0">
               <a:solidFill>
                 <a:schemeClr val="bg1"/>
               </a:solidFill>
             </a:rPr>
-            <a:t>This might require using a GitHub token. Instructions are in here:</a:t>
+            <a:t>Otherwise your branch might need a bit of work to be synced again</a:t>
           </a:r>
-        </a:p>
-        <a:p>
-          <a:r>
-            <a:rPr lang="en-US" sz="1000" dirty="0">
-              <a:solidFill>
-                <a:schemeClr val="bg1"/>
-              </a:solidFill>
-            </a:rPr>
-            <a:t> “</a:t>
-          </a:r>
-          <a:r>
-            <a:rPr lang="en-US" sz="1000" dirty="0" err="1">
-              <a:solidFill>
-                <a:schemeClr val="bg1"/>
-              </a:solidFill>
-            </a:rPr>
-            <a:t>Tiltan_UnrealEngineCourse</a:t>
-          </a:r>
-          <a:r>
-            <a:rPr lang="en-US" sz="1000" dirty="0">
-              <a:solidFill>
-                <a:schemeClr val="bg1"/>
-              </a:solidFill>
-            </a:rPr>
-            <a:t>\Classes\Class_1\Utils”</a:t>
-          </a:r>
+          <a:endParaRPr lang="en-IL" dirty="0">
+            <a:solidFill>
+              <a:schemeClr val="bg1"/>
+            </a:solidFill>
+          </a:endParaRPr>
         </a:p>
       </dgm:t>
     </dgm:pt>
-    <dgm:pt modelId="{A89639C8-FA55-4394-AA17-CD8C54DF8A40}" type="parTrans" cxnId="{AFB530B8-F6B0-414D-8503-FBF130F8E5B5}">
+    <dgm:pt modelId="{119FEF77-3CCC-43A0-983E-7830E4ECA7B6}" type="parTrans" cxnId="{76E612D4-7CD0-4B07-B931-79EF8A4DD877}">
       <dgm:prSet/>
       <dgm:spPr/>
       <dgm:t>
@@ -10368,7 +11891,7 @@
         </a:p>
       </dgm:t>
     </dgm:pt>
-    <dgm:pt modelId="{AA945557-8057-4EF2-8B6C-C39AC71ECBE4}" type="sibTrans" cxnId="{AFB530B8-F6B0-414D-8503-FBF130F8E5B5}">
+    <dgm:pt modelId="{2A893F04-EFB4-4BFE-AA0F-14EE90B83FDC}" type="sibTrans" cxnId="{76E612D4-7CD0-4B07-B931-79EF8A4DD877}">
       <dgm:prSet/>
       <dgm:spPr/>
       <dgm:t>
@@ -10378,6 +11901,53 @@
           <a:endParaRPr lang="en-IL"/>
         </a:p>
       </dgm:t>
+    </dgm:pt>
+    <dgm:pt modelId="{7177FDDF-34E6-4E96-85F1-5E31960CF313}">
+      <dgm:prSet/>
+      <dgm:spPr/>
+      <dgm:t>
+        <a:bodyPr/>
+        <a:lstStyle/>
+        <a:p>
+          <a:r>
+            <a:rPr lang="en-US" dirty="0">
+              <a:solidFill>
+                <a:schemeClr val="bg1"/>
+              </a:solidFill>
+            </a:rPr>
+            <a:t>The changes you are pulling should be on other branches and not your own (probably the “main” branch or “</a:t>
+          </a:r>
+          <a:r>
+            <a:rPr lang="en-US" dirty="0" err="1">
+              <a:solidFill>
+                <a:schemeClr val="bg1"/>
+              </a:solidFill>
+            </a:rPr>
+            <a:t>Other_Person”’s</a:t>
+          </a:r>
+          <a:r>
+            <a:rPr lang="en-US" dirty="0">
+              <a:solidFill>
+                <a:schemeClr val="bg1"/>
+              </a:solidFill>
+            </a:rPr>
+            <a:t> branch</a:t>
+          </a:r>
+          <a:endParaRPr lang="en-IL" dirty="0">
+            <a:solidFill>
+              <a:schemeClr val="bg1"/>
+            </a:solidFill>
+          </a:endParaRPr>
+        </a:p>
+      </dgm:t>
+    </dgm:pt>
+    <dgm:pt modelId="{B1535EE1-6CDF-4547-95EE-B420CBDD2DE5}" type="parTrans" cxnId="{50ABE2C8-2525-4CF1-80A3-9F66AC71CEE0}">
+      <dgm:prSet/>
+      <dgm:spPr/>
+    </dgm:pt>
+    <dgm:pt modelId="{FD6B3176-9816-44F8-9139-5E92715F69E9}" type="sibTrans" cxnId="{50ABE2C8-2525-4CF1-80A3-9F66AC71CEE0}">
+      <dgm:prSet/>
+      <dgm:spPr/>
     </dgm:pt>
     <dgm:pt modelId="{46E45259-DCC1-407C-A26D-97454CA51B03}" type="pres">
       <dgm:prSet presAssocID="{5DEF0052-C6E6-40A1-802E-A5295FA48983}" presName="vert0" presStyleCnt="0">
@@ -10389,53 +11959,75 @@
       </dgm:prSet>
       <dgm:spPr/>
     </dgm:pt>
-    <dgm:pt modelId="{7A872C80-96A0-4422-A276-86F6CFE50AB1}" type="pres">
-      <dgm:prSet presAssocID="{411B8D0D-8A5E-4B38-8A3D-7EBC8CA00E53}" presName="thickLine" presStyleLbl="alignNode1" presStyleIdx="0" presStyleCnt="2"/>
+    <dgm:pt modelId="{37A99676-7D77-4234-B476-7F723A4EE5DD}" type="pres">
+      <dgm:prSet presAssocID="{75B842C1-CF52-47E6-AD39-8A3A8C51A002}" presName="thickLine" presStyleLbl="alignNode1" presStyleIdx="0" presStyleCnt="3"/>
       <dgm:spPr/>
     </dgm:pt>
-    <dgm:pt modelId="{363A948C-A619-466E-A2FF-A3F0E35250D3}" type="pres">
-      <dgm:prSet presAssocID="{411B8D0D-8A5E-4B38-8A3D-7EBC8CA00E53}" presName="horz1" presStyleCnt="0"/>
+    <dgm:pt modelId="{A1FB1E83-DAD9-4C2C-A9B4-AB8AFEC41EEE}" type="pres">
+      <dgm:prSet presAssocID="{75B842C1-CF52-47E6-AD39-8A3A8C51A002}" presName="horz1" presStyleCnt="0"/>
       <dgm:spPr/>
     </dgm:pt>
-    <dgm:pt modelId="{C5143D86-B46E-4460-A980-B58A7D7747BD}" type="pres">
-      <dgm:prSet presAssocID="{411B8D0D-8A5E-4B38-8A3D-7EBC8CA00E53}" presName="tx1" presStyleLbl="revTx" presStyleIdx="0" presStyleCnt="2"/>
+    <dgm:pt modelId="{67E73B1D-A92F-4837-AC5B-AF24B5C52467}" type="pres">
+      <dgm:prSet presAssocID="{75B842C1-CF52-47E6-AD39-8A3A8C51A002}" presName="tx1" presStyleLbl="revTx" presStyleIdx="0" presStyleCnt="3"/>
       <dgm:spPr/>
     </dgm:pt>
-    <dgm:pt modelId="{1CDAA3E6-B485-43A9-9A42-996DBC8CBF71}" type="pres">
-      <dgm:prSet presAssocID="{411B8D0D-8A5E-4B38-8A3D-7EBC8CA00E53}" presName="vert1" presStyleCnt="0"/>
+    <dgm:pt modelId="{101FB990-A82D-400F-A7B4-A0308FA8399F}" type="pres">
+      <dgm:prSet presAssocID="{75B842C1-CF52-47E6-AD39-8A3A8C51A002}" presName="vert1" presStyleCnt="0"/>
       <dgm:spPr/>
     </dgm:pt>
-    <dgm:pt modelId="{CACF304F-137E-4BD2-8F05-1C51B44BC567}" type="pres">
-      <dgm:prSet presAssocID="{3879BF30-01FD-46E6-8ABD-C82FAB8B42E6}" presName="thickLine" presStyleLbl="alignNode1" presStyleIdx="1" presStyleCnt="2"/>
+    <dgm:pt modelId="{A61422F4-39B9-483B-B7C0-C98B4D842298}" type="pres">
+      <dgm:prSet presAssocID="{40727E57-3C51-4EB3-B34A-D58CB453ECB3}" presName="thickLine" presStyleLbl="alignNode1" presStyleIdx="1" presStyleCnt="3"/>
       <dgm:spPr/>
     </dgm:pt>
-    <dgm:pt modelId="{CEBF7315-53DB-4182-A77E-473BB5B12F6A}" type="pres">
-      <dgm:prSet presAssocID="{3879BF30-01FD-46E6-8ABD-C82FAB8B42E6}" presName="horz1" presStyleCnt="0"/>
+    <dgm:pt modelId="{DD7F288F-8CBF-4564-9843-1D4B3973E86E}" type="pres">
+      <dgm:prSet presAssocID="{40727E57-3C51-4EB3-B34A-D58CB453ECB3}" presName="horz1" presStyleCnt="0"/>
       <dgm:spPr/>
     </dgm:pt>
-    <dgm:pt modelId="{2F3EC1E4-F45F-4948-BA7F-89F5F5EF16D6}" type="pres">
-      <dgm:prSet presAssocID="{3879BF30-01FD-46E6-8ABD-C82FAB8B42E6}" presName="tx1" presStyleLbl="revTx" presStyleIdx="1" presStyleCnt="2"/>
+    <dgm:pt modelId="{123E1194-EDCB-4BC3-8A5F-679E6B7FB166}" type="pres">
+      <dgm:prSet presAssocID="{40727E57-3C51-4EB3-B34A-D58CB453ECB3}" presName="tx1" presStyleLbl="revTx" presStyleIdx="1" presStyleCnt="3"/>
       <dgm:spPr/>
     </dgm:pt>
-    <dgm:pt modelId="{31F19E50-7C35-4F40-B67F-F50805DC152C}" type="pres">
-      <dgm:prSet presAssocID="{3879BF30-01FD-46E6-8ABD-C82FAB8B42E6}" presName="vert1" presStyleCnt="0"/>
+    <dgm:pt modelId="{EAA274E6-62CB-46BE-B2CB-A142D5814F33}" type="pres">
+      <dgm:prSet presAssocID="{40727E57-3C51-4EB3-B34A-D58CB453ECB3}" presName="vert1" presStyleCnt="0"/>
+      <dgm:spPr/>
+    </dgm:pt>
+    <dgm:pt modelId="{60803E1B-51DC-4E28-AECB-BC6F5064E147}" type="pres">
+      <dgm:prSet presAssocID="{7177FDDF-34E6-4E96-85F1-5E31960CF313}" presName="thickLine" presStyleLbl="alignNode1" presStyleIdx="2" presStyleCnt="3"/>
+      <dgm:spPr/>
+    </dgm:pt>
+    <dgm:pt modelId="{A4C321BF-989C-4719-9202-65A21144B7F9}" type="pres">
+      <dgm:prSet presAssocID="{7177FDDF-34E6-4E96-85F1-5E31960CF313}" presName="horz1" presStyleCnt="0"/>
+      <dgm:spPr/>
+    </dgm:pt>
+    <dgm:pt modelId="{70EB4E1A-1F32-4A20-873B-DE23A98B3C83}" type="pres">
+      <dgm:prSet presAssocID="{7177FDDF-34E6-4E96-85F1-5E31960CF313}" presName="tx1" presStyleLbl="revTx" presStyleIdx="2" presStyleCnt="3"/>
+      <dgm:spPr/>
+    </dgm:pt>
+    <dgm:pt modelId="{CD340007-FFD8-4AEA-85FF-AB6B29BB78E5}" type="pres">
+      <dgm:prSet presAssocID="{7177FDDF-34E6-4E96-85F1-5E31960CF313}" presName="vert1" presStyleCnt="0"/>
       <dgm:spPr/>
     </dgm:pt>
   </dgm:ptLst>
   <dgm:cxnLst>
-    <dgm:cxn modelId="{AF149B2D-5D1B-43FB-BE7C-699555993A80}" srcId="{5DEF0052-C6E6-40A1-802E-A5295FA48983}" destId="{411B8D0D-8A5E-4B38-8A3D-7EBC8CA00E53}" srcOrd="0" destOrd="0" parTransId="{C4C8A620-9F69-4ED5-B63B-3D3A59565D68}" sibTransId="{9FCAC67F-754E-4D63-ACA7-51B566AF12BD}"/>
-    <dgm:cxn modelId="{3E2FFF65-B3CA-42B6-9C4E-03D91E94D5FB}" type="presOf" srcId="{411B8D0D-8A5E-4B38-8A3D-7EBC8CA00E53}" destId="{C5143D86-B46E-4460-A980-B58A7D7747BD}" srcOrd="0" destOrd="0" presId="urn:microsoft.com/office/officeart/2008/layout/LinedList"/>
-    <dgm:cxn modelId="{0D4D416A-AAA1-4846-9D72-191CDDB2EADE}" type="presOf" srcId="{3879BF30-01FD-46E6-8ABD-C82FAB8B42E6}" destId="{2F3EC1E4-F45F-4948-BA7F-89F5F5EF16D6}" srcOrd="0" destOrd="0" presId="urn:microsoft.com/office/officeart/2008/layout/LinedList"/>
+    <dgm:cxn modelId="{1CFABB44-93C1-409F-B774-DDF689FAC59A}" type="presOf" srcId="{7177FDDF-34E6-4E96-85F1-5E31960CF313}" destId="{70EB4E1A-1F32-4A20-873B-DE23A98B3C83}" srcOrd="0" destOrd="0" presId="urn:microsoft.com/office/officeart/2008/layout/LinedList"/>
     <dgm:cxn modelId="{7BCEA4B4-0FB4-4E9B-944B-581E085AE97C}" type="presOf" srcId="{5DEF0052-C6E6-40A1-802E-A5295FA48983}" destId="{46E45259-DCC1-407C-A26D-97454CA51B03}" srcOrd="0" destOrd="0" presId="urn:microsoft.com/office/officeart/2008/layout/LinedList"/>
-    <dgm:cxn modelId="{AFB530B8-F6B0-414D-8503-FBF130F8E5B5}" srcId="{5DEF0052-C6E6-40A1-802E-A5295FA48983}" destId="{3879BF30-01FD-46E6-8ABD-C82FAB8B42E6}" srcOrd="1" destOrd="0" parTransId="{A89639C8-FA55-4394-AA17-CD8C54DF8A40}" sibTransId="{AA945557-8057-4EF2-8B6C-C39AC71ECBE4}"/>
-    <dgm:cxn modelId="{3893D679-F86D-485C-A21F-57C55B9CADDA}" type="presParOf" srcId="{46E45259-DCC1-407C-A26D-97454CA51B03}" destId="{7A872C80-96A0-4422-A276-86F6CFE50AB1}" srcOrd="0" destOrd="0" presId="urn:microsoft.com/office/officeart/2008/layout/LinedList"/>
-    <dgm:cxn modelId="{99A8DA37-BE11-48AB-8A9D-CE9AFC2629B2}" type="presParOf" srcId="{46E45259-DCC1-407C-A26D-97454CA51B03}" destId="{363A948C-A619-466E-A2FF-A3F0E35250D3}" srcOrd="1" destOrd="0" presId="urn:microsoft.com/office/officeart/2008/layout/LinedList"/>
-    <dgm:cxn modelId="{30823D4D-49F9-4B84-956B-DC7378E9A0E4}" type="presParOf" srcId="{363A948C-A619-466E-A2FF-A3F0E35250D3}" destId="{C5143D86-B46E-4460-A980-B58A7D7747BD}" srcOrd="0" destOrd="0" presId="urn:microsoft.com/office/officeart/2008/layout/LinedList"/>
-    <dgm:cxn modelId="{6E148422-41D6-41D7-ACD5-5BB94CE15400}" type="presParOf" srcId="{363A948C-A619-466E-A2FF-A3F0E35250D3}" destId="{1CDAA3E6-B485-43A9-9A42-996DBC8CBF71}" srcOrd="1" destOrd="0" presId="urn:microsoft.com/office/officeart/2008/layout/LinedList"/>
-    <dgm:cxn modelId="{01326CFE-4BD6-4663-88BE-51A76EF7D52E}" type="presParOf" srcId="{46E45259-DCC1-407C-A26D-97454CA51B03}" destId="{CACF304F-137E-4BD2-8F05-1C51B44BC567}" srcOrd="2" destOrd="0" presId="urn:microsoft.com/office/officeart/2008/layout/LinedList"/>
-    <dgm:cxn modelId="{002E2050-9D7E-4A4F-88D5-48CBFA29BF92}" type="presParOf" srcId="{46E45259-DCC1-407C-A26D-97454CA51B03}" destId="{CEBF7315-53DB-4182-A77E-473BB5B12F6A}" srcOrd="3" destOrd="0" presId="urn:microsoft.com/office/officeart/2008/layout/LinedList"/>
-    <dgm:cxn modelId="{ECA1DA03-666A-4FBD-953B-07A74477CE07}" type="presParOf" srcId="{CEBF7315-53DB-4182-A77E-473BB5B12F6A}" destId="{2F3EC1E4-F45F-4948-BA7F-89F5F5EF16D6}" srcOrd="0" destOrd="0" presId="urn:microsoft.com/office/officeart/2008/layout/LinedList"/>
-    <dgm:cxn modelId="{36F0CC6D-581B-416F-9C3E-B6B477E53EEC}" type="presParOf" srcId="{CEBF7315-53DB-4182-A77E-473BB5B12F6A}" destId="{31F19E50-7C35-4F40-B67F-F50805DC152C}" srcOrd="1" destOrd="0" presId="urn:microsoft.com/office/officeart/2008/layout/LinedList"/>
+    <dgm:cxn modelId="{D360E3C5-BFB2-4BF1-BF02-7F4F948C7061}" srcId="{5DEF0052-C6E6-40A1-802E-A5295FA48983}" destId="{75B842C1-CF52-47E6-AD39-8A3A8C51A002}" srcOrd="0" destOrd="0" parTransId="{70A8DE6A-5EA3-45A3-9517-53D873109099}" sibTransId="{84B980F9-511E-4CD3-A6E2-ABA0F05DADF7}"/>
+    <dgm:cxn modelId="{50ABE2C8-2525-4CF1-80A3-9F66AC71CEE0}" srcId="{5DEF0052-C6E6-40A1-802E-A5295FA48983}" destId="{7177FDDF-34E6-4E96-85F1-5E31960CF313}" srcOrd="2" destOrd="0" parTransId="{B1535EE1-6CDF-4547-95EE-B420CBDD2DE5}" sibTransId="{FD6B3176-9816-44F8-9139-5E92715F69E9}"/>
+    <dgm:cxn modelId="{CB53DBC9-7BC9-401B-AE6C-34263338F05E}" type="presOf" srcId="{40727E57-3C51-4EB3-B34A-D58CB453ECB3}" destId="{123E1194-EDCB-4BC3-8A5F-679E6B7FB166}" srcOrd="0" destOrd="0" presId="urn:microsoft.com/office/officeart/2008/layout/LinedList"/>
+    <dgm:cxn modelId="{76E612D4-7CD0-4B07-B931-79EF8A4DD877}" srcId="{5DEF0052-C6E6-40A1-802E-A5295FA48983}" destId="{40727E57-3C51-4EB3-B34A-D58CB453ECB3}" srcOrd="1" destOrd="0" parTransId="{119FEF77-3CCC-43A0-983E-7830E4ECA7B6}" sibTransId="{2A893F04-EFB4-4BFE-AA0F-14EE90B83FDC}"/>
+    <dgm:cxn modelId="{DA82E9F8-B790-44F0-A621-11DF2EFF6182}" type="presOf" srcId="{75B842C1-CF52-47E6-AD39-8A3A8C51A002}" destId="{67E73B1D-A92F-4837-AC5B-AF24B5C52467}" srcOrd="0" destOrd="0" presId="urn:microsoft.com/office/officeart/2008/layout/LinedList"/>
+    <dgm:cxn modelId="{CF5CC608-E28D-4A90-BFE0-F97B6F497570}" type="presParOf" srcId="{46E45259-DCC1-407C-A26D-97454CA51B03}" destId="{37A99676-7D77-4234-B476-7F723A4EE5DD}" srcOrd="0" destOrd="0" presId="urn:microsoft.com/office/officeart/2008/layout/LinedList"/>
+    <dgm:cxn modelId="{8CBB7DFD-97E7-4556-8F59-61AB800F2F77}" type="presParOf" srcId="{46E45259-DCC1-407C-A26D-97454CA51B03}" destId="{A1FB1E83-DAD9-4C2C-A9B4-AB8AFEC41EEE}" srcOrd="1" destOrd="0" presId="urn:microsoft.com/office/officeart/2008/layout/LinedList"/>
+    <dgm:cxn modelId="{498484B3-5BB7-4FCD-8589-80FEC87F59CF}" type="presParOf" srcId="{A1FB1E83-DAD9-4C2C-A9B4-AB8AFEC41EEE}" destId="{67E73B1D-A92F-4837-AC5B-AF24B5C52467}" srcOrd="0" destOrd="0" presId="urn:microsoft.com/office/officeart/2008/layout/LinedList"/>
+    <dgm:cxn modelId="{A2F335C6-5E39-4499-A8E7-B3A8FCDE15AE}" type="presParOf" srcId="{A1FB1E83-DAD9-4C2C-A9B4-AB8AFEC41EEE}" destId="{101FB990-A82D-400F-A7B4-A0308FA8399F}" srcOrd="1" destOrd="0" presId="urn:microsoft.com/office/officeart/2008/layout/LinedList"/>
+    <dgm:cxn modelId="{A85513ED-CA60-474E-9B64-FCC22E76567A}" type="presParOf" srcId="{46E45259-DCC1-407C-A26D-97454CA51B03}" destId="{A61422F4-39B9-483B-B7C0-C98B4D842298}" srcOrd="2" destOrd="0" presId="urn:microsoft.com/office/officeart/2008/layout/LinedList"/>
+    <dgm:cxn modelId="{33B13B3A-45A1-4EE8-98F6-05816C7FA0A7}" type="presParOf" srcId="{46E45259-DCC1-407C-A26D-97454CA51B03}" destId="{DD7F288F-8CBF-4564-9843-1D4B3973E86E}" srcOrd="3" destOrd="0" presId="urn:microsoft.com/office/officeart/2008/layout/LinedList"/>
+    <dgm:cxn modelId="{1377A727-710B-49BC-B1EA-CB0FA988D6A4}" type="presParOf" srcId="{DD7F288F-8CBF-4564-9843-1D4B3973E86E}" destId="{123E1194-EDCB-4BC3-8A5F-679E6B7FB166}" srcOrd="0" destOrd="0" presId="urn:microsoft.com/office/officeart/2008/layout/LinedList"/>
+    <dgm:cxn modelId="{F1FC7C24-A5B7-4B77-84DD-FD02DE8B6A38}" type="presParOf" srcId="{DD7F288F-8CBF-4564-9843-1D4B3973E86E}" destId="{EAA274E6-62CB-46BE-B2CB-A142D5814F33}" srcOrd="1" destOrd="0" presId="urn:microsoft.com/office/officeart/2008/layout/LinedList"/>
+    <dgm:cxn modelId="{F8A9837A-92DC-435A-923F-1D36A47BA2B0}" type="presParOf" srcId="{46E45259-DCC1-407C-A26D-97454CA51B03}" destId="{60803E1B-51DC-4E28-AECB-BC6F5064E147}" srcOrd="4" destOrd="0" presId="urn:microsoft.com/office/officeart/2008/layout/LinedList"/>
+    <dgm:cxn modelId="{C1A9C766-8CD2-408B-824B-686B9D81F94E}" type="presParOf" srcId="{46E45259-DCC1-407C-A26D-97454CA51B03}" destId="{A4C321BF-989C-4719-9202-65A21144B7F9}" srcOrd="5" destOrd="0" presId="urn:microsoft.com/office/officeart/2008/layout/LinedList"/>
+    <dgm:cxn modelId="{1AD2326A-193C-4E5E-BECD-8B466F29BC34}" type="presParOf" srcId="{A4C321BF-989C-4719-9202-65A21144B7F9}" destId="{70EB4E1A-1F32-4A20-873B-DE23A98B3C83}" srcOrd="0" destOrd="0" presId="urn:microsoft.com/office/officeart/2008/layout/LinedList"/>
+    <dgm:cxn modelId="{9DFAF5C8-E938-4186-9B46-A70E1E02875B}" type="presParOf" srcId="{A4C321BF-989C-4719-9202-65A21144B7F9}" destId="{CD340007-FFD8-4AEA-85FF-AB6B29BB78E5}" srcOrd="1" destOrd="0" presId="urn:microsoft.com/office/officeart/2008/layout/LinedList"/>
   </dgm:cxnLst>
   <dgm:bg/>
   <dgm:whole/>
@@ -10572,7 +12164,445 @@
   <dgm:whole/>
   <dgm:extLst>
     <a:ext uri="http://schemas.microsoft.com/office/drawing/2008/diagram">
-      <dsp:dataModelExt xmlns:dsp="http://schemas.microsoft.com/office/drawing/2008/diagram" relId="rId15" minVer="http://schemas.openxmlformats.org/drawingml/2006/diagram"/>
+      <dsp:dataModelExt xmlns:dsp="http://schemas.microsoft.com/office/drawing/2008/diagram" relId="rId14" minVer="http://schemas.openxmlformats.org/drawingml/2006/diagram"/>
+    </a:ext>
+  </dgm:extLst>
+</dgm:dataModel>
+</file>
+
+<file path=ppt/diagrams/data14.xml><?xml version="1.0" encoding="utf-8"?>
+<dgm:dataModel xmlns:dgm="http://schemas.openxmlformats.org/drawingml/2006/diagram" xmlns:a="http://schemas.openxmlformats.org/drawingml/2006/main">
+  <dgm:ptLst>
+    <dgm:pt modelId="{5DEF0052-C6E6-40A1-802E-A5295FA48983}" type="doc">
+      <dgm:prSet loTypeId="urn:microsoft.com/office/officeart/2008/layout/LinedList" loCatId="list" qsTypeId="urn:microsoft.com/office/officeart/2005/8/quickstyle/simple2" qsCatId="simple" csTypeId="urn:microsoft.com/office/officeart/2005/8/colors/accent0_3" csCatId="mainScheme" phldr="1"/>
+      <dgm:spPr/>
+      <dgm:t>
+        <a:bodyPr/>
+        <a:lstStyle/>
+        <a:p>
+          <a:endParaRPr lang="en-US"/>
+        </a:p>
+      </dgm:t>
+    </dgm:pt>
+    <dgm:pt modelId="{75B842C1-CF52-47E6-AD39-8A3A8C51A002}">
+      <dgm:prSet/>
+      <dgm:spPr/>
+      <dgm:t>
+        <a:bodyPr/>
+        <a:lstStyle/>
+        <a:p>
+          <a:r>
+            <a:rPr lang="en-US" dirty="0">
+              <a:solidFill>
+                <a:schemeClr val="bg1"/>
+              </a:solidFill>
+            </a:rPr>
+            <a:t>The command “git pull” downloads changes in the server version of the repo to our local repo</a:t>
+          </a:r>
+          <a:endParaRPr lang="en-IL" dirty="0">
+            <a:solidFill>
+              <a:schemeClr val="bg1"/>
+            </a:solidFill>
+          </a:endParaRPr>
+        </a:p>
+      </dgm:t>
+    </dgm:pt>
+    <dgm:pt modelId="{70A8DE6A-5EA3-45A3-9517-53D873109099}" type="parTrans" cxnId="{D360E3C5-BFB2-4BF1-BF02-7F4F948C7061}">
+      <dgm:prSet/>
+      <dgm:spPr/>
+      <dgm:t>
+        <a:bodyPr/>
+        <a:lstStyle/>
+        <a:p>
+          <a:endParaRPr lang="en-IL"/>
+        </a:p>
+      </dgm:t>
+    </dgm:pt>
+    <dgm:pt modelId="{84B980F9-511E-4CD3-A6E2-ABA0F05DADF7}" type="sibTrans" cxnId="{D360E3C5-BFB2-4BF1-BF02-7F4F948C7061}">
+      <dgm:prSet/>
+      <dgm:spPr/>
+      <dgm:t>
+        <a:bodyPr/>
+        <a:lstStyle/>
+        <a:p>
+          <a:endParaRPr lang="en-IL"/>
+        </a:p>
+      </dgm:t>
+    </dgm:pt>
+    <dgm:pt modelId="{40727E57-3C51-4EB3-B34A-D58CB453ECB3}">
+      <dgm:prSet/>
+      <dgm:spPr/>
+      <dgm:t>
+        <a:bodyPr/>
+        <a:lstStyle/>
+        <a:p>
+          <a:r>
+            <a:rPr lang="en-US" dirty="0">
+              <a:solidFill>
+                <a:schemeClr val="bg1"/>
+              </a:solidFill>
+            </a:rPr>
+            <a:t>***WARNING***</a:t>
+          </a:r>
+        </a:p>
+        <a:p>
+          <a:r>
+            <a:rPr lang="en-US" dirty="0">
+              <a:solidFill>
+                <a:schemeClr val="accent1"/>
+              </a:solidFill>
+            </a:rPr>
+            <a:t>Before “pulling”, make sure you have </a:t>
+          </a:r>
+          <a:r>
+            <a:rPr lang="en-US" b="1" dirty="0">
+              <a:solidFill>
+                <a:schemeClr val="accent1"/>
+              </a:solidFill>
+            </a:rPr>
+            <a:t>staged</a:t>
+          </a:r>
+          <a:r>
+            <a:rPr lang="en-US" dirty="0">
+              <a:solidFill>
+                <a:schemeClr val="accent1"/>
+              </a:solidFill>
+            </a:rPr>
+            <a:t>, </a:t>
+          </a:r>
+          <a:r>
+            <a:rPr lang="en-US" b="1" dirty="0">
+              <a:solidFill>
+                <a:schemeClr val="accent1"/>
+              </a:solidFill>
+            </a:rPr>
+            <a:t>committed</a:t>
+          </a:r>
+          <a:r>
+            <a:rPr lang="en-US" dirty="0">
+              <a:solidFill>
+                <a:schemeClr val="accent1"/>
+              </a:solidFill>
+            </a:rPr>
+            <a:t>, and </a:t>
+          </a:r>
+          <a:r>
+            <a:rPr lang="en-US" b="1" dirty="0">
+              <a:solidFill>
+                <a:schemeClr val="accent1"/>
+              </a:solidFill>
+            </a:rPr>
+            <a:t>pushed</a:t>
+          </a:r>
+          <a:r>
+            <a:rPr lang="en-US" dirty="0">
+              <a:solidFill>
+                <a:schemeClr val="accent1"/>
+              </a:solidFill>
+            </a:rPr>
+            <a:t> all your changes. </a:t>
+          </a:r>
+          <a:r>
+            <a:rPr lang="en-US" dirty="0">
+              <a:solidFill>
+                <a:schemeClr val="bg1"/>
+              </a:solidFill>
+            </a:rPr>
+            <a:t>Otherwise your branch might need a bit of work to be synced again</a:t>
+          </a:r>
+          <a:endParaRPr lang="en-IL" dirty="0">
+            <a:solidFill>
+              <a:schemeClr val="bg1"/>
+            </a:solidFill>
+          </a:endParaRPr>
+        </a:p>
+      </dgm:t>
+    </dgm:pt>
+    <dgm:pt modelId="{119FEF77-3CCC-43A0-983E-7830E4ECA7B6}" type="parTrans" cxnId="{76E612D4-7CD0-4B07-B931-79EF8A4DD877}">
+      <dgm:prSet/>
+      <dgm:spPr/>
+      <dgm:t>
+        <a:bodyPr/>
+        <a:lstStyle/>
+        <a:p>
+          <a:endParaRPr lang="en-IL"/>
+        </a:p>
+      </dgm:t>
+    </dgm:pt>
+    <dgm:pt modelId="{2A893F04-EFB4-4BFE-AA0F-14EE90B83FDC}" type="sibTrans" cxnId="{76E612D4-7CD0-4B07-B931-79EF8A4DD877}">
+      <dgm:prSet/>
+      <dgm:spPr/>
+      <dgm:t>
+        <a:bodyPr/>
+        <a:lstStyle/>
+        <a:p>
+          <a:endParaRPr lang="en-IL"/>
+        </a:p>
+      </dgm:t>
+    </dgm:pt>
+    <dgm:pt modelId="{7177FDDF-34E6-4E96-85F1-5E31960CF313}">
+      <dgm:prSet/>
+      <dgm:spPr/>
+      <dgm:t>
+        <a:bodyPr/>
+        <a:lstStyle/>
+        <a:p>
+          <a:r>
+            <a:rPr lang="en-US" dirty="0">
+              <a:solidFill>
+                <a:schemeClr val="bg1"/>
+              </a:solidFill>
+            </a:rPr>
+            <a:t>The changes you are pulling should be on other branches and not your own (probably the “main” branch or “</a:t>
+          </a:r>
+          <a:r>
+            <a:rPr lang="en-US" dirty="0" err="1">
+              <a:solidFill>
+                <a:schemeClr val="bg1"/>
+              </a:solidFill>
+            </a:rPr>
+            <a:t>Other_Person”’s</a:t>
+          </a:r>
+          <a:r>
+            <a:rPr lang="en-US" dirty="0">
+              <a:solidFill>
+                <a:schemeClr val="bg1"/>
+              </a:solidFill>
+            </a:rPr>
+            <a:t> branch</a:t>
+          </a:r>
+          <a:endParaRPr lang="en-IL" dirty="0">
+            <a:solidFill>
+              <a:schemeClr val="bg1"/>
+            </a:solidFill>
+          </a:endParaRPr>
+        </a:p>
+      </dgm:t>
+    </dgm:pt>
+    <dgm:pt modelId="{B1535EE1-6CDF-4547-95EE-B420CBDD2DE5}" type="parTrans" cxnId="{50ABE2C8-2525-4CF1-80A3-9F66AC71CEE0}">
+      <dgm:prSet/>
+      <dgm:spPr/>
+    </dgm:pt>
+    <dgm:pt modelId="{FD6B3176-9816-44F8-9139-5E92715F69E9}" type="sibTrans" cxnId="{50ABE2C8-2525-4CF1-80A3-9F66AC71CEE0}">
+      <dgm:prSet/>
+      <dgm:spPr/>
+    </dgm:pt>
+    <dgm:pt modelId="{46E45259-DCC1-407C-A26D-97454CA51B03}" type="pres">
+      <dgm:prSet presAssocID="{5DEF0052-C6E6-40A1-802E-A5295FA48983}" presName="vert0" presStyleCnt="0">
+        <dgm:presLayoutVars>
+          <dgm:dir/>
+          <dgm:animOne val="branch"/>
+          <dgm:animLvl val="lvl"/>
+        </dgm:presLayoutVars>
+      </dgm:prSet>
+      <dgm:spPr/>
+    </dgm:pt>
+    <dgm:pt modelId="{37A99676-7D77-4234-B476-7F723A4EE5DD}" type="pres">
+      <dgm:prSet presAssocID="{75B842C1-CF52-47E6-AD39-8A3A8C51A002}" presName="thickLine" presStyleLbl="alignNode1" presStyleIdx="0" presStyleCnt="3"/>
+      <dgm:spPr/>
+    </dgm:pt>
+    <dgm:pt modelId="{A1FB1E83-DAD9-4C2C-A9B4-AB8AFEC41EEE}" type="pres">
+      <dgm:prSet presAssocID="{75B842C1-CF52-47E6-AD39-8A3A8C51A002}" presName="horz1" presStyleCnt="0"/>
+      <dgm:spPr/>
+    </dgm:pt>
+    <dgm:pt modelId="{67E73B1D-A92F-4837-AC5B-AF24B5C52467}" type="pres">
+      <dgm:prSet presAssocID="{75B842C1-CF52-47E6-AD39-8A3A8C51A002}" presName="tx1" presStyleLbl="revTx" presStyleIdx="0" presStyleCnt="3"/>
+      <dgm:spPr/>
+    </dgm:pt>
+    <dgm:pt modelId="{101FB990-A82D-400F-A7B4-A0308FA8399F}" type="pres">
+      <dgm:prSet presAssocID="{75B842C1-CF52-47E6-AD39-8A3A8C51A002}" presName="vert1" presStyleCnt="0"/>
+      <dgm:spPr/>
+    </dgm:pt>
+    <dgm:pt modelId="{A61422F4-39B9-483B-B7C0-C98B4D842298}" type="pres">
+      <dgm:prSet presAssocID="{40727E57-3C51-4EB3-B34A-D58CB453ECB3}" presName="thickLine" presStyleLbl="alignNode1" presStyleIdx="1" presStyleCnt="3"/>
+      <dgm:spPr/>
+    </dgm:pt>
+    <dgm:pt modelId="{DD7F288F-8CBF-4564-9843-1D4B3973E86E}" type="pres">
+      <dgm:prSet presAssocID="{40727E57-3C51-4EB3-B34A-D58CB453ECB3}" presName="horz1" presStyleCnt="0"/>
+      <dgm:spPr/>
+    </dgm:pt>
+    <dgm:pt modelId="{123E1194-EDCB-4BC3-8A5F-679E6B7FB166}" type="pres">
+      <dgm:prSet presAssocID="{40727E57-3C51-4EB3-B34A-D58CB453ECB3}" presName="tx1" presStyleLbl="revTx" presStyleIdx="1" presStyleCnt="3"/>
+      <dgm:spPr/>
+    </dgm:pt>
+    <dgm:pt modelId="{EAA274E6-62CB-46BE-B2CB-A142D5814F33}" type="pres">
+      <dgm:prSet presAssocID="{40727E57-3C51-4EB3-B34A-D58CB453ECB3}" presName="vert1" presStyleCnt="0"/>
+      <dgm:spPr/>
+    </dgm:pt>
+    <dgm:pt modelId="{60803E1B-51DC-4E28-AECB-BC6F5064E147}" type="pres">
+      <dgm:prSet presAssocID="{7177FDDF-34E6-4E96-85F1-5E31960CF313}" presName="thickLine" presStyleLbl="alignNode1" presStyleIdx="2" presStyleCnt="3"/>
+      <dgm:spPr/>
+    </dgm:pt>
+    <dgm:pt modelId="{A4C321BF-989C-4719-9202-65A21144B7F9}" type="pres">
+      <dgm:prSet presAssocID="{7177FDDF-34E6-4E96-85F1-5E31960CF313}" presName="horz1" presStyleCnt="0"/>
+      <dgm:spPr/>
+    </dgm:pt>
+    <dgm:pt modelId="{70EB4E1A-1F32-4A20-873B-DE23A98B3C83}" type="pres">
+      <dgm:prSet presAssocID="{7177FDDF-34E6-4E96-85F1-5E31960CF313}" presName="tx1" presStyleLbl="revTx" presStyleIdx="2" presStyleCnt="3"/>
+      <dgm:spPr/>
+    </dgm:pt>
+    <dgm:pt modelId="{CD340007-FFD8-4AEA-85FF-AB6B29BB78E5}" type="pres">
+      <dgm:prSet presAssocID="{7177FDDF-34E6-4E96-85F1-5E31960CF313}" presName="vert1" presStyleCnt="0"/>
+      <dgm:spPr/>
+    </dgm:pt>
+  </dgm:ptLst>
+  <dgm:cxnLst>
+    <dgm:cxn modelId="{1CFABB44-93C1-409F-B774-DDF689FAC59A}" type="presOf" srcId="{7177FDDF-34E6-4E96-85F1-5E31960CF313}" destId="{70EB4E1A-1F32-4A20-873B-DE23A98B3C83}" srcOrd="0" destOrd="0" presId="urn:microsoft.com/office/officeart/2008/layout/LinedList"/>
+    <dgm:cxn modelId="{7BCEA4B4-0FB4-4E9B-944B-581E085AE97C}" type="presOf" srcId="{5DEF0052-C6E6-40A1-802E-A5295FA48983}" destId="{46E45259-DCC1-407C-A26D-97454CA51B03}" srcOrd="0" destOrd="0" presId="urn:microsoft.com/office/officeart/2008/layout/LinedList"/>
+    <dgm:cxn modelId="{D360E3C5-BFB2-4BF1-BF02-7F4F948C7061}" srcId="{5DEF0052-C6E6-40A1-802E-A5295FA48983}" destId="{75B842C1-CF52-47E6-AD39-8A3A8C51A002}" srcOrd="0" destOrd="0" parTransId="{70A8DE6A-5EA3-45A3-9517-53D873109099}" sibTransId="{84B980F9-511E-4CD3-A6E2-ABA0F05DADF7}"/>
+    <dgm:cxn modelId="{50ABE2C8-2525-4CF1-80A3-9F66AC71CEE0}" srcId="{5DEF0052-C6E6-40A1-802E-A5295FA48983}" destId="{7177FDDF-34E6-4E96-85F1-5E31960CF313}" srcOrd="2" destOrd="0" parTransId="{B1535EE1-6CDF-4547-95EE-B420CBDD2DE5}" sibTransId="{FD6B3176-9816-44F8-9139-5E92715F69E9}"/>
+    <dgm:cxn modelId="{CB53DBC9-7BC9-401B-AE6C-34263338F05E}" type="presOf" srcId="{40727E57-3C51-4EB3-B34A-D58CB453ECB3}" destId="{123E1194-EDCB-4BC3-8A5F-679E6B7FB166}" srcOrd="0" destOrd="0" presId="urn:microsoft.com/office/officeart/2008/layout/LinedList"/>
+    <dgm:cxn modelId="{76E612D4-7CD0-4B07-B931-79EF8A4DD877}" srcId="{5DEF0052-C6E6-40A1-802E-A5295FA48983}" destId="{40727E57-3C51-4EB3-B34A-D58CB453ECB3}" srcOrd="1" destOrd="0" parTransId="{119FEF77-3CCC-43A0-983E-7830E4ECA7B6}" sibTransId="{2A893F04-EFB4-4BFE-AA0F-14EE90B83FDC}"/>
+    <dgm:cxn modelId="{DA82E9F8-B790-44F0-A621-11DF2EFF6182}" type="presOf" srcId="{75B842C1-CF52-47E6-AD39-8A3A8C51A002}" destId="{67E73B1D-A92F-4837-AC5B-AF24B5C52467}" srcOrd="0" destOrd="0" presId="urn:microsoft.com/office/officeart/2008/layout/LinedList"/>
+    <dgm:cxn modelId="{CF5CC608-E28D-4A90-BFE0-F97B6F497570}" type="presParOf" srcId="{46E45259-DCC1-407C-A26D-97454CA51B03}" destId="{37A99676-7D77-4234-B476-7F723A4EE5DD}" srcOrd="0" destOrd="0" presId="urn:microsoft.com/office/officeart/2008/layout/LinedList"/>
+    <dgm:cxn modelId="{8CBB7DFD-97E7-4556-8F59-61AB800F2F77}" type="presParOf" srcId="{46E45259-DCC1-407C-A26D-97454CA51B03}" destId="{A1FB1E83-DAD9-4C2C-A9B4-AB8AFEC41EEE}" srcOrd="1" destOrd="0" presId="urn:microsoft.com/office/officeart/2008/layout/LinedList"/>
+    <dgm:cxn modelId="{498484B3-5BB7-4FCD-8589-80FEC87F59CF}" type="presParOf" srcId="{A1FB1E83-DAD9-4C2C-A9B4-AB8AFEC41EEE}" destId="{67E73B1D-A92F-4837-AC5B-AF24B5C52467}" srcOrd="0" destOrd="0" presId="urn:microsoft.com/office/officeart/2008/layout/LinedList"/>
+    <dgm:cxn modelId="{A2F335C6-5E39-4499-A8E7-B3A8FCDE15AE}" type="presParOf" srcId="{A1FB1E83-DAD9-4C2C-A9B4-AB8AFEC41EEE}" destId="{101FB990-A82D-400F-A7B4-A0308FA8399F}" srcOrd="1" destOrd="0" presId="urn:microsoft.com/office/officeart/2008/layout/LinedList"/>
+    <dgm:cxn modelId="{A85513ED-CA60-474E-9B64-FCC22E76567A}" type="presParOf" srcId="{46E45259-DCC1-407C-A26D-97454CA51B03}" destId="{A61422F4-39B9-483B-B7C0-C98B4D842298}" srcOrd="2" destOrd="0" presId="urn:microsoft.com/office/officeart/2008/layout/LinedList"/>
+    <dgm:cxn modelId="{33B13B3A-45A1-4EE8-98F6-05816C7FA0A7}" type="presParOf" srcId="{46E45259-DCC1-407C-A26D-97454CA51B03}" destId="{DD7F288F-8CBF-4564-9843-1D4B3973E86E}" srcOrd="3" destOrd="0" presId="urn:microsoft.com/office/officeart/2008/layout/LinedList"/>
+    <dgm:cxn modelId="{1377A727-710B-49BC-B1EA-CB0FA988D6A4}" type="presParOf" srcId="{DD7F288F-8CBF-4564-9843-1D4B3973E86E}" destId="{123E1194-EDCB-4BC3-8A5F-679E6B7FB166}" srcOrd="0" destOrd="0" presId="urn:microsoft.com/office/officeart/2008/layout/LinedList"/>
+    <dgm:cxn modelId="{F1FC7C24-A5B7-4B77-84DD-FD02DE8B6A38}" type="presParOf" srcId="{DD7F288F-8CBF-4564-9843-1D4B3973E86E}" destId="{EAA274E6-62CB-46BE-B2CB-A142D5814F33}" srcOrd="1" destOrd="0" presId="urn:microsoft.com/office/officeart/2008/layout/LinedList"/>
+    <dgm:cxn modelId="{F8A9837A-92DC-435A-923F-1D36A47BA2B0}" type="presParOf" srcId="{46E45259-DCC1-407C-A26D-97454CA51B03}" destId="{60803E1B-51DC-4E28-AECB-BC6F5064E147}" srcOrd="4" destOrd="0" presId="urn:microsoft.com/office/officeart/2008/layout/LinedList"/>
+    <dgm:cxn modelId="{C1A9C766-8CD2-408B-824B-686B9D81F94E}" type="presParOf" srcId="{46E45259-DCC1-407C-A26D-97454CA51B03}" destId="{A4C321BF-989C-4719-9202-65A21144B7F9}" srcOrd="5" destOrd="0" presId="urn:microsoft.com/office/officeart/2008/layout/LinedList"/>
+    <dgm:cxn modelId="{1AD2326A-193C-4E5E-BECD-8B466F29BC34}" type="presParOf" srcId="{A4C321BF-989C-4719-9202-65A21144B7F9}" destId="{70EB4E1A-1F32-4A20-873B-DE23A98B3C83}" srcOrd="0" destOrd="0" presId="urn:microsoft.com/office/officeart/2008/layout/LinedList"/>
+    <dgm:cxn modelId="{9DFAF5C8-E938-4186-9B46-A70E1E02875B}" type="presParOf" srcId="{A4C321BF-989C-4719-9202-65A21144B7F9}" destId="{CD340007-FFD8-4AEA-85FF-AB6B29BB78E5}" srcOrd="1" destOrd="0" presId="urn:microsoft.com/office/officeart/2008/layout/LinedList"/>
+  </dgm:cxnLst>
+  <dgm:bg/>
+  <dgm:whole/>
+  <dgm:extLst>
+    <a:ext uri="http://schemas.microsoft.com/office/drawing/2008/diagram">
+      <dsp:dataModelExt xmlns:dsp="http://schemas.microsoft.com/office/drawing/2008/diagram" relId="rId9" minVer="http://schemas.openxmlformats.org/drawingml/2006/diagram"/>
+    </a:ext>
+  </dgm:extLst>
+</dgm:dataModel>
+</file>
+
+<file path=ppt/diagrams/data15.xml><?xml version="1.0" encoding="utf-8"?>
+<dgm:dataModel xmlns:dgm="http://schemas.openxmlformats.org/drawingml/2006/diagram" xmlns:a="http://schemas.openxmlformats.org/drawingml/2006/main">
+  <dgm:ptLst>
+    <dgm:pt modelId="{0F0A97E6-270F-4C50-B31F-01122B848BCD}" type="doc">
+      <dgm:prSet loTypeId="urn:microsoft.com/office/officeart/2005/8/layout/hChevron3" loCatId="process" qsTypeId="urn:microsoft.com/office/officeart/2005/8/quickstyle/simple1" qsCatId="simple" csTypeId="urn:microsoft.com/office/officeart/2005/8/colors/accent1_2" csCatId="accent1" phldr="1"/>
+      <dgm:spPr/>
+    </dgm:pt>
+    <dgm:pt modelId="{779FDC3E-19C6-4E84-8AF3-6726851ABA6A}">
+      <dgm:prSet phldrT="[Text]"/>
+      <dgm:spPr/>
+      <dgm:t>
+        <a:bodyPr/>
+        <a:lstStyle/>
+        <a:p>
+          <a:r>
+            <a:rPr lang="en-US" dirty="0"/>
+            <a:t>Local Machine</a:t>
+          </a:r>
+          <a:endParaRPr lang="en-IL" dirty="0"/>
+        </a:p>
+      </dgm:t>
+    </dgm:pt>
+    <dgm:pt modelId="{7169E3B1-8B83-4044-B351-17A90BCC5F63}" type="parTrans" cxnId="{BF724F37-DFB9-4B90-9393-537257BE9173}">
+      <dgm:prSet/>
+      <dgm:spPr/>
+      <dgm:t>
+        <a:bodyPr/>
+        <a:lstStyle/>
+        <a:p>
+          <a:endParaRPr lang="en-IL"/>
+        </a:p>
+      </dgm:t>
+    </dgm:pt>
+    <dgm:pt modelId="{82A78DD8-43BA-4D60-A909-39780C11EF1E}" type="sibTrans" cxnId="{BF724F37-DFB9-4B90-9393-537257BE9173}">
+      <dgm:prSet/>
+      <dgm:spPr/>
+      <dgm:t>
+        <a:bodyPr/>
+        <a:lstStyle/>
+        <a:p>
+          <a:endParaRPr lang="en-IL"/>
+        </a:p>
+      </dgm:t>
+    </dgm:pt>
+    <dgm:pt modelId="{C6DBA86F-7485-41CF-8B05-89EBEC125838}">
+      <dgm:prSet phldrT="[Text]"/>
+      <dgm:spPr/>
+      <dgm:t>
+        <a:bodyPr/>
+        <a:lstStyle/>
+        <a:p>
+          <a:r>
+            <a:rPr lang="en-US" dirty="0"/>
+            <a:t>Local Machine</a:t>
+          </a:r>
+          <a:endParaRPr lang="en-IL" dirty="0"/>
+        </a:p>
+      </dgm:t>
+    </dgm:pt>
+    <dgm:pt modelId="{F8B725E7-13BA-4BC4-9685-1F29AD70BB76}" type="parTrans" cxnId="{1139F564-37A0-42BE-A7F3-B1E75F5CB716}">
+      <dgm:prSet/>
+      <dgm:spPr/>
+      <dgm:t>
+        <a:bodyPr/>
+        <a:lstStyle/>
+        <a:p>
+          <a:endParaRPr lang="en-IL"/>
+        </a:p>
+      </dgm:t>
+    </dgm:pt>
+    <dgm:pt modelId="{647A656E-B0A6-401A-B481-6849799FFB01}" type="sibTrans" cxnId="{1139F564-37A0-42BE-A7F3-B1E75F5CB716}">
+      <dgm:prSet/>
+      <dgm:spPr/>
+      <dgm:t>
+        <a:bodyPr/>
+        <a:lstStyle/>
+        <a:p>
+          <a:endParaRPr lang="en-IL"/>
+        </a:p>
+      </dgm:t>
+    </dgm:pt>
+    <dgm:pt modelId="{9486F126-4D91-4024-927B-77294E110AAF}" type="pres">
+      <dgm:prSet presAssocID="{0F0A97E6-270F-4C50-B31F-01122B848BCD}" presName="Name0" presStyleCnt="0">
+        <dgm:presLayoutVars>
+          <dgm:dir/>
+          <dgm:resizeHandles val="exact"/>
+        </dgm:presLayoutVars>
+      </dgm:prSet>
+      <dgm:spPr/>
+    </dgm:pt>
+    <dgm:pt modelId="{AFCB9AAC-413D-453E-B9FA-CCB2F75258BA}" type="pres">
+      <dgm:prSet presAssocID="{779FDC3E-19C6-4E84-8AF3-6726851ABA6A}" presName="parTxOnly" presStyleLbl="node1" presStyleIdx="0" presStyleCnt="2">
+        <dgm:presLayoutVars>
+          <dgm:bulletEnabled val="1"/>
+        </dgm:presLayoutVars>
+      </dgm:prSet>
+      <dgm:spPr/>
+    </dgm:pt>
+    <dgm:pt modelId="{FB80DA79-E52C-4BB3-ADFD-B3CC48FD69B6}" type="pres">
+      <dgm:prSet presAssocID="{82A78DD8-43BA-4D60-A909-39780C11EF1E}" presName="parSpace" presStyleCnt="0"/>
+      <dgm:spPr/>
+    </dgm:pt>
+    <dgm:pt modelId="{D7283E0C-12CA-423D-BECA-A9C855618804}" type="pres">
+      <dgm:prSet presAssocID="{C6DBA86F-7485-41CF-8B05-89EBEC125838}" presName="parTxOnly" presStyleLbl="node1" presStyleIdx="1" presStyleCnt="2">
+        <dgm:presLayoutVars>
+          <dgm:bulletEnabled val="1"/>
+        </dgm:presLayoutVars>
+      </dgm:prSet>
+      <dgm:spPr/>
+    </dgm:pt>
+  </dgm:ptLst>
+  <dgm:cxnLst>
+    <dgm:cxn modelId="{3FC6F708-7B6A-42D0-A3AE-A981BCC8FD0B}" type="presOf" srcId="{C6DBA86F-7485-41CF-8B05-89EBEC125838}" destId="{D7283E0C-12CA-423D-BECA-A9C855618804}" srcOrd="0" destOrd="0" presId="urn:microsoft.com/office/officeart/2005/8/layout/hChevron3"/>
+    <dgm:cxn modelId="{BF724F37-DFB9-4B90-9393-537257BE9173}" srcId="{0F0A97E6-270F-4C50-B31F-01122B848BCD}" destId="{779FDC3E-19C6-4E84-8AF3-6726851ABA6A}" srcOrd="0" destOrd="0" parTransId="{7169E3B1-8B83-4044-B351-17A90BCC5F63}" sibTransId="{82A78DD8-43BA-4D60-A909-39780C11EF1E}"/>
+    <dgm:cxn modelId="{1139F564-37A0-42BE-A7F3-B1E75F5CB716}" srcId="{0F0A97E6-270F-4C50-B31F-01122B848BCD}" destId="{C6DBA86F-7485-41CF-8B05-89EBEC125838}" srcOrd="1" destOrd="0" parTransId="{F8B725E7-13BA-4BC4-9685-1F29AD70BB76}" sibTransId="{647A656E-B0A6-401A-B481-6849799FFB01}"/>
+    <dgm:cxn modelId="{206CBCB0-57E2-4AC5-A642-031E0A2D9DE4}" type="presOf" srcId="{0F0A97E6-270F-4C50-B31F-01122B848BCD}" destId="{9486F126-4D91-4024-927B-77294E110AAF}" srcOrd="0" destOrd="0" presId="urn:microsoft.com/office/officeart/2005/8/layout/hChevron3"/>
+    <dgm:cxn modelId="{AEE03EC3-4996-40AD-8452-9BCAED33419A}" type="presOf" srcId="{779FDC3E-19C6-4E84-8AF3-6726851ABA6A}" destId="{AFCB9AAC-413D-453E-B9FA-CCB2F75258BA}" srcOrd="0" destOrd="0" presId="urn:microsoft.com/office/officeart/2005/8/layout/hChevron3"/>
+    <dgm:cxn modelId="{09AFE18D-C221-4BEF-97C8-3BA25073E8DB}" type="presParOf" srcId="{9486F126-4D91-4024-927B-77294E110AAF}" destId="{AFCB9AAC-413D-453E-B9FA-CCB2F75258BA}" srcOrd="0" destOrd="0" presId="urn:microsoft.com/office/officeart/2005/8/layout/hChevron3"/>
+    <dgm:cxn modelId="{00DB2D25-4CBB-435E-9D71-F40C68D3B246}" type="presParOf" srcId="{9486F126-4D91-4024-927B-77294E110AAF}" destId="{FB80DA79-E52C-4BB3-ADFD-B3CC48FD69B6}" srcOrd="1" destOrd="0" presId="urn:microsoft.com/office/officeart/2005/8/layout/hChevron3"/>
+    <dgm:cxn modelId="{4A4536FF-6DFB-497F-BD4A-79076D068313}" type="presParOf" srcId="{9486F126-4D91-4024-927B-77294E110AAF}" destId="{D7283E0C-12CA-423D-BECA-A9C855618804}" srcOrd="2" destOrd="0" presId="urn:microsoft.com/office/officeart/2005/8/layout/hChevron3"/>
+  </dgm:cxnLst>
+  <dgm:bg/>
+  <dgm:whole/>
+  <dgm:extLst>
+    <a:ext uri="http://schemas.microsoft.com/office/drawing/2008/diagram">
+      <dsp:dataModelExt xmlns:dsp="http://schemas.microsoft.com/office/drawing/2008/diagram" relId="rId14" minVer="http://schemas.openxmlformats.org/drawingml/2006/diagram"/>
     </a:ext>
   </dgm:extLst>
 </dgm:dataModel>
@@ -12103,14 +14133,14 @@
       <dsp:cNvGrpSpPr/>
     </dsp:nvGrpSpPr>
     <dsp:grpSpPr/>
-    <dsp:sp modelId="{7A872C80-96A0-4422-A276-86F6CFE50AB1}">
+    <dsp:sp modelId="{37A99676-7D77-4234-B476-7F723A4EE5DD}">
       <dsp:nvSpPr>
         <dsp:cNvPr id="0" name=""/>
         <dsp:cNvSpPr/>
       </dsp:nvSpPr>
       <dsp:spPr>
         <a:xfrm>
-          <a:off x="0" y="0"/>
+          <a:off x="0" y="1964"/>
           <a:ext cx="3306742" cy="0"/>
         </a:xfrm>
         <a:prstGeom prst="line">
@@ -12152,15 +14182,15 @@
         </a:fontRef>
       </dsp:style>
     </dsp:sp>
-    <dsp:sp modelId="{C5143D86-B46E-4460-A980-B58A7D7747BD}">
+    <dsp:sp modelId="{67E73B1D-A92F-4837-AC5B-AF24B5C52467}">
       <dsp:nvSpPr>
         <dsp:cNvPr id="0" name=""/>
         <dsp:cNvSpPr/>
       </dsp:nvSpPr>
       <dsp:spPr>
         <a:xfrm>
-          <a:off x="0" y="0"/>
-          <a:ext cx="3306742" cy="2012062"/>
+          <a:off x="0" y="1964"/>
+          <a:ext cx="3306742" cy="1340065"/>
         </a:xfrm>
         <a:prstGeom prst="rect">
           <a:avLst/>
@@ -12184,12 +14214,12 @@
         <a:fontRef idx="minor"/>
       </dsp:style>
       <dsp:txBody>
-        <a:bodyPr spcFirstLastPara="0" vert="horz" wrap="square" lIns="76200" tIns="76200" rIns="76200" bIns="76200" numCol="1" spcCol="1270" anchor="t" anchorCtr="0">
+        <a:bodyPr spcFirstLastPara="0" vert="horz" wrap="square" lIns="49530" tIns="49530" rIns="49530" bIns="49530" numCol="1" spcCol="1270" anchor="t" anchorCtr="0">
           <a:noAutofit/>
         </a:bodyPr>
         <a:lstStyle/>
         <a:p>
-          <a:pPr marL="0" lvl="0" indent="0" algn="l" defTabSz="889000">
+          <a:pPr marL="0" lvl="0" indent="0" algn="l" defTabSz="577850">
             <a:lnSpc>
               <a:spcPct val="90000"/>
             </a:lnSpc>
@@ -12202,44 +14232,33 @@
             <a:buNone/>
           </a:pPr>
           <a:r>
-            <a:rPr lang="en-US" sz="2000" kern="1200" dirty="0">
+            <a:rPr lang="en-US" sz="1300" kern="1200" dirty="0">
               <a:solidFill>
                 <a:schemeClr val="bg1"/>
               </a:solidFill>
             </a:rPr>
-            <a:t>After we commit changes, we need to sync the remote repo (the one on </a:t>
+            <a:t>The command “git pull” downloads changes in the server version of the repo to our local repo</a:t>
           </a:r>
-          <a:r>
-            <a:rPr lang="en-US" sz="2000" kern="1200" dirty="0" err="1">
-              <a:solidFill>
-                <a:schemeClr val="bg1"/>
-              </a:solidFill>
-            </a:rPr>
-            <a:t>github</a:t>
-          </a:r>
-          <a:r>
-            <a:rPr lang="en-US" sz="2000" kern="1200" dirty="0">
-              <a:solidFill>
-                <a:schemeClr val="bg1"/>
-              </a:solidFill>
-            </a:rPr>
-            <a:t>…)</a:t>
-          </a:r>
+          <a:endParaRPr lang="en-IL" sz="1300" kern="1200" dirty="0">
+            <a:solidFill>
+              <a:schemeClr val="bg1"/>
+            </a:solidFill>
+          </a:endParaRPr>
         </a:p>
       </dsp:txBody>
       <dsp:txXfrm>
-        <a:off x="0" y="0"/>
-        <a:ext cx="3306742" cy="2012062"/>
+        <a:off x="0" y="1964"/>
+        <a:ext cx="3306742" cy="1340065"/>
       </dsp:txXfrm>
     </dsp:sp>
-    <dsp:sp modelId="{CACF304F-137E-4BD2-8F05-1C51B44BC567}">
+    <dsp:sp modelId="{A61422F4-39B9-483B-B7C0-C98B4D842298}">
       <dsp:nvSpPr>
         <dsp:cNvPr id="0" name=""/>
         <dsp:cNvSpPr/>
       </dsp:nvSpPr>
       <dsp:spPr>
         <a:xfrm>
-          <a:off x="0" y="2012062"/>
+          <a:off x="0" y="1342029"/>
           <a:ext cx="3306742" cy="0"/>
         </a:xfrm>
         <a:prstGeom prst="line">
@@ -12281,15 +14300,15 @@
         </a:fontRef>
       </dsp:style>
     </dsp:sp>
-    <dsp:sp modelId="{2F3EC1E4-F45F-4948-BA7F-89F5F5EF16D6}">
+    <dsp:sp modelId="{123E1194-EDCB-4BC3-8A5F-679E6B7FB166}">
       <dsp:nvSpPr>
         <dsp:cNvPr id="0" name=""/>
         <dsp:cNvSpPr/>
       </dsp:nvSpPr>
       <dsp:spPr>
         <a:xfrm>
-          <a:off x="0" y="2012062"/>
-          <a:ext cx="3306742" cy="2012062"/>
+          <a:off x="0" y="1342029"/>
+          <a:ext cx="3306742" cy="1340065"/>
         </a:xfrm>
         <a:prstGeom prst="rect">
           <a:avLst/>
@@ -12313,12 +14332,12 @@
         <a:fontRef idx="minor"/>
       </dsp:style>
       <dsp:txBody>
-        <a:bodyPr spcFirstLastPara="0" vert="horz" wrap="square" lIns="68580" tIns="68580" rIns="68580" bIns="68580" numCol="1" spcCol="1270" anchor="t" anchorCtr="0">
+        <a:bodyPr spcFirstLastPara="0" vert="horz" wrap="square" lIns="49530" tIns="49530" rIns="49530" bIns="49530" numCol="1" spcCol="1270" anchor="t" anchorCtr="0">
           <a:noAutofit/>
         </a:bodyPr>
         <a:lstStyle/>
         <a:p>
-          <a:pPr marL="0" lvl="0" indent="0" algn="l" defTabSz="800100">
+          <a:pPr marL="0" lvl="0" indent="0" algn="l" defTabSz="577850">
             <a:lnSpc>
               <a:spcPct val="90000"/>
             </a:lnSpc>
@@ -12331,16 +14350,16 @@
             <a:buNone/>
           </a:pPr>
           <a:r>
-            <a:rPr lang="en-US" sz="1800" kern="1200" dirty="0">
+            <a:rPr lang="en-US" sz="1300" kern="1200" dirty="0">
               <a:solidFill>
                 <a:schemeClr val="bg1"/>
               </a:solidFill>
             </a:rPr>
-            <a:t>***NOTICE***:</a:t>
+            <a:t>***WARNING***</a:t>
           </a:r>
         </a:p>
         <a:p>
-          <a:pPr marL="0" lvl="0" indent="0" algn="l" defTabSz="800100">
+          <a:pPr marL="0" lvl="0" indent="0" algn="l" defTabSz="577850">
             <a:lnSpc>
               <a:spcPct val="90000"/>
             </a:lnSpc>
@@ -12353,16 +14372,168 @@
             <a:buNone/>
           </a:pPr>
           <a:r>
-            <a:rPr lang="en-US" sz="1000" kern="1200" dirty="0">
+            <a:rPr lang="en-US" sz="1300" kern="1200" dirty="0">
+              <a:solidFill>
+                <a:schemeClr val="accent1"/>
+              </a:solidFill>
+            </a:rPr>
+            <a:t>Before “pulling”, make sure you have </a:t>
+          </a:r>
+          <a:r>
+            <a:rPr lang="en-US" sz="1300" b="1" kern="1200" dirty="0">
+              <a:solidFill>
+                <a:schemeClr val="accent1"/>
+              </a:solidFill>
+            </a:rPr>
+            <a:t>staged</a:t>
+          </a:r>
+          <a:r>
+            <a:rPr lang="en-US" sz="1300" kern="1200" dirty="0">
+              <a:solidFill>
+                <a:schemeClr val="accent1"/>
+              </a:solidFill>
+            </a:rPr>
+            <a:t>, </a:t>
+          </a:r>
+          <a:r>
+            <a:rPr lang="en-US" sz="1300" b="1" kern="1200" dirty="0">
+              <a:solidFill>
+                <a:schemeClr val="accent1"/>
+              </a:solidFill>
+            </a:rPr>
+            <a:t>committed</a:t>
+          </a:r>
+          <a:r>
+            <a:rPr lang="en-US" sz="1300" kern="1200" dirty="0">
+              <a:solidFill>
+                <a:schemeClr val="accent1"/>
+              </a:solidFill>
+            </a:rPr>
+            <a:t>, and </a:t>
+          </a:r>
+          <a:r>
+            <a:rPr lang="en-US" sz="1300" b="1" kern="1200" dirty="0">
+              <a:solidFill>
+                <a:schemeClr val="accent1"/>
+              </a:solidFill>
+            </a:rPr>
+            <a:t>pushed</a:t>
+          </a:r>
+          <a:r>
+            <a:rPr lang="en-US" sz="1300" kern="1200" dirty="0">
+              <a:solidFill>
+                <a:schemeClr val="accent1"/>
+              </a:solidFill>
+            </a:rPr>
+            <a:t> all your changes. </a:t>
+          </a:r>
+          <a:r>
+            <a:rPr lang="en-US" sz="1300" kern="1200" dirty="0">
               <a:solidFill>
                 <a:schemeClr val="bg1"/>
               </a:solidFill>
             </a:rPr>
-            <a:t>This might require using a GitHub token. Instructions are in here:</a:t>
+            <a:t>Otherwise your branch might need a bit of work to be synced again</a:t>
           </a:r>
+          <a:endParaRPr lang="en-IL" sz="1300" kern="1200" dirty="0">
+            <a:solidFill>
+              <a:schemeClr val="bg1"/>
+            </a:solidFill>
+          </a:endParaRPr>
         </a:p>
+      </dsp:txBody>
+      <dsp:txXfrm>
+        <a:off x="0" y="1342029"/>
+        <a:ext cx="3306742" cy="1340065"/>
+      </dsp:txXfrm>
+    </dsp:sp>
+    <dsp:sp modelId="{60803E1B-51DC-4E28-AECB-BC6F5064E147}">
+      <dsp:nvSpPr>
+        <dsp:cNvPr id="0" name=""/>
+        <dsp:cNvSpPr/>
+      </dsp:nvSpPr>
+      <dsp:spPr>
+        <a:xfrm>
+          <a:off x="0" y="2682095"/>
+          <a:ext cx="3306742" cy="0"/>
+        </a:xfrm>
+        <a:prstGeom prst="line">
+          <a:avLst/>
+        </a:prstGeom>
+        <a:solidFill>
+          <a:schemeClr val="dk2">
+            <a:hueOff val="0"/>
+            <a:satOff val="0"/>
+            <a:lumOff val="0"/>
+            <a:alphaOff val="0"/>
+          </a:schemeClr>
+        </a:solidFill>
+        <a:ln w="12700" cap="flat" cmpd="sng" algn="ctr">
+          <a:solidFill>
+            <a:schemeClr val="dk2">
+              <a:hueOff val="0"/>
+              <a:satOff val="0"/>
+              <a:lumOff val="0"/>
+              <a:alphaOff val="0"/>
+            </a:schemeClr>
+          </a:solidFill>
+          <a:prstDash val="solid"/>
+        </a:ln>
+        <a:effectLst/>
+      </dsp:spPr>
+      <dsp:style>
+        <a:lnRef idx="2">
+          <a:scrgbClr r="0" g="0" b="0"/>
+        </a:lnRef>
+        <a:fillRef idx="1">
+          <a:scrgbClr r="0" g="0" b="0"/>
+        </a:fillRef>
+        <a:effectRef idx="1">
+          <a:scrgbClr r="0" g="0" b="0"/>
+        </a:effectRef>
+        <a:fontRef idx="minor">
+          <a:schemeClr val="lt1"/>
+        </a:fontRef>
+      </dsp:style>
+    </dsp:sp>
+    <dsp:sp modelId="{70EB4E1A-1F32-4A20-873B-DE23A98B3C83}">
+      <dsp:nvSpPr>
+        <dsp:cNvPr id="0" name=""/>
+        <dsp:cNvSpPr/>
+      </dsp:nvSpPr>
+      <dsp:spPr>
+        <a:xfrm>
+          <a:off x="0" y="2682095"/>
+          <a:ext cx="3306742" cy="1340065"/>
+        </a:xfrm>
+        <a:prstGeom prst="rect">
+          <a:avLst/>
+        </a:prstGeom>
+        <a:noFill/>
+        <a:ln>
+          <a:noFill/>
+        </a:ln>
+        <a:effectLst/>
+      </dsp:spPr>
+      <dsp:style>
+        <a:lnRef idx="0">
+          <a:scrgbClr r="0" g="0" b="0"/>
+        </a:lnRef>
+        <a:fillRef idx="0">
+          <a:scrgbClr r="0" g="0" b="0"/>
+        </a:fillRef>
+        <a:effectRef idx="0">
+          <a:scrgbClr r="0" g="0" b="0"/>
+        </a:effectRef>
+        <a:fontRef idx="minor"/>
+      </dsp:style>
+      <dsp:txBody>
+        <a:bodyPr spcFirstLastPara="0" vert="horz" wrap="square" lIns="49530" tIns="49530" rIns="49530" bIns="49530" numCol="1" spcCol="1270" anchor="t" anchorCtr="0">
+          <a:noAutofit/>
+        </a:bodyPr>
+        <a:lstStyle/>
         <a:p>
-          <a:pPr marL="0" lvl="0" indent="0" algn="l" defTabSz="800100">
+          <a:pPr marL="0" lvl="0" indent="0" algn="l" defTabSz="577850">
             <a:lnSpc>
               <a:spcPct val="90000"/>
             </a:lnSpc>
@@ -12375,34 +14546,39 @@
             <a:buNone/>
           </a:pPr>
           <a:r>
-            <a:rPr lang="en-US" sz="1000" kern="1200" dirty="0">
+            <a:rPr lang="en-US" sz="1300" kern="1200" dirty="0">
               <a:solidFill>
                 <a:schemeClr val="bg1"/>
               </a:solidFill>
             </a:rPr>
-            <a:t> “</a:t>
+            <a:t>The changes you are pulling should be on other branches and not your own (probably the “main” branch or “</a:t>
           </a:r>
           <a:r>
-            <a:rPr lang="en-US" sz="1000" kern="1200" dirty="0" err="1">
+            <a:rPr lang="en-US" sz="1300" kern="1200" dirty="0" err="1">
               <a:solidFill>
                 <a:schemeClr val="bg1"/>
               </a:solidFill>
             </a:rPr>
-            <a:t>Tiltan_UnrealEngineCourse</a:t>
+            <a:t>Other_Person”’s</a:t>
           </a:r>
           <a:r>
-            <a:rPr lang="en-US" sz="1000" kern="1200" dirty="0">
+            <a:rPr lang="en-US" sz="1300" kern="1200" dirty="0">
               <a:solidFill>
                 <a:schemeClr val="bg1"/>
               </a:solidFill>
             </a:rPr>
-            <a:t>\Classes\Class_1\Utils”</a:t>
+            <a:t> branch</a:t>
           </a:r>
+          <a:endParaRPr lang="en-IL" sz="1300" kern="1200" dirty="0">
+            <a:solidFill>
+              <a:schemeClr val="bg1"/>
+            </a:solidFill>
+          </a:endParaRPr>
         </a:p>
       </dsp:txBody>
       <dsp:txXfrm>
-        <a:off x="0" y="2012062"/>
-        <a:ext cx="3306742" cy="2012062"/>
+        <a:off x="0" y="2682095"/>
+        <a:ext cx="3306742" cy="1340065"/>
       </dsp:txXfrm>
     </dsp:sp>
   </dsp:spTree>
@@ -12486,6 +14662,634 @@
           <a:r>
             <a:rPr lang="en-US" sz="1900" kern="1200" dirty="0"/>
             <a:t>Remote Server</a:t>
+          </a:r>
+          <a:endParaRPr lang="en-IL" sz="1900" kern="1200" dirty="0"/>
+        </a:p>
+      </dsp:txBody>
+      <dsp:txXfrm>
+        <a:off x="2822" y="803549"/>
+        <a:ext cx="1803752" cy="801667"/>
+      </dsp:txXfrm>
+    </dsp:sp>
+    <dsp:sp modelId="{D7283E0C-12CA-423D-BECA-A9C855618804}">
+      <dsp:nvSpPr>
+        <dsp:cNvPr id="0" name=""/>
+        <dsp:cNvSpPr/>
+      </dsp:nvSpPr>
+      <dsp:spPr>
+        <a:xfrm>
+          <a:off x="1606158" y="803549"/>
+          <a:ext cx="2004169" cy="801667"/>
+        </a:xfrm>
+        <a:prstGeom prst="chevron">
+          <a:avLst/>
+        </a:prstGeom>
+        <a:solidFill>
+          <a:schemeClr val="accent1">
+            <a:hueOff val="0"/>
+            <a:satOff val="0"/>
+            <a:lumOff val="0"/>
+            <a:alphaOff val="0"/>
+          </a:schemeClr>
+        </a:solidFill>
+        <a:ln w="12700" cap="flat" cmpd="sng" algn="ctr">
+          <a:solidFill>
+            <a:schemeClr val="lt1">
+              <a:hueOff val="0"/>
+              <a:satOff val="0"/>
+              <a:lumOff val="0"/>
+              <a:alphaOff val="0"/>
+            </a:schemeClr>
+          </a:solidFill>
+          <a:prstDash val="solid"/>
+        </a:ln>
+        <a:effectLst/>
+      </dsp:spPr>
+      <dsp:style>
+        <a:lnRef idx="2">
+          <a:scrgbClr r="0" g="0" b="0"/>
+        </a:lnRef>
+        <a:fillRef idx="1">
+          <a:scrgbClr r="0" g="0" b="0"/>
+        </a:fillRef>
+        <a:effectRef idx="0">
+          <a:scrgbClr r="0" g="0" b="0"/>
+        </a:effectRef>
+        <a:fontRef idx="minor">
+          <a:schemeClr val="lt1"/>
+        </a:fontRef>
+      </dsp:style>
+      <dsp:txBody>
+        <a:bodyPr spcFirstLastPara="0" vert="horz" wrap="square" lIns="76010" tIns="50673" rIns="25337" bIns="50673" numCol="1" spcCol="1270" anchor="ctr" anchorCtr="0">
+          <a:noAutofit/>
+        </a:bodyPr>
+        <a:lstStyle/>
+        <a:p>
+          <a:pPr marL="0" lvl="0" indent="0" algn="ctr" defTabSz="844550">
+            <a:lnSpc>
+              <a:spcPct val="90000"/>
+            </a:lnSpc>
+            <a:spcBef>
+              <a:spcPct val="0"/>
+            </a:spcBef>
+            <a:spcAft>
+              <a:spcPct val="35000"/>
+            </a:spcAft>
+            <a:buNone/>
+          </a:pPr>
+          <a:r>
+            <a:rPr lang="en-US" sz="1900" kern="1200" dirty="0"/>
+            <a:t>Local Machine</a:t>
+          </a:r>
+          <a:endParaRPr lang="en-IL" sz="1900" kern="1200" dirty="0"/>
+        </a:p>
+      </dsp:txBody>
+      <dsp:txXfrm>
+        <a:off x="2006992" y="803549"/>
+        <a:ext cx="1202502" cy="801667"/>
+      </dsp:txXfrm>
+    </dsp:sp>
+  </dsp:spTree>
+</dsp:drawing>
+</file>
+
+<file path=ppt/diagrams/drawing14.xml><?xml version="1.0" encoding="utf-8"?>
+<dsp:drawing xmlns:dgm="http://schemas.openxmlformats.org/drawingml/2006/diagram" xmlns:dsp="http://schemas.microsoft.com/office/drawing/2008/diagram" xmlns:a="http://schemas.openxmlformats.org/drawingml/2006/main">
+  <dsp:spTree>
+    <dsp:nvGrpSpPr>
+      <dsp:cNvPr id="0" name=""/>
+      <dsp:cNvGrpSpPr/>
+    </dsp:nvGrpSpPr>
+    <dsp:grpSpPr/>
+    <dsp:sp modelId="{37A99676-7D77-4234-B476-7F723A4EE5DD}">
+      <dsp:nvSpPr>
+        <dsp:cNvPr id="0" name=""/>
+        <dsp:cNvSpPr/>
+      </dsp:nvSpPr>
+      <dsp:spPr>
+        <a:xfrm>
+          <a:off x="0" y="1964"/>
+          <a:ext cx="3306742" cy="0"/>
+        </a:xfrm>
+        <a:prstGeom prst="line">
+          <a:avLst/>
+        </a:prstGeom>
+        <a:solidFill>
+          <a:schemeClr val="dk2">
+            <a:hueOff val="0"/>
+            <a:satOff val="0"/>
+            <a:lumOff val="0"/>
+            <a:alphaOff val="0"/>
+          </a:schemeClr>
+        </a:solidFill>
+        <a:ln w="12700" cap="flat" cmpd="sng" algn="ctr">
+          <a:solidFill>
+            <a:schemeClr val="dk2">
+              <a:hueOff val="0"/>
+              <a:satOff val="0"/>
+              <a:lumOff val="0"/>
+              <a:alphaOff val="0"/>
+            </a:schemeClr>
+          </a:solidFill>
+          <a:prstDash val="solid"/>
+        </a:ln>
+        <a:effectLst/>
+      </dsp:spPr>
+      <dsp:style>
+        <a:lnRef idx="2">
+          <a:scrgbClr r="0" g="0" b="0"/>
+        </a:lnRef>
+        <a:fillRef idx="1">
+          <a:scrgbClr r="0" g="0" b="0"/>
+        </a:fillRef>
+        <a:effectRef idx="1">
+          <a:scrgbClr r="0" g="0" b="0"/>
+        </a:effectRef>
+        <a:fontRef idx="minor">
+          <a:schemeClr val="lt1"/>
+        </a:fontRef>
+      </dsp:style>
+    </dsp:sp>
+    <dsp:sp modelId="{67E73B1D-A92F-4837-AC5B-AF24B5C52467}">
+      <dsp:nvSpPr>
+        <dsp:cNvPr id="0" name=""/>
+        <dsp:cNvSpPr/>
+      </dsp:nvSpPr>
+      <dsp:spPr>
+        <a:xfrm>
+          <a:off x="0" y="1964"/>
+          <a:ext cx="3306742" cy="1340065"/>
+        </a:xfrm>
+        <a:prstGeom prst="rect">
+          <a:avLst/>
+        </a:prstGeom>
+        <a:noFill/>
+        <a:ln>
+          <a:noFill/>
+        </a:ln>
+        <a:effectLst/>
+      </dsp:spPr>
+      <dsp:style>
+        <a:lnRef idx="0">
+          <a:scrgbClr r="0" g="0" b="0"/>
+        </a:lnRef>
+        <a:fillRef idx="0">
+          <a:scrgbClr r="0" g="0" b="0"/>
+        </a:fillRef>
+        <a:effectRef idx="0">
+          <a:scrgbClr r="0" g="0" b="0"/>
+        </a:effectRef>
+        <a:fontRef idx="minor"/>
+      </dsp:style>
+      <dsp:txBody>
+        <a:bodyPr spcFirstLastPara="0" vert="horz" wrap="square" lIns="49530" tIns="49530" rIns="49530" bIns="49530" numCol="1" spcCol="1270" anchor="t" anchorCtr="0">
+          <a:noAutofit/>
+        </a:bodyPr>
+        <a:lstStyle/>
+        <a:p>
+          <a:pPr marL="0" lvl="0" indent="0" algn="l" defTabSz="577850">
+            <a:lnSpc>
+              <a:spcPct val="90000"/>
+            </a:lnSpc>
+            <a:spcBef>
+              <a:spcPct val="0"/>
+            </a:spcBef>
+            <a:spcAft>
+              <a:spcPct val="35000"/>
+            </a:spcAft>
+            <a:buNone/>
+          </a:pPr>
+          <a:r>
+            <a:rPr lang="en-US" sz="1300" kern="1200" dirty="0">
+              <a:solidFill>
+                <a:schemeClr val="bg1"/>
+              </a:solidFill>
+            </a:rPr>
+            <a:t>The command “git pull” downloads changes in the server version of the repo to our local repo</a:t>
+          </a:r>
+          <a:endParaRPr lang="en-IL" sz="1300" kern="1200" dirty="0">
+            <a:solidFill>
+              <a:schemeClr val="bg1"/>
+            </a:solidFill>
+          </a:endParaRPr>
+        </a:p>
+      </dsp:txBody>
+      <dsp:txXfrm>
+        <a:off x="0" y="1964"/>
+        <a:ext cx="3306742" cy="1340065"/>
+      </dsp:txXfrm>
+    </dsp:sp>
+    <dsp:sp modelId="{A61422F4-39B9-483B-B7C0-C98B4D842298}">
+      <dsp:nvSpPr>
+        <dsp:cNvPr id="0" name=""/>
+        <dsp:cNvSpPr/>
+      </dsp:nvSpPr>
+      <dsp:spPr>
+        <a:xfrm>
+          <a:off x="0" y="1342029"/>
+          <a:ext cx="3306742" cy="0"/>
+        </a:xfrm>
+        <a:prstGeom prst="line">
+          <a:avLst/>
+        </a:prstGeom>
+        <a:solidFill>
+          <a:schemeClr val="dk2">
+            <a:hueOff val="0"/>
+            <a:satOff val="0"/>
+            <a:lumOff val="0"/>
+            <a:alphaOff val="0"/>
+          </a:schemeClr>
+        </a:solidFill>
+        <a:ln w="12700" cap="flat" cmpd="sng" algn="ctr">
+          <a:solidFill>
+            <a:schemeClr val="dk2">
+              <a:hueOff val="0"/>
+              <a:satOff val="0"/>
+              <a:lumOff val="0"/>
+              <a:alphaOff val="0"/>
+            </a:schemeClr>
+          </a:solidFill>
+          <a:prstDash val="solid"/>
+        </a:ln>
+        <a:effectLst/>
+      </dsp:spPr>
+      <dsp:style>
+        <a:lnRef idx="2">
+          <a:scrgbClr r="0" g="0" b="0"/>
+        </a:lnRef>
+        <a:fillRef idx="1">
+          <a:scrgbClr r="0" g="0" b="0"/>
+        </a:fillRef>
+        <a:effectRef idx="1">
+          <a:scrgbClr r="0" g="0" b="0"/>
+        </a:effectRef>
+        <a:fontRef idx="minor">
+          <a:schemeClr val="lt1"/>
+        </a:fontRef>
+      </dsp:style>
+    </dsp:sp>
+    <dsp:sp modelId="{123E1194-EDCB-4BC3-8A5F-679E6B7FB166}">
+      <dsp:nvSpPr>
+        <dsp:cNvPr id="0" name=""/>
+        <dsp:cNvSpPr/>
+      </dsp:nvSpPr>
+      <dsp:spPr>
+        <a:xfrm>
+          <a:off x="0" y="1342029"/>
+          <a:ext cx="3306742" cy="1340065"/>
+        </a:xfrm>
+        <a:prstGeom prst="rect">
+          <a:avLst/>
+        </a:prstGeom>
+        <a:noFill/>
+        <a:ln>
+          <a:noFill/>
+        </a:ln>
+        <a:effectLst/>
+      </dsp:spPr>
+      <dsp:style>
+        <a:lnRef idx="0">
+          <a:scrgbClr r="0" g="0" b="0"/>
+        </a:lnRef>
+        <a:fillRef idx="0">
+          <a:scrgbClr r="0" g="0" b="0"/>
+        </a:fillRef>
+        <a:effectRef idx="0">
+          <a:scrgbClr r="0" g="0" b="0"/>
+        </a:effectRef>
+        <a:fontRef idx="minor"/>
+      </dsp:style>
+      <dsp:txBody>
+        <a:bodyPr spcFirstLastPara="0" vert="horz" wrap="square" lIns="49530" tIns="49530" rIns="49530" bIns="49530" numCol="1" spcCol="1270" anchor="t" anchorCtr="0">
+          <a:noAutofit/>
+        </a:bodyPr>
+        <a:lstStyle/>
+        <a:p>
+          <a:pPr marL="0" lvl="0" indent="0" algn="l" defTabSz="577850">
+            <a:lnSpc>
+              <a:spcPct val="90000"/>
+            </a:lnSpc>
+            <a:spcBef>
+              <a:spcPct val="0"/>
+            </a:spcBef>
+            <a:spcAft>
+              <a:spcPct val="35000"/>
+            </a:spcAft>
+            <a:buNone/>
+          </a:pPr>
+          <a:r>
+            <a:rPr lang="en-US" sz="1300" kern="1200" dirty="0">
+              <a:solidFill>
+                <a:schemeClr val="bg1"/>
+              </a:solidFill>
+            </a:rPr>
+            <a:t>***WARNING***</a:t>
+          </a:r>
+        </a:p>
+        <a:p>
+          <a:pPr marL="0" lvl="0" indent="0" algn="l" defTabSz="577850">
+            <a:lnSpc>
+              <a:spcPct val="90000"/>
+            </a:lnSpc>
+            <a:spcBef>
+              <a:spcPct val="0"/>
+            </a:spcBef>
+            <a:spcAft>
+              <a:spcPct val="35000"/>
+            </a:spcAft>
+            <a:buNone/>
+          </a:pPr>
+          <a:r>
+            <a:rPr lang="en-US" sz="1300" kern="1200" dirty="0">
+              <a:solidFill>
+                <a:schemeClr val="accent1"/>
+              </a:solidFill>
+            </a:rPr>
+            <a:t>Before “pulling”, make sure you have </a:t>
+          </a:r>
+          <a:r>
+            <a:rPr lang="en-US" sz="1300" b="1" kern="1200" dirty="0">
+              <a:solidFill>
+                <a:schemeClr val="accent1"/>
+              </a:solidFill>
+            </a:rPr>
+            <a:t>staged</a:t>
+          </a:r>
+          <a:r>
+            <a:rPr lang="en-US" sz="1300" kern="1200" dirty="0">
+              <a:solidFill>
+                <a:schemeClr val="accent1"/>
+              </a:solidFill>
+            </a:rPr>
+            <a:t>, </a:t>
+          </a:r>
+          <a:r>
+            <a:rPr lang="en-US" sz="1300" b="1" kern="1200" dirty="0">
+              <a:solidFill>
+                <a:schemeClr val="accent1"/>
+              </a:solidFill>
+            </a:rPr>
+            <a:t>committed</a:t>
+          </a:r>
+          <a:r>
+            <a:rPr lang="en-US" sz="1300" kern="1200" dirty="0">
+              <a:solidFill>
+                <a:schemeClr val="accent1"/>
+              </a:solidFill>
+            </a:rPr>
+            <a:t>, and </a:t>
+          </a:r>
+          <a:r>
+            <a:rPr lang="en-US" sz="1300" b="1" kern="1200" dirty="0">
+              <a:solidFill>
+                <a:schemeClr val="accent1"/>
+              </a:solidFill>
+            </a:rPr>
+            <a:t>pushed</a:t>
+          </a:r>
+          <a:r>
+            <a:rPr lang="en-US" sz="1300" kern="1200" dirty="0">
+              <a:solidFill>
+                <a:schemeClr val="accent1"/>
+              </a:solidFill>
+            </a:rPr>
+            <a:t> all your changes. </a:t>
+          </a:r>
+          <a:r>
+            <a:rPr lang="en-US" sz="1300" kern="1200" dirty="0">
+              <a:solidFill>
+                <a:schemeClr val="bg1"/>
+              </a:solidFill>
+            </a:rPr>
+            <a:t>Otherwise your branch might need a bit of work to be synced again</a:t>
+          </a:r>
+          <a:endParaRPr lang="en-IL" sz="1300" kern="1200" dirty="0">
+            <a:solidFill>
+              <a:schemeClr val="bg1"/>
+            </a:solidFill>
+          </a:endParaRPr>
+        </a:p>
+      </dsp:txBody>
+      <dsp:txXfrm>
+        <a:off x="0" y="1342029"/>
+        <a:ext cx="3306742" cy="1340065"/>
+      </dsp:txXfrm>
+    </dsp:sp>
+    <dsp:sp modelId="{60803E1B-51DC-4E28-AECB-BC6F5064E147}">
+      <dsp:nvSpPr>
+        <dsp:cNvPr id="0" name=""/>
+        <dsp:cNvSpPr/>
+      </dsp:nvSpPr>
+      <dsp:spPr>
+        <a:xfrm>
+          <a:off x="0" y="2682095"/>
+          <a:ext cx="3306742" cy="0"/>
+        </a:xfrm>
+        <a:prstGeom prst="line">
+          <a:avLst/>
+        </a:prstGeom>
+        <a:solidFill>
+          <a:schemeClr val="dk2">
+            <a:hueOff val="0"/>
+            <a:satOff val="0"/>
+            <a:lumOff val="0"/>
+            <a:alphaOff val="0"/>
+          </a:schemeClr>
+        </a:solidFill>
+        <a:ln w="12700" cap="flat" cmpd="sng" algn="ctr">
+          <a:solidFill>
+            <a:schemeClr val="dk2">
+              <a:hueOff val="0"/>
+              <a:satOff val="0"/>
+              <a:lumOff val="0"/>
+              <a:alphaOff val="0"/>
+            </a:schemeClr>
+          </a:solidFill>
+          <a:prstDash val="solid"/>
+        </a:ln>
+        <a:effectLst/>
+      </dsp:spPr>
+      <dsp:style>
+        <a:lnRef idx="2">
+          <a:scrgbClr r="0" g="0" b="0"/>
+        </a:lnRef>
+        <a:fillRef idx="1">
+          <a:scrgbClr r="0" g="0" b="0"/>
+        </a:fillRef>
+        <a:effectRef idx="1">
+          <a:scrgbClr r="0" g="0" b="0"/>
+        </a:effectRef>
+        <a:fontRef idx="minor">
+          <a:schemeClr val="lt1"/>
+        </a:fontRef>
+      </dsp:style>
+    </dsp:sp>
+    <dsp:sp modelId="{70EB4E1A-1F32-4A20-873B-DE23A98B3C83}">
+      <dsp:nvSpPr>
+        <dsp:cNvPr id="0" name=""/>
+        <dsp:cNvSpPr/>
+      </dsp:nvSpPr>
+      <dsp:spPr>
+        <a:xfrm>
+          <a:off x="0" y="2682095"/>
+          <a:ext cx="3306742" cy="1340065"/>
+        </a:xfrm>
+        <a:prstGeom prst="rect">
+          <a:avLst/>
+        </a:prstGeom>
+        <a:noFill/>
+        <a:ln>
+          <a:noFill/>
+        </a:ln>
+        <a:effectLst/>
+      </dsp:spPr>
+      <dsp:style>
+        <a:lnRef idx="0">
+          <a:scrgbClr r="0" g="0" b="0"/>
+        </a:lnRef>
+        <a:fillRef idx="0">
+          <a:scrgbClr r="0" g="0" b="0"/>
+        </a:fillRef>
+        <a:effectRef idx="0">
+          <a:scrgbClr r="0" g="0" b="0"/>
+        </a:effectRef>
+        <a:fontRef idx="minor"/>
+      </dsp:style>
+      <dsp:txBody>
+        <a:bodyPr spcFirstLastPara="0" vert="horz" wrap="square" lIns="49530" tIns="49530" rIns="49530" bIns="49530" numCol="1" spcCol="1270" anchor="t" anchorCtr="0">
+          <a:noAutofit/>
+        </a:bodyPr>
+        <a:lstStyle/>
+        <a:p>
+          <a:pPr marL="0" lvl="0" indent="0" algn="l" defTabSz="577850">
+            <a:lnSpc>
+              <a:spcPct val="90000"/>
+            </a:lnSpc>
+            <a:spcBef>
+              <a:spcPct val="0"/>
+            </a:spcBef>
+            <a:spcAft>
+              <a:spcPct val="35000"/>
+            </a:spcAft>
+            <a:buNone/>
+          </a:pPr>
+          <a:r>
+            <a:rPr lang="en-US" sz="1300" kern="1200" dirty="0">
+              <a:solidFill>
+                <a:schemeClr val="bg1"/>
+              </a:solidFill>
+            </a:rPr>
+            <a:t>The changes you are pulling should be on other branches and not your own (probably the “main” branch or “</a:t>
+          </a:r>
+          <a:r>
+            <a:rPr lang="en-US" sz="1300" kern="1200" dirty="0" err="1">
+              <a:solidFill>
+                <a:schemeClr val="bg1"/>
+              </a:solidFill>
+            </a:rPr>
+            <a:t>Other_Person”’s</a:t>
+          </a:r>
+          <a:r>
+            <a:rPr lang="en-US" sz="1300" kern="1200" dirty="0">
+              <a:solidFill>
+                <a:schemeClr val="bg1"/>
+              </a:solidFill>
+            </a:rPr>
+            <a:t> branch</a:t>
+          </a:r>
+          <a:endParaRPr lang="en-IL" sz="1300" kern="1200" dirty="0">
+            <a:solidFill>
+              <a:schemeClr val="bg1"/>
+            </a:solidFill>
+          </a:endParaRPr>
+        </a:p>
+      </dsp:txBody>
+      <dsp:txXfrm>
+        <a:off x="0" y="2682095"/>
+        <a:ext cx="3306742" cy="1340065"/>
+      </dsp:txXfrm>
+    </dsp:sp>
+  </dsp:spTree>
+</dsp:drawing>
+</file>
+
+<file path=ppt/diagrams/drawing15.xml><?xml version="1.0" encoding="utf-8"?>
+<dsp:drawing xmlns:dgm="http://schemas.openxmlformats.org/drawingml/2006/diagram" xmlns:dsp="http://schemas.microsoft.com/office/drawing/2008/diagram" xmlns:a="http://schemas.openxmlformats.org/drawingml/2006/main">
+  <dsp:spTree>
+    <dsp:nvGrpSpPr>
+      <dsp:cNvPr id="0" name=""/>
+      <dsp:cNvGrpSpPr/>
+    </dsp:nvGrpSpPr>
+    <dsp:grpSpPr/>
+    <dsp:sp modelId="{AFCB9AAC-413D-453E-B9FA-CCB2F75258BA}">
+      <dsp:nvSpPr>
+        <dsp:cNvPr id="0" name=""/>
+        <dsp:cNvSpPr/>
+      </dsp:nvSpPr>
+      <dsp:spPr>
+        <a:xfrm>
+          <a:off x="2822" y="803549"/>
+          <a:ext cx="2004169" cy="801667"/>
+        </a:xfrm>
+        <a:prstGeom prst="homePlate">
+          <a:avLst/>
+        </a:prstGeom>
+        <a:solidFill>
+          <a:schemeClr val="accent1">
+            <a:hueOff val="0"/>
+            <a:satOff val="0"/>
+            <a:lumOff val="0"/>
+            <a:alphaOff val="0"/>
+          </a:schemeClr>
+        </a:solidFill>
+        <a:ln w="12700" cap="flat" cmpd="sng" algn="ctr">
+          <a:solidFill>
+            <a:schemeClr val="lt1">
+              <a:hueOff val="0"/>
+              <a:satOff val="0"/>
+              <a:lumOff val="0"/>
+              <a:alphaOff val="0"/>
+            </a:schemeClr>
+          </a:solidFill>
+          <a:prstDash val="solid"/>
+        </a:ln>
+        <a:effectLst/>
+      </dsp:spPr>
+      <dsp:style>
+        <a:lnRef idx="2">
+          <a:scrgbClr r="0" g="0" b="0"/>
+        </a:lnRef>
+        <a:fillRef idx="1">
+          <a:scrgbClr r="0" g="0" b="0"/>
+        </a:fillRef>
+        <a:effectRef idx="0">
+          <a:scrgbClr r="0" g="0" b="0"/>
+        </a:effectRef>
+        <a:fontRef idx="minor">
+          <a:schemeClr val="lt1"/>
+        </a:fontRef>
+      </dsp:style>
+      <dsp:txBody>
+        <a:bodyPr spcFirstLastPara="0" vert="horz" wrap="square" lIns="101346" tIns="50673" rIns="25337" bIns="50673" numCol="1" spcCol="1270" anchor="ctr" anchorCtr="0">
+          <a:noAutofit/>
+        </a:bodyPr>
+        <a:lstStyle/>
+        <a:p>
+          <a:pPr marL="0" lvl="0" indent="0" algn="ctr" defTabSz="844550">
+            <a:lnSpc>
+              <a:spcPct val="90000"/>
+            </a:lnSpc>
+            <a:spcBef>
+              <a:spcPct val="0"/>
+            </a:spcBef>
+            <a:spcAft>
+              <a:spcPct val="35000"/>
+            </a:spcAft>
+            <a:buNone/>
+          </a:pPr>
+          <a:r>
+            <a:rPr lang="en-US" sz="1900" kern="1200" dirty="0"/>
+            <a:t>Local Machine</a:t>
           </a:r>
           <a:endParaRPr lang="en-IL" sz="1900" kern="1200" dirty="0"/>
         </a:p>
@@ -15961,6 +18765,744 @@
 </dgm:layoutDef>
 </file>
 
+<file path=ppt/diagrams/layout14.xml><?xml version="1.0" encoding="utf-8"?>
+<dgm:layoutDef xmlns:dgm="http://schemas.openxmlformats.org/drawingml/2006/diagram" xmlns:a="http://schemas.openxmlformats.org/drawingml/2006/main" uniqueId="urn:microsoft.com/office/officeart/2008/layout/LinedList">
+  <dgm:title val=""/>
+  <dgm:desc val=""/>
+  <dgm:catLst>
+    <dgm:cat type="hierarchy" pri="8000"/>
+    <dgm:cat type="list" pri="2500"/>
+  </dgm:catLst>
+  <dgm:sampData>
+    <dgm:dataModel>
+      <dgm:ptLst>
+        <dgm:pt modelId="0" type="doc"/>
+        <dgm:pt modelId="1">
+          <dgm:prSet phldr="1"/>
+        </dgm:pt>
+        <dgm:pt modelId="11">
+          <dgm:prSet phldr="1"/>
+        </dgm:pt>
+        <dgm:pt modelId="12">
+          <dgm:prSet phldr="1"/>
+        </dgm:pt>
+        <dgm:pt modelId="13">
+          <dgm:prSet phldr="1"/>
+        </dgm:pt>
+      </dgm:ptLst>
+      <dgm:cxnLst>
+        <dgm:cxn modelId="2" srcId="0" destId="1" srcOrd="0" destOrd="0"/>
+        <dgm:cxn modelId="3" srcId="1" destId="11" srcOrd="0" destOrd="0"/>
+        <dgm:cxn modelId="4" srcId="1" destId="12" srcOrd="1" destOrd="0"/>
+        <dgm:cxn modelId="5" srcId="1" destId="13" srcOrd="2" destOrd="0"/>
+      </dgm:cxnLst>
+      <dgm:bg/>
+      <dgm:whole/>
+    </dgm:dataModel>
+  </dgm:sampData>
+  <dgm:styleData>
+    <dgm:dataModel>
+      <dgm:ptLst>
+        <dgm:pt modelId="0" type="doc"/>
+        <dgm:pt modelId="1">
+          <dgm:prSet phldr="1"/>
+        </dgm:pt>
+        <dgm:pt modelId="11">
+          <dgm:prSet phldr="1"/>
+        </dgm:pt>
+        <dgm:pt modelId="12">
+          <dgm:prSet phldr="1"/>
+        </dgm:pt>
+      </dgm:ptLst>
+      <dgm:cxnLst>
+        <dgm:cxn modelId="2" srcId="0" destId="1" srcOrd="0" destOrd="0"/>
+        <dgm:cxn modelId="3" srcId="1" destId="11" srcOrd="0" destOrd="0"/>
+        <dgm:cxn modelId="4" srcId="1" destId="12" srcOrd="1" destOrd="0"/>
+      </dgm:cxnLst>
+      <dgm:bg/>
+      <dgm:whole/>
+    </dgm:dataModel>
+  </dgm:styleData>
+  <dgm:clrData>
+    <dgm:dataModel>
+      <dgm:ptLst>
+        <dgm:pt modelId="0" type="doc"/>
+        <dgm:pt modelId="1">
+          <dgm:prSet phldr="1"/>
+        </dgm:pt>
+        <dgm:pt modelId="11">
+          <dgm:prSet phldr="1"/>
+        </dgm:pt>
+        <dgm:pt modelId="12">
+          <dgm:prSet phldr="1"/>
+        </dgm:pt>
+      </dgm:ptLst>
+      <dgm:cxnLst>
+        <dgm:cxn modelId="2" srcId="0" destId="1" srcOrd="0" destOrd="0"/>
+        <dgm:cxn modelId="3" srcId="1" destId="11" srcOrd="0" destOrd="0"/>
+        <dgm:cxn modelId="4" srcId="1" destId="12" srcOrd="1" destOrd="0"/>
+      </dgm:cxnLst>
+      <dgm:bg/>
+      <dgm:whole/>
+    </dgm:dataModel>
+  </dgm:clrData>
+  <dgm:layoutNode name="vert0">
+    <dgm:varLst>
+      <dgm:dir/>
+      <dgm:animOne val="branch"/>
+      <dgm:animLvl val="lvl"/>
+    </dgm:varLst>
+    <dgm:choose name="Name0">
+      <dgm:if name="Name1" func="var" arg="dir" op="equ" val="norm">
+        <dgm:alg type="lin">
+          <dgm:param type="linDir" val="fromT"/>
+          <dgm:param type="nodeHorzAlign" val="l"/>
+        </dgm:alg>
+      </dgm:if>
+      <dgm:else name="Name2">
+        <dgm:alg type="lin">
+          <dgm:param type="linDir" val="fromT"/>
+          <dgm:param type="nodeHorzAlign" val="r"/>
+        </dgm:alg>
+      </dgm:else>
+    </dgm:choose>
+    <dgm:shape xmlns:r="http://schemas.openxmlformats.org/officeDocument/2006/relationships" r:blip="">
+      <dgm:adjLst/>
+    </dgm:shape>
+    <dgm:presOf/>
+    <dgm:constrLst>
+      <dgm:constr type="w" for="ch" forName="horz1" refType="w"/>
+      <dgm:constr type="h" for="ch" forName="horz1" refType="h"/>
+      <dgm:constr type="h" for="des" forName="vert1" refType="h"/>
+      <dgm:constr type="h" for="des" forName="tx1" refType="h"/>
+      <dgm:constr type="h" for="des" forName="horz2" refType="h"/>
+      <dgm:constr type="h" for="des" forName="vert2" refType="h"/>
+      <dgm:constr type="h" for="des" forName="horz3" refType="h"/>
+      <dgm:constr type="h" for="des" forName="vert3" refType="h"/>
+      <dgm:constr type="h" for="des" forName="horz4" refType="h"/>
+      <dgm:constr type="h" for="des" ptType="node" refType="h"/>
+      <dgm:constr type="primFontSz" for="des" forName="tx1" op="equ" val="65"/>
+      <dgm:constr type="primFontSz" for="des" forName="tx2" op="equ" val="65"/>
+      <dgm:constr type="primFontSz" for="des" forName="tx3" op="equ" val="65"/>
+      <dgm:constr type="primFontSz" for="des" forName="tx4" op="equ" val="65"/>
+      <dgm:constr type="w" for="des" forName="thickLine" refType="w"/>
+      <dgm:constr type="h" for="des" forName="thickLine"/>
+      <dgm:constr type="h" for="des" forName="thinLine1"/>
+      <dgm:constr type="h" for="des" forName="thinLine2b"/>
+      <dgm:constr type="h" for="des" forName="thinLine3"/>
+      <dgm:constr type="h" for="des" forName="vertSpace2a" refType="h" fact="0.05"/>
+      <dgm:constr type="h" for="des" forName="vertSpace2b" refType="h" refFor="des" refForName="vertSpace2a"/>
+    </dgm:constrLst>
+    <dgm:forEach name="Name3" axis="ch" ptType="node">
+      <dgm:layoutNode name="thickLine" styleLbl="alignNode1">
+        <dgm:alg type="sp"/>
+        <dgm:shape xmlns:r="http://schemas.openxmlformats.org/officeDocument/2006/relationships" type="line" r:blip="">
+          <dgm:adjLst/>
+        </dgm:shape>
+        <dgm:presOf/>
+      </dgm:layoutNode>
+      <dgm:layoutNode name="horz1">
+        <dgm:choose name="Name4">
+          <dgm:if name="Name5" func="var" arg="dir" op="equ" val="norm">
+            <dgm:alg type="lin">
+              <dgm:param type="linDir" val="fromL"/>
+              <dgm:param type="nodeVertAlign" val="t"/>
+            </dgm:alg>
+          </dgm:if>
+          <dgm:else name="Name6">
+            <dgm:alg type="lin">
+              <dgm:param type="linDir" val="fromR"/>
+              <dgm:param type="nodeVertAlign" val="t"/>
+            </dgm:alg>
+          </dgm:else>
+        </dgm:choose>
+        <dgm:shape xmlns:r="http://schemas.openxmlformats.org/officeDocument/2006/relationships" r:blip="">
+          <dgm:adjLst/>
+        </dgm:shape>
+        <dgm:presOf/>
+        <dgm:choose name="Name7">
+          <dgm:if name="Name8" axis="root des" func="maxDepth" op="equ" val="1">
+            <dgm:constrLst>
+              <dgm:constr type="w" for="ch" forName="tx1" refType="w"/>
+            </dgm:constrLst>
+          </dgm:if>
+          <dgm:if name="Name9" axis="root des" func="maxDepth" op="equ" val="2">
+            <dgm:constrLst>
+              <dgm:constr type="w" for="ch" forName="tx1" refType="w" fact="0.2"/>
+              <dgm:constr type="w" for="des" forName="tx2" refType="w" fact="0.785"/>
+              <dgm:constr type="w" for="des" forName="horzSpace2" refType="w" fact="0.015"/>
+              <dgm:constr type="w" for="des" forName="thinLine2b" refType="w" fact="0.8"/>
+            </dgm:constrLst>
+          </dgm:if>
+          <dgm:if name="Name10" axis="root des" func="maxDepth" op="equ" val="3">
+            <dgm:constrLst>
+              <dgm:constr type="w" for="ch" forName="tx1" refType="w" fact="0.2"/>
+              <dgm:constr type="w" for="des" forName="tx2" refType="w" fact="0.385"/>
+              <dgm:constr type="w" for="des" forName="tx3" refType="w" fact="0.385"/>
+              <dgm:constr type="w" for="des" forName="horzSpace2" refType="w" fact="0.015"/>
+              <dgm:constr type="w" for="des" forName="horzSpace3" refType="w" fact="0.015"/>
+              <dgm:constr type="w" for="des" forName="thinLine2b" refType="w" fact="0.8"/>
+              <dgm:constr type="w" for="des" forName="thinLine3" refType="w" fact="0.385"/>
+            </dgm:constrLst>
+          </dgm:if>
+          <dgm:if name="Name11" axis="root des" func="maxDepth" op="gte" val="4">
+            <dgm:constrLst>
+              <dgm:constr type="w" for="ch" forName="tx1" refType="w" fact="0.2"/>
+              <dgm:constr type="w" for="des" forName="tx2" refType="w" fact="0.2516"/>
+              <dgm:constr type="w" for="des" forName="tx3" refType="w" fact="0.2516"/>
+              <dgm:constr type="w" for="des" forName="tx4" refType="w" fact="0.2516"/>
+              <dgm:constr type="w" for="des" forName="horzSpace2" refType="w" fact="0.015"/>
+              <dgm:constr type="w" for="des" forName="horzSpace3" refType="w" fact="0.015"/>
+              <dgm:constr type="w" for="des" forName="horzSpace4" refType="w" fact="0.015"/>
+              <dgm:constr type="w" for="des" forName="thinLine2b" refType="w" fact="0.8"/>
+              <dgm:constr type="w" for="des" forName="thinLine3" refType="w" fact="0.5332"/>
+            </dgm:constrLst>
+          </dgm:if>
+          <dgm:else name="Name12"/>
+        </dgm:choose>
+        <dgm:layoutNode name="tx1" styleLbl="revTx">
+          <dgm:alg type="tx">
+            <dgm:param type="parTxLTRAlign" val="l"/>
+            <dgm:param type="parTxRTLAlign" val="r"/>
+            <dgm:param type="txAnchorVert" val="t"/>
+          </dgm:alg>
+          <dgm:shape xmlns:r="http://schemas.openxmlformats.org/officeDocument/2006/relationships" type="rect" r:blip="">
+            <dgm:adjLst/>
+          </dgm:shape>
+          <dgm:presOf axis="self"/>
+          <dgm:constrLst>
+            <dgm:constr type="tMarg" refType="primFontSz" fact="0.3"/>
+            <dgm:constr type="bMarg" refType="primFontSz" fact="0.3"/>
+            <dgm:constr type="lMarg" refType="primFontSz" fact="0.3"/>
+            <dgm:constr type="rMarg" refType="primFontSz" fact="0.3"/>
+          </dgm:constrLst>
+          <dgm:ruleLst>
+            <dgm:rule type="primFontSz" val="5" fact="NaN" max="NaN"/>
+          </dgm:ruleLst>
+        </dgm:layoutNode>
+        <dgm:layoutNode name="vert1">
+          <dgm:choose name="Name13">
+            <dgm:if name="Name14" func="var" arg="dir" op="equ" val="norm">
+              <dgm:alg type="lin">
+                <dgm:param type="linDir" val="fromT"/>
+                <dgm:param type="nodeHorzAlign" val="l"/>
+              </dgm:alg>
+            </dgm:if>
+            <dgm:else name="Name15">
+              <dgm:alg type="lin">
+                <dgm:param type="linDir" val="fromT"/>
+                <dgm:param type="nodeHorzAlign" val="r"/>
+              </dgm:alg>
+            </dgm:else>
+          </dgm:choose>
+          <dgm:shape xmlns:r="http://schemas.openxmlformats.org/officeDocument/2006/relationships" r:blip="">
+            <dgm:adjLst/>
+          </dgm:shape>
+          <dgm:presOf/>
+          <dgm:forEach name="Name16" axis="ch" ptType="node">
+            <dgm:choose name="Name17">
+              <dgm:if name="Name18" axis="self" ptType="node" func="pos" op="equ" val="1">
+                <dgm:layoutNode name="vertSpace2a">
+                  <dgm:alg type="sp"/>
+                  <dgm:shape xmlns:r="http://schemas.openxmlformats.org/officeDocument/2006/relationships" r:blip="">
+                    <dgm:adjLst/>
+                  </dgm:shape>
+                  <dgm:presOf/>
+                </dgm:layoutNode>
+              </dgm:if>
+              <dgm:else name="Name19"/>
+            </dgm:choose>
+            <dgm:layoutNode name="horz2">
+              <dgm:choose name="Name20">
+                <dgm:if name="Name21" func="var" arg="dir" op="equ" val="norm">
+                  <dgm:alg type="lin">
+                    <dgm:param type="linDir" val="fromL"/>
+                    <dgm:param type="nodeVertAlign" val="t"/>
+                  </dgm:alg>
+                </dgm:if>
+                <dgm:else name="Name22">
+                  <dgm:alg type="lin">
+                    <dgm:param type="linDir" val="fromR"/>
+                    <dgm:param type="nodeVertAlign" val="t"/>
+                  </dgm:alg>
+                </dgm:else>
+              </dgm:choose>
+              <dgm:shape xmlns:r="http://schemas.openxmlformats.org/officeDocument/2006/relationships" r:blip="">
+                <dgm:adjLst/>
+              </dgm:shape>
+              <dgm:presOf/>
+              <dgm:layoutNode name="horzSpace2">
+                <dgm:alg type="sp"/>
+                <dgm:shape xmlns:r="http://schemas.openxmlformats.org/officeDocument/2006/relationships" r:blip="">
+                  <dgm:adjLst/>
+                </dgm:shape>
+                <dgm:presOf/>
+              </dgm:layoutNode>
+              <dgm:layoutNode name="tx2" styleLbl="revTx">
+                <dgm:alg type="tx">
+                  <dgm:param type="parTxLTRAlign" val="l"/>
+                  <dgm:param type="parTxRTLAlign" val="r"/>
+                  <dgm:param type="txAnchorVert" val="t"/>
+                </dgm:alg>
+                <dgm:shape xmlns:r="http://schemas.openxmlformats.org/officeDocument/2006/relationships" type="rect" r:blip="">
+                  <dgm:adjLst/>
+                </dgm:shape>
+                <dgm:presOf axis="self"/>
+                <dgm:constrLst>
+                  <dgm:constr type="tMarg" refType="primFontSz" fact="0.3"/>
+                  <dgm:constr type="bMarg" refType="primFontSz" fact="0.3"/>
+                  <dgm:constr type="lMarg" refType="primFontSz" fact="0.3"/>
+                  <dgm:constr type="rMarg" refType="primFontSz" fact="0.3"/>
+                </dgm:constrLst>
+                <dgm:ruleLst>
+                  <dgm:rule type="primFontSz" val="5" fact="NaN" max="NaN"/>
+                </dgm:ruleLst>
+              </dgm:layoutNode>
+              <dgm:layoutNode name="vert2">
+                <dgm:choose name="Name23">
+                  <dgm:if name="Name24" func="var" arg="dir" op="equ" val="norm">
+                    <dgm:alg type="lin">
+                      <dgm:param type="linDir" val="fromT"/>
+                      <dgm:param type="nodeHorzAlign" val="l"/>
+                    </dgm:alg>
+                  </dgm:if>
+                  <dgm:else name="Name25">
+                    <dgm:alg type="lin">
+                      <dgm:param type="linDir" val="fromT"/>
+                      <dgm:param type="nodeHorzAlign" val="r"/>
+                    </dgm:alg>
+                  </dgm:else>
+                </dgm:choose>
+                <dgm:shape xmlns:r="http://schemas.openxmlformats.org/officeDocument/2006/relationships" r:blip="">
+                  <dgm:adjLst/>
+                </dgm:shape>
+                <dgm:presOf/>
+                <dgm:forEach name="Name26" axis="ch" ptType="node">
+                  <dgm:layoutNode name="horz3">
+                    <dgm:choose name="Name27">
+                      <dgm:if name="Name28" func="var" arg="dir" op="equ" val="norm">
+                        <dgm:alg type="lin">
+                          <dgm:param type="linDir" val="fromL"/>
+                          <dgm:param type="nodeVertAlign" val="t"/>
+                        </dgm:alg>
+                      </dgm:if>
+                      <dgm:else name="Name29">
+                        <dgm:alg type="lin">
+                          <dgm:param type="linDir" val="fromR"/>
+                          <dgm:param type="nodeVertAlign" val="t"/>
+                        </dgm:alg>
+                      </dgm:else>
+                    </dgm:choose>
+                    <dgm:shape xmlns:r="http://schemas.openxmlformats.org/officeDocument/2006/relationships" r:blip="">
+                      <dgm:adjLst/>
+                    </dgm:shape>
+                    <dgm:presOf/>
+                    <dgm:layoutNode name="horzSpace3">
+                      <dgm:alg type="sp"/>
+                      <dgm:shape xmlns:r="http://schemas.openxmlformats.org/officeDocument/2006/relationships" r:blip="">
+                        <dgm:adjLst/>
+                      </dgm:shape>
+                      <dgm:presOf/>
+                    </dgm:layoutNode>
+                    <dgm:layoutNode name="tx3" styleLbl="revTx">
+                      <dgm:alg type="tx">
+                        <dgm:param type="parTxLTRAlign" val="l"/>
+                        <dgm:param type="parTxRTLAlign" val="r"/>
+                        <dgm:param type="txAnchorVert" val="t"/>
+                      </dgm:alg>
+                      <dgm:shape xmlns:r="http://schemas.openxmlformats.org/officeDocument/2006/relationships" type="rect" r:blip="">
+                        <dgm:adjLst/>
+                      </dgm:shape>
+                      <dgm:presOf axis="self"/>
+                      <dgm:constrLst>
+                        <dgm:constr type="tMarg" refType="primFontSz" fact="0.3"/>
+                        <dgm:constr type="bMarg" refType="primFontSz" fact="0.3"/>
+                        <dgm:constr type="lMarg" refType="primFontSz" fact="0.3"/>
+                        <dgm:constr type="rMarg" refType="primFontSz" fact="0.3"/>
+                      </dgm:constrLst>
+                      <dgm:ruleLst>
+                        <dgm:rule type="primFontSz" val="5" fact="NaN" max="NaN"/>
+                      </dgm:ruleLst>
+                    </dgm:layoutNode>
+                    <dgm:layoutNode name="vert3">
+                      <dgm:choose name="Name30">
+                        <dgm:if name="Name31" func="var" arg="dir" op="equ" val="norm">
+                          <dgm:alg type="lin">
+                            <dgm:param type="linDir" val="fromT"/>
+                            <dgm:param type="nodeHorzAlign" val="l"/>
+                          </dgm:alg>
+                        </dgm:if>
+                        <dgm:else name="Name32">
+                          <dgm:alg type="lin">
+                            <dgm:param type="linDir" val="fromT"/>
+                            <dgm:param type="nodeHorzAlign" val="r"/>
+                          </dgm:alg>
+                        </dgm:else>
+                      </dgm:choose>
+                      <dgm:shape xmlns:r="http://schemas.openxmlformats.org/officeDocument/2006/relationships" r:blip="">
+                        <dgm:adjLst/>
+                      </dgm:shape>
+                      <dgm:presOf/>
+                      <dgm:forEach name="Name33" axis="ch" ptType="node">
+                        <dgm:layoutNode name="horz4">
+                          <dgm:choose name="Name34">
+                            <dgm:if name="Name35" func="var" arg="dir" op="equ" val="norm">
+                              <dgm:alg type="lin">
+                                <dgm:param type="linDir" val="fromL"/>
+                                <dgm:param type="nodeVertAlign" val="t"/>
+                              </dgm:alg>
+                            </dgm:if>
+                            <dgm:else name="Name36">
+                              <dgm:alg type="lin">
+                                <dgm:param type="linDir" val="fromR"/>
+                                <dgm:param type="nodeVertAlign" val="t"/>
+                              </dgm:alg>
+                            </dgm:else>
+                          </dgm:choose>
+                          <dgm:shape xmlns:r="http://schemas.openxmlformats.org/officeDocument/2006/relationships" r:blip="">
+                            <dgm:adjLst/>
+                          </dgm:shape>
+                          <dgm:presOf/>
+                          <dgm:layoutNode name="horzSpace4">
+                            <dgm:alg type="sp"/>
+                            <dgm:shape xmlns:r="http://schemas.openxmlformats.org/officeDocument/2006/relationships" r:blip="">
+                              <dgm:adjLst/>
+                            </dgm:shape>
+                            <dgm:presOf/>
+                          </dgm:layoutNode>
+                          <dgm:layoutNode name="tx4" styleLbl="revTx">
+                            <dgm:varLst>
+                              <dgm:bulletEnabled val="1"/>
+                            </dgm:varLst>
+                            <dgm:alg type="tx">
+                              <dgm:param type="parTxLTRAlign" val="l"/>
+                              <dgm:param type="parTxRTLAlign" val="r"/>
+                              <dgm:param type="txAnchorVert" val="t"/>
+                            </dgm:alg>
+                            <dgm:shape xmlns:r="http://schemas.openxmlformats.org/officeDocument/2006/relationships" type="rect" r:blip="">
+                              <dgm:adjLst/>
+                            </dgm:shape>
+                            <dgm:presOf axis="desOrSelf" ptType="node"/>
+                            <dgm:constrLst>
+                              <dgm:constr type="tMarg" refType="primFontSz" fact="0.3"/>
+                              <dgm:constr type="bMarg" refType="primFontSz" fact="0.3"/>
+                              <dgm:constr type="lMarg" refType="primFontSz" fact="0.3"/>
+                              <dgm:constr type="rMarg" refType="primFontSz" fact="0.3"/>
+                            </dgm:constrLst>
+                            <dgm:ruleLst>
+                              <dgm:rule type="primFontSz" val="5" fact="NaN" max="NaN"/>
+                            </dgm:ruleLst>
+                          </dgm:layoutNode>
+                        </dgm:layoutNode>
+                      </dgm:forEach>
+                    </dgm:layoutNode>
+                  </dgm:layoutNode>
+                  <dgm:forEach name="Name37" axis="followSib" ptType="sibTrans" cnt="1">
+                    <dgm:layoutNode name="thinLine3" styleLbl="callout">
+                      <dgm:alg type="sp"/>
+                      <dgm:shape xmlns:r="http://schemas.openxmlformats.org/officeDocument/2006/relationships" type="line" r:blip="">
+                        <dgm:adjLst/>
+                      </dgm:shape>
+                      <dgm:presOf/>
+                    </dgm:layoutNode>
+                  </dgm:forEach>
+                </dgm:forEach>
+              </dgm:layoutNode>
+            </dgm:layoutNode>
+            <dgm:layoutNode name="thinLine2b" styleLbl="callout">
+              <dgm:alg type="sp"/>
+              <dgm:shape xmlns:r="http://schemas.openxmlformats.org/officeDocument/2006/relationships" type="line" r:blip="">
+                <dgm:adjLst/>
+              </dgm:shape>
+              <dgm:presOf/>
+            </dgm:layoutNode>
+            <dgm:layoutNode name="vertSpace2b">
+              <dgm:alg type="sp"/>
+              <dgm:shape xmlns:r="http://schemas.openxmlformats.org/officeDocument/2006/relationships" r:blip="">
+                <dgm:adjLst/>
+              </dgm:shape>
+              <dgm:presOf/>
+            </dgm:layoutNode>
+          </dgm:forEach>
+        </dgm:layoutNode>
+      </dgm:layoutNode>
+    </dgm:forEach>
+  </dgm:layoutNode>
+</dgm:layoutDef>
+</file>
+
+<file path=ppt/diagrams/layout15.xml><?xml version="1.0" encoding="utf-8"?>
+<dgm:layoutDef xmlns:dgm="http://schemas.openxmlformats.org/drawingml/2006/diagram" xmlns:a="http://schemas.openxmlformats.org/drawingml/2006/main" uniqueId="urn:microsoft.com/office/officeart/2005/8/layout/hChevron3">
+  <dgm:title val=""/>
+  <dgm:desc val=""/>
+  <dgm:catLst>
+    <dgm:cat type="process" pri="10000"/>
+  </dgm:catLst>
+  <dgm:sampData useDef="1">
+    <dgm:dataModel>
+      <dgm:ptLst/>
+      <dgm:bg/>
+      <dgm:whole/>
+    </dgm:dataModel>
+  </dgm:sampData>
+  <dgm:styleData>
+    <dgm:dataModel>
+      <dgm:ptLst>
+        <dgm:pt modelId="0" type="doc"/>
+        <dgm:pt modelId="1"/>
+        <dgm:pt modelId="2"/>
+      </dgm:ptLst>
+      <dgm:cxnLst>
+        <dgm:cxn modelId="3" srcId="0" destId="1" srcOrd="0" destOrd="0"/>
+        <dgm:cxn modelId="4" srcId="0" destId="2" srcOrd="1" destOrd="0"/>
+      </dgm:cxnLst>
+      <dgm:bg/>
+      <dgm:whole/>
+    </dgm:dataModel>
+  </dgm:styleData>
+  <dgm:clrData>
+    <dgm:dataModel>
+      <dgm:ptLst>
+        <dgm:pt modelId="0" type="doc"/>
+        <dgm:pt modelId="1"/>
+        <dgm:pt modelId="2"/>
+        <dgm:pt modelId="3"/>
+        <dgm:pt modelId="4"/>
+      </dgm:ptLst>
+      <dgm:cxnLst>
+        <dgm:cxn modelId="5" srcId="0" destId="1" srcOrd="0" destOrd="0"/>
+        <dgm:cxn modelId="6" srcId="0" destId="2" srcOrd="1" destOrd="0"/>
+        <dgm:cxn modelId="7" srcId="0" destId="3" srcOrd="2" destOrd="0"/>
+        <dgm:cxn modelId="8" srcId="0" destId="4" srcOrd="3" destOrd="0"/>
+      </dgm:cxnLst>
+      <dgm:bg/>
+      <dgm:whole/>
+    </dgm:dataModel>
+  </dgm:clrData>
+  <dgm:layoutNode name="Name0">
+    <dgm:varLst>
+      <dgm:dir/>
+      <dgm:resizeHandles val="exact"/>
+    </dgm:varLst>
+    <dgm:choose name="Name1">
+      <dgm:if name="Name2" func="var" arg="dir" op="equ" val="norm">
+        <dgm:alg type="lin"/>
+      </dgm:if>
+      <dgm:else name="Name3">
+        <dgm:alg type="lin">
+          <dgm:param type="linDir" val="fromR"/>
+        </dgm:alg>
+      </dgm:else>
+    </dgm:choose>
+    <dgm:shape xmlns:r="http://schemas.openxmlformats.org/officeDocument/2006/relationships" r:blip="">
+      <dgm:adjLst/>
+    </dgm:shape>
+    <dgm:presOf/>
+    <dgm:choose name="Name4">
+      <dgm:if name="Name5" axis="root des" func="maxDepth" op="gte" val="2">
+        <dgm:constrLst>
+          <dgm:constr type="w" for="ch" forName="parAndChTx" refType="w"/>
+          <dgm:constr type="primFontSz" for="ch" ptType="node" op="equ"/>
+          <dgm:constr type="w" for="ch" forName="parAndChSpace" refType="w" refFor="ch" refForName="parAndChTx" fact="-0.2"/>
+          <dgm:constr type="w" for="ch" ptType="sibTrans" op="equ"/>
+        </dgm:constrLst>
+        <dgm:ruleLst/>
+        <dgm:forEach name="Name6" axis="ch" ptType="node">
+          <dgm:layoutNode name="parAndChTx">
+            <dgm:varLst>
+              <dgm:bulletEnabled val="1"/>
+            </dgm:varLst>
+            <dgm:alg type="tx"/>
+            <dgm:choose name="Name7">
+              <dgm:if name="Name8" func="var" arg="dir" op="equ" val="norm">
+                <dgm:choose name="Name9">
+                  <dgm:if name="Name10" axis="self" ptType="node" func="pos" op="equ" val="1">
+                    <dgm:shape xmlns:r="http://schemas.openxmlformats.org/officeDocument/2006/relationships" type="homePlate" r:blip="">
+                      <dgm:adjLst>
+                        <dgm:adj idx="1" val="0.25"/>
+                      </dgm:adjLst>
+                    </dgm:shape>
+                    <dgm:presOf axis="desOrSelf" ptType="node"/>
+                    <dgm:constrLst>
+                      <dgm:constr type="h" refType="w" op="equ" fact="0.8"/>
+                      <dgm:constr type="primFontSz" val="65"/>
+                      <dgm:constr type="tMarg" refType="primFontSz" fact="0.2"/>
+                      <dgm:constr type="bMarg" refType="primFontSz" fact="0.2"/>
+                      <dgm:constr type="lMarg" refType="w" fact="0.1"/>
+                      <dgm:constr type="rMarg" refType="w" fact="0.4"/>
+                    </dgm:constrLst>
+                  </dgm:if>
+                  <dgm:else name="Name11">
+                    <dgm:shape xmlns:r="http://schemas.openxmlformats.org/officeDocument/2006/relationships" type="chevron" r:blip="">
+                      <dgm:adjLst>
+                        <dgm:adj idx="1" val="0.25"/>
+                      </dgm:adjLst>
+                    </dgm:shape>
+                    <dgm:presOf axis="desOrSelf" ptType="node"/>
+                    <dgm:constrLst>
+                      <dgm:constr type="h" refType="w" op="equ" fact="0.8"/>
+                      <dgm:constr type="primFontSz" val="65"/>
+                      <dgm:constr type="tMarg" refType="primFontSz" fact="0.2"/>
+                      <dgm:constr type="bMarg" refType="primFontSz" fact="0.2"/>
+                      <dgm:constr type="lMarg" refType="w" fact="0.1"/>
+                      <dgm:constr type="rMarg" refType="w" fact="0.1"/>
+                    </dgm:constrLst>
+                  </dgm:else>
+                </dgm:choose>
+              </dgm:if>
+              <dgm:else name="Name12">
+                <dgm:choose name="Name13">
+                  <dgm:if name="Name14" axis="self" ptType="node" func="pos" op="equ" val="1">
+                    <dgm:shape xmlns:r="http://schemas.openxmlformats.org/officeDocument/2006/relationships" rot="180" type="homePlate" r:blip="">
+                      <dgm:adjLst>
+                        <dgm:adj idx="1" val="0.25"/>
+                      </dgm:adjLst>
+                    </dgm:shape>
+                    <dgm:presOf axis="desOrSelf" ptType="node"/>
+                    <dgm:constrLst>
+                      <dgm:constr type="h" refType="w" op="equ" fact="0.8"/>
+                      <dgm:constr type="primFontSz" val="65"/>
+                      <dgm:constr type="tMarg" refType="primFontSz" fact="0.2"/>
+                      <dgm:constr type="bMarg" refType="primFontSz" fact="0.2"/>
+                      <dgm:constr type="lMarg" refType="w" fact="0.4"/>
+                      <dgm:constr type="rMarg" refType="w" fact="0.1"/>
+                    </dgm:constrLst>
+                  </dgm:if>
+                  <dgm:else name="Name15">
+                    <dgm:shape xmlns:r="http://schemas.openxmlformats.org/officeDocument/2006/relationships" rot="180" type="chevron" r:blip="">
+                      <dgm:adjLst>
+                        <dgm:adj idx="1" val="0.25"/>
+                      </dgm:adjLst>
+                    </dgm:shape>
+                    <dgm:presOf axis="desOrSelf" ptType="node"/>
+                    <dgm:constrLst>
+                      <dgm:constr type="h" refType="w" op="equ" fact="0.8"/>
+                      <dgm:constr type="primFontSz" val="65"/>
+                      <dgm:constr type="tMarg" refType="primFontSz" fact="0.2"/>
+                      <dgm:constr type="bMarg" refType="primFontSz" fact="0.2"/>
+                      <dgm:constr type="lMarg" refType="w" fact="0.1"/>
+                      <dgm:constr type="rMarg" refType="w" fact="0.1"/>
+                    </dgm:constrLst>
+                  </dgm:else>
+                </dgm:choose>
+              </dgm:else>
+            </dgm:choose>
+            <dgm:ruleLst>
+              <dgm:rule type="primFontSz" val="5" fact="NaN" max="NaN"/>
+            </dgm:ruleLst>
+          </dgm:layoutNode>
+          <dgm:forEach name="Name16" axis="followSib" ptType="sibTrans" cnt="1">
+            <dgm:layoutNode name="parAndChSpace">
+              <dgm:alg type="sp"/>
+              <dgm:shape xmlns:r="http://schemas.openxmlformats.org/officeDocument/2006/relationships" r:blip="">
+                <dgm:adjLst/>
+              </dgm:shape>
+              <dgm:presOf/>
+              <dgm:constrLst/>
+              <dgm:ruleLst/>
+            </dgm:layoutNode>
+          </dgm:forEach>
+        </dgm:forEach>
+      </dgm:if>
+      <dgm:else name="Name17">
+        <dgm:constrLst>
+          <dgm:constr type="w" for="ch" forName="parTxOnly" refType="w"/>
+          <dgm:constr type="primFontSz" for="ch" ptType="node" op="equ"/>
+          <dgm:constr type="w" for="ch" forName="parSpace" refType="w" refFor="ch" refForName="parTxOnly" fact="-0.2"/>
+          <dgm:constr type="w" for="ch" ptType="sibTrans" op="equ"/>
+        </dgm:constrLst>
+        <dgm:ruleLst/>
+        <dgm:forEach name="Name18" axis="ch" ptType="node">
+          <dgm:layoutNode name="parTxOnly">
+            <dgm:varLst>
+              <dgm:bulletEnabled val="1"/>
+            </dgm:varLst>
+            <dgm:alg type="tx"/>
+            <dgm:presOf axis="desOrSelf" ptType="node"/>
+            <dgm:choose name="Name19">
+              <dgm:if name="Name20" func="var" arg="dir" op="equ" val="norm">
+                <dgm:choose name="Name21">
+                  <dgm:if name="Name22" axis="self" ptType="node" func="pos" op="equ" val="1">
+                    <dgm:shape xmlns:r="http://schemas.openxmlformats.org/officeDocument/2006/relationships" type="homePlate" r:blip="">
+                      <dgm:adjLst/>
+                    </dgm:shape>
+                    <dgm:constrLst>
+                      <dgm:constr type="h" refType="w" op="equ" fact="0.4"/>
+                      <dgm:constr type="primFontSz" val="65"/>
+                      <dgm:constr type="tMarg" refType="primFontSz" fact="0.21"/>
+                      <dgm:constr type="bMarg" refType="primFontSz" fact="0.21"/>
+                      <dgm:constr type="lMarg" refType="primFontSz" fact="0.42"/>
+                      <dgm:constr type="rMarg" refType="primFontSz" fact="0.105"/>
+                    </dgm:constrLst>
+                  </dgm:if>
+                  <dgm:else name="Name23">
+                    <dgm:shape xmlns:r="http://schemas.openxmlformats.org/officeDocument/2006/relationships" type="chevron" r:blip="">
+                      <dgm:adjLst/>
+                    </dgm:shape>
+                    <dgm:constrLst>
+                      <dgm:constr type="h" refType="w" op="equ" fact="0.4"/>
+                      <dgm:constr type="primFontSz" val="65"/>
+                      <dgm:constr type="tMarg" refType="primFontSz" fact="0.21"/>
+                      <dgm:constr type="bMarg" refType="primFontSz" fact="0.21"/>
+                      <dgm:constr type="lMarg" refType="primFontSz" fact="0.315"/>
+                      <dgm:constr type="rMarg" refType="primFontSz" fact="0.105"/>
+                    </dgm:constrLst>
+                  </dgm:else>
+                </dgm:choose>
+              </dgm:if>
+              <dgm:else name="Name24">
+                <dgm:choose name="Name25">
+                  <dgm:if name="Name26" axis="self" ptType="node" func="pos" op="equ" val="1">
+                    <dgm:shape xmlns:r="http://schemas.openxmlformats.org/officeDocument/2006/relationships" rot="180" type="homePlate" r:blip="">
+                      <dgm:adjLst/>
+                    </dgm:shape>
+                    <dgm:constrLst>
+                      <dgm:constr type="h" refType="w" op="equ" fact="0.4"/>
+                      <dgm:constr type="primFontSz" val="65"/>
+                      <dgm:constr type="tMarg" refType="primFontSz" fact="0.21"/>
+                      <dgm:constr type="bMarg" refType="primFontSz" fact="0.21"/>
+                      <dgm:constr type="lMarg" refType="primFontSz" fact="0.105"/>
+                      <dgm:constr type="rMarg" refType="primFontSz" fact="0.42"/>
+                    </dgm:constrLst>
+                  </dgm:if>
+                  <dgm:else name="Name27">
+                    <dgm:shape xmlns:r="http://schemas.openxmlformats.org/officeDocument/2006/relationships" rot="180" type="chevron" r:blip="">
+                      <dgm:adjLst/>
+                    </dgm:shape>
+                    <dgm:constrLst>
+                      <dgm:constr type="h" refType="w" op="equ" fact="0.4"/>
+                      <dgm:constr type="primFontSz" val="65"/>
+                      <dgm:constr type="tMarg" refType="primFontSz" fact="0.21"/>
+                      <dgm:constr type="bMarg" refType="primFontSz" fact="0.21"/>
+                      <dgm:constr type="lMarg" refType="primFontSz" fact="0.105"/>
+                      <dgm:constr type="rMarg" refType="primFontSz" fact="0.315"/>
+                    </dgm:constrLst>
+                  </dgm:else>
+                </dgm:choose>
+              </dgm:else>
+            </dgm:choose>
+            <dgm:ruleLst>
+              <dgm:rule type="primFontSz" val="5" fact="NaN" max="NaN"/>
+            </dgm:ruleLst>
+          </dgm:layoutNode>
+          <dgm:forEach name="Name28" axis="followSib" ptType="sibTrans" cnt="1">
+            <dgm:layoutNode name="parSpace">
+              <dgm:alg type="sp"/>
+              <dgm:shape xmlns:r="http://schemas.openxmlformats.org/officeDocument/2006/relationships" r:blip="">
+                <dgm:adjLst/>
+              </dgm:shape>
+              <dgm:presOf/>
+              <dgm:constrLst/>
+              <dgm:ruleLst/>
+            </dgm:layoutNode>
+          </dgm:forEach>
+        </dgm:forEach>
+      </dgm:else>
+    </dgm:choose>
+  </dgm:layoutNode>
+</dgm:layoutDef>
+</file>
+
 <file path=ppt/diagrams/layout2.xml><?xml version="1.0" encoding="utf-8"?>
 <dgm:layoutDef xmlns:dgm="http://schemas.openxmlformats.org/drawingml/2006/diagram" xmlns:a="http://schemas.openxmlformats.org/drawingml/2006/main" uniqueId="urn:microsoft.com/office/officeart/2008/layout/LinedList">
   <dgm:title val=""/>
@@ -23244,6 +26786,2074 @@
 </file>
 
 <file path=ppt/diagrams/quickStyle13.xml><?xml version="1.0" encoding="utf-8"?>
+<dgm:styleDef xmlns:dgm="http://schemas.openxmlformats.org/drawingml/2006/diagram" xmlns:a="http://schemas.openxmlformats.org/drawingml/2006/main" uniqueId="urn:microsoft.com/office/officeart/2005/8/quickstyle/simple1">
+  <dgm:title val=""/>
+  <dgm:desc val=""/>
+  <dgm:catLst>
+    <dgm:cat type="simple" pri="10100"/>
+  </dgm:catLst>
+  <dgm:scene3d>
+    <a:camera prst="orthographicFront"/>
+    <a:lightRig rig="threePt" dir="t"/>
+  </dgm:scene3d>
+  <dgm:styleLbl name="node0">
+    <dgm:scene3d>
+      <a:camera prst="orthographicFront"/>
+      <a:lightRig rig="threePt" dir="t"/>
+    </dgm:scene3d>
+    <dgm:sp3d/>
+    <dgm:txPr/>
+    <dgm:style>
+      <a:lnRef idx="2">
+        <a:scrgbClr r="0" g="0" b="0"/>
+      </a:lnRef>
+      <a:fillRef idx="1">
+        <a:scrgbClr r="0" g="0" b="0"/>
+      </a:fillRef>
+      <a:effectRef idx="0">
+        <a:scrgbClr r="0" g="0" b="0"/>
+      </a:effectRef>
+      <a:fontRef idx="minor">
+        <a:schemeClr val="lt1"/>
+      </a:fontRef>
+    </dgm:style>
+  </dgm:styleLbl>
+  <dgm:styleLbl name="lnNode1">
+    <dgm:scene3d>
+      <a:camera prst="orthographicFront"/>
+      <a:lightRig rig="threePt" dir="t"/>
+    </dgm:scene3d>
+    <dgm:sp3d/>
+    <dgm:txPr/>
+    <dgm:style>
+      <a:lnRef idx="2">
+        <a:scrgbClr r="0" g="0" b="0"/>
+      </a:lnRef>
+      <a:fillRef idx="1">
+        <a:scrgbClr r="0" g="0" b="0"/>
+      </a:fillRef>
+      <a:effectRef idx="0">
+        <a:scrgbClr r="0" g="0" b="0"/>
+      </a:effectRef>
+      <a:fontRef idx="minor">
+        <a:schemeClr val="lt1"/>
+      </a:fontRef>
+    </dgm:style>
+  </dgm:styleLbl>
+  <dgm:styleLbl name="vennNode1">
+    <dgm:scene3d>
+      <a:camera prst="orthographicFront"/>
+      <a:lightRig rig="threePt" dir="t"/>
+    </dgm:scene3d>
+    <dgm:sp3d/>
+    <dgm:txPr/>
+    <dgm:style>
+      <a:lnRef idx="2">
+        <a:scrgbClr r="0" g="0" b="0"/>
+      </a:lnRef>
+      <a:fillRef idx="1">
+        <a:scrgbClr r="0" g="0" b="0"/>
+      </a:fillRef>
+      <a:effectRef idx="0">
+        <a:scrgbClr r="0" g="0" b="0"/>
+      </a:effectRef>
+      <a:fontRef idx="minor">
+        <a:schemeClr val="tx1"/>
+      </a:fontRef>
+    </dgm:style>
+  </dgm:styleLbl>
+  <dgm:styleLbl name="alignNode1">
+    <dgm:scene3d>
+      <a:camera prst="orthographicFront"/>
+      <a:lightRig rig="threePt" dir="t"/>
+    </dgm:scene3d>
+    <dgm:sp3d/>
+    <dgm:txPr/>
+    <dgm:style>
+      <a:lnRef idx="2">
+        <a:scrgbClr r="0" g="0" b="0"/>
+      </a:lnRef>
+      <a:fillRef idx="1">
+        <a:scrgbClr r="0" g="0" b="0"/>
+      </a:fillRef>
+      <a:effectRef idx="0">
+        <a:scrgbClr r="0" g="0" b="0"/>
+      </a:effectRef>
+      <a:fontRef idx="minor">
+        <a:schemeClr val="lt1"/>
+      </a:fontRef>
+    </dgm:style>
+  </dgm:styleLbl>
+  <dgm:styleLbl name="node1">
+    <dgm:scene3d>
+      <a:camera prst="orthographicFront"/>
+      <a:lightRig rig="threePt" dir="t"/>
+    </dgm:scene3d>
+    <dgm:sp3d/>
+    <dgm:txPr/>
+    <dgm:style>
+      <a:lnRef idx="2">
+        <a:scrgbClr r="0" g="0" b="0"/>
+      </a:lnRef>
+      <a:fillRef idx="1">
+        <a:scrgbClr r="0" g="0" b="0"/>
+      </a:fillRef>
+      <a:effectRef idx="0">
+        <a:scrgbClr r="0" g="0" b="0"/>
+      </a:effectRef>
+      <a:fontRef idx="minor">
+        <a:schemeClr val="lt1"/>
+      </a:fontRef>
+    </dgm:style>
+  </dgm:styleLbl>
+  <dgm:styleLbl name="node2">
+    <dgm:scene3d>
+      <a:camera prst="orthographicFront"/>
+      <a:lightRig rig="threePt" dir="t"/>
+    </dgm:scene3d>
+    <dgm:sp3d/>
+    <dgm:txPr/>
+    <dgm:style>
+      <a:lnRef idx="2">
+        <a:scrgbClr r="0" g="0" b="0"/>
+      </a:lnRef>
+      <a:fillRef idx="1">
+        <a:scrgbClr r="0" g="0" b="0"/>
+      </a:fillRef>
+      <a:effectRef idx="0">
+        <a:scrgbClr r="0" g="0" b="0"/>
+      </a:effectRef>
+      <a:fontRef idx="minor">
+        <a:schemeClr val="lt1"/>
+      </a:fontRef>
+    </dgm:style>
+  </dgm:styleLbl>
+  <dgm:styleLbl name="node3">
+    <dgm:scene3d>
+      <a:camera prst="orthographicFront"/>
+      <a:lightRig rig="threePt" dir="t"/>
+    </dgm:scene3d>
+    <dgm:sp3d/>
+    <dgm:txPr/>
+    <dgm:style>
+      <a:lnRef idx="2">
+        <a:scrgbClr r="0" g="0" b="0"/>
+      </a:lnRef>
+      <a:fillRef idx="1">
+        <a:scrgbClr r="0" g="0" b="0"/>
+      </a:fillRef>
+      <a:effectRef idx="0">
+        <a:scrgbClr r="0" g="0" b="0"/>
+      </a:effectRef>
+      <a:fontRef idx="minor">
+        <a:schemeClr val="lt1"/>
+      </a:fontRef>
+    </dgm:style>
+  </dgm:styleLbl>
+  <dgm:styleLbl name="node4">
+    <dgm:scene3d>
+      <a:camera prst="orthographicFront"/>
+      <a:lightRig rig="threePt" dir="t"/>
+    </dgm:scene3d>
+    <dgm:sp3d/>
+    <dgm:txPr/>
+    <dgm:style>
+      <a:lnRef idx="2">
+        <a:scrgbClr r="0" g="0" b="0"/>
+      </a:lnRef>
+      <a:fillRef idx="1">
+        <a:scrgbClr r="0" g="0" b="0"/>
+      </a:fillRef>
+      <a:effectRef idx="0">
+        <a:scrgbClr r="0" g="0" b="0"/>
+      </a:effectRef>
+      <a:fontRef idx="minor">
+        <a:schemeClr val="lt1"/>
+      </a:fontRef>
+    </dgm:style>
+  </dgm:styleLbl>
+  <dgm:styleLbl name="fgImgPlace1">
+    <dgm:scene3d>
+      <a:camera prst="orthographicFront"/>
+      <a:lightRig rig="threePt" dir="t"/>
+    </dgm:scene3d>
+    <dgm:sp3d/>
+    <dgm:txPr/>
+    <dgm:style>
+      <a:lnRef idx="2">
+        <a:scrgbClr r="0" g="0" b="0"/>
+      </a:lnRef>
+      <a:fillRef idx="1">
+        <a:scrgbClr r="0" g="0" b="0"/>
+      </a:fillRef>
+      <a:effectRef idx="0">
+        <a:scrgbClr r="0" g="0" b="0"/>
+      </a:effectRef>
+      <a:fontRef idx="minor"/>
+    </dgm:style>
+  </dgm:styleLbl>
+  <dgm:styleLbl name="alignImgPlace1">
+    <dgm:scene3d>
+      <a:camera prst="orthographicFront"/>
+      <a:lightRig rig="threePt" dir="t"/>
+    </dgm:scene3d>
+    <dgm:sp3d/>
+    <dgm:txPr/>
+    <dgm:style>
+      <a:lnRef idx="2">
+        <a:scrgbClr r="0" g="0" b="0"/>
+      </a:lnRef>
+      <a:fillRef idx="1">
+        <a:scrgbClr r="0" g="0" b="0"/>
+      </a:fillRef>
+      <a:effectRef idx="0">
+        <a:scrgbClr r="0" g="0" b="0"/>
+      </a:effectRef>
+      <a:fontRef idx="minor"/>
+    </dgm:style>
+  </dgm:styleLbl>
+  <dgm:styleLbl name="bgImgPlace1">
+    <dgm:scene3d>
+      <a:camera prst="orthographicFront"/>
+      <a:lightRig rig="threePt" dir="t"/>
+    </dgm:scene3d>
+    <dgm:sp3d/>
+    <dgm:txPr/>
+    <dgm:style>
+      <a:lnRef idx="2">
+        <a:scrgbClr r="0" g="0" b="0"/>
+      </a:lnRef>
+      <a:fillRef idx="1">
+        <a:scrgbClr r="0" g="0" b="0"/>
+      </a:fillRef>
+      <a:effectRef idx="0">
+        <a:scrgbClr r="0" g="0" b="0"/>
+      </a:effectRef>
+      <a:fontRef idx="minor"/>
+    </dgm:style>
+  </dgm:styleLbl>
+  <dgm:styleLbl name="sibTrans2D1">
+    <dgm:scene3d>
+      <a:camera prst="orthographicFront"/>
+      <a:lightRig rig="threePt" dir="t"/>
+    </dgm:scene3d>
+    <dgm:sp3d/>
+    <dgm:txPr/>
+    <dgm:style>
+      <a:lnRef idx="0">
+        <a:scrgbClr r="0" g="0" b="0"/>
+      </a:lnRef>
+      <a:fillRef idx="1">
+        <a:scrgbClr r="0" g="0" b="0"/>
+      </a:fillRef>
+      <a:effectRef idx="0">
+        <a:scrgbClr r="0" g="0" b="0"/>
+      </a:effectRef>
+      <a:fontRef idx="minor">
+        <a:schemeClr val="lt1"/>
+      </a:fontRef>
+    </dgm:style>
+  </dgm:styleLbl>
+  <dgm:styleLbl name="fgSibTrans2D1">
+    <dgm:scene3d>
+      <a:camera prst="orthographicFront"/>
+      <a:lightRig rig="threePt" dir="t"/>
+    </dgm:scene3d>
+    <dgm:sp3d/>
+    <dgm:txPr/>
+    <dgm:style>
+      <a:lnRef idx="0">
+        <a:scrgbClr r="0" g="0" b="0"/>
+      </a:lnRef>
+      <a:fillRef idx="1">
+        <a:scrgbClr r="0" g="0" b="0"/>
+      </a:fillRef>
+      <a:effectRef idx="0">
+        <a:scrgbClr r="0" g="0" b="0"/>
+      </a:effectRef>
+      <a:fontRef idx="minor">
+        <a:schemeClr val="lt1"/>
+      </a:fontRef>
+    </dgm:style>
+  </dgm:styleLbl>
+  <dgm:styleLbl name="bgSibTrans2D1">
+    <dgm:scene3d>
+      <a:camera prst="orthographicFront"/>
+      <a:lightRig rig="threePt" dir="t"/>
+    </dgm:scene3d>
+    <dgm:sp3d/>
+    <dgm:txPr/>
+    <dgm:style>
+      <a:lnRef idx="0">
+        <a:scrgbClr r="0" g="0" b="0"/>
+      </a:lnRef>
+      <a:fillRef idx="1">
+        <a:scrgbClr r="0" g="0" b="0"/>
+      </a:fillRef>
+      <a:effectRef idx="0">
+        <a:scrgbClr r="0" g="0" b="0"/>
+      </a:effectRef>
+      <a:fontRef idx="minor">
+        <a:schemeClr val="lt1"/>
+      </a:fontRef>
+    </dgm:style>
+  </dgm:styleLbl>
+  <dgm:styleLbl name="sibTrans1D1">
+    <dgm:scene3d>
+      <a:camera prst="orthographicFront"/>
+      <a:lightRig rig="threePt" dir="t"/>
+    </dgm:scene3d>
+    <dgm:sp3d/>
+    <dgm:txPr/>
+    <dgm:style>
+      <a:lnRef idx="1">
+        <a:scrgbClr r="0" g="0" b="0"/>
+      </a:lnRef>
+      <a:fillRef idx="0">
+        <a:scrgbClr r="0" g="0" b="0"/>
+      </a:fillRef>
+      <a:effectRef idx="0">
+        <a:scrgbClr r="0" g="0" b="0"/>
+      </a:effectRef>
+      <a:fontRef idx="minor"/>
+    </dgm:style>
+  </dgm:styleLbl>
+  <dgm:styleLbl name="callout">
+    <dgm:scene3d>
+      <a:camera prst="orthographicFront"/>
+      <a:lightRig rig="threePt" dir="t"/>
+    </dgm:scene3d>
+    <dgm:sp3d/>
+    <dgm:txPr/>
+    <dgm:style>
+      <a:lnRef idx="2">
+        <a:scrgbClr r="0" g="0" b="0"/>
+      </a:lnRef>
+      <a:fillRef idx="1">
+        <a:scrgbClr r="0" g="0" b="0"/>
+      </a:fillRef>
+      <a:effectRef idx="0">
+        <a:scrgbClr r="0" g="0" b="0"/>
+      </a:effectRef>
+      <a:fontRef idx="minor"/>
+    </dgm:style>
+  </dgm:styleLbl>
+  <dgm:styleLbl name="asst0">
+    <dgm:scene3d>
+      <a:camera prst="orthographicFront"/>
+      <a:lightRig rig="threePt" dir="t"/>
+    </dgm:scene3d>
+    <dgm:sp3d/>
+    <dgm:txPr/>
+    <dgm:style>
+      <a:lnRef idx="2">
+        <a:scrgbClr r="0" g="0" b="0"/>
+      </a:lnRef>
+      <a:fillRef idx="1">
+        <a:scrgbClr r="0" g="0" b="0"/>
+      </a:fillRef>
+      <a:effectRef idx="0">
+        <a:scrgbClr r="0" g="0" b="0"/>
+      </a:effectRef>
+      <a:fontRef idx="minor">
+        <a:schemeClr val="lt1"/>
+      </a:fontRef>
+    </dgm:style>
+  </dgm:styleLbl>
+  <dgm:styleLbl name="asst1">
+    <dgm:scene3d>
+      <a:camera prst="orthographicFront"/>
+      <a:lightRig rig="threePt" dir="t"/>
+    </dgm:scene3d>
+    <dgm:sp3d/>
+    <dgm:txPr/>
+    <dgm:style>
+      <a:lnRef idx="2">
+        <a:scrgbClr r="0" g="0" b="0"/>
+      </a:lnRef>
+      <a:fillRef idx="1">
+        <a:scrgbClr r="0" g="0" b="0"/>
+      </a:fillRef>
+      <a:effectRef idx="0">
+        <a:scrgbClr r="0" g="0" b="0"/>
+      </a:effectRef>
+      <a:fontRef idx="minor">
+        <a:schemeClr val="lt1"/>
+      </a:fontRef>
+    </dgm:style>
+  </dgm:styleLbl>
+  <dgm:styleLbl name="asst2">
+    <dgm:scene3d>
+      <a:camera prst="orthographicFront"/>
+      <a:lightRig rig="threePt" dir="t"/>
+    </dgm:scene3d>
+    <dgm:sp3d/>
+    <dgm:txPr/>
+    <dgm:style>
+      <a:lnRef idx="2">
+        <a:scrgbClr r="0" g="0" b="0"/>
+      </a:lnRef>
+      <a:fillRef idx="1">
+        <a:scrgbClr r="0" g="0" b="0"/>
+      </a:fillRef>
+      <a:effectRef idx="0">
+        <a:scrgbClr r="0" g="0" b="0"/>
+      </a:effectRef>
+      <a:fontRef idx="minor">
+        <a:schemeClr val="lt1"/>
+      </a:fontRef>
+    </dgm:style>
+  </dgm:styleLbl>
+  <dgm:styleLbl name="asst3">
+    <dgm:scene3d>
+      <a:camera prst="orthographicFront"/>
+      <a:lightRig rig="threePt" dir="t"/>
+    </dgm:scene3d>
+    <dgm:sp3d/>
+    <dgm:txPr/>
+    <dgm:style>
+      <a:lnRef idx="2">
+        <a:scrgbClr r="0" g="0" b="0"/>
+      </a:lnRef>
+      <a:fillRef idx="1">
+        <a:scrgbClr r="0" g="0" b="0"/>
+      </a:fillRef>
+      <a:effectRef idx="0">
+        <a:scrgbClr r="0" g="0" b="0"/>
+      </a:effectRef>
+      <a:fontRef idx="minor">
+        <a:schemeClr val="lt1"/>
+      </a:fontRef>
+    </dgm:style>
+  </dgm:styleLbl>
+  <dgm:styleLbl name="asst4">
+    <dgm:scene3d>
+      <a:camera prst="orthographicFront"/>
+      <a:lightRig rig="threePt" dir="t"/>
+    </dgm:scene3d>
+    <dgm:sp3d/>
+    <dgm:txPr/>
+    <dgm:style>
+      <a:lnRef idx="2">
+        <a:scrgbClr r="0" g="0" b="0"/>
+      </a:lnRef>
+      <a:fillRef idx="1">
+        <a:scrgbClr r="0" g="0" b="0"/>
+      </a:fillRef>
+      <a:effectRef idx="0">
+        <a:scrgbClr r="0" g="0" b="0"/>
+      </a:effectRef>
+      <a:fontRef idx="minor">
+        <a:schemeClr val="lt1"/>
+      </a:fontRef>
+    </dgm:style>
+  </dgm:styleLbl>
+  <dgm:styleLbl name="parChTrans2D1">
+    <dgm:scene3d>
+      <a:camera prst="orthographicFront"/>
+      <a:lightRig rig="threePt" dir="t"/>
+    </dgm:scene3d>
+    <dgm:sp3d/>
+    <dgm:txPr/>
+    <dgm:style>
+      <a:lnRef idx="2">
+        <a:scrgbClr r="0" g="0" b="0"/>
+      </a:lnRef>
+      <a:fillRef idx="1">
+        <a:scrgbClr r="0" g="0" b="0"/>
+      </a:fillRef>
+      <a:effectRef idx="0">
+        <a:scrgbClr r="0" g="0" b="0"/>
+      </a:effectRef>
+      <a:fontRef idx="minor">
+        <a:schemeClr val="lt1"/>
+      </a:fontRef>
+    </dgm:style>
+  </dgm:styleLbl>
+  <dgm:styleLbl name="parChTrans2D2">
+    <dgm:scene3d>
+      <a:camera prst="orthographicFront"/>
+      <a:lightRig rig="threePt" dir="t"/>
+    </dgm:scene3d>
+    <dgm:sp3d/>
+    <dgm:txPr/>
+    <dgm:style>
+      <a:lnRef idx="2">
+        <a:scrgbClr r="0" g="0" b="0"/>
+      </a:lnRef>
+      <a:fillRef idx="1">
+        <a:scrgbClr r="0" g="0" b="0"/>
+      </a:fillRef>
+      <a:effectRef idx="0">
+        <a:scrgbClr r="0" g="0" b="0"/>
+      </a:effectRef>
+      <a:fontRef idx="minor">
+        <a:schemeClr val="lt1"/>
+      </a:fontRef>
+    </dgm:style>
+  </dgm:styleLbl>
+  <dgm:styleLbl name="parChTrans2D3">
+    <dgm:scene3d>
+      <a:camera prst="orthographicFront"/>
+      <a:lightRig rig="threePt" dir="t"/>
+    </dgm:scene3d>
+    <dgm:sp3d/>
+    <dgm:txPr/>
+    <dgm:style>
+      <a:lnRef idx="2">
+        <a:scrgbClr r="0" g="0" b="0"/>
+      </a:lnRef>
+      <a:fillRef idx="1">
+        <a:scrgbClr r="0" g="0" b="0"/>
+      </a:fillRef>
+      <a:effectRef idx="0">
+        <a:scrgbClr r="0" g="0" b="0"/>
+      </a:effectRef>
+      <a:fontRef idx="minor">
+        <a:schemeClr val="lt1"/>
+      </a:fontRef>
+    </dgm:style>
+  </dgm:styleLbl>
+  <dgm:styleLbl name="parChTrans2D4">
+    <dgm:scene3d>
+      <a:camera prst="orthographicFront"/>
+      <a:lightRig rig="threePt" dir="t"/>
+    </dgm:scene3d>
+    <dgm:sp3d/>
+    <dgm:txPr/>
+    <dgm:style>
+      <a:lnRef idx="2">
+        <a:scrgbClr r="0" g="0" b="0"/>
+      </a:lnRef>
+      <a:fillRef idx="1">
+        <a:scrgbClr r="0" g="0" b="0"/>
+      </a:fillRef>
+      <a:effectRef idx="0">
+        <a:scrgbClr r="0" g="0" b="0"/>
+      </a:effectRef>
+      <a:fontRef idx="minor">
+        <a:schemeClr val="lt1"/>
+      </a:fontRef>
+    </dgm:style>
+  </dgm:styleLbl>
+  <dgm:styleLbl name="parChTrans1D1">
+    <dgm:scene3d>
+      <a:camera prst="orthographicFront"/>
+      <a:lightRig rig="threePt" dir="t"/>
+    </dgm:scene3d>
+    <dgm:sp3d/>
+    <dgm:txPr/>
+    <dgm:style>
+      <a:lnRef idx="2">
+        <a:scrgbClr r="0" g="0" b="0"/>
+      </a:lnRef>
+      <a:fillRef idx="0">
+        <a:scrgbClr r="0" g="0" b="0"/>
+      </a:fillRef>
+      <a:effectRef idx="0">
+        <a:scrgbClr r="0" g="0" b="0"/>
+      </a:effectRef>
+      <a:fontRef idx="minor"/>
+    </dgm:style>
+  </dgm:styleLbl>
+  <dgm:styleLbl name="parChTrans1D2">
+    <dgm:scene3d>
+      <a:camera prst="orthographicFront"/>
+      <a:lightRig rig="threePt" dir="t"/>
+    </dgm:scene3d>
+    <dgm:sp3d/>
+    <dgm:txPr/>
+    <dgm:style>
+      <a:lnRef idx="2">
+        <a:scrgbClr r="0" g="0" b="0"/>
+      </a:lnRef>
+      <a:fillRef idx="0">
+        <a:scrgbClr r="0" g="0" b="0"/>
+      </a:fillRef>
+      <a:effectRef idx="0">
+        <a:scrgbClr r="0" g="0" b="0"/>
+      </a:effectRef>
+      <a:fontRef idx="minor"/>
+    </dgm:style>
+  </dgm:styleLbl>
+  <dgm:styleLbl name="parChTrans1D3">
+    <dgm:scene3d>
+      <a:camera prst="orthographicFront"/>
+      <a:lightRig rig="threePt" dir="t"/>
+    </dgm:scene3d>
+    <dgm:sp3d/>
+    <dgm:txPr/>
+    <dgm:style>
+      <a:lnRef idx="2">
+        <a:scrgbClr r="0" g="0" b="0"/>
+      </a:lnRef>
+      <a:fillRef idx="0">
+        <a:scrgbClr r="0" g="0" b="0"/>
+      </a:fillRef>
+      <a:effectRef idx="0">
+        <a:scrgbClr r="0" g="0" b="0"/>
+      </a:effectRef>
+      <a:fontRef idx="minor"/>
+    </dgm:style>
+  </dgm:styleLbl>
+  <dgm:styleLbl name="parChTrans1D4">
+    <dgm:scene3d>
+      <a:camera prst="orthographicFront"/>
+      <a:lightRig rig="threePt" dir="t"/>
+    </dgm:scene3d>
+    <dgm:sp3d/>
+    <dgm:txPr/>
+    <dgm:style>
+      <a:lnRef idx="2">
+        <a:scrgbClr r="0" g="0" b="0"/>
+      </a:lnRef>
+      <a:fillRef idx="0">
+        <a:scrgbClr r="0" g="0" b="0"/>
+      </a:fillRef>
+      <a:effectRef idx="0">
+        <a:scrgbClr r="0" g="0" b="0"/>
+      </a:effectRef>
+      <a:fontRef idx="minor"/>
+    </dgm:style>
+  </dgm:styleLbl>
+  <dgm:styleLbl name="fgAcc1">
+    <dgm:scene3d>
+      <a:camera prst="orthographicFront"/>
+      <a:lightRig rig="threePt" dir="t"/>
+    </dgm:scene3d>
+    <dgm:sp3d/>
+    <dgm:txPr/>
+    <dgm:style>
+      <a:lnRef idx="2">
+        <a:scrgbClr r="0" g="0" b="0"/>
+      </a:lnRef>
+      <a:fillRef idx="1">
+        <a:scrgbClr r="0" g="0" b="0"/>
+      </a:fillRef>
+      <a:effectRef idx="0">
+        <a:scrgbClr r="0" g="0" b="0"/>
+      </a:effectRef>
+      <a:fontRef idx="minor"/>
+    </dgm:style>
+  </dgm:styleLbl>
+  <dgm:styleLbl name="conFgAcc1">
+    <dgm:scene3d>
+      <a:camera prst="orthographicFront"/>
+      <a:lightRig rig="threePt" dir="t"/>
+    </dgm:scene3d>
+    <dgm:sp3d/>
+    <dgm:txPr/>
+    <dgm:style>
+      <a:lnRef idx="2">
+        <a:scrgbClr r="0" g="0" b="0"/>
+      </a:lnRef>
+      <a:fillRef idx="1">
+        <a:scrgbClr r="0" g="0" b="0"/>
+      </a:fillRef>
+      <a:effectRef idx="0">
+        <a:scrgbClr r="0" g="0" b="0"/>
+      </a:effectRef>
+      <a:fontRef idx="minor"/>
+    </dgm:style>
+  </dgm:styleLbl>
+  <dgm:styleLbl name="alignAcc1">
+    <dgm:scene3d>
+      <a:camera prst="orthographicFront"/>
+      <a:lightRig rig="threePt" dir="t"/>
+    </dgm:scene3d>
+    <dgm:sp3d/>
+    <dgm:txPr/>
+    <dgm:style>
+      <a:lnRef idx="2">
+        <a:scrgbClr r="0" g="0" b="0"/>
+      </a:lnRef>
+      <a:fillRef idx="1">
+        <a:scrgbClr r="0" g="0" b="0"/>
+      </a:fillRef>
+      <a:effectRef idx="0">
+        <a:scrgbClr r="0" g="0" b="0"/>
+      </a:effectRef>
+      <a:fontRef idx="minor"/>
+    </dgm:style>
+  </dgm:styleLbl>
+  <dgm:styleLbl name="trAlignAcc1">
+    <dgm:scene3d>
+      <a:camera prst="orthographicFront"/>
+      <a:lightRig rig="threePt" dir="t"/>
+    </dgm:scene3d>
+    <dgm:sp3d/>
+    <dgm:txPr/>
+    <dgm:style>
+      <a:lnRef idx="1">
+        <a:scrgbClr r="0" g="0" b="0"/>
+      </a:lnRef>
+      <a:fillRef idx="1">
+        <a:scrgbClr r="0" g="0" b="0"/>
+      </a:fillRef>
+      <a:effectRef idx="0">
+        <a:scrgbClr r="0" g="0" b="0"/>
+      </a:effectRef>
+      <a:fontRef idx="minor"/>
+    </dgm:style>
+  </dgm:styleLbl>
+  <dgm:styleLbl name="bgAcc1">
+    <dgm:scene3d>
+      <a:camera prst="orthographicFront"/>
+      <a:lightRig rig="threePt" dir="t"/>
+    </dgm:scene3d>
+    <dgm:sp3d/>
+    <dgm:txPr/>
+    <dgm:style>
+      <a:lnRef idx="2">
+        <a:scrgbClr r="0" g="0" b="0"/>
+      </a:lnRef>
+      <a:fillRef idx="1">
+        <a:scrgbClr r="0" g="0" b="0"/>
+      </a:fillRef>
+      <a:effectRef idx="0">
+        <a:scrgbClr r="0" g="0" b="0"/>
+      </a:effectRef>
+      <a:fontRef idx="minor"/>
+    </dgm:style>
+  </dgm:styleLbl>
+  <dgm:styleLbl name="solidFgAcc1">
+    <dgm:scene3d>
+      <a:camera prst="orthographicFront"/>
+      <a:lightRig rig="threePt" dir="t"/>
+    </dgm:scene3d>
+    <dgm:sp3d/>
+    <dgm:txPr/>
+    <dgm:style>
+      <a:lnRef idx="2">
+        <a:scrgbClr r="0" g="0" b="0"/>
+      </a:lnRef>
+      <a:fillRef idx="1">
+        <a:scrgbClr r="0" g="0" b="0"/>
+      </a:fillRef>
+      <a:effectRef idx="0">
+        <a:scrgbClr r="0" g="0" b="0"/>
+      </a:effectRef>
+      <a:fontRef idx="minor"/>
+    </dgm:style>
+  </dgm:styleLbl>
+  <dgm:styleLbl name="solidAlignAcc1">
+    <dgm:scene3d>
+      <a:camera prst="orthographicFront"/>
+      <a:lightRig rig="threePt" dir="t"/>
+    </dgm:scene3d>
+    <dgm:sp3d/>
+    <dgm:txPr/>
+    <dgm:style>
+      <a:lnRef idx="2">
+        <a:scrgbClr r="0" g="0" b="0"/>
+      </a:lnRef>
+      <a:fillRef idx="1">
+        <a:scrgbClr r="0" g="0" b="0"/>
+      </a:fillRef>
+      <a:effectRef idx="0">
+        <a:scrgbClr r="0" g="0" b="0"/>
+      </a:effectRef>
+      <a:fontRef idx="minor"/>
+    </dgm:style>
+  </dgm:styleLbl>
+  <dgm:styleLbl name="solidBgAcc1">
+    <dgm:scene3d>
+      <a:camera prst="orthographicFront"/>
+      <a:lightRig rig="threePt" dir="t"/>
+    </dgm:scene3d>
+    <dgm:sp3d/>
+    <dgm:txPr/>
+    <dgm:style>
+      <a:lnRef idx="2">
+        <a:scrgbClr r="0" g="0" b="0"/>
+      </a:lnRef>
+      <a:fillRef idx="1">
+        <a:scrgbClr r="0" g="0" b="0"/>
+      </a:fillRef>
+      <a:effectRef idx="0">
+        <a:scrgbClr r="0" g="0" b="0"/>
+      </a:effectRef>
+      <a:fontRef idx="minor"/>
+    </dgm:style>
+  </dgm:styleLbl>
+  <dgm:styleLbl name="fgAccFollowNode1">
+    <dgm:scene3d>
+      <a:camera prst="orthographicFront"/>
+      <a:lightRig rig="threePt" dir="t"/>
+    </dgm:scene3d>
+    <dgm:sp3d/>
+    <dgm:txPr/>
+    <dgm:style>
+      <a:lnRef idx="2">
+        <a:scrgbClr r="0" g="0" b="0"/>
+      </a:lnRef>
+      <a:fillRef idx="1">
+        <a:scrgbClr r="0" g="0" b="0"/>
+      </a:fillRef>
+      <a:effectRef idx="0">
+        <a:scrgbClr r="0" g="0" b="0"/>
+      </a:effectRef>
+      <a:fontRef idx="minor"/>
+    </dgm:style>
+  </dgm:styleLbl>
+  <dgm:styleLbl name="alignAccFollowNode1">
+    <dgm:scene3d>
+      <a:camera prst="orthographicFront"/>
+      <a:lightRig rig="threePt" dir="t"/>
+    </dgm:scene3d>
+    <dgm:sp3d/>
+    <dgm:txPr/>
+    <dgm:style>
+      <a:lnRef idx="2">
+        <a:scrgbClr r="0" g="0" b="0"/>
+      </a:lnRef>
+      <a:fillRef idx="1">
+        <a:scrgbClr r="0" g="0" b="0"/>
+      </a:fillRef>
+      <a:effectRef idx="0">
+        <a:scrgbClr r="0" g="0" b="0"/>
+      </a:effectRef>
+      <a:fontRef idx="minor"/>
+    </dgm:style>
+  </dgm:styleLbl>
+  <dgm:styleLbl name="bgAccFollowNode1">
+    <dgm:scene3d>
+      <a:camera prst="orthographicFront"/>
+      <a:lightRig rig="threePt" dir="t"/>
+    </dgm:scene3d>
+    <dgm:sp3d/>
+    <dgm:txPr/>
+    <dgm:style>
+      <a:lnRef idx="2">
+        <a:scrgbClr r="0" g="0" b="0"/>
+      </a:lnRef>
+      <a:fillRef idx="1">
+        <a:scrgbClr r="0" g="0" b="0"/>
+      </a:fillRef>
+      <a:effectRef idx="0">
+        <a:scrgbClr r="0" g="0" b="0"/>
+      </a:effectRef>
+      <a:fontRef idx="minor"/>
+    </dgm:style>
+  </dgm:styleLbl>
+  <dgm:styleLbl name="fgAcc0">
+    <dgm:scene3d>
+      <a:camera prst="orthographicFront"/>
+      <a:lightRig rig="threePt" dir="t"/>
+    </dgm:scene3d>
+    <dgm:sp3d/>
+    <dgm:txPr/>
+    <dgm:style>
+      <a:lnRef idx="2">
+        <a:scrgbClr r="0" g="0" b="0"/>
+      </a:lnRef>
+      <a:fillRef idx="1">
+        <a:scrgbClr r="0" g="0" b="0"/>
+      </a:fillRef>
+      <a:effectRef idx="0">
+        <a:scrgbClr r="0" g="0" b="0"/>
+      </a:effectRef>
+      <a:fontRef idx="minor"/>
+    </dgm:style>
+  </dgm:styleLbl>
+  <dgm:styleLbl name="fgAcc2">
+    <dgm:scene3d>
+      <a:camera prst="orthographicFront"/>
+      <a:lightRig rig="threePt" dir="t"/>
+    </dgm:scene3d>
+    <dgm:sp3d/>
+    <dgm:txPr/>
+    <dgm:style>
+      <a:lnRef idx="2">
+        <a:scrgbClr r="0" g="0" b="0"/>
+      </a:lnRef>
+      <a:fillRef idx="1">
+        <a:scrgbClr r="0" g="0" b="0"/>
+      </a:fillRef>
+      <a:effectRef idx="0">
+        <a:scrgbClr r="0" g="0" b="0"/>
+      </a:effectRef>
+      <a:fontRef idx="minor"/>
+    </dgm:style>
+  </dgm:styleLbl>
+  <dgm:styleLbl name="fgAcc3">
+    <dgm:scene3d>
+      <a:camera prst="orthographicFront"/>
+      <a:lightRig rig="threePt" dir="t"/>
+    </dgm:scene3d>
+    <dgm:sp3d/>
+    <dgm:txPr/>
+    <dgm:style>
+      <a:lnRef idx="2">
+        <a:scrgbClr r="0" g="0" b="0"/>
+      </a:lnRef>
+      <a:fillRef idx="1">
+        <a:scrgbClr r="0" g="0" b="0"/>
+      </a:fillRef>
+      <a:effectRef idx="0">
+        <a:scrgbClr r="0" g="0" b="0"/>
+      </a:effectRef>
+      <a:fontRef idx="minor"/>
+    </dgm:style>
+  </dgm:styleLbl>
+  <dgm:styleLbl name="fgAcc4">
+    <dgm:scene3d>
+      <a:camera prst="orthographicFront"/>
+      <a:lightRig rig="threePt" dir="t"/>
+    </dgm:scene3d>
+    <dgm:sp3d/>
+    <dgm:txPr/>
+    <dgm:style>
+      <a:lnRef idx="2">
+        <a:scrgbClr r="0" g="0" b="0"/>
+      </a:lnRef>
+      <a:fillRef idx="1">
+        <a:scrgbClr r="0" g="0" b="0"/>
+      </a:fillRef>
+      <a:effectRef idx="0">
+        <a:scrgbClr r="0" g="0" b="0"/>
+      </a:effectRef>
+      <a:fontRef idx="minor"/>
+    </dgm:style>
+  </dgm:styleLbl>
+  <dgm:styleLbl name="bgShp">
+    <dgm:scene3d>
+      <a:camera prst="orthographicFront"/>
+      <a:lightRig rig="threePt" dir="t"/>
+    </dgm:scene3d>
+    <dgm:sp3d/>
+    <dgm:txPr/>
+    <dgm:style>
+      <a:lnRef idx="0">
+        <a:scrgbClr r="0" g="0" b="0"/>
+      </a:lnRef>
+      <a:fillRef idx="1">
+        <a:scrgbClr r="0" g="0" b="0"/>
+      </a:fillRef>
+      <a:effectRef idx="0">
+        <a:scrgbClr r="0" g="0" b="0"/>
+      </a:effectRef>
+      <a:fontRef idx="minor"/>
+    </dgm:style>
+  </dgm:styleLbl>
+  <dgm:styleLbl name="dkBgShp">
+    <dgm:scene3d>
+      <a:camera prst="orthographicFront"/>
+      <a:lightRig rig="threePt" dir="t"/>
+    </dgm:scene3d>
+    <dgm:sp3d/>
+    <dgm:txPr/>
+    <dgm:style>
+      <a:lnRef idx="0">
+        <a:scrgbClr r="0" g="0" b="0"/>
+      </a:lnRef>
+      <a:fillRef idx="1">
+        <a:scrgbClr r="0" g="0" b="0"/>
+      </a:fillRef>
+      <a:effectRef idx="0">
+        <a:scrgbClr r="0" g="0" b="0"/>
+      </a:effectRef>
+      <a:fontRef idx="minor"/>
+    </dgm:style>
+  </dgm:styleLbl>
+  <dgm:styleLbl name="trBgShp">
+    <dgm:scene3d>
+      <a:camera prst="orthographicFront"/>
+      <a:lightRig rig="threePt" dir="t"/>
+    </dgm:scene3d>
+    <dgm:sp3d/>
+    <dgm:txPr/>
+    <dgm:style>
+      <a:lnRef idx="0">
+        <a:scrgbClr r="0" g="0" b="0"/>
+      </a:lnRef>
+      <a:fillRef idx="1">
+        <a:scrgbClr r="0" g="0" b="0"/>
+      </a:fillRef>
+      <a:effectRef idx="0">
+        <a:scrgbClr r="0" g="0" b="0"/>
+      </a:effectRef>
+      <a:fontRef idx="minor"/>
+    </dgm:style>
+  </dgm:styleLbl>
+  <dgm:styleLbl name="fgShp">
+    <dgm:scene3d>
+      <a:camera prst="orthographicFront"/>
+      <a:lightRig rig="threePt" dir="t"/>
+    </dgm:scene3d>
+    <dgm:sp3d/>
+    <dgm:txPr/>
+    <dgm:style>
+      <a:lnRef idx="2">
+        <a:scrgbClr r="0" g="0" b="0"/>
+      </a:lnRef>
+      <a:fillRef idx="1">
+        <a:scrgbClr r="0" g="0" b="0"/>
+      </a:fillRef>
+      <a:effectRef idx="0">
+        <a:scrgbClr r="0" g="0" b="0"/>
+      </a:effectRef>
+      <a:fontRef idx="minor"/>
+    </dgm:style>
+  </dgm:styleLbl>
+  <dgm:styleLbl name="revTx">
+    <dgm:scene3d>
+      <a:camera prst="orthographicFront"/>
+      <a:lightRig rig="threePt" dir="t"/>
+    </dgm:scene3d>
+    <dgm:sp3d/>
+    <dgm:txPr/>
+    <dgm:style>
+      <a:lnRef idx="0">
+        <a:scrgbClr r="0" g="0" b="0"/>
+      </a:lnRef>
+      <a:fillRef idx="0">
+        <a:scrgbClr r="0" g="0" b="0"/>
+      </a:fillRef>
+      <a:effectRef idx="0">
+        <a:scrgbClr r="0" g="0" b="0"/>
+      </a:effectRef>
+      <a:fontRef idx="minor"/>
+    </dgm:style>
+  </dgm:styleLbl>
+</dgm:styleDef>
+</file>
+
+<file path=ppt/diagrams/quickStyle14.xml><?xml version="1.0" encoding="utf-8"?>
+<dgm:styleDef xmlns:dgm="http://schemas.openxmlformats.org/drawingml/2006/diagram" xmlns:a="http://schemas.openxmlformats.org/drawingml/2006/main" uniqueId="urn:microsoft.com/office/officeart/2005/8/quickstyle/simple2">
+  <dgm:title val=""/>
+  <dgm:desc val=""/>
+  <dgm:catLst>
+    <dgm:cat type="simple" pri="10200"/>
+  </dgm:catLst>
+  <dgm:scene3d>
+    <a:camera prst="orthographicFront"/>
+    <a:lightRig rig="threePt" dir="t"/>
+  </dgm:scene3d>
+  <dgm:styleLbl name="node0">
+    <dgm:scene3d>
+      <a:camera prst="orthographicFront"/>
+      <a:lightRig rig="threePt" dir="t"/>
+    </dgm:scene3d>
+    <dgm:sp3d/>
+    <dgm:txPr/>
+    <dgm:style>
+      <a:lnRef idx="3">
+        <a:scrgbClr r="0" g="0" b="0"/>
+      </a:lnRef>
+      <a:fillRef idx="1">
+        <a:scrgbClr r="0" g="0" b="0"/>
+      </a:fillRef>
+      <a:effectRef idx="1">
+        <a:scrgbClr r="0" g="0" b="0"/>
+      </a:effectRef>
+      <a:fontRef idx="minor">
+        <a:schemeClr val="lt1"/>
+      </a:fontRef>
+    </dgm:style>
+  </dgm:styleLbl>
+  <dgm:styleLbl name="lnNode1">
+    <dgm:scene3d>
+      <a:camera prst="orthographicFront"/>
+      <a:lightRig rig="threePt" dir="t"/>
+    </dgm:scene3d>
+    <dgm:sp3d/>
+    <dgm:txPr/>
+    <dgm:style>
+      <a:lnRef idx="3">
+        <a:scrgbClr r="0" g="0" b="0"/>
+      </a:lnRef>
+      <a:fillRef idx="1">
+        <a:scrgbClr r="0" g="0" b="0"/>
+      </a:fillRef>
+      <a:effectRef idx="1">
+        <a:scrgbClr r="0" g="0" b="0"/>
+      </a:effectRef>
+      <a:fontRef idx="minor">
+        <a:schemeClr val="lt1"/>
+      </a:fontRef>
+    </dgm:style>
+  </dgm:styleLbl>
+  <dgm:styleLbl name="vennNode1">
+    <dgm:scene3d>
+      <a:camera prst="orthographicFront"/>
+      <a:lightRig rig="threePt" dir="t"/>
+    </dgm:scene3d>
+    <dgm:sp3d/>
+    <dgm:txPr/>
+    <dgm:style>
+      <a:lnRef idx="3">
+        <a:scrgbClr r="0" g="0" b="0"/>
+      </a:lnRef>
+      <a:fillRef idx="1">
+        <a:scrgbClr r="0" g="0" b="0"/>
+      </a:fillRef>
+      <a:effectRef idx="0">
+        <a:scrgbClr r="0" g="0" b="0"/>
+      </a:effectRef>
+      <a:fontRef idx="minor">
+        <a:schemeClr val="tx1"/>
+      </a:fontRef>
+    </dgm:style>
+  </dgm:styleLbl>
+  <dgm:styleLbl name="alignNode1">
+    <dgm:scene3d>
+      <a:camera prst="orthographicFront"/>
+      <a:lightRig rig="threePt" dir="t"/>
+    </dgm:scene3d>
+    <dgm:sp3d/>
+    <dgm:txPr/>
+    <dgm:style>
+      <a:lnRef idx="2">
+        <a:scrgbClr r="0" g="0" b="0"/>
+      </a:lnRef>
+      <a:fillRef idx="1">
+        <a:scrgbClr r="0" g="0" b="0"/>
+      </a:fillRef>
+      <a:effectRef idx="1">
+        <a:scrgbClr r="0" g="0" b="0"/>
+      </a:effectRef>
+      <a:fontRef idx="minor">
+        <a:schemeClr val="lt1"/>
+      </a:fontRef>
+    </dgm:style>
+  </dgm:styleLbl>
+  <dgm:styleLbl name="node1">
+    <dgm:scene3d>
+      <a:camera prst="orthographicFront"/>
+      <a:lightRig rig="threePt" dir="t"/>
+    </dgm:scene3d>
+    <dgm:sp3d/>
+    <dgm:txPr/>
+    <dgm:style>
+      <a:lnRef idx="3">
+        <a:scrgbClr r="0" g="0" b="0"/>
+      </a:lnRef>
+      <a:fillRef idx="1">
+        <a:scrgbClr r="0" g="0" b="0"/>
+      </a:fillRef>
+      <a:effectRef idx="1">
+        <a:scrgbClr r="0" g="0" b="0"/>
+      </a:effectRef>
+      <a:fontRef idx="minor">
+        <a:schemeClr val="lt1"/>
+      </a:fontRef>
+    </dgm:style>
+  </dgm:styleLbl>
+  <dgm:styleLbl name="node2">
+    <dgm:scene3d>
+      <a:camera prst="orthographicFront"/>
+      <a:lightRig rig="threePt" dir="t"/>
+    </dgm:scene3d>
+    <dgm:sp3d/>
+    <dgm:txPr/>
+    <dgm:style>
+      <a:lnRef idx="3">
+        <a:scrgbClr r="0" g="0" b="0"/>
+      </a:lnRef>
+      <a:fillRef idx="1">
+        <a:scrgbClr r="0" g="0" b="0"/>
+      </a:fillRef>
+      <a:effectRef idx="1">
+        <a:scrgbClr r="0" g="0" b="0"/>
+      </a:effectRef>
+      <a:fontRef idx="minor">
+        <a:schemeClr val="lt1"/>
+      </a:fontRef>
+    </dgm:style>
+  </dgm:styleLbl>
+  <dgm:styleLbl name="node3">
+    <dgm:scene3d>
+      <a:camera prst="orthographicFront"/>
+      <a:lightRig rig="threePt" dir="t"/>
+    </dgm:scene3d>
+    <dgm:sp3d/>
+    <dgm:txPr/>
+    <dgm:style>
+      <a:lnRef idx="3">
+        <a:scrgbClr r="0" g="0" b="0"/>
+      </a:lnRef>
+      <a:fillRef idx="1">
+        <a:scrgbClr r="0" g="0" b="0"/>
+      </a:fillRef>
+      <a:effectRef idx="1">
+        <a:scrgbClr r="0" g="0" b="0"/>
+      </a:effectRef>
+      <a:fontRef idx="minor">
+        <a:schemeClr val="lt1"/>
+      </a:fontRef>
+    </dgm:style>
+  </dgm:styleLbl>
+  <dgm:styleLbl name="node4">
+    <dgm:scene3d>
+      <a:camera prst="orthographicFront"/>
+      <a:lightRig rig="threePt" dir="t"/>
+    </dgm:scene3d>
+    <dgm:sp3d/>
+    <dgm:txPr/>
+    <dgm:style>
+      <a:lnRef idx="3">
+        <a:scrgbClr r="0" g="0" b="0"/>
+      </a:lnRef>
+      <a:fillRef idx="1">
+        <a:scrgbClr r="0" g="0" b="0"/>
+      </a:fillRef>
+      <a:effectRef idx="1">
+        <a:scrgbClr r="0" g="0" b="0"/>
+      </a:effectRef>
+      <a:fontRef idx="minor">
+        <a:schemeClr val="lt1"/>
+      </a:fontRef>
+    </dgm:style>
+  </dgm:styleLbl>
+  <dgm:styleLbl name="fgImgPlace1">
+    <dgm:scene3d>
+      <a:camera prst="orthographicFront"/>
+      <a:lightRig rig="threePt" dir="t"/>
+    </dgm:scene3d>
+    <dgm:sp3d/>
+    <dgm:txPr/>
+    <dgm:style>
+      <a:lnRef idx="3">
+        <a:scrgbClr r="0" g="0" b="0"/>
+      </a:lnRef>
+      <a:fillRef idx="1">
+        <a:scrgbClr r="0" g="0" b="0"/>
+      </a:fillRef>
+      <a:effectRef idx="1">
+        <a:scrgbClr r="0" g="0" b="0"/>
+      </a:effectRef>
+      <a:fontRef idx="minor"/>
+    </dgm:style>
+  </dgm:styleLbl>
+  <dgm:styleLbl name="alignImgPlace1">
+    <dgm:scene3d>
+      <a:camera prst="orthographicFront"/>
+      <a:lightRig rig="threePt" dir="t"/>
+    </dgm:scene3d>
+    <dgm:sp3d/>
+    <dgm:txPr/>
+    <dgm:style>
+      <a:lnRef idx="3">
+        <a:scrgbClr r="0" g="0" b="0"/>
+      </a:lnRef>
+      <a:fillRef idx="1">
+        <a:scrgbClr r="0" g="0" b="0"/>
+      </a:fillRef>
+      <a:effectRef idx="1">
+        <a:scrgbClr r="0" g="0" b="0"/>
+      </a:effectRef>
+      <a:fontRef idx="minor"/>
+    </dgm:style>
+  </dgm:styleLbl>
+  <dgm:styleLbl name="bgImgPlace1">
+    <dgm:scene3d>
+      <a:camera prst="orthographicFront"/>
+      <a:lightRig rig="threePt" dir="t"/>
+    </dgm:scene3d>
+    <dgm:sp3d/>
+    <dgm:txPr/>
+    <dgm:style>
+      <a:lnRef idx="3">
+        <a:scrgbClr r="0" g="0" b="0"/>
+      </a:lnRef>
+      <a:fillRef idx="1">
+        <a:scrgbClr r="0" g="0" b="0"/>
+      </a:fillRef>
+      <a:effectRef idx="1">
+        <a:scrgbClr r="0" g="0" b="0"/>
+      </a:effectRef>
+      <a:fontRef idx="minor"/>
+    </dgm:style>
+  </dgm:styleLbl>
+  <dgm:styleLbl name="sibTrans2D1">
+    <dgm:scene3d>
+      <a:camera prst="orthographicFront"/>
+      <a:lightRig rig="threePt" dir="t"/>
+    </dgm:scene3d>
+    <dgm:sp3d/>
+    <dgm:txPr/>
+    <dgm:style>
+      <a:lnRef idx="0">
+        <a:scrgbClr r="0" g="0" b="0"/>
+      </a:lnRef>
+      <a:fillRef idx="1">
+        <a:scrgbClr r="0" g="0" b="0"/>
+      </a:fillRef>
+      <a:effectRef idx="1">
+        <a:scrgbClr r="0" g="0" b="0"/>
+      </a:effectRef>
+      <a:fontRef idx="minor">
+        <a:schemeClr val="lt1"/>
+      </a:fontRef>
+    </dgm:style>
+  </dgm:styleLbl>
+  <dgm:styleLbl name="fgSibTrans2D1">
+    <dgm:scene3d>
+      <a:camera prst="orthographicFront"/>
+      <a:lightRig rig="threePt" dir="t"/>
+    </dgm:scene3d>
+    <dgm:sp3d/>
+    <dgm:txPr/>
+    <dgm:style>
+      <a:lnRef idx="0">
+        <a:scrgbClr r="0" g="0" b="0"/>
+      </a:lnRef>
+      <a:fillRef idx="1">
+        <a:scrgbClr r="0" g="0" b="0"/>
+      </a:fillRef>
+      <a:effectRef idx="1">
+        <a:scrgbClr r="0" g="0" b="0"/>
+      </a:effectRef>
+      <a:fontRef idx="minor">
+        <a:schemeClr val="lt1"/>
+      </a:fontRef>
+    </dgm:style>
+  </dgm:styleLbl>
+  <dgm:styleLbl name="bgSibTrans2D1">
+    <dgm:scene3d>
+      <a:camera prst="orthographicFront"/>
+      <a:lightRig rig="threePt" dir="t"/>
+    </dgm:scene3d>
+    <dgm:sp3d/>
+    <dgm:txPr/>
+    <dgm:style>
+      <a:lnRef idx="0">
+        <a:scrgbClr r="0" g="0" b="0"/>
+      </a:lnRef>
+      <a:fillRef idx="1">
+        <a:scrgbClr r="0" g="0" b="0"/>
+      </a:fillRef>
+      <a:effectRef idx="1">
+        <a:scrgbClr r="0" g="0" b="0"/>
+      </a:effectRef>
+      <a:fontRef idx="minor">
+        <a:schemeClr val="lt1"/>
+      </a:fontRef>
+    </dgm:style>
+  </dgm:styleLbl>
+  <dgm:styleLbl name="sibTrans1D1">
+    <dgm:scene3d>
+      <a:camera prst="orthographicFront"/>
+      <a:lightRig rig="threePt" dir="t"/>
+    </dgm:scene3d>
+    <dgm:sp3d/>
+    <dgm:txPr/>
+    <dgm:style>
+      <a:lnRef idx="1">
+        <a:scrgbClr r="0" g="0" b="0"/>
+      </a:lnRef>
+      <a:fillRef idx="0">
+        <a:scrgbClr r="0" g="0" b="0"/>
+      </a:fillRef>
+      <a:effectRef idx="0">
+        <a:scrgbClr r="0" g="0" b="0"/>
+      </a:effectRef>
+      <a:fontRef idx="minor"/>
+    </dgm:style>
+  </dgm:styleLbl>
+  <dgm:styleLbl name="callout">
+    <dgm:scene3d>
+      <a:camera prst="orthographicFront"/>
+      <a:lightRig rig="threePt" dir="t"/>
+    </dgm:scene3d>
+    <dgm:sp3d/>
+    <dgm:txPr/>
+    <dgm:style>
+      <a:lnRef idx="2">
+        <a:scrgbClr r="0" g="0" b="0"/>
+      </a:lnRef>
+      <a:fillRef idx="1">
+        <a:scrgbClr r="0" g="0" b="0"/>
+      </a:fillRef>
+      <a:effectRef idx="1">
+        <a:scrgbClr r="0" g="0" b="0"/>
+      </a:effectRef>
+      <a:fontRef idx="minor"/>
+    </dgm:style>
+  </dgm:styleLbl>
+  <dgm:styleLbl name="asst0">
+    <dgm:scene3d>
+      <a:camera prst="orthographicFront"/>
+      <a:lightRig rig="threePt" dir="t"/>
+    </dgm:scene3d>
+    <dgm:sp3d/>
+    <dgm:txPr/>
+    <dgm:style>
+      <a:lnRef idx="3">
+        <a:scrgbClr r="0" g="0" b="0"/>
+      </a:lnRef>
+      <a:fillRef idx="1">
+        <a:scrgbClr r="0" g="0" b="0"/>
+      </a:fillRef>
+      <a:effectRef idx="1">
+        <a:scrgbClr r="0" g="0" b="0"/>
+      </a:effectRef>
+      <a:fontRef idx="minor">
+        <a:schemeClr val="lt1"/>
+      </a:fontRef>
+    </dgm:style>
+  </dgm:styleLbl>
+  <dgm:styleLbl name="asst1">
+    <dgm:scene3d>
+      <a:camera prst="orthographicFront"/>
+      <a:lightRig rig="threePt" dir="t"/>
+    </dgm:scene3d>
+    <dgm:sp3d/>
+    <dgm:txPr/>
+    <dgm:style>
+      <a:lnRef idx="3">
+        <a:scrgbClr r="0" g="0" b="0"/>
+      </a:lnRef>
+      <a:fillRef idx="1">
+        <a:scrgbClr r="0" g="0" b="0"/>
+      </a:fillRef>
+      <a:effectRef idx="1">
+        <a:scrgbClr r="0" g="0" b="0"/>
+      </a:effectRef>
+      <a:fontRef idx="minor">
+        <a:schemeClr val="lt1"/>
+      </a:fontRef>
+    </dgm:style>
+  </dgm:styleLbl>
+  <dgm:styleLbl name="asst2">
+    <dgm:scene3d>
+      <a:camera prst="orthographicFront"/>
+      <a:lightRig rig="threePt" dir="t"/>
+    </dgm:scene3d>
+    <dgm:sp3d/>
+    <dgm:txPr/>
+    <dgm:style>
+      <a:lnRef idx="3">
+        <a:scrgbClr r="0" g="0" b="0"/>
+      </a:lnRef>
+      <a:fillRef idx="1">
+        <a:scrgbClr r="0" g="0" b="0"/>
+      </a:fillRef>
+      <a:effectRef idx="1">
+        <a:scrgbClr r="0" g="0" b="0"/>
+      </a:effectRef>
+      <a:fontRef idx="minor">
+        <a:schemeClr val="lt1"/>
+      </a:fontRef>
+    </dgm:style>
+  </dgm:styleLbl>
+  <dgm:styleLbl name="asst3">
+    <dgm:scene3d>
+      <a:camera prst="orthographicFront"/>
+      <a:lightRig rig="threePt" dir="t"/>
+    </dgm:scene3d>
+    <dgm:sp3d/>
+    <dgm:txPr/>
+    <dgm:style>
+      <a:lnRef idx="3">
+        <a:scrgbClr r="0" g="0" b="0"/>
+      </a:lnRef>
+      <a:fillRef idx="1">
+        <a:scrgbClr r="0" g="0" b="0"/>
+      </a:fillRef>
+      <a:effectRef idx="1">
+        <a:scrgbClr r="0" g="0" b="0"/>
+      </a:effectRef>
+      <a:fontRef idx="minor">
+        <a:schemeClr val="lt1"/>
+      </a:fontRef>
+    </dgm:style>
+  </dgm:styleLbl>
+  <dgm:styleLbl name="asst4">
+    <dgm:scene3d>
+      <a:camera prst="orthographicFront"/>
+      <a:lightRig rig="threePt" dir="t"/>
+    </dgm:scene3d>
+    <dgm:sp3d/>
+    <dgm:txPr/>
+    <dgm:style>
+      <a:lnRef idx="3">
+        <a:scrgbClr r="0" g="0" b="0"/>
+      </a:lnRef>
+      <a:fillRef idx="1">
+        <a:scrgbClr r="0" g="0" b="0"/>
+      </a:fillRef>
+      <a:effectRef idx="1">
+        <a:scrgbClr r="0" g="0" b="0"/>
+      </a:effectRef>
+      <a:fontRef idx="minor">
+        <a:schemeClr val="lt1"/>
+      </a:fontRef>
+    </dgm:style>
+  </dgm:styleLbl>
+  <dgm:styleLbl name="parChTrans2D1">
+    <dgm:scene3d>
+      <a:camera prst="orthographicFront"/>
+      <a:lightRig rig="threePt" dir="t"/>
+    </dgm:scene3d>
+    <dgm:sp3d/>
+    <dgm:txPr/>
+    <dgm:style>
+      <a:lnRef idx="3">
+        <a:scrgbClr r="0" g="0" b="0"/>
+      </a:lnRef>
+      <a:fillRef idx="1">
+        <a:scrgbClr r="0" g="0" b="0"/>
+      </a:fillRef>
+      <a:effectRef idx="1">
+        <a:scrgbClr r="0" g="0" b="0"/>
+      </a:effectRef>
+      <a:fontRef idx="minor">
+        <a:schemeClr val="lt1"/>
+      </a:fontRef>
+    </dgm:style>
+  </dgm:styleLbl>
+  <dgm:styleLbl name="parChTrans2D2">
+    <dgm:scene3d>
+      <a:camera prst="orthographicFront"/>
+      <a:lightRig rig="threePt" dir="t"/>
+    </dgm:scene3d>
+    <dgm:sp3d/>
+    <dgm:txPr/>
+    <dgm:style>
+      <a:lnRef idx="3">
+        <a:scrgbClr r="0" g="0" b="0"/>
+      </a:lnRef>
+      <a:fillRef idx="1">
+        <a:scrgbClr r="0" g="0" b="0"/>
+      </a:fillRef>
+      <a:effectRef idx="1">
+        <a:scrgbClr r="0" g="0" b="0"/>
+      </a:effectRef>
+      <a:fontRef idx="minor">
+        <a:schemeClr val="lt1"/>
+      </a:fontRef>
+    </dgm:style>
+  </dgm:styleLbl>
+  <dgm:styleLbl name="parChTrans2D3">
+    <dgm:scene3d>
+      <a:camera prst="orthographicFront"/>
+      <a:lightRig rig="threePt" dir="t"/>
+    </dgm:scene3d>
+    <dgm:sp3d/>
+    <dgm:txPr/>
+    <dgm:style>
+      <a:lnRef idx="3">
+        <a:scrgbClr r="0" g="0" b="0"/>
+      </a:lnRef>
+      <a:fillRef idx="1">
+        <a:scrgbClr r="0" g="0" b="0"/>
+      </a:fillRef>
+      <a:effectRef idx="1">
+        <a:scrgbClr r="0" g="0" b="0"/>
+      </a:effectRef>
+      <a:fontRef idx="minor">
+        <a:schemeClr val="lt1"/>
+      </a:fontRef>
+    </dgm:style>
+  </dgm:styleLbl>
+  <dgm:styleLbl name="parChTrans2D4">
+    <dgm:scene3d>
+      <a:camera prst="orthographicFront"/>
+      <a:lightRig rig="threePt" dir="t"/>
+    </dgm:scene3d>
+    <dgm:sp3d/>
+    <dgm:txPr/>
+    <dgm:style>
+      <a:lnRef idx="3">
+        <a:scrgbClr r="0" g="0" b="0"/>
+      </a:lnRef>
+      <a:fillRef idx="1">
+        <a:scrgbClr r="0" g="0" b="0"/>
+      </a:fillRef>
+      <a:effectRef idx="1">
+        <a:scrgbClr r="0" g="0" b="0"/>
+      </a:effectRef>
+      <a:fontRef idx="minor">
+        <a:schemeClr val="lt1"/>
+      </a:fontRef>
+    </dgm:style>
+  </dgm:styleLbl>
+  <dgm:styleLbl name="parChTrans1D1">
+    <dgm:scene3d>
+      <a:camera prst="orthographicFront"/>
+      <a:lightRig rig="threePt" dir="t"/>
+    </dgm:scene3d>
+    <dgm:sp3d/>
+    <dgm:txPr/>
+    <dgm:style>
+      <a:lnRef idx="2">
+        <a:scrgbClr r="0" g="0" b="0"/>
+      </a:lnRef>
+      <a:fillRef idx="0">
+        <a:scrgbClr r="0" g="0" b="0"/>
+      </a:fillRef>
+      <a:effectRef idx="0">
+        <a:scrgbClr r="0" g="0" b="0"/>
+      </a:effectRef>
+      <a:fontRef idx="minor"/>
+    </dgm:style>
+  </dgm:styleLbl>
+  <dgm:styleLbl name="parChTrans1D2">
+    <dgm:scene3d>
+      <a:camera prst="orthographicFront"/>
+      <a:lightRig rig="threePt" dir="t"/>
+    </dgm:scene3d>
+    <dgm:sp3d/>
+    <dgm:txPr/>
+    <dgm:style>
+      <a:lnRef idx="2">
+        <a:scrgbClr r="0" g="0" b="0"/>
+      </a:lnRef>
+      <a:fillRef idx="0">
+        <a:scrgbClr r="0" g="0" b="0"/>
+      </a:fillRef>
+      <a:effectRef idx="0">
+        <a:scrgbClr r="0" g="0" b="0"/>
+      </a:effectRef>
+      <a:fontRef idx="minor"/>
+    </dgm:style>
+  </dgm:styleLbl>
+  <dgm:styleLbl name="parChTrans1D3">
+    <dgm:scene3d>
+      <a:camera prst="orthographicFront"/>
+      <a:lightRig rig="threePt" dir="t"/>
+    </dgm:scene3d>
+    <dgm:sp3d/>
+    <dgm:txPr/>
+    <dgm:style>
+      <a:lnRef idx="2">
+        <a:scrgbClr r="0" g="0" b="0"/>
+      </a:lnRef>
+      <a:fillRef idx="0">
+        <a:scrgbClr r="0" g="0" b="0"/>
+      </a:fillRef>
+      <a:effectRef idx="0">
+        <a:scrgbClr r="0" g="0" b="0"/>
+      </a:effectRef>
+      <a:fontRef idx="minor"/>
+    </dgm:style>
+  </dgm:styleLbl>
+  <dgm:styleLbl name="parChTrans1D4">
+    <dgm:scene3d>
+      <a:camera prst="orthographicFront"/>
+      <a:lightRig rig="threePt" dir="t"/>
+    </dgm:scene3d>
+    <dgm:sp3d/>
+    <dgm:txPr/>
+    <dgm:style>
+      <a:lnRef idx="2">
+        <a:scrgbClr r="0" g="0" b="0"/>
+      </a:lnRef>
+      <a:fillRef idx="0">
+        <a:scrgbClr r="0" g="0" b="0"/>
+      </a:fillRef>
+      <a:effectRef idx="0">
+        <a:scrgbClr r="0" g="0" b="0"/>
+      </a:effectRef>
+      <a:fontRef idx="minor"/>
+    </dgm:style>
+  </dgm:styleLbl>
+  <dgm:styleLbl name="fgAcc1">
+    <dgm:scene3d>
+      <a:camera prst="orthographicFront"/>
+      <a:lightRig rig="threePt" dir="t"/>
+    </dgm:scene3d>
+    <dgm:sp3d/>
+    <dgm:txPr/>
+    <dgm:style>
+      <a:lnRef idx="2">
+        <a:scrgbClr r="0" g="0" b="0"/>
+      </a:lnRef>
+      <a:fillRef idx="1">
+        <a:scrgbClr r="0" g="0" b="0"/>
+      </a:fillRef>
+      <a:effectRef idx="0">
+        <a:scrgbClr r="0" g="0" b="0"/>
+      </a:effectRef>
+      <a:fontRef idx="minor"/>
+    </dgm:style>
+  </dgm:styleLbl>
+  <dgm:styleLbl name="conFgAcc1">
+    <dgm:scene3d>
+      <a:camera prst="orthographicFront"/>
+      <a:lightRig rig="threePt" dir="t"/>
+    </dgm:scene3d>
+    <dgm:sp3d/>
+    <dgm:txPr/>
+    <dgm:style>
+      <a:lnRef idx="2">
+        <a:scrgbClr r="0" g="0" b="0"/>
+      </a:lnRef>
+      <a:fillRef idx="1">
+        <a:scrgbClr r="0" g="0" b="0"/>
+      </a:fillRef>
+      <a:effectRef idx="0">
+        <a:scrgbClr r="0" g="0" b="0"/>
+      </a:effectRef>
+      <a:fontRef idx="minor"/>
+    </dgm:style>
+  </dgm:styleLbl>
+  <dgm:styleLbl name="alignAcc1">
+    <dgm:scene3d>
+      <a:camera prst="orthographicFront"/>
+      <a:lightRig rig="threePt" dir="t"/>
+    </dgm:scene3d>
+    <dgm:sp3d/>
+    <dgm:txPr/>
+    <dgm:style>
+      <a:lnRef idx="2">
+        <a:scrgbClr r="0" g="0" b="0"/>
+      </a:lnRef>
+      <a:fillRef idx="1">
+        <a:scrgbClr r="0" g="0" b="0"/>
+      </a:fillRef>
+      <a:effectRef idx="0">
+        <a:scrgbClr r="0" g="0" b="0"/>
+      </a:effectRef>
+      <a:fontRef idx="minor"/>
+    </dgm:style>
+  </dgm:styleLbl>
+  <dgm:styleLbl name="trAlignAcc1">
+    <dgm:scene3d>
+      <a:camera prst="orthographicFront"/>
+      <a:lightRig rig="threePt" dir="t"/>
+    </dgm:scene3d>
+    <dgm:sp3d/>
+    <dgm:txPr/>
+    <dgm:style>
+      <a:lnRef idx="1">
+        <a:scrgbClr r="0" g="0" b="0"/>
+      </a:lnRef>
+      <a:fillRef idx="1">
+        <a:scrgbClr r="0" g="0" b="0"/>
+      </a:fillRef>
+      <a:effectRef idx="0">
+        <a:scrgbClr r="0" g="0" b="0"/>
+      </a:effectRef>
+      <a:fontRef idx="minor"/>
+    </dgm:style>
+  </dgm:styleLbl>
+  <dgm:styleLbl name="bgAcc1">
+    <dgm:scene3d>
+      <a:camera prst="orthographicFront"/>
+      <a:lightRig rig="threePt" dir="t"/>
+    </dgm:scene3d>
+    <dgm:sp3d/>
+    <dgm:txPr/>
+    <dgm:style>
+      <a:lnRef idx="2">
+        <a:scrgbClr r="0" g="0" b="0"/>
+      </a:lnRef>
+      <a:fillRef idx="1">
+        <a:scrgbClr r="0" g="0" b="0"/>
+      </a:fillRef>
+      <a:effectRef idx="0">
+        <a:scrgbClr r="0" g="0" b="0"/>
+      </a:effectRef>
+      <a:fontRef idx="minor"/>
+    </dgm:style>
+  </dgm:styleLbl>
+  <dgm:styleLbl name="solidFgAcc1">
+    <dgm:scene3d>
+      <a:camera prst="orthographicFront"/>
+      <a:lightRig rig="threePt" dir="t"/>
+    </dgm:scene3d>
+    <dgm:sp3d/>
+    <dgm:txPr/>
+    <dgm:style>
+      <a:lnRef idx="2">
+        <a:scrgbClr r="0" g="0" b="0"/>
+      </a:lnRef>
+      <a:fillRef idx="1">
+        <a:scrgbClr r="0" g="0" b="0"/>
+      </a:fillRef>
+      <a:effectRef idx="0">
+        <a:scrgbClr r="0" g="0" b="0"/>
+      </a:effectRef>
+      <a:fontRef idx="minor"/>
+    </dgm:style>
+  </dgm:styleLbl>
+  <dgm:styleLbl name="solidAlignAcc1">
+    <dgm:scene3d>
+      <a:camera prst="orthographicFront"/>
+      <a:lightRig rig="threePt" dir="t"/>
+    </dgm:scene3d>
+    <dgm:sp3d/>
+    <dgm:txPr/>
+    <dgm:style>
+      <a:lnRef idx="2">
+        <a:scrgbClr r="0" g="0" b="0"/>
+      </a:lnRef>
+      <a:fillRef idx="1">
+        <a:scrgbClr r="0" g="0" b="0"/>
+      </a:fillRef>
+      <a:effectRef idx="0">
+        <a:scrgbClr r="0" g="0" b="0"/>
+      </a:effectRef>
+      <a:fontRef idx="minor"/>
+    </dgm:style>
+  </dgm:styleLbl>
+  <dgm:styleLbl name="solidBgAcc1">
+    <dgm:scene3d>
+      <a:camera prst="orthographicFront"/>
+      <a:lightRig rig="threePt" dir="t"/>
+    </dgm:scene3d>
+    <dgm:sp3d/>
+    <dgm:txPr/>
+    <dgm:style>
+      <a:lnRef idx="2">
+        <a:scrgbClr r="0" g="0" b="0"/>
+      </a:lnRef>
+      <a:fillRef idx="1">
+        <a:scrgbClr r="0" g="0" b="0"/>
+      </a:fillRef>
+      <a:effectRef idx="0">
+        <a:scrgbClr r="0" g="0" b="0"/>
+      </a:effectRef>
+      <a:fontRef idx="minor"/>
+    </dgm:style>
+  </dgm:styleLbl>
+  <dgm:styleLbl name="fgAccFollowNode1">
+    <dgm:scene3d>
+      <a:camera prst="orthographicFront"/>
+      <a:lightRig rig="threePt" dir="t"/>
+    </dgm:scene3d>
+    <dgm:sp3d/>
+    <dgm:txPr/>
+    <dgm:style>
+      <a:lnRef idx="2">
+        <a:scrgbClr r="0" g="0" b="0"/>
+      </a:lnRef>
+      <a:fillRef idx="1">
+        <a:scrgbClr r="0" g="0" b="0"/>
+      </a:fillRef>
+      <a:effectRef idx="0">
+        <a:scrgbClr r="0" g="0" b="0"/>
+      </a:effectRef>
+      <a:fontRef idx="minor"/>
+    </dgm:style>
+  </dgm:styleLbl>
+  <dgm:styleLbl name="alignAccFollowNode1">
+    <dgm:scene3d>
+      <a:camera prst="orthographicFront"/>
+      <a:lightRig rig="threePt" dir="t"/>
+    </dgm:scene3d>
+    <dgm:sp3d/>
+    <dgm:txPr/>
+    <dgm:style>
+      <a:lnRef idx="2">
+        <a:scrgbClr r="0" g="0" b="0"/>
+      </a:lnRef>
+      <a:fillRef idx="1">
+        <a:scrgbClr r="0" g="0" b="0"/>
+      </a:fillRef>
+      <a:effectRef idx="0">
+        <a:scrgbClr r="0" g="0" b="0"/>
+      </a:effectRef>
+      <a:fontRef idx="minor"/>
+    </dgm:style>
+  </dgm:styleLbl>
+  <dgm:styleLbl name="bgAccFollowNode1">
+    <dgm:scene3d>
+      <a:camera prst="orthographicFront"/>
+      <a:lightRig rig="threePt" dir="t"/>
+    </dgm:scene3d>
+    <dgm:sp3d/>
+    <dgm:txPr/>
+    <dgm:style>
+      <a:lnRef idx="2">
+        <a:scrgbClr r="0" g="0" b="0"/>
+      </a:lnRef>
+      <a:fillRef idx="1">
+        <a:scrgbClr r="0" g="0" b="0"/>
+      </a:fillRef>
+      <a:effectRef idx="0">
+        <a:scrgbClr r="0" g="0" b="0"/>
+      </a:effectRef>
+      <a:fontRef idx="minor"/>
+    </dgm:style>
+  </dgm:styleLbl>
+  <dgm:styleLbl name="fgAcc0">
+    <dgm:scene3d>
+      <a:camera prst="orthographicFront"/>
+      <a:lightRig rig="threePt" dir="t"/>
+    </dgm:scene3d>
+    <dgm:sp3d/>
+    <dgm:txPr/>
+    <dgm:style>
+      <a:lnRef idx="2">
+        <a:scrgbClr r="0" g="0" b="0"/>
+      </a:lnRef>
+      <a:fillRef idx="1">
+        <a:scrgbClr r="0" g="0" b="0"/>
+      </a:fillRef>
+      <a:effectRef idx="0">
+        <a:scrgbClr r="0" g="0" b="0"/>
+      </a:effectRef>
+      <a:fontRef idx="minor"/>
+    </dgm:style>
+  </dgm:styleLbl>
+  <dgm:styleLbl name="fgAcc2">
+    <dgm:scene3d>
+      <a:camera prst="orthographicFront"/>
+      <a:lightRig rig="threePt" dir="t"/>
+    </dgm:scene3d>
+    <dgm:sp3d/>
+    <dgm:txPr/>
+    <dgm:style>
+      <a:lnRef idx="2">
+        <a:scrgbClr r="0" g="0" b="0"/>
+      </a:lnRef>
+      <a:fillRef idx="1">
+        <a:scrgbClr r="0" g="0" b="0"/>
+      </a:fillRef>
+      <a:effectRef idx="0">
+        <a:scrgbClr r="0" g="0" b="0"/>
+      </a:effectRef>
+      <a:fontRef idx="minor"/>
+    </dgm:style>
+  </dgm:styleLbl>
+  <dgm:styleLbl name="fgAcc3">
+    <dgm:scene3d>
+      <a:camera prst="orthographicFront"/>
+      <a:lightRig rig="threePt" dir="t"/>
+    </dgm:scene3d>
+    <dgm:sp3d/>
+    <dgm:txPr/>
+    <dgm:style>
+      <a:lnRef idx="2">
+        <a:scrgbClr r="0" g="0" b="0"/>
+      </a:lnRef>
+      <a:fillRef idx="1">
+        <a:scrgbClr r="0" g="0" b="0"/>
+      </a:fillRef>
+      <a:effectRef idx="0">
+        <a:scrgbClr r="0" g="0" b="0"/>
+      </a:effectRef>
+      <a:fontRef idx="minor"/>
+    </dgm:style>
+  </dgm:styleLbl>
+  <dgm:styleLbl name="fgAcc4">
+    <dgm:scene3d>
+      <a:camera prst="orthographicFront"/>
+      <a:lightRig rig="threePt" dir="t"/>
+    </dgm:scene3d>
+    <dgm:sp3d/>
+    <dgm:txPr/>
+    <dgm:style>
+      <a:lnRef idx="2">
+        <a:scrgbClr r="0" g="0" b="0"/>
+      </a:lnRef>
+      <a:fillRef idx="1">
+        <a:scrgbClr r="0" g="0" b="0"/>
+      </a:fillRef>
+      <a:effectRef idx="0">
+        <a:scrgbClr r="0" g="0" b="0"/>
+      </a:effectRef>
+      <a:fontRef idx="minor"/>
+    </dgm:style>
+  </dgm:styleLbl>
+  <dgm:styleLbl name="bgShp">
+    <dgm:scene3d>
+      <a:camera prst="orthographicFront"/>
+      <a:lightRig rig="threePt" dir="t"/>
+    </dgm:scene3d>
+    <dgm:sp3d/>
+    <dgm:txPr/>
+    <dgm:style>
+      <a:lnRef idx="0">
+        <a:scrgbClr r="0" g="0" b="0"/>
+      </a:lnRef>
+      <a:fillRef idx="1">
+        <a:scrgbClr r="0" g="0" b="0"/>
+      </a:fillRef>
+      <a:effectRef idx="0">
+        <a:scrgbClr r="0" g="0" b="0"/>
+      </a:effectRef>
+      <a:fontRef idx="minor"/>
+    </dgm:style>
+  </dgm:styleLbl>
+  <dgm:styleLbl name="dkBgShp">
+    <dgm:scene3d>
+      <a:camera prst="orthographicFront"/>
+      <a:lightRig rig="threePt" dir="t"/>
+    </dgm:scene3d>
+    <dgm:sp3d/>
+    <dgm:txPr/>
+    <dgm:style>
+      <a:lnRef idx="0">
+        <a:scrgbClr r="0" g="0" b="0"/>
+      </a:lnRef>
+      <a:fillRef idx="1">
+        <a:scrgbClr r="0" g="0" b="0"/>
+      </a:fillRef>
+      <a:effectRef idx="0">
+        <a:scrgbClr r="0" g="0" b="0"/>
+      </a:effectRef>
+      <a:fontRef idx="minor"/>
+    </dgm:style>
+  </dgm:styleLbl>
+  <dgm:styleLbl name="trBgShp">
+    <dgm:scene3d>
+      <a:camera prst="orthographicFront"/>
+      <a:lightRig rig="threePt" dir="t"/>
+    </dgm:scene3d>
+    <dgm:sp3d/>
+    <dgm:txPr/>
+    <dgm:style>
+      <a:lnRef idx="0">
+        <a:scrgbClr r="0" g="0" b="0"/>
+      </a:lnRef>
+      <a:fillRef idx="1">
+        <a:scrgbClr r="0" g="0" b="0"/>
+      </a:fillRef>
+      <a:effectRef idx="0">
+        <a:scrgbClr r="0" g="0" b="0"/>
+      </a:effectRef>
+      <a:fontRef idx="minor"/>
+    </dgm:style>
+  </dgm:styleLbl>
+  <dgm:styleLbl name="fgShp">
+    <dgm:scene3d>
+      <a:camera prst="orthographicFront"/>
+      <a:lightRig rig="threePt" dir="t"/>
+    </dgm:scene3d>
+    <dgm:sp3d/>
+    <dgm:txPr/>
+    <dgm:style>
+      <a:lnRef idx="3">
+        <a:scrgbClr r="0" g="0" b="0"/>
+      </a:lnRef>
+      <a:fillRef idx="1">
+        <a:scrgbClr r="0" g="0" b="0"/>
+      </a:fillRef>
+      <a:effectRef idx="1">
+        <a:scrgbClr r="0" g="0" b="0"/>
+      </a:effectRef>
+      <a:fontRef idx="minor"/>
+    </dgm:style>
+  </dgm:styleLbl>
+  <dgm:styleLbl name="revTx">
+    <dgm:scene3d>
+      <a:camera prst="orthographicFront"/>
+      <a:lightRig rig="threePt" dir="t"/>
+    </dgm:scene3d>
+    <dgm:sp3d/>
+    <dgm:txPr/>
+    <dgm:style>
+      <a:lnRef idx="0">
+        <a:scrgbClr r="0" g="0" b="0"/>
+      </a:lnRef>
+      <a:fillRef idx="0">
+        <a:scrgbClr r="0" g="0" b="0"/>
+      </a:fillRef>
+      <a:effectRef idx="0">
+        <a:scrgbClr r="0" g="0" b="0"/>
+      </a:effectRef>
+      <a:fontRef idx="minor"/>
+    </dgm:style>
+  </dgm:styleLbl>
+</dgm:styleDef>
+</file>
+
+<file path=ppt/diagrams/quickStyle15.xml><?xml version="1.0" encoding="utf-8"?>
 <dgm:styleDef xmlns:dgm="http://schemas.openxmlformats.org/drawingml/2006/diagram" xmlns:a="http://schemas.openxmlformats.org/drawingml/2006/main" uniqueId="urn:microsoft.com/office/officeart/2005/8/quickstyle/simple1">
   <dgm:title val=""/>
   <dgm:desc val=""/>
@@ -38636,6 +44246,550 @@
 <file path=ppt/slides/slide10.xml><?xml version="1.0" encoding="utf-8"?>
 <p:sld xmlns:a="http://schemas.openxmlformats.org/drawingml/2006/main" xmlns:r="http://schemas.openxmlformats.org/officeDocument/2006/relationships" xmlns:p="http://schemas.openxmlformats.org/presentationml/2006/main">
   <p:cSld>
+    <p:bg>
+      <p:bgPr>
+        <a:solidFill>
+          <a:schemeClr val="bg1"/>
+        </a:solidFill>
+        <a:effectLst/>
+      </p:bgPr>
+    </p:bg>
+    <p:spTree>
+      <p:nvGrpSpPr>
+        <p:cNvPr id="1" name=""/>
+        <p:cNvGrpSpPr/>
+        <p:nvPr/>
+      </p:nvGrpSpPr>
+      <p:grpSpPr>
+        <a:xfrm>
+          <a:off x="0" y="0"/>
+          <a:ext cx="0" cy="0"/>
+          <a:chOff x="0" y="0"/>
+          <a:chExt cx="0" cy="0"/>
+        </a:xfrm>
+      </p:grpSpPr>
+      <p:sp>
+        <p:nvSpPr>
+          <p:cNvPr id="57" name="Rectangle 56">
+            <a:extLst>
+              <a:ext uri="{FF2B5EF4-FFF2-40B4-BE49-F238E27FC236}">
+                <a16:creationId xmlns:a16="http://schemas.microsoft.com/office/drawing/2014/main" id="{03FFF8D3-2EF3-4286-935A-D01BE3C85333}"/>
+              </a:ext>
+              <a:ext uri="{C183D7F6-B498-43B3-948B-1728B52AA6E4}">
+                <adec:decorative xmlns:adec="http://schemas.microsoft.com/office/drawing/2017/decorative" val="1"/>
+              </a:ext>
+            </a:extLst>
+          </p:cNvPr>
+          <p:cNvSpPr>
+            <a:spLocks noGrp="1" noRot="1" noChangeAspect="1" noMove="1" noResize="1" noEditPoints="1" noAdjustHandles="1" noChangeArrowheads="1" noChangeShapeType="1" noTextEdit="1"/>
+          </p:cNvSpPr>
+          <p:nvPr>
+            <p:extLst>
+              <p:ext uri="{386F3935-93C4-4BCD-93E2-E3B085C9AB24}">
+                <p16:designElem xmlns:p16="http://schemas.microsoft.com/office/powerpoint/2015/main" val="1"/>
+              </p:ext>
+            </p:extLst>
+          </p:nvPr>
+        </p:nvSpPr>
+        <p:spPr>
+          <a:xfrm>
+            <a:off x="0" y="0"/>
+            <a:ext cx="12192000" cy="6858000"/>
+          </a:xfrm>
+          <a:prstGeom prst="rect">
+            <a:avLst/>
+          </a:prstGeom>
+          <a:solidFill>
+            <a:schemeClr val="tx1"/>
+          </a:solidFill>
+          <a:ln>
+            <a:noFill/>
+          </a:ln>
+        </p:spPr>
+        <p:style>
+          <a:lnRef idx="2">
+            <a:schemeClr val="accent1">
+              <a:shade val="50000"/>
+            </a:schemeClr>
+          </a:lnRef>
+          <a:fillRef idx="1">
+            <a:schemeClr val="accent1"/>
+          </a:fillRef>
+          <a:effectRef idx="0">
+            <a:schemeClr val="accent1"/>
+          </a:effectRef>
+          <a:fontRef idx="minor">
+            <a:schemeClr val="lt1"/>
+          </a:fontRef>
+        </p:style>
+        <p:txBody>
+          <a:bodyPr rtlCol="0" anchor="ctr"/>
+          <a:lstStyle/>
+          <a:p>
+            <a:pPr marL="0" marR="0" lvl="0" indent="0" algn="ctr" defTabSz="457200" rtl="0" eaLnBrk="1" fontAlgn="auto" latinLnBrk="0" hangingPunct="1">
+              <a:lnSpc>
+                <a:spcPct val="100000"/>
+              </a:lnSpc>
+              <a:spcBef>
+                <a:spcPts val="0"/>
+              </a:spcBef>
+              <a:spcAft>
+                <a:spcPts val="0"/>
+              </a:spcAft>
+              <a:buClrTx/>
+              <a:buSzTx/>
+              <a:buFontTx/>
+              <a:buNone/>
+              <a:tabLst/>
+              <a:defRPr/>
+            </a:pPr>
+            <a:endParaRPr kumimoji="0" lang="en-US" sz="1800" b="0" i="0" u="none" strike="noStrike" kern="1200" cap="none" spc="0" normalizeH="0" baseline="0" noProof="0">
+              <a:ln>
+                <a:noFill/>
+              </a:ln>
+              <a:solidFill>
+                <a:prstClr val="black"/>
+              </a:solidFill>
+              <a:effectLst/>
+              <a:uLnTx/>
+              <a:uFillTx/>
+              <a:latin typeface="Century Gothic" panose="020B0502020202020204"/>
+              <a:ea typeface="+mn-ea"/>
+              <a:cs typeface="+mn-cs"/>
+            </a:endParaRPr>
+          </a:p>
+        </p:txBody>
+      </p:sp>
+      <p:pic>
+        <p:nvPicPr>
+          <p:cNvPr id="59" name="Picture 58">
+            <a:extLst>
+              <a:ext uri="{FF2B5EF4-FFF2-40B4-BE49-F238E27FC236}">
+                <a16:creationId xmlns:a16="http://schemas.microsoft.com/office/drawing/2014/main" id="{CD8CCB43-545E-4064-8BB8-5C492D0F5F57}"/>
+              </a:ext>
+              <a:ext uri="{C183D7F6-B498-43B3-948B-1728B52AA6E4}">
+                <adec:decorative xmlns:adec="http://schemas.microsoft.com/office/drawing/2017/decorative" val="1"/>
+              </a:ext>
+            </a:extLst>
+          </p:cNvPr>
+          <p:cNvPicPr>
+            <a:picLocks noGrp="1" noRot="1" noChangeAspect="1" noMove="1" noResize="1" noEditPoints="1" noAdjustHandles="1" noChangeArrowheads="1" noChangeShapeType="1" noCrop="1"/>
+          </p:cNvPicPr>
+          <p:nvPr>
+            <p:extLst>
+              <p:ext uri="{386F3935-93C4-4BCD-93E2-E3B085C9AB24}">
+                <p16:designElem xmlns:p16="http://schemas.microsoft.com/office/powerpoint/2015/main" val="1"/>
+              </p:ext>
+            </p:extLst>
+          </p:nvPr>
+        </p:nvPicPr>
+        <p:blipFill>
+          <a:blip r:embed="rId2">
+            <a:extLst>
+              <a:ext uri="{28A0092B-C50C-407E-A947-70E740481C1C}">
+                <a14:useLocalDpi xmlns:a14="http://schemas.microsoft.com/office/drawing/2010/main" val="0"/>
+              </a:ext>
+            </a:extLst>
+          </a:blip>
+          <a:stretch>
+            <a:fillRect/>
+          </a:stretch>
+        </p:blipFill>
+        <p:spPr>
+          <a:xfrm>
+            <a:off x="0" y="0"/>
+            <a:ext cx="12192000" cy="1441450"/>
+          </a:xfrm>
+          <a:prstGeom prst="rect">
+            <a:avLst/>
+          </a:prstGeom>
+        </p:spPr>
+      </p:pic>
+      <p:sp>
+        <p:nvSpPr>
+          <p:cNvPr id="2" name="Title 1">
+            <a:extLst>
+              <a:ext uri="{FF2B5EF4-FFF2-40B4-BE49-F238E27FC236}">
+                <a16:creationId xmlns:a16="http://schemas.microsoft.com/office/drawing/2014/main" id="{52C967D9-E119-03D1-0D2C-84B6990DFF2F}"/>
+              </a:ext>
+            </a:extLst>
+          </p:cNvPr>
+          <p:cNvSpPr>
+            <a:spLocks noGrp="1"/>
+          </p:cNvSpPr>
+          <p:nvPr>
+            <p:ph type="title"/>
+          </p:nvPr>
+        </p:nvSpPr>
+        <p:spPr>
+          <a:xfrm>
+            <a:off x="685800" y="764373"/>
+            <a:ext cx="3306744" cy="1293028"/>
+          </a:xfrm>
+        </p:spPr>
+        <p:txBody>
+          <a:bodyPr>
+            <a:normAutofit fontScale="90000"/>
+          </a:bodyPr>
+          <a:lstStyle/>
+          <a:p>
+            <a:r>
+              <a:rPr lang="en-US" sz="3200" dirty="0">
+                <a:solidFill>
+                  <a:schemeClr val="bg1"/>
+                </a:solidFill>
+              </a:rPr>
+              <a:t>Merging the </a:t>
+            </a:r>
+            <a:r>
+              <a:rPr lang="en-US" sz="3200" b="1" dirty="0">
+                <a:solidFill>
+                  <a:schemeClr val="bg1"/>
+                </a:solidFill>
+              </a:rPr>
+              <a:t>Main Branch </a:t>
+            </a:r>
+            <a:r>
+              <a:rPr lang="en-US" sz="3200" dirty="0">
+                <a:solidFill>
+                  <a:schemeClr val="bg1"/>
+                </a:solidFill>
+              </a:rPr>
+              <a:t>to your branch</a:t>
+            </a:r>
+            <a:endParaRPr lang="en-IL" sz="3200" dirty="0">
+              <a:solidFill>
+                <a:schemeClr val="bg1"/>
+              </a:solidFill>
+            </a:endParaRPr>
+          </a:p>
+        </p:txBody>
+      </p:sp>
+      <p:sp useBgFill="1">
+        <p:nvSpPr>
+          <p:cNvPr id="61" name="Rounded Rectangle 14">
+            <a:extLst>
+              <a:ext uri="{FF2B5EF4-FFF2-40B4-BE49-F238E27FC236}">
+                <a16:creationId xmlns:a16="http://schemas.microsoft.com/office/drawing/2014/main" id="{E6C57836-126B-4938-8C7A-3C3BCB59D383}"/>
+              </a:ext>
+              <a:ext uri="{C183D7F6-B498-43B3-948B-1728B52AA6E4}">
+                <adec:decorative xmlns:adec="http://schemas.microsoft.com/office/drawing/2017/decorative" val="1"/>
+              </a:ext>
+            </a:extLst>
+          </p:cNvPr>
+          <p:cNvSpPr>
+            <a:spLocks noGrp="1" noRot="1" noChangeAspect="1" noMove="1" noResize="1" noEditPoints="1" noAdjustHandles="1" noChangeArrowheads="1" noChangeShapeType="1" noTextEdit="1"/>
+          </p:cNvSpPr>
+          <p:nvPr>
+            <p:extLst>
+              <p:ext uri="{386F3935-93C4-4BCD-93E2-E3B085C9AB24}">
+                <p16:designElem xmlns:p16="http://schemas.microsoft.com/office/powerpoint/2015/main" val="1"/>
+              </p:ext>
+            </p:extLst>
+          </p:nvPr>
+        </p:nvSpPr>
+        <p:spPr>
+          <a:xfrm>
+            <a:off x="4636008" y="1066164"/>
+            <a:ext cx="6765949" cy="5148371"/>
+          </a:xfrm>
+          <a:prstGeom prst="roundRect">
+            <a:avLst>
+              <a:gd name="adj" fmla="val 2403"/>
+            </a:avLst>
+          </a:prstGeom>
+          <a:ln>
+            <a:noFill/>
+          </a:ln>
+          <a:effectLst>
+            <a:innerShdw blurRad="114300">
+              <a:prstClr val="black"/>
+            </a:innerShdw>
+          </a:effectLst>
+        </p:spPr>
+        <p:style>
+          <a:lnRef idx="2">
+            <a:schemeClr val="accent1">
+              <a:shade val="50000"/>
+            </a:schemeClr>
+          </a:lnRef>
+          <a:fillRef idx="1">
+            <a:schemeClr val="accent1"/>
+          </a:fillRef>
+          <a:effectRef idx="0">
+            <a:schemeClr val="accent1"/>
+          </a:effectRef>
+          <a:fontRef idx="minor">
+            <a:schemeClr val="lt1"/>
+          </a:fontRef>
+        </p:style>
+        <p:txBody>
+          <a:bodyPr rtlCol="0" anchor="ctr"/>
+          <a:lstStyle/>
+          <a:p>
+            <a:pPr marL="0" marR="0" lvl="0" indent="0" algn="ctr" defTabSz="457200" rtl="0" eaLnBrk="1" fontAlgn="auto" latinLnBrk="0" hangingPunct="1">
+              <a:lnSpc>
+                <a:spcPct val="100000"/>
+              </a:lnSpc>
+              <a:spcBef>
+                <a:spcPts val="0"/>
+              </a:spcBef>
+              <a:spcAft>
+                <a:spcPts val="0"/>
+              </a:spcAft>
+              <a:buClrTx/>
+              <a:buSzTx/>
+              <a:buFontTx/>
+              <a:buNone/>
+              <a:tabLst/>
+              <a:defRPr/>
+            </a:pPr>
+            <a:endParaRPr kumimoji="0" lang="en-US" sz="1800" b="0" i="0" u="none" strike="noStrike" kern="1200" cap="none" spc="0" normalizeH="0" baseline="0" noProof="0">
+              <a:ln>
+                <a:noFill/>
+              </a:ln>
+              <a:solidFill>
+                <a:prstClr val="white"/>
+              </a:solidFill>
+              <a:effectLst/>
+              <a:uLnTx/>
+              <a:uFillTx/>
+              <a:latin typeface="Century Gothic" panose="020B0502020202020204"/>
+              <a:ea typeface="+mn-ea"/>
+              <a:cs typeface="+mn-cs"/>
+            </a:endParaRPr>
+          </a:p>
+        </p:txBody>
+      </p:sp>
+      <p:sp>
+        <p:nvSpPr>
+          <p:cNvPr id="3" name="TextBox 2">
+            <a:extLst>
+              <a:ext uri="{FF2B5EF4-FFF2-40B4-BE49-F238E27FC236}">
+                <a16:creationId xmlns:a16="http://schemas.microsoft.com/office/drawing/2014/main" id="{7E0439F0-2979-62DC-0328-8B8888B2DF55}"/>
+              </a:ext>
+            </a:extLst>
+          </p:cNvPr>
+          <p:cNvSpPr txBox="1"/>
+          <p:nvPr/>
+        </p:nvSpPr>
+        <p:spPr>
+          <a:xfrm>
+            <a:off x="9652523" y="6870700"/>
+            <a:ext cx="2539477" cy="200055"/>
+          </a:xfrm>
+          <a:prstGeom prst="rect">
+            <a:avLst/>
+          </a:prstGeom>
+          <a:solidFill>
+            <a:srgbClr val="000000"/>
+          </a:solidFill>
+        </p:spPr>
+        <p:txBody>
+          <a:bodyPr wrap="none" rtlCol="0">
+            <a:spAutoFit/>
+          </a:bodyPr>
+          <a:lstStyle/>
+          <a:p>
+            <a:pPr marL="0" marR="0" lvl="0" indent="0" algn="r" defTabSz="457200" rtl="0" eaLnBrk="1" fontAlgn="auto" latinLnBrk="0" hangingPunct="1">
+              <a:lnSpc>
+                <a:spcPct val="100000"/>
+              </a:lnSpc>
+              <a:spcBef>
+                <a:spcPts val="0"/>
+              </a:spcBef>
+              <a:spcAft>
+                <a:spcPts val="600"/>
+              </a:spcAft>
+              <a:buClrTx/>
+              <a:buSzTx/>
+              <a:buFontTx/>
+              <a:buNone/>
+              <a:tabLst/>
+              <a:defRPr/>
+            </a:pPr>
+            <a:r>
+              <a:rPr kumimoji="0" lang="en-IL" sz="700" b="0" i="0" u="none" strike="noStrike" kern="1200" cap="none" spc="0" normalizeH="0" baseline="0" noProof="0">
+                <a:ln>
+                  <a:noFill/>
+                </a:ln>
+                <a:solidFill>
+                  <a:srgbClr val="FFFFFF"/>
+                </a:solidFill>
+                <a:effectLst/>
+                <a:uLnTx/>
+                <a:uFillTx/>
+                <a:latin typeface="Century Gothic" panose="020B0502020202020204"/>
+                <a:ea typeface="+mn-ea"/>
+                <a:cs typeface="+mn-cs"/>
+                <a:hlinkClick r:id="rId3" tooltip="https://black-pixel.deviantart.com/art/Git-Wallpaper-Clean-357130508">
+                  <a:extLst>
+                    <a:ext uri="{A12FA001-AC4F-418D-AE19-62706E023703}">
+                      <ahyp:hlinkClr xmlns:ahyp="http://schemas.microsoft.com/office/drawing/2018/hyperlinkcolor" val="tx"/>
+                    </a:ext>
+                  </a:extLst>
+                </a:hlinkClick>
+              </a:rPr>
+              <a:t>This Photo</a:t>
+            </a:r>
+            <a:r>
+              <a:rPr kumimoji="0" lang="en-IL" sz="700" b="0" i="0" u="none" strike="noStrike" kern="1200" cap="none" spc="0" normalizeH="0" baseline="0" noProof="0">
+                <a:ln>
+                  <a:noFill/>
+                </a:ln>
+                <a:solidFill>
+                  <a:srgbClr val="FFFFFF"/>
+                </a:solidFill>
+                <a:effectLst/>
+                <a:uLnTx/>
+                <a:uFillTx/>
+                <a:latin typeface="Century Gothic" panose="020B0502020202020204"/>
+                <a:ea typeface="+mn-ea"/>
+                <a:cs typeface="+mn-cs"/>
+              </a:rPr>
+              <a:t> by Unknown Author is licensed under </a:t>
+            </a:r>
+            <a:r>
+              <a:rPr kumimoji="0" lang="en-IL" sz="700" b="0" i="0" u="none" strike="noStrike" kern="1200" cap="none" spc="0" normalizeH="0" baseline="0" noProof="0">
+                <a:ln>
+                  <a:noFill/>
+                </a:ln>
+                <a:solidFill>
+                  <a:srgbClr val="FFFFFF"/>
+                </a:solidFill>
+                <a:effectLst/>
+                <a:uLnTx/>
+                <a:uFillTx/>
+                <a:latin typeface="Century Gothic" panose="020B0502020202020204"/>
+                <a:ea typeface="+mn-ea"/>
+                <a:cs typeface="+mn-cs"/>
+                <a:hlinkClick r:id="rId4" tooltip="https://creativecommons.org/licenses/by/3.0/">
+                  <a:extLst>
+                    <a:ext uri="{A12FA001-AC4F-418D-AE19-62706E023703}">
+                      <ahyp:hlinkClr xmlns:ahyp="http://schemas.microsoft.com/office/drawing/2018/hyperlinkcolor" val="tx"/>
+                    </a:ext>
+                  </a:extLst>
+                </a:hlinkClick>
+              </a:rPr>
+              <a:t>CC BY</a:t>
+            </a:r>
+            <a:endParaRPr kumimoji="0" lang="en-IL" sz="700" b="0" i="0" u="none" strike="noStrike" kern="1200" cap="none" spc="0" normalizeH="0" baseline="0" noProof="0">
+              <a:ln>
+                <a:noFill/>
+              </a:ln>
+              <a:solidFill>
+                <a:srgbClr val="FFFFFF"/>
+              </a:solidFill>
+              <a:effectLst/>
+              <a:uLnTx/>
+              <a:uFillTx/>
+              <a:latin typeface="Century Gothic" panose="020B0502020202020204"/>
+              <a:ea typeface="+mn-ea"/>
+              <a:cs typeface="+mn-cs"/>
+            </a:endParaRPr>
+          </a:p>
+        </p:txBody>
+      </p:sp>
+      <p:graphicFrame>
+        <p:nvGraphicFramePr>
+          <p:cNvPr id="23" name="Content Placeholder 3">
+            <a:extLst>
+              <a:ext uri="{FF2B5EF4-FFF2-40B4-BE49-F238E27FC236}">
+                <a16:creationId xmlns:a16="http://schemas.microsoft.com/office/drawing/2014/main" id="{EFBF22F8-5CBC-4F6A-5843-A55DE5E8731B}"/>
+              </a:ext>
+            </a:extLst>
+          </p:cNvPr>
+          <p:cNvGraphicFramePr>
+            <a:graphicFrameLocks noGrp="1"/>
+          </p:cNvGraphicFramePr>
+          <p:nvPr>
+            <p:ph idx="1"/>
+          </p:nvPr>
+        </p:nvGraphicFramePr>
+        <p:xfrm>
+          <a:off x="685801" y="2194560"/>
+          <a:ext cx="3306742" cy="4024125"/>
+        </p:xfrm>
+        <a:graphic>
+          <a:graphicData uri="http://schemas.openxmlformats.org/drawingml/2006/diagram">
+            <dgm:relIds xmlns:dgm="http://schemas.openxmlformats.org/drawingml/2006/diagram" xmlns:r="http://schemas.openxmlformats.org/officeDocument/2006/relationships" r:dm="rId5" r:lo="rId6" r:qs="rId7" r:cs="rId8"/>
+          </a:graphicData>
+        </a:graphic>
+      </p:graphicFrame>
+      <p:graphicFrame>
+        <p:nvGraphicFramePr>
+          <p:cNvPr id="5" name="Diagram 4">
+            <a:extLst>
+              <a:ext uri="{FF2B5EF4-FFF2-40B4-BE49-F238E27FC236}">
+                <a16:creationId xmlns:a16="http://schemas.microsoft.com/office/drawing/2014/main" id="{512E7F06-8BC2-2F0D-F067-EFC844074CDD}"/>
+              </a:ext>
+            </a:extLst>
+          </p:cNvPr>
+          <p:cNvGraphicFramePr/>
+          <p:nvPr>
+            <p:extLst>
+              <p:ext uri="{D42A27DB-BD31-4B8C-83A1-F6EECF244321}">
+                <p14:modId xmlns:p14="http://schemas.microsoft.com/office/powerpoint/2010/main" val="444291682"/>
+              </p:ext>
+            </p:extLst>
+          </p:nvPr>
+        </p:nvGraphicFramePr>
+        <p:xfrm>
+          <a:off x="6515100" y="-159130"/>
+          <a:ext cx="3613150" cy="2408767"/>
+        </p:xfrm>
+        <a:graphic>
+          <a:graphicData uri="http://schemas.openxmlformats.org/drawingml/2006/diagram">
+            <dgm:relIds xmlns:dgm="http://schemas.openxmlformats.org/drawingml/2006/diagram" xmlns:r="http://schemas.openxmlformats.org/officeDocument/2006/relationships" r:dm="rId10" r:lo="rId11" r:qs="rId12" r:cs="rId13"/>
+          </a:graphicData>
+        </a:graphic>
+      </p:graphicFrame>
+      <p:pic>
+        <p:nvPicPr>
+          <p:cNvPr id="7" name="Picture 6">
+            <a:extLst>
+              <a:ext uri="{FF2B5EF4-FFF2-40B4-BE49-F238E27FC236}">
+                <a16:creationId xmlns:a16="http://schemas.microsoft.com/office/drawing/2014/main" id="{ECD177CA-7296-37F3-C1EE-1A7FCEDF6991}"/>
+              </a:ext>
+            </a:extLst>
+          </p:cNvPr>
+          <p:cNvPicPr>
+            <a:picLocks noChangeAspect="1"/>
+          </p:cNvPicPr>
+          <p:nvPr/>
+        </p:nvPicPr>
+        <p:blipFill>
+          <a:blip r:embed="rId15"/>
+          <a:stretch>
+            <a:fillRect/>
+          </a:stretch>
+        </p:blipFill>
+        <p:spPr>
+          <a:xfrm>
+            <a:off x="5264150" y="3331036"/>
+            <a:ext cx="5522912" cy="650414"/>
+          </a:xfrm>
+          <a:prstGeom prst="rect">
+            <a:avLst/>
+          </a:prstGeom>
+        </p:spPr>
+      </p:pic>
+    </p:spTree>
+    <p:extLst>
+      <p:ext uri="{BB962C8B-B14F-4D97-AF65-F5344CB8AC3E}">
+        <p14:creationId xmlns:p14="http://schemas.microsoft.com/office/powerpoint/2010/main" val="246654211"/>
+      </p:ext>
+    </p:extLst>
+  </p:cSld>
+  <p:clrMapOvr>
+    <a:overrideClrMapping bg1="lt1" tx1="dk1" bg2="lt2" tx2="dk2" accent1="accent1" accent2="accent2" accent3="accent3" accent4="accent4" accent5="accent5" accent6="accent6" hlink="hlink" folHlink="folHlink"/>
+  </p:clrMapOvr>
+</p:sld>
+</file>
+
+<file path=ppt/slides/slide11.xml><?xml version="1.0" encoding="utf-8"?>
+<p:sld xmlns:a="http://schemas.openxmlformats.org/drawingml/2006/main" xmlns:r="http://schemas.openxmlformats.org/officeDocument/2006/relationships" xmlns:p="http://schemas.openxmlformats.org/presentationml/2006/main">
+  <p:cSld>
     <p:spTree>
       <p:nvGrpSpPr>
         <p:cNvPr id="1" name=""/>
@@ -41908,6 +48062,11 @@
           </p:cNvGraphicFramePr>
           <p:nvPr>
             <p:ph idx="1"/>
+            <p:extLst>
+              <p:ext uri="{D42A27DB-BD31-4B8C-83A1-F6EECF244321}">
+                <p14:modId xmlns:p14="http://schemas.microsoft.com/office/powerpoint/2010/main" val="1396768396"/>
+              </p:ext>
+            </p:extLst>
           </p:nvPr>
         </p:nvGraphicFramePr>
         <p:xfrm>
@@ -41920,36 +48079,6 @@
           </a:graphicData>
         </a:graphic>
       </p:graphicFrame>
-      <p:pic>
-        <p:nvPicPr>
-          <p:cNvPr id="4" name="Picture 3" descr="Text&#10;&#10;Description automatically generated">
-            <a:extLst>
-              <a:ext uri="{FF2B5EF4-FFF2-40B4-BE49-F238E27FC236}">
-                <a16:creationId xmlns:a16="http://schemas.microsoft.com/office/drawing/2014/main" id="{22B72A67-CAD2-3BAA-68ED-1C6DE39B7A10}"/>
-              </a:ext>
-            </a:extLst>
-          </p:cNvPr>
-          <p:cNvPicPr>
-            <a:picLocks noChangeAspect="1"/>
-          </p:cNvPicPr>
-          <p:nvPr/>
-        </p:nvPicPr>
-        <p:blipFill>
-          <a:blip r:embed="rId10"/>
-          <a:stretch>
-            <a:fillRect/>
-          </a:stretch>
-        </p:blipFill>
-        <p:spPr>
-          <a:xfrm>
-            <a:off x="4884453" y="2864553"/>
-            <a:ext cx="6269058" cy="1551592"/>
-          </a:xfrm>
-          <a:prstGeom prst="rect">
-            <a:avLst/>
-          </a:prstGeom>
-        </p:spPr>
-      </p:pic>
       <p:graphicFrame>
         <p:nvGraphicFramePr>
           <p:cNvPr id="5" name="Diagram 4">
@@ -41974,10 +48103,40 @@
         </p:xfrm>
         <a:graphic>
           <a:graphicData uri="http://schemas.openxmlformats.org/drawingml/2006/diagram">
-            <dgm:relIds xmlns:dgm="http://schemas.openxmlformats.org/drawingml/2006/diagram" xmlns:r="http://schemas.openxmlformats.org/officeDocument/2006/relationships" r:dm="rId11" r:lo="rId12" r:qs="rId13" r:cs="rId14"/>
+            <dgm:relIds xmlns:dgm="http://schemas.openxmlformats.org/drawingml/2006/diagram" xmlns:r="http://schemas.openxmlformats.org/officeDocument/2006/relationships" r:dm="rId10" r:lo="rId11" r:qs="rId12" r:cs="rId13"/>
           </a:graphicData>
         </a:graphic>
       </p:graphicFrame>
+      <p:pic>
+        <p:nvPicPr>
+          <p:cNvPr id="7" name="Picture 6">
+            <a:extLst>
+              <a:ext uri="{FF2B5EF4-FFF2-40B4-BE49-F238E27FC236}">
+                <a16:creationId xmlns:a16="http://schemas.microsoft.com/office/drawing/2014/main" id="{ECD177CA-7296-37F3-C1EE-1A7FCEDF6991}"/>
+              </a:ext>
+            </a:extLst>
+          </p:cNvPr>
+          <p:cNvPicPr>
+            <a:picLocks noChangeAspect="1"/>
+          </p:cNvPicPr>
+          <p:nvPr/>
+        </p:nvPicPr>
+        <p:blipFill>
+          <a:blip r:embed="rId15"/>
+          <a:stretch>
+            <a:fillRect/>
+          </a:stretch>
+        </p:blipFill>
+        <p:spPr>
+          <a:xfrm>
+            <a:off x="5264150" y="3331036"/>
+            <a:ext cx="5522912" cy="650414"/>
+          </a:xfrm>
+          <a:prstGeom prst="rect">
+            <a:avLst/>
+          </a:prstGeom>
+        </p:spPr>
+      </p:pic>
     </p:spTree>
     <p:extLst>
       <p:ext uri="{BB962C8B-B14F-4D97-AF65-F5344CB8AC3E}">

--- a/Classes/Class_1/Git Helper.pptx
+++ b/Classes/Class_1/Git Helper.pptx
@@ -5,7 +5,7 @@
     <p:sldMasterId id="2147483702" r:id="rId1"/>
   </p:sldMasterIdLst>
   <p:handoutMasterIdLst>
-    <p:handoutMasterId r:id="rId15"/>
+    <p:handoutMasterId r:id="rId16"/>
   </p:handoutMasterIdLst>
   <p:sldIdLst>
     <p:sldId id="256" r:id="rId2"/>
@@ -17,10 +17,11 @@
     <p:sldId id="264" r:id="rId8"/>
     <p:sldId id="266" r:id="rId9"/>
     <p:sldId id="268" r:id="rId10"/>
-    <p:sldId id="269" r:id="rId11"/>
-    <p:sldId id="271" r:id="rId12"/>
-    <p:sldId id="273" r:id="rId13"/>
-    <p:sldId id="258" r:id="rId14"/>
+    <p:sldId id="274" r:id="rId11"/>
+    <p:sldId id="269" r:id="rId12"/>
+    <p:sldId id="271" r:id="rId13"/>
+    <p:sldId id="273" r:id="rId14"/>
+    <p:sldId id="258" r:id="rId15"/>
   </p:sldIdLst>
   <p:sldSz cx="12192000" cy="6858000"/>
   <p:notesSz cx="6858000" cy="9144000"/>
@@ -7620,6 +7621,753 @@
 </dgm:colorsDef>
 </file>
 
+<file path=ppt/diagrams/colors19.xml><?xml version="1.0" encoding="utf-8"?>
+<dgm:colorsDef xmlns:dgm="http://schemas.openxmlformats.org/drawingml/2006/diagram" xmlns:a="http://schemas.openxmlformats.org/drawingml/2006/main" uniqueId="urn:microsoft.com/office/officeart/2005/8/colors/accent1_2">
+  <dgm:title val=""/>
+  <dgm:desc val=""/>
+  <dgm:catLst>
+    <dgm:cat type="accent1" pri="11200"/>
+  </dgm:catLst>
+  <dgm:styleLbl name="node0">
+    <dgm:fillClrLst meth="repeat">
+      <a:schemeClr val="accent1"/>
+    </dgm:fillClrLst>
+    <dgm:linClrLst meth="repeat">
+      <a:schemeClr val="lt1"/>
+    </dgm:linClrLst>
+    <dgm:effectClrLst/>
+    <dgm:txLinClrLst/>
+    <dgm:txFillClrLst/>
+    <dgm:txEffectClrLst/>
+  </dgm:styleLbl>
+  <dgm:styleLbl name="alignNode1">
+    <dgm:fillClrLst meth="repeat">
+      <a:schemeClr val="accent1"/>
+    </dgm:fillClrLst>
+    <dgm:linClrLst meth="repeat">
+      <a:schemeClr val="accent1"/>
+    </dgm:linClrLst>
+    <dgm:effectClrLst/>
+    <dgm:txLinClrLst/>
+    <dgm:txFillClrLst/>
+    <dgm:txEffectClrLst/>
+  </dgm:styleLbl>
+  <dgm:styleLbl name="node1">
+    <dgm:fillClrLst meth="repeat">
+      <a:schemeClr val="accent1"/>
+    </dgm:fillClrLst>
+    <dgm:linClrLst meth="repeat">
+      <a:schemeClr val="lt1"/>
+    </dgm:linClrLst>
+    <dgm:effectClrLst/>
+    <dgm:txLinClrLst/>
+    <dgm:txFillClrLst/>
+    <dgm:txEffectClrLst/>
+  </dgm:styleLbl>
+  <dgm:styleLbl name="lnNode1">
+    <dgm:fillClrLst meth="repeat">
+      <a:schemeClr val="accent1"/>
+    </dgm:fillClrLst>
+    <dgm:linClrLst meth="repeat">
+      <a:schemeClr val="lt1"/>
+    </dgm:linClrLst>
+    <dgm:effectClrLst/>
+    <dgm:txLinClrLst/>
+    <dgm:txFillClrLst/>
+    <dgm:txEffectClrLst/>
+  </dgm:styleLbl>
+  <dgm:styleLbl name="vennNode1">
+    <dgm:fillClrLst meth="repeat">
+      <a:schemeClr val="accent1">
+        <a:alpha val="50000"/>
+      </a:schemeClr>
+    </dgm:fillClrLst>
+    <dgm:linClrLst meth="repeat">
+      <a:schemeClr val="lt1"/>
+    </dgm:linClrLst>
+    <dgm:effectClrLst/>
+    <dgm:txLinClrLst/>
+    <dgm:txFillClrLst/>
+    <dgm:txEffectClrLst/>
+  </dgm:styleLbl>
+  <dgm:styleLbl name="node2">
+    <dgm:fillClrLst meth="repeat">
+      <a:schemeClr val="accent1"/>
+    </dgm:fillClrLst>
+    <dgm:linClrLst meth="repeat">
+      <a:schemeClr val="lt1"/>
+    </dgm:linClrLst>
+    <dgm:effectClrLst/>
+    <dgm:txLinClrLst/>
+    <dgm:txFillClrLst/>
+    <dgm:txEffectClrLst/>
+  </dgm:styleLbl>
+  <dgm:styleLbl name="node3">
+    <dgm:fillClrLst meth="repeat">
+      <a:schemeClr val="accent1"/>
+    </dgm:fillClrLst>
+    <dgm:linClrLst meth="repeat">
+      <a:schemeClr val="lt1"/>
+    </dgm:linClrLst>
+    <dgm:effectClrLst/>
+    <dgm:txLinClrLst/>
+    <dgm:txFillClrLst/>
+    <dgm:txEffectClrLst/>
+  </dgm:styleLbl>
+  <dgm:styleLbl name="node4">
+    <dgm:fillClrLst meth="repeat">
+      <a:schemeClr val="accent1"/>
+    </dgm:fillClrLst>
+    <dgm:linClrLst meth="repeat">
+      <a:schemeClr val="lt1"/>
+    </dgm:linClrLst>
+    <dgm:effectClrLst/>
+    <dgm:txLinClrLst/>
+    <dgm:txFillClrLst/>
+    <dgm:txEffectClrLst/>
+  </dgm:styleLbl>
+  <dgm:styleLbl name="fgImgPlace1">
+    <dgm:fillClrLst meth="repeat">
+      <a:schemeClr val="accent1">
+        <a:tint val="50000"/>
+      </a:schemeClr>
+    </dgm:fillClrLst>
+    <dgm:linClrLst meth="repeat">
+      <a:schemeClr val="lt1"/>
+    </dgm:linClrLst>
+    <dgm:effectClrLst/>
+    <dgm:txLinClrLst/>
+    <dgm:txFillClrLst meth="repeat">
+      <a:schemeClr val="lt1"/>
+    </dgm:txFillClrLst>
+    <dgm:txEffectClrLst/>
+  </dgm:styleLbl>
+  <dgm:styleLbl name="alignImgPlace1">
+    <dgm:fillClrLst meth="repeat">
+      <a:schemeClr val="accent1">
+        <a:tint val="50000"/>
+      </a:schemeClr>
+    </dgm:fillClrLst>
+    <dgm:linClrLst meth="repeat">
+      <a:schemeClr val="lt1"/>
+    </dgm:linClrLst>
+    <dgm:effectClrLst/>
+    <dgm:txLinClrLst/>
+    <dgm:txFillClrLst meth="repeat">
+      <a:schemeClr val="lt1"/>
+    </dgm:txFillClrLst>
+    <dgm:txEffectClrLst/>
+  </dgm:styleLbl>
+  <dgm:styleLbl name="bgImgPlace1">
+    <dgm:fillClrLst meth="repeat">
+      <a:schemeClr val="accent1">
+        <a:tint val="50000"/>
+      </a:schemeClr>
+    </dgm:fillClrLst>
+    <dgm:linClrLst meth="repeat">
+      <a:schemeClr val="lt1"/>
+    </dgm:linClrLst>
+    <dgm:effectClrLst/>
+    <dgm:txLinClrLst/>
+    <dgm:txFillClrLst meth="repeat">
+      <a:schemeClr val="lt1"/>
+    </dgm:txFillClrLst>
+    <dgm:txEffectClrLst/>
+  </dgm:styleLbl>
+  <dgm:styleLbl name="sibTrans2D1">
+    <dgm:fillClrLst meth="repeat">
+      <a:schemeClr val="accent1">
+        <a:tint val="60000"/>
+      </a:schemeClr>
+    </dgm:fillClrLst>
+    <dgm:linClrLst meth="repeat">
+      <a:schemeClr val="accent1">
+        <a:tint val="60000"/>
+      </a:schemeClr>
+    </dgm:linClrLst>
+    <dgm:effectClrLst/>
+    <dgm:txLinClrLst/>
+    <dgm:txFillClrLst/>
+    <dgm:txEffectClrLst/>
+  </dgm:styleLbl>
+  <dgm:styleLbl name="fgSibTrans2D1">
+    <dgm:fillClrLst meth="repeat">
+      <a:schemeClr val="accent1">
+        <a:tint val="60000"/>
+      </a:schemeClr>
+    </dgm:fillClrLst>
+    <dgm:linClrLst meth="repeat">
+      <a:schemeClr val="accent1">
+        <a:tint val="60000"/>
+      </a:schemeClr>
+    </dgm:linClrLst>
+    <dgm:effectClrLst/>
+    <dgm:txLinClrLst/>
+    <dgm:txFillClrLst/>
+    <dgm:txEffectClrLst/>
+  </dgm:styleLbl>
+  <dgm:styleLbl name="bgSibTrans2D1">
+    <dgm:fillClrLst meth="repeat">
+      <a:schemeClr val="accent1">
+        <a:tint val="60000"/>
+      </a:schemeClr>
+    </dgm:fillClrLst>
+    <dgm:linClrLst meth="repeat">
+      <a:schemeClr val="accent1">
+        <a:tint val="60000"/>
+      </a:schemeClr>
+    </dgm:linClrLst>
+    <dgm:effectClrLst/>
+    <dgm:txLinClrLst/>
+    <dgm:txFillClrLst/>
+    <dgm:txEffectClrLst/>
+  </dgm:styleLbl>
+  <dgm:styleLbl name="sibTrans1D1">
+    <dgm:fillClrLst meth="repeat">
+      <a:schemeClr val="accent1"/>
+    </dgm:fillClrLst>
+    <dgm:linClrLst meth="repeat">
+      <a:schemeClr val="accent1"/>
+    </dgm:linClrLst>
+    <dgm:effectClrLst/>
+    <dgm:txLinClrLst/>
+    <dgm:txFillClrLst meth="repeat">
+      <a:schemeClr val="tx1"/>
+    </dgm:txFillClrLst>
+    <dgm:txEffectClrLst/>
+  </dgm:styleLbl>
+  <dgm:styleLbl name="callout">
+    <dgm:fillClrLst meth="repeat">
+      <a:schemeClr val="accent1"/>
+    </dgm:fillClrLst>
+    <dgm:linClrLst meth="repeat">
+      <a:schemeClr val="accent1">
+        <a:tint val="50000"/>
+      </a:schemeClr>
+    </dgm:linClrLst>
+    <dgm:effectClrLst/>
+    <dgm:txLinClrLst/>
+    <dgm:txFillClrLst meth="repeat">
+      <a:schemeClr val="tx1"/>
+    </dgm:txFillClrLst>
+    <dgm:txEffectClrLst/>
+  </dgm:styleLbl>
+  <dgm:styleLbl name="asst0">
+    <dgm:fillClrLst meth="repeat">
+      <a:schemeClr val="accent1"/>
+    </dgm:fillClrLst>
+    <dgm:linClrLst meth="repeat">
+      <a:schemeClr val="lt1"/>
+    </dgm:linClrLst>
+    <dgm:effectClrLst/>
+    <dgm:txLinClrLst/>
+    <dgm:txFillClrLst/>
+    <dgm:txEffectClrLst/>
+  </dgm:styleLbl>
+  <dgm:styleLbl name="asst1">
+    <dgm:fillClrLst meth="repeat">
+      <a:schemeClr val="accent1"/>
+    </dgm:fillClrLst>
+    <dgm:linClrLst meth="repeat">
+      <a:schemeClr val="lt1"/>
+    </dgm:linClrLst>
+    <dgm:effectClrLst/>
+    <dgm:txLinClrLst/>
+    <dgm:txFillClrLst/>
+    <dgm:txEffectClrLst/>
+  </dgm:styleLbl>
+  <dgm:styleLbl name="asst2">
+    <dgm:fillClrLst meth="repeat">
+      <a:schemeClr val="accent1"/>
+    </dgm:fillClrLst>
+    <dgm:linClrLst meth="repeat">
+      <a:schemeClr val="lt1"/>
+    </dgm:linClrLst>
+    <dgm:effectClrLst/>
+    <dgm:txLinClrLst/>
+    <dgm:txFillClrLst/>
+    <dgm:txEffectClrLst/>
+  </dgm:styleLbl>
+  <dgm:styleLbl name="asst3">
+    <dgm:fillClrLst meth="repeat">
+      <a:schemeClr val="accent1"/>
+    </dgm:fillClrLst>
+    <dgm:linClrLst meth="repeat">
+      <a:schemeClr val="lt1"/>
+    </dgm:linClrLst>
+    <dgm:effectClrLst/>
+    <dgm:txLinClrLst/>
+    <dgm:txFillClrLst/>
+    <dgm:txEffectClrLst/>
+  </dgm:styleLbl>
+  <dgm:styleLbl name="asst4">
+    <dgm:fillClrLst meth="repeat">
+      <a:schemeClr val="accent1"/>
+    </dgm:fillClrLst>
+    <dgm:linClrLst meth="repeat">
+      <a:schemeClr val="lt1"/>
+    </dgm:linClrLst>
+    <dgm:effectClrLst/>
+    <dgm:txLinClrLst/>
+    <dgm:txFillClrLst/>
+    <dgm:txEffectClrLst/>
+  </dgm:styleLbl>
+  <dgm:styleLbl name="parChTrans2D1">
+    <dgm:fillClrLst meth="repeat">
+      <a:schemeClr val="accent1">
+        <a:tint val="60000"/>
+      </a:schemeClr>
+    </dgm:fillClrLst>
+    <dgm:linClrLst meth="repeat">
+      <a:schemeClr val="accent1">
+        <a:tint val="60000"/>
+      </a:schemeClr>
+    </dgm:linClrLst>
+    <dgm:effectClrLst/>
+    <dgm:txLinClrLst/>
+    <dgm:txFillClrLst meth="repeat">
+      <a:schemeClr val="lt1"/>
+    </dgm:txFillClrLst>
+    <dgm:txEffectClrLst/>
+  </dgm:styleLbl>
+  <dgm:styleLbl name="parChTrans2D2">
+    <dgm:fillClrLst meth="repeat">
+      <a:schemeClr val="accent1"/>
+    </dgm:fillClrLst>
+    <dgm:linClrLst meth="repeat">
+      <a:schemeClr val="accent1"/>
+    </dgm:linClrLst>
+    <dgm:effectClrLst/>
+    <dgm:txLinClrLst/>
+    <dgm:txFillClrLst meth="repeat">
+      <a:schemeClr val="lt1"/>
+    </dgm:txFillClrLst>
+    <dgm:txEffectClrLst/>
+  </dgm:styleLbl>
+  <dgm:styleLbl name="parChTrans2D3">
+    <dgm:fillClrLst meth="repeat">
+      <a:schemeClr val="accent1"/>
+    </dgm:fillClrLst>
+    <dgm:linClrLst meth="repeat">
+      <a:schemeClr val="accent1"/>
+    </dgm:linClrLst>
+    <dgm:effectClrLst/>
+    <dgm:txLinClrLst/>
+    <dgm:txFillClrLst meth="repeat">
+      <a:schemeClr val="lt1"/>
+    </dgm:txFillClrLst>
+    <dgm:txEffectClrLst/>
+  </dgm:styleLbl>
+  <dgm:styleLbl name="parChTrans2D4">
+    <dgm:fillClrLst meth="repeat">
+      <a:schemeClr val="accent1"/>
+    </dgm:fillClrLst>
+    <dgm:linClrLst meth="repeat">
+      <a:schemeClr val="accent1"/>
+    </dgm:linClrLst>
+    <dgm:effectClrLst/>
+    <dgm:txLinClrLst/>
+    <dgm:txFillClrLst meth="repeat">
+      <a:schemeClr val="lt1"/>
+    </dgm:txFillClrLst>
+    <dgm:txEffectClrLst/>
+  </dgm:styleLbl>
+  <dgm:styleLbl name="parChTrans1D1">
+    <dgm:fillClrLst meth="repeat">
+      <a:schemeClr val="accent1"/>
+    </dgm:fillClrLst>
+    <dgm:linClrLst meth="repeat">
+      <a:schemeClr val="accent1">
+        <a:shade val="60000"/>
+      </a:schemeClr>
+    </dgm:linClrLst>
+    <dgm:effectClrLst/>
+    <dgm:txLinClrLst/>
+    <dgm:txFillClrLst meth="repeat">
+      <a:schemeClr val="tx1"/>
+    </dgm:txFillClrLst>
+    <dgm:txEffectClrLst/>
+  </dgm:styleLbl>
+  <dgm:styleLbl name="parChTrans1D2">
+    <dgm:fillClrLst meth="repeat">
+      <a:schemeClr val="accent1"/>
+    </dgm:fillClrLst>
+    <dgm:linClrLst meth="repeat">
+      <a:schemeClr val="accent1">
+        <a:shade val="60000"/>
+      </a:schemeClr>
+    </dgm:linClrLst>
+    <dgm:effectClrLst/>
+    <dgm:txLinClrLst/>
+    <dgm:txFillClrLst meth="repeat">
+      <a:schemeClr val="tx1"/>
+    </dgm:txFillClrLst>
+    <dgm:txEffectClrLst/>
+  </dgm:styleLbl>
+  <dgm:styleLbl name="parChTrans1D3">
+    <dgm:fillClrLst meth="repeat">
+      <a:schemeClr val="accent1"/>
+    </dgm:fillClrLst>
+    <dgm:linClrLst meth="repeat">
+      <a:schemeClr val="accent1">
+        <a:shade val="80000"/>
+      </a:schemeClr>
+    </dgm:linClrLst>
+    <dgm:effectClrLst/>
+    <dgm:txLinClrLst/>
+    <dgm:txFillClrLst meth="repeat">
+      <a:schemeClr val="tx1"/>
+    </dgm:txFillClrLst>
+    <dgm:txEffectClrLst/>
+  </dgm:styleLbl>
+  <dgm:styleLbl name="parChTrans1D4">
+    <dgm:fillClrLst meth="repeat">
+      <a:schemeClr val="accent1"/>
+    </dgm:fillClrLst>
+    <dgm:linClrLst meth="repeat">
+      <a:schemeClr val="accent1">
+        <a:shade val="80000"/>
+      </a:schemeClr>
+    </dgm:linClrLst>
+    <dgm:effectClrLst/>
+    <dgm:txLinClrLst/>
+    <dgm:txFillClrLst meth="repeat">
+      <a:schemeClr val="tx1"/>
+    </dgm:txFillClrLst>
+    <dgm:txEffectClrLst/>
+  </dgm:styleLbl>
+  <dgm:styleLbl name="fgAcc1">
+    <dgm:fillClrLst meth="repeat">
+      <a:schemeClr val="lt1">
+        <a:alpha val="90000"/>
+      </a:schemeClr>
+    </dgm:fillClrLst>
+    <dgm:linClrLst meth="repeat">
+      <a:schemeClr val="accent1"/>
+    </dgm:linClrLst>
+    <dgm:effectClrLst/>
+    <dgm:txLinClrLst/>
+    <dgm:txFillClrLst meth="repeat">
+      <a:schemeClr val="dk1"/>
+    </dgm:txFillClrLst>
+    <dgm:txEffectClrLst/>
+  </dgm:styleLbl>
+  <dgm:styleLbl name="conFgAcc1">
+    <dgm:fillClrLst meth="repeat">
+      <a:schemeClr val="lt1">
+        <a:alpha val="90000"/>
+      </a:schemeClr>
+    </dgm:fillClrLst>
+    <dgm:linClrLst meth="repeat">
+      <a:schemeClr val="accent1"/>
+    </dgm:linClrLst>
+    <dgm:effectClrLst/>
+    <dgm:txLinClrLst/>
+    <dgm:txFillClrLst meth="repeat">
+      <a:schemeClr val="dk1"/>
+    </dgm:txFillClrLst>
+    <dgm:txEffectClrLst/>
+  </dgm:styleLbl>
+  <dgm:styleLbl name="alignAcc1">
+    <dgm:fillClrLst meth="repeat">
+      <a:schemeClr val="lt1">
+        <a:alpha val="90000"/>
+      </a:schemeClr>
+    </dgm:fillClrLst>
+    <dgm:linClrLst meth="repeat">
+      <a:schemeClr val="accent1"/>
+    </dgm:linClrLst>
+    <dgm:effectClrLst/>
+    <dgm:txLinClrLst/>
+    <dgm:txFillClrLst meth="repeat">
+      <a:schemeClr val="dk1"/>
+    </dgm:txFillClrLst>
+    <dgm:txEffectClrLst/>
+  </dgm:styleLbl>
+  <dgm:styleLbl name="trAlignAcc1">
+    <dgm:fillClrLst meth="repeat">
+      <a:schemeClr val="lt1">
+        <a:alpha val="40000"/>
+      </a:schemeClr>
+    </dgm:fillClrLst>
+    <dgm:linClrLst meth="repeat">
+      <a:schemeClr val="accent1"/>
+    </dgm:linClrLst>
+    <dgm:effectClrLst/>
+    <dgm:txLinClrLst/>
+    <dgm:txFillClrLst meth="repeat">
+      <a:schemeClr val="dk1"/>
+    </dgm:txFillClrLst>
+    <dgm:txEffectClrLst/>
+  </dgm:styleLbl>
+  <dgm:styleLbl name="bgAcc1">
+    <dgm:fillClrLst meth="repeat">
+      <a:schemeClr val="lt1">
+        <a:alpha val="90000"/>
+      </a:schemeClr>
+    </dgm:fillClrLst>
+    <dgm:linClrLst meth="repeat">
+      <a:schemeClr val="accent1"/>
+    </dgm:linClrLst>
+    <dgm:effectClrLst/>
+    <dgm:txLinClrLst/>
+    <dgm:txFillClrLst meth="repeat">
+      <a:schemeClr val="dk1"/>
+    </dgm:txFillClrLst>
+    <dgm:txEffectClrLst/>
+  </dgm:styleLbl>
+  <dgm:styleLbl name="solidFgAcc1">
+    <dgm:fillClrLst meth="repeat">
+      <a:schemeClr val="lt1"/>
+    </dgm:fillClrLst>
+    <dgm:linClrLst meth="repeat">
+      <a:schemeClr val="accent1"/>
+    </dgm:linClrLst>
+    <dgm:effectClrLst/>
+    <dgm:txLinClrLst/>
+    <dgm:txFillClrLst meth="repeat">
+      <a:schemeClr val="dk1"/>
+    </dgm:txFillClrLst>
+    <dgm:txEffectClrLst/>
+  </dgm:styleLbl>
+  <dgm:styleLbl name="solidAlignAcc1">
+    <dgm:fillClrLst meth="repeat">
+      <a:schemeClr val="lt1"/>
+    </dgm:fillClrLst>
+    <dgm:linClrLst meth="repeat">
+      <a:schemeClr val="accent1"/>
+    </dgm:linClrLst>
+    <dgm:effectClrLst/>
+    <dgm:txLinClrLst/>
+    <dgm:txFillClrLst meth="repeat">
+      <a:schemeClr val="dk1"/>
+    </dgm:txFillClrLst>
+    <dgm:txEffectClrLst/>
+  </dgm:styleLbl>
+  <dgm:styleLbl name="solidBgAcc1">
+    <dgm:fillClrLst meth="repeat">
+      <a:schemeClr val="lt1"/>
+    </dgm:fillClrLst>
+    <dgm:linClrLst meth="repeat">
+      <a:schemeClr val="accent1"/>
+    </dgm:linClrLst>
+    <dgm:effectClrLst/>
+    <dgm:txLinClrLst/>
+    <dgm:txFillClrLst meth="repeat">
+      <a:schemeClr val="dk1"/>
+    </dgm:txFillClrLst>
+    <dgm:txEffectClrLst/>
+  </dgm:styleLbl>
+  <dgm:styleLbl name="fgAccFollowNode1">
+    <dgm:fillClrLst meth="repeat">
+      <a:schemeClr val="accent1">
+        <a:alpha val="90000"/>
+        <a:tint val="40000"/>
+      </a:schemeClr>
+    </dgm:fillClrLst>
+    <dgm:linClrLst meth="repeat">
+      <a:schemeClr val="accent1">
+        <a:alpha val="90000"/>
+        <a:tint val="40000"/>
+      </a:schemeClr>
+    </dgm:linClrLst>
+    <dgm:effectClrLst/>
+    <dgm:txLinClrLst/>
+    <dgm:txFillClrLst meth="repeat">
+      <a:schemeClr val="dk1"/>
+    </dgm:txFillClrLst>
+    <dgm:txEffectClrLst/>
+  </dgm:styleLbl>
+  <dgm:styleLbl name="alignAccFollowNode1">
+    <dgm:fillClrLst meth="repeat">
+      <a:schemeClr val="accent1">
+        <a:alpha val="90000"/>
+        <a:tint val="40000"/>
+      </a:schemeClr>
+    </dgm:fillClrLst>
+    <dgm:linClrLst meth="repeat">
+      <a:schemeClr val="accent1">
+        <a:alpha val="90000"/>
+        <a:tint val="40000"/>
+      </a:schemeClr>
+    </dgm:linClrLst>
+    <dgm:effectClrLst/>
+    <dgm:txLinClrLst/>
+    <dgm:txFillClrLst meth="repeat">
+      <a:schemeClr val="dk1"/>
+    </dgm:txFillClrLst>
+    <dgm:txEffectClrLst/>
+  </dgm:styleLbl>
+  <dgm:styleLbl name="bgAccFollowNode1">
+    <dgm:fillClrLst meth="repeat">
+      <a:schemeClr val="accent1">
+        <a:alpha val="90000"/>
+        <a:tint val="40000"/>
+      </a:schemeClr>
+    </dgm:fillClrLst>
+    <dgm:linClrLst meth="repeat">
+      <a:schemeClr val="accent1">
+        <a:alpha val="90000"/>
+        <a:tint val="40000"/>
+      </a:schemeClr>
+    </dgm:linClrLst>
+    <dgm:effectClrLst/>
+    <dgm:txLinClrLst/>
+    <dgm:txFillClrLst meth="repeat">
+      <a:schemeClr val="dk1"/>
+    </dgm:txFillClrLst>
+    <dgm:txEffectClrLst/>
+  </dgm:styleLbl>
+  <dgm:styleLbl name="fgAcc0">
+    <dgm:fillClrLst meth="repeat">
+      <a:schemeClr val="lt1">
+        <a:alpha val="90000"/>
+      </a:schemeClr>
+    </dgm:fillClrLst>
+    <dgm:linClrLst meth="repeat">
+      <a:schemeClr val="accent1"/>
+    </dgm:linClrLst>
+    <dgm:effectClrLst/>
+    <dgm:txLinClrLst/>
+    <dgm:txFillClrLst meth="repeat">
+      <a:schemeClr val="dk1"/>
+    </dgm:txFillClrLst>
+    <dgm:txEffectClrLst/>
+  </dgm:styleLbl>
+  <dgm:styleLbl name="fgAcc2">
+    <dgm:fillClrLst meth="repeat">
+      <a:schemeClr val="lt1">
+        <a:alpha val="90000"/>
+      </a:schemeClr>
+    </dgm:fillClrLst>
+    <dgm:linClrLst meth="repeat">
+      <a:schemeClr val="accent1"/>
+    </dgm:linClrLst>
+    <dgm:effectClrLst/>
+    <dgm:txLinClrLst/>
+    <dgm:txFillClrLst meth="repeat">
+      <a:schemeClr val="dk1"/>
+    </dgm:txFillClrLst>
+    <dgm:txEffectClrLst/>
+  </dgm:styleLbl>
+  <dgm:styleLbl name="fgAcc3">
+    <dgm:fillClrLst meth="repeat">
+      <a:schemeClr val="lt1">
+        <a:alpha val="90000"/>
+      </a:schemeClr>
+    </dgm:fillClrLst>
+    <dgm:linClrLst meth="repeat">
+      <a:schemeClr val="accent1"/>
+    </dgm:linClrLst>
+    <dgm:effectClrLst/>
+    <dgm:txLinClrLst/>
+    <dgm:txFillClrLst meth="repeat">
+      <a:schemeClr val="dk1"/>
+    </dgm:txFillClrLst>
+    <dgm:txEffectClrLst/>
+  </dgm:styleLbl>
+  <dgm:styleLbl name="fgAcc4">
+    <dgm:fillClrLst meth="repeat">
+      <a:schemeClr val="lt1">
+        <a:alpha val="90000"/>
+      </a:schemeClr>
+    </dgm:fillClrLst>
+    <dgm:linClrLst meth="repeat">
+      <a:schemeClr val="accent1"/>
+    </dgm:linClrLst>
+    <dgm:effectClrLst/>
+    <dgm:txLinClrLst/>
+    <dgm:txFillClrLst meth="repeat">
+      <a:schemeClr val="dk1"/>
+    </dgm:txFillClrLst>
+    <dgm:txEffectClrLst/>
+  </dgm:styleLbl>
+  <dgm:styleLbl name="bgShp">
+    <dgm:fillClrLst meth="repeat">
+      <a:schemeClr val="accent1">
+        <a:tint val="40000"/>
+      </a:schemeClr>
+    </dgm:fillClrLst>
+    <dgm:linClrLst meth="repeat">
+      <a:schemeClr val="accent1"/>
+    </dgm:linClrLst>
+    <dgm:effectClrLst/>
+    <dgm:txLinClrLst/>
+    <dgm:txFillClrLst meth="repeat">
+      <a:schemeClr val="dk1"/>
+    </dgm:txFillClrLst>
+    <dgm:txEffectClrLst/>
+  </dgm:styleLbl>
+  <dgm:styleLbl name="dkBgShp">
+    <dgm:fillClrLst meth="repeat">
+      <a:schemeClr val="accent1">
+        <a:shade val="80000"/>
+      </a:schemeClr>
+    </dgm:fillClrLst>
+    <dgm:linClrLst meth="repeat">
+      <a:schemeClr val="accent1"/>
+    </dgm:linClrLst>
+    <dgm:effectClrLst/>
+    <dgm:txLinClrLst/>
+    <dgm:txFillClrLst meth="repeat">
+      <a:schemeClr val="lt1"/>
+    </dgm:txFillClrLst>
+    <dgm:txEffectClrLst/>
+  </dgm:styleLbl>
+  <dgm:styleLbl name="trBgShp">
+    <dgm:fillClrLst meth="repeat">
+      <a:schemeClr val="accent1">
+        <a:tint val="50000"/>
+        <a:alpha val="40000"/>
+      </a:schemeClr>
+    </dgm:fillClrLst>
+    <dgm:linClrLst meth="repeat">
+      <a:schemeClr val="accent1"/>
+    </dgm:linClrLst>
+    <dgm:effectClrLst/>
+    <dgm:txLinClrLst/>
+    <dgm:txFillClrLst meth="repeat">
+      <a:schemeClr val="lt1"/>
+    </dgm:txFillClrLst>
+    <dgm:txEffectClrLst/>
+  </dgm:styleLbl>
+  <dgm:styleLbl name="fgShp">
+    <dgm:fillClrLst meth="repeat">
+      <a:schemeClr val="accent1">
+        <a:tint val="60000"/>
+      </a:schemeClr>
+    </dgm:fillClrLst>
+    <dgm:linClrLst meth="repeat">
+      <a:schemeClr val="lt1"/>
+    </dgm:linClrLst>
+    <dgm:effectClrLst/>
+    <dgm:txLinClrLst/>
+    <dgm:txFillClrLst meth="repeat">
+      <a:schemeClr val="dk1"/>
+    </dgm:txFillClrLst>
+    <dgm:txEffectClrLst/>
+  </dgm:styleLbl>
+  <dgm:styleLbl name="revTx">
+    <dgm:fillClrLst meth="repeat">
+      <a:schemeClr val="lt1">
+        <a:alpha val="0"/>
+      </a:schemeClr>
+    </dgm:fillClrLst>
+    <dgm:linClrLst meth="repeat">
+      <a:schemeClr val="dk1">
+        <a:alpha val="0"/>
+      </a:schemeClr>
+    </dgm:linClrLst>
+    <dgm:effectClrLst/>
+    <dgm:txLinClrLst/>
+    <dgm:txFillClrLst meth="repeat">
+      <a:schemeClr val="tx1"/>
+    </dgm:txFillClrLst>
+    <dgm:txEffectClrLst/>
+  </dgm:styleLbl>
+</dgm:colorsDef>
+</file>
+
 <file path=ppt/diagrams/colors2.xml><?xml version="1.0" encoding="utf-8"?>
 <dgm:colorsDef xmlns:dgm="http://schemas.openxmlformats.org/drawingml/2006/diagram" xmlns:a="http://schemas.openxmlformats.org/drawingml/2006/main" uniqueId="urn:microsoft.com/office/officeart/2005/8/colors/accent1_2">
   <dgm:title val=""/>
@@ -8349,6 +9097,757 @@
   <dgm:styleLbl name="revTx">
     <dgm:fillClrLst meth="repeat">
       <a:schemeClr val="lt1">
+        <a:alpha val="0"/>
+      </a:schemeClr>
+    </dgm:fillClrLst>
+    <dgm:linClrLst meth="repeat">
+      <a:schemeClr val="dk1">
+        <a:alpha val="0"/>
+      </a:schemeClr>
+    </dgm:linClrLst>
+    <dgm:effectClrLst/>
+    <dgm:txLinClrLst/>
+    <dgm:txFillClrLst meth="repeat">
+      <a:schemeClr val="tx1"/>
+    </dgm:txFillClrLst>
+    <dgm:txEffectClrLst/>
+  </dgm:styleLbl>
+</dgm:colorsDef>
+</file>
+
+<file path=ppt/diagrams/colors20.xml><?xml version="1.0" encoding="utf-8"?>
+<dgm:colorsDef xmlns:dgm="http://schemas.openxmlformats.org/drawingml/2006/diagram" xmlns:a="http://schemas.openxmlformats.org/drawingml/2006/main" uniqueId="urn:microsoft.com/office/officeart/2005/8/colors/accent0_3">
+  <dgm:title val=""/>
+  <dgm:desc val=""/>
+  <dgm:catLst>
+    <dgm:cat type="mainScheme" pri="10300"/>
+  </dgm:catLst>
+  <dgm:styleLbl name="node0">
+    <dgm:fillClrLst meth="repeat">
+      <a:schemeClr val="dk2"/>
+    </dgm:fillClrLst>
+    <dgm:linClrLst meth="repeat">
+      <a:schemeClr val="lt2"/>
+    </dgm:linClrLst>
+    <dgm:effectClrLst/>
+    <dgm:txLinClrLst/>
+    <dgm:txFillClrLst/>
+    <dgm:txEffectClrLst/>
+  </dgm:styleLbl>
+  <dgm:styleLbl name="alignNode1">
+    <dgm:fillClrLst meth="repeat">
+      <a:schemeClr val="dk2"/>
+    </dgm:fillClrLst>
+    <dgm:linClrLst meth="repeat">
+      <a:schemeClr val="dk2"/>
+    </dgm:linClrLst>
+    <dgm:effectClrLst/>
+    <dgm:txLinClrLst/>
+    <dgm:txFillClrLst/>
+    <dgm:txEffectClrLst/>
+  </dgm:styleLbl>
+  <dgm:styleLbl name="node1">
+    <dgm:fillClrLst meth="repeat">
+      <a:schemeClr val="dk2"/>
+    </dgm:fillClrLst>
+    <dgm:linClrLst meth="repeat">
+      <a:schemeClr val="lt2"/>
+    </dgm:linClrLst>
+    <dgm:effectClrLst/>
+    <dgm:txLinClrLst/>
+    <dgm:txFillClrLst/>
+    <dgm:txEffectClrLst/>
+  </dgm:styleLbl>
+  <dgm:styleLbl name="lnNode1">
+    <dgm:fillClrLst meth="repeat">
+      <a:schemeClr val="dk2"/>
+    </dgm:fillClrLst>
+    <dgm:linClrLst meth="repeat">
+      <a:schemeClr val="lt2"/>
+    </dgm:linClrLst>
+    <dgm:effectClrLst/>
+    <dgm:txLinClrLst/>
+    <dgm:txFillClrLst/>
+    <dgm:txEffectClrLst/>
+  </dgm:styleLbl>
+  <dgm:styleLbl name="vennNode1">
+    <dgm:fillClrLst meth="repeat">
+      <a:schemeClr val="dk2">
+        <a:alpha val="50000"/>
+      </a:schemeClr>
+    </dgm:fillClrLst>
+    <dgm:linClrLst meth="repeat">
+      <a:schemeClr val="lt2"/>
+    </dgm:linClrLst>
+    <dgm:effectClrLst/>
+    <dgm:txLinClrLst/>
+    <dgm:txFillClrLst/>
+    <dgm:txEffectClrLst/>
+  </dgm:styleLbl>
+  <dgm:styleLbl name="node2">
+    <dgm:fillClrLst meth="repeat">
+      <a:schemeClr val="dk2"/>
+    </dgm:fillClrLst>
+    <dgm:linClrLst meth="repeat">
+      <a:schemeClr val="lt2"/>
+    </dgm:linClrLst>
+    <dgm:effectClrLst/>
+    <dgm:txLinClrLst/>
+    <dgm:txFillClrLst/>
+    <dgm:txEffectClrLst/>
+  </dgm:styleLbl>
+  <dgm:styleLbl name="node3">
+    <dgm:fillClrLst meth="repeat">
+      <a:schemeClr val="dk2"/>
+    </dgm:fillClrLst>
+    <dgm:linClrLst meth="repeat">
+      <a:schemeClr val="lt2"/>
+    </dgm:linClrLst>
+    <dgm:effectClrLst/>
+    <dgm:txLinClrLst/>
+    <dgm:txFillClrLst/>
+    <dgm:txEffectClrLst/>
+  </dgm:styleLbl>
+  <dgm:styleLbl name="node4">
+    <dgm:fillClrLst meth="repeat">
+      <a:schemeClr val="dk2"/>
+    </dgm:fillClrLst>
+    <dgm:linClrLst meth="repeat">
+      <a:schemeClr val="lt2"/>
+    </dgm:linClrLst>
+    <dgm:effectClrLst/>
+    <dgm:txLinClrLst/>
+    <dgm:txFillClrLst/>
+    <dgm:txEffectClrLst/>
+  </dgm:styleLbl>
+  <dgm:styleLbl name="fgImgPlace1">
+    <dgm:fillClrLst meth="repeat">
+      <a:schemeClr val="dk2">
+        <a:tint val="50000"/>
+      </a:schemeClr>
+    </dgm:fillClrLst>
+    <dgm:linClrLst meth="repeat">
+      <a:schemeClr val="lt2"/>
+    </dgm:linClrLst>
+    <dgm:effectClrLst/>
+    <dgm:txLinClrLst/>
+    <dgm:txFillClrLst meth="repeat">
+      <a:schemeClr val="lt2"/>
+    </dgm:txFillClrLst>
+    <dgm:txEffectClrLst/>
+  </dgm:styleLbl>
+  <dgm:styleLbl name="alignImgPlace1">
+    <dgm:fillClrLst meth="repeat">
+      <a:schemeClr val="dk2">
+        <a:tint val="50000"/>
+      </a:schemeClr>
+    </dgm:fillClrLst>
+    <dgm:linClrLst meth="repeat">
+      <a:schemeClr val="dk2">
+        <a:shade val="80000"/>
+      </a:schemeClr>
+    </dgm:linClrLst>
+    <dgm:effectClrLst/>
+    <dgm:txLinClrLst/>
+    <dgm:txFillClrLst meth="repeat">
+      <a:schemeClr val="lt2"/>
+    </dgm:txFillClrLst>
+    <dgm:txEffectClrLst/>
+  </dgm:styleLbl>
+  <dgm:styleLbl name="bgImgPlace1">
+    <dgm:fillClrLst meth="repeat">
+      <a:schemeClr val="dk2">
+        <a:tint val="50000"/>
+      </a:schemeClr>
+    </dgm:fillClrLst>
+    <dgm:linClrLst meth="repeat">
+      <a:schemeClr val="dk2">
+        <a:shade val="80000"/>
+      </a:schemeClr>
+    </dgm:linClrLst>
+    <dgm:effectClrLst/>
+    <dgm:txLinClrLst/>
+    <dgm:txFillClrLst meth="repeat">
+      <a:schemeClr val="lt2"/>
+    </dgm:txFillClrLst>
+    <dgm:txEffectClrLst/>
+  </dgm:styleLbl>
+  <dgm:styleLbl name="sibTrans2D1">
+    <dgm:fillClrLst meth="repeat">
+      <a:schemeClr val="dk2">
+        <a:tint val="60000"/>
+      </a:schemeClr>
+    </dgm:fillClrLst>
+    <dgm:linClrLst meth="repeat">
+      <a:schemeClr val="dk2">
+        <a:tint val="60000"/>
+      </a:schemeClr>
+    </dgm:linClrLst>
+    <dgm:effectClrLst/>
+    <dgm:txLinClrLst/>
+    <dgm:txFillClrLst/>
+    <dgm:txEffectClrLst/>
+  </dgm:styleLbl>
+  <dgm:styleLbl name="fgSibTrans2D1">
+    <dgm:fillClrLst meth="repeat">
+      <a:schemeClr val="dk2">
+        <a:tint val="60000"/>
+      </a:schemeClr>
+    </dgm:fillClrLst>
+    <dgm:linClrLst meth="repeat">
+      <a:schemeClr val="dk2">
+        <a:tint val="60000"/>
+      </a:schemeClr>
+    </dgm:linClrLst>
+    <dgm:effectClrLst/>
+    <dgm:txLinClrLst/>
+    <dgm:txFillClrLst/>
+    <dgm:txEffectClrLst/>
+  </dgm:styleLbl>
+  <dgm:styleLbl name="bgSibTrans2D1">
+    <dgm:fillClrLst meth="repeat">
+      <a:schemeClr val="dk2">
+        <a:tint val="60000"/>
+      </a:schemeClr>
+    </dgm:fillClrLst>
+    <dgm:linClrLst meth="repeat">
+      <a:schemeClr val="dk2">
+        <a:tint val="60000"/>
+      </a:schemeClr>
+    </dgm:linClrLst>
+    <dgm:effectClrLst/>
+    <dgm:txLinClrLst/>
+    <dgm:txFillClrLst/>
+    <dgm:txEffectClrLst/>
+  </dgm:styleLbl>
+  <dgm:styleLbl name="sibTrans1D1">
+    <dgm:fillClrLst meth="repeat">
+      <a:schemeClr val="dk2"/>
+    </dgm:fillClrLst>
+    <dgm:linClrLst meth="repeat">
+      <a:schemeClr val="dk2"/>
+    </dgm:linClrLst>
+    <dgm:effectClrLst/>
+    <dgm:txLinClrLst/>
+    <dgm:txFillClrLst meth="repeat">
+      <a:schemeClr val="lt2"/>
+    </dgm:txFillClrLst>
+    <dgm:txEffectClrLst/>
+  </dgm:styleLbl>
+  <dgm:styleLbl name="callout">
+    <dgm:fillClrLst meth="repeat">
+      <a:schemeClr val="dk2"/>
+    </dgm:fillClrLst>
+    <dgm:linClrLst meth="repeat">
+      <a:schemeClr val="dk2">
+        <a:tint val="50000"/>
+      </a:schemeClr>
+    </dgm:linClrLst>
+    <dgm:effectClrLst/>
+    <dgm:txLinClrLst/>
+    <dgm:txFillClrLst meth="repeat">
+      <a:schemeClr val="lt2"/>
+    </dgm:txFillClrLst>
+    <dgm:txEffectClrLst/>
+  </dgm:styleLbl>
+  <dgm:styleLbl name="asst0">
+    <dgm:fillClrLst meth="repeat">
+      <a:schemeClr val="dk2"/>
+    </dgm:fillClrLst>
+    <dgm:linClrLst meth="repeat">
+      <a:schemeClr val="lt2"/>
+    </dgm:linClrLst>
+    <dgm:effectClrLst/>
+    <dgm:txLinClrLst/>
+    <dgm:txFillClrLst/>
+    <dgm:txEffectClrLst/>
+  </dgm:styleLbl>
+  <dgm:styleLbl name="asst1">
+    <dgm:fillClrLst meth="repeat">
+      <a:schemeClr val="dk2"/>
+    </dgm:fillClrLst>
+    <dgm:linClrLst meth="repeat">
+      <a:schemeClr val="lt2"/>
+    </dgm:linClrLst>
+    <dgm:effectClrLst/>
+    <dgm:txLinClrLst/>
+    <dgm:txFillClrLst/>
+    <dgm:txEffectClrLst/>
+  </dgm:styleLbl>
+  <dgm:styleLbl name="asst2">
+    <dgm:fillClrLst meth="repeat">
+      <a:schemeClr val="dk2"/>
+    </dgm:fillClrLst>
+    <dgm:linClrLst meth="repeat">
+      <a:schemeClr val="lt2"/>
+    </dgm:linClrLst>
+    <dgm:effectClrLst/>
+    <dgm:txLinClrLst/>
+    <dgm:txFillClrLst/>
+    <dgm:txEffectClrLst/>
+  </dgm:styleLbl>
+  <dgm:styleLbl name="asst3">
+    <dgm:fillClrLst meth="repeat">
+      <a:schemeClr val="dk2"/>
+    </dgm:fillClrLst>
+    <dgm:linClrLst meth="repeat">
+      <a:schemeClr val="lt2"/>
+    </dgm:linClrLst>
+    <dgm:effectClrLst/>
+    <dgm:txLinClrLst/>
+    <dgm:txFillClrLst/>
+    <dgm:txEffectClrLst/>
+  </dgm:styleLbl>
+  <dgm:styleLbl name="asst4">
+    <dgm:fillClrLst meth="repeat">
+      <a:schemeClr val="dk2"/>
+    </dgm:fillClrLst>
+    <dgm:linClrLst meth="repeat">
+      <a:schemeClr val="lt2"/>
+    </dgm:linClrLst>
+    <dgm:effectClrLst/>
+    <dgm:txLinClrLst/>
+    <dgm:txFillClrLst/>
+    <dgm:txEffectClrLst/>
+  </dgm:styleLbl>
+  <dgm:styleLbl name="parChTrans2D1">
+    <dgm:fillClrLst meth="repeat">
+      <a:schemeClr val="dk2">
+        <a:tint val="60000"/>
+      </a:schemeClr>
+    </dgm:fillClrLst>
+    <dgm:linClrLst meth="repeat">
+      <a:schemeClr val="dk2">
+        <a:tint val="60000"/>
+      </a:schemeClr>
+    </dgm:linClrLst>
+    <dgm:effectClrLst/>
+    <dgm:txLinClrLst/>
+    <dgm:txFillClrLst meth="repeat">
+      <a:schemeClr val="lt2"/>
+    </dgm:txFillClrLst>
+    <dgm:txEffectClrLst/>
+  </dgm:styleLbl>
+  <dgm:styleLbl name="parChTrans2D2">
+    <dgm:fillClrLst meth="repeat">
+      <a:schemeClr val="dk2"/>
+    </dgm:fillClrLst>
+    <dgm:linClrLst meth="repeat">
+      <a:schemeClr val="dk2"/>
+    </dgm:linClrLst>
+    <dgm:effectClrLst/>
+    <dgm:txLinClrLst/>
+    <dgm:txFillClrLst meth="repeat">
+      <a:schemeClr val="lt2"/>
+    </dgm:txFillClrLst>
+    <dgm:txEffectClrLst/>
+  </dgm:styleLbl>
+  <dgm:styleLbl name="parChTrans2D3">
+    <dgm:fillClrLst meth="repeat">
+      <a:schemeClr val="dk2"/>
+    </dgm:fillClrLst>
+    <dgm:linClrLst meth="repeat">
+      <a:schemeClr val="dk2"/>
+    </dgm:linClrLst>
+    <dgm:effectClrLst/>
+    <dgm:txLinClrLst/>
+    <dgm:txFillClrLst meth="repeat">
+      <a:schemeClr val="lt2"/>
+    </dgm:txFillClrLst>
+    <dgm:txEffectClrLst/>
+  </dgm:styleLbl>
+  <dgm:styleLbl name="parChTrans2D4">
+    <dgm:fillClrLst meth="repeat">
+      <a:schemeClr val="dk2"/>
+    </dgm:fillClrLst>
+    <dgm:linClrLst meth="repeat">
+      <a:schemeClr val="dk2"/>
+    </dgm:linClrLst>
+    <dgm:effectClrLst/>
+    <dgm:txLinClrLst/>
+    <dgm:txFillClrLst meth="repeat">
+      <a:schemeClr val="lt2"/>
+    </dgm:txFillClrLst>
+    <dgm:txEffectClrLst/>
+  </dgm:styleLbl>
+  <dgm:styleLbl name="parChTrans1D1">
+    <dgm:fillClrLst meth="repeat">
+      <a:schemeClr val="dk2"/>
+    </dgm:fillClrLst>
+    <dgm:linClrLst meth="repeat">
+      <a:schemeClr val="dk2">
+        <a:shade val="60000"/>
+      </a:schemeClr>
+    </dgm:linClrLst>
+    <dgm:effectClrLst/>
+    <dgm:txLinClrLst/>
+    <dgm:txFillClrLst meth="repeat">
+      <a:schemeClr val="tx1"/>
+    </dgm:txFillClrLst>
+    <dgm:txEffectClrLst/>
+  </dgm:styleLbl>
+  <dgm:styleLbl name="parChTrans1D2">
+    <dgm:fillClrLst meth="repeat">
+      <a:schemeClr val="dk2"/>
+    </dgm:fillClrLst>
+    <dgm:linClrLst meth="repeat">
+      <a:schemeClr val="dk2">
+        <a:shade val="60000"/>
+      </a:schemeClr>
+    </dgm:linClrLst>
+    <dgm:effectClrLst/>
+    <dgm:txLinClrLst/>
+    <dgm:txFillClrLst meth="repeat">
+      <a:schemeClr val="tx1"/>
+    </dgm:txFillClrLst>
+    <dgm:txEffectClrLst/>
+  </dgm:styleLbl>
+  <dgm:styleLbl name="parChTrans1D3">
+    <dgm:fillClrLst meth="repeat">
+      <a:schemeClr val="dk2"/>
+    </dgm:fillClrLst>
+    <dgm:linClrLst meth="repeat">
+      <a:schemeClr val="dk2">
+        <a:shade val="80000"/>
+      </a:schemeClr>
+    </dgm:linClrLst>
+    <dgm:effectClrLst/>
+    <dgm:txLinClrLst/>
+    <dgm:txFillClrLst meth="repeat">
+      <a:schemeClr val="tx1"/>
+    </dgm:txFillClrLst>
+    <dgm:txEffectClrLst/>
+  </dgm:styleLbl>
+  <dgm:styleLbl name="parChTrans1D4">
+    <dgm:fillClrLst meth="repeat">
+      <a:schemeClr val="dk2"/>
+    </dgm:fillClrLst>
+    <dgm:linClrLst meth="repeat">
+      <a:schemeClr val="dk2">
+        <a:shade val="80000"/>
+      </a:schemeClr>
+    </dgm:linClrLst>
+    <dgm:effectClrLst/>
+    <dgm:txLinClrLst/>
+    <dgm:txFillClrLst meth="repeat">
+      <a:schemeClr val="tx1"/>
+    </dgm:txFillClrLst>
+    <dgm:txEffectClrLst/>
+  </dgm:styleLbl>
+  <dgm:styleLbl name="fgAcc1">
+    <dgm:fillClrLst meth="repeat">
+      <a:schemeClr val="lt2">
+        <a:alpha val="90000"/>
+      </a:schemeClr>
+    </dgm:fillClrLst>
+    <dgm:linClrLst meth="repeat">
+      <a:schemeClr val="dk2"/>
+    </dgm:linClrLst>
+    <dgm:effectClrLst/>
+    <dgm:txLinClrLst/>
+    <dgm:txFillClrLst meth="repeat">
+      <a:schemeClr val="dk1"/>
+    </dgm:txFillClrLst>
+    <dgm:txEffectClrLst/>
+  </dgm:styleLbl>
+  <dgm:styleLbl name="conFgAcc1">
+    <dgm:fillClrLst meth="repeat">
+      <a:schemeClr val="lt2">
+        <a:alpha val="90000"/>
+      </a:schemeClr>
+    </dgm:fillClrLst>
+    <dgm:linClrLst meth="repeat">
+      <a:schemeClr val="dk2"/>
+    </dgm:linClrLst>
+    <dgm:effectClrLst/>
+    <dgm:txLinClrLst/>
+    <dgm:txFillClrLst meth="repeat">
+      <a:schemeClr val="dk1"/>
+    </dgm:txFillClrLst>
+    <dgm:txEffectClrLst/>
+  </dgm:styleLbl>
+  <dgm:styleLbl name="alignAcc1">
+    <dgm:fillClrLst meth="repeat">
+      <a:schemeClr val="lt2">
+        <a:alpha val="90000"/>
+      </a:schemeClr>
+    </dgm:fillClrLst>
+    <dgm:linClrLst meth="repeat">
+      <a:schemeClr val="dk2"/>
+    </dgm:linClrLst>
+    <dgm:effectClrLst/>
+    <dgm:txLinClrLst/>
+    <dgm:txFillClrLst meth="repeat">
+      <a:schemeClr val="dk1"/>
+    </dgm:txFillClrLst>
+    <dgm:txEffectClrLst/>
+  </dgm:styleLbl>
+  <dgm:styleLbl name="trAlignAcc1">
+    <dgm:fillClrLst meth="repeat">
+      <a:schemeClr val="lt2">
+        <a:alpha val="40000"/>
+      </a:schemeClr>
+    </dgm:fillClrLst>
+    <dgm:linClrLst meth="repeat">
+      <a:schemeClr val="dk2"/>
+    </dgm:linClrLst>
+    <dgm:effectClrLst/>
+    <dgm:txLinClrLst/>
+    <dgm:txFillClrLst meth="repeat">
+      <a:schemeClr val="dk1"/>
+    </dgm:txFillClrLst>
+    <dgm:txEffectClrLst/>
+  </dgm:styleLbl>
+  <dgm:styleLbl name="bgAcc1">
+    <dgm:fillClrLst meth="repeat">
+      <a:schemeClr val="lt2">
+        <a:alpha val="90000"/>
+      </a:schemeClr>
+    </dgm:fillClrLst>
+    <dgm:linClrLst meth="repeat">
+      <a:schemeClr val="dk2"/>
+    </dgm:linClrLst>
+    <dgm:effectClrLst/>
+    <dgm:txLinClrLst/>
+    <dgm:txFillClrLst meth="repeat">
+      <a:schemeClr val="dk1"/>
+    </dgm:txFillClrLst>
+    <dgm:txEffectClrLst/>
+  </dgm:styleLbl>
+  <dgm:styleLbl name="solidFgAcc1">
+    <dgm:fillClrLst meth="repeat">
+      <a:schemeClr val="lt2"/>
+    </dgm:fillClrLst>
+    <dgm:linClrLst meth="repeat">
+      <a:schemeClr val="dk2"/>
+    </dgm:linClrLst>
+    <dgm:effectClrLst/>
+    <dgm:txLinClrLst/>
+    <dgm:txFillClrLst meth="repeat">
+      <a:schemeClr val="dk1"/>
+    </dgm:txFillClrLst>
+    <dgm:txEffectClrLst/>
+  </dgm:styleLbl>
+  <dgm:styleLbl name="solidAlignAcc1">
+    <dgm:fillClrLst meth="repeat">
+      <a:schemeClr val="lt2"/>
+    </dgm:fillClrLst>
+    <dgm:linClrLst meth="repeat">
+      <a:schemeClr val="dk2"/>
+    </dgm:linClrLst>
+    <dgm:effectClrLst/>
+    <dgm:txLinClrLst/>
+    <dgm:txFillClrLst meth="repeat">
+      <a:schemeClr val="dk1"/>
+    </dgm:txFillClrLst>
+    <dgm:txEffectClrLst/>
+  </dgm:styleLbl>
+  <dgm:styleLbl name="solidBgAcc1">
+    <dgm:fillClrLst meth="repeat">
+      <a:schemeClr val="lt2"/>
+    </dgm:fillClrLst>
+    <dgm:linClrLst meth="repeat">
+      <a:schemeClr val="dk2"/>
+    </dgm:linClrLst>
+    <dgm:effectClrLst/>
+    <dgm:txLinClrLst/>
+    <dgm:txFillClrLst meth="repeat">
+      <a:schemeClr val="dk1"/>
+    </dgm:txFillClrLst>
+    <dgm:txEffectClrLst/>
+  </dgm:styleLbl>
+  <dgm:styleLbl name="fgAccFollowNode1">
+    <dgm:fillClrLst meth="repeat">
+      <a:schemeClr val="dk2">
+        <a:alpha val="90000"/>
+        <a:tint val="40000"/>
+      </a:schemeClr>
+    </dgm:fillClrLst>
+    <dgm:linClrLst meth="repeat">
+      <a:schemeClr val="dk2">
+        <a:alpha val="90000"/>
+        <a:tint val="40000"/>
+      </a:schemeClr>
+    </dgm:linClrLst>
+    <dgm:effectClrLst/>
+    <dgm:txLinClrLst/>
+    <dgm:txFillClrLst meth="repeat">
+      <a:schemeClr val="dk1"/>
+    </dgm:txFillClrLst>
+    <dgm:txEffectClrLst/>
+  </dgm:styleLbl>
+  <dgm:styleLbl name="alignAccFollowNode1">
+    <dgm:fillClrLst meth="repeat">
+      <a:schemeClr val="dk2">
+        <a:alpha val="90000"/>
+        <a:tint val="40000"/>
+      </a:schemeClr>
+    </dgm:fillClrLst>
+    <dgm:linClrLst meth="repeat">
+      <a:schemeClr val="dk2">
+        <a:alpha val="90000"/>
+        <a:tint val="40000"/>
+      </a:schemeClr>
+    </dgm:linClrLst>
+    <dgm:effectClrLst/>
+    <dgm:txLinClrLst/>
+    <dgm:txFillClrLst meth="repeat">
+      <a:schemeClr val="dk1"/>
+    </dgm:txFillClrLst>
+    <dgm:txEffectClrLst/>
+  </dgm:styleLbl>
+  <dgm:styleLbl name="bgAccFollowNode1">
+    <dgm:fillClrLst meth="repeat">
+      <a:schemeClr val="dk2">
+        <a:alpha val="90000"/>
+        <a:tint val="40000"/>
+      </a:schemeClr>
+    </dgm:fillClrLst>
+    <dgm:linClrLst meth="repeat">
+      <a:schemeClr val="dk2">
+        <a:alpha val="90000"/>
+        <a:tint val="40000"/>
+      </a:schemeClr>
+    </dgm:linClrLst>
+    <dgm:effectClrLst/>
+    <dgm:txLinClrLst/>
+    <dgm:txFillClrLst meth="repeat">
+      <a:schemeClr val="dk1"/>
+    </dgm:txFillClrLst>
+    <dgm:txEffectClrLst/>
+  </dgm:styleLbl>
+  <dgm:styleLbl name="fgAcc0">
+    <dgm:fillClrLst meth="repeat">
+      <a:schemeClr val="lt2">
+        <a:alpha val="90000"/>
+      </a:schemeClr>
+    </dgm:fillClrLst>
+    <dgm:linClrLst meth="repeat">
+      <a:schemeClr val="dk2"/>
+    </dgm:linClrLst>
+    <dgm:effectClrLst/>
+    <dgm:txLinClrLst/>
+    <dgm:txFillClrLst meth="repeat">
+      <a:schemeClr val="dk1"/>
+    </dgm:txFillClrLst>
+    <dgm:txEffectClrLst/>
+  </dgm:styleLbl>
+  <dgm:styleLbl name="fgAcc2">
+    <dgm:fillClrLst meth="repeat">
+      <a:schemeClr val="lt2">
+        <a:alpha val="90000"/>
+      </a:schemeClr>
+    </dgm:fillClrLst>
+    <dgm:linClrLst meth="repeat">
+      <a:schemeClr val="dk2"/>
+    </dgm:linClrLst>
+    <dgm:effectClrLst/>
+    <dgm:txLinClrLst/>
+    <dgm:txFillClrLst meth="repeat">
+      <a:schemeClr val="dk1"/>
+    </dgm:txFillClrLst>
+    <dgm:txEffectClrLst/>
+  </dgm:styleLbl>
+  <dgm:styleLbl name="fgAcc3">
+    <dgm:fillClrLst meth="repeat">
+      <a:schemeClr val="lt2">
+        <a:alpha val="90000"/>
+      </a:schemeClr>
+    </dgm:fillClrLst>
+    <dgm:linClrLst meth="repeat">
+      <a:schemeClr val="dk2"/>
+    </dgm:linClrLst>
+    <dgm:effectClrLst/>
+    <dgm:txLinClrLst/>
+    <dgm:txFillClrLst meth="repeat">
+      <a:schemeClr val="dk1"/>
+    </dgm:txFillClrLst>
+    <dgm:txEffectClrLst/>
+  </dgm:styleLbl>
+  <dgm:styleLbl name="fgAcc4">
+    <dgm:fillClrLst meth="repeat">
+      <a:schemeClr val="lt2">
+        <a:alpha val="90000"/>
+      </a:schemeClr>
+    </dgm:fillClrLst>
+    <dgm:linClrLst meth="repeat">
+      <a:schemeClr val="dk2"/>
+    </dgm:linClrLst>
+    <dgm:effectClrLst/>
+    <dgm:txLinClrLst/>
+    <dgm:txFillClrLst meth="repeat">
+      <a:schemeClr val="dk1"/>
+    </dgm:txFillClrLst>
+    <dgm:txEffectClrLst/>
+  </dgm:styleLbl>
+  <dgm:styleLbl name="bgShp">
+    <dgm:fillClrLst meth="repeat">
+      <a:schemeClr val="dk2">
+        <a:tint val="40000"/>
+      </a:schemeClr>
+    </dgm:fillClrLst>
+    <dgm:linClrLst meth="repeat">
+      <a:schemeClr val="dk2"/>
+    </dgm:linClrLst>
+    <dgm:effectClrLst/>
+    <dgm:txLinClrLst/>
+    <dgm:txFillClrLst meth="repeat">
+      <a:schemeClr val="dk1"/>
+    </dgm:txFillClrLst>
+    <dgm:txEffectClrLst/>
+  </dgm:styleLbl>
+  <dgm:styleLbl name="dkBgShp">
+    <dgm:fillClrLst meth="repeat">
+      <a:schemeClr val="dk2">
+        <a:shade val="80000"/>
+      </a:schemeClr>
+    </dgm:fillClrLst>
+    <dgm:linClrLst meth="repeat">
+      <a:schemeClr val="dk2"/>
+    </dgm:linClrLst>
+    <dgm:effectClrLst/>
+    <dgm:txLinClrLst/>
+    <dgm:txFillClrLst meth="repeat">
+      <a:schemeClr val="lt1"/>
+    </dgm:txFillClrLst>
+    <dgm:txEffectClrLst/>
+  </dgm:styleLbl>
+  <dgm:styleLbl name="trBgShp">
+    <dgm:fillClrLst meth="repeat">
+      <a:schemeClr val="dk2">
+        <a:tint val="50000"/>
+        <a:alpha val="40000"/>
+      </a:schemeClr>
+    </dgm:fillClrLst>
+    <dgm:linClrLst meth="repeat">
+      <a:schemeClr val="dk2"/>
+    </dgm:linClrLst>
+    <dgm:effectClrLst/>
+    <dgm:txLinClrLst/>
+    <dgm:txFillClrLst meth="repeat">
+      <a:schemeClr val="lt1"/>
+    </dgm:txFillClrLst>
+    <dgm:txEffectClrLst/>
+  </dgm:styleLbl>
+  <dgm:styleLbl name="fgShp">
+    <dgm:fillClrLst meth="repeat">
+      <a:schemeClr val="dk2">
+        <a:tint val="60000"/>
+      </a:schemeClr>
+    </dgm:fillClrLst>
+    <dgm:linClrLst meth="repeat">
+      <a:schemeClr val="lt2"/>
+    </dgm:linClrLst>
+    <dgm:effectClrLst/>
+    <dgm:txLinClrLst/>
+    <dgm:txFillClrLst meth="repeat">
+      <a:schemeClr val="dk1"/>
+    </dgm:txFillClrLst>
+    <dgm:txEffectClrLst/>
+  </dgm:styleLbl>
+  <dgm:styleLbl name="revTx">
+    <dgm:fillClrLst meth="repeat">
+      <a:schemeClr val="lt2">
         <a:alpha val="0"/>
       </a:schemeClr>
     </dgm:fillClrLst>
@@ -13803,7 +15302,7 @@
   <dgm:whole/>
   <dgm:extLst>
     <a:ext uri="http://schemas.microsoft.com/office/drawing/2008/diagram">
-      <dsp:dataModelExt xmlns:dsp="http://schemas.microsoft.com/office/drawing/2008/diagram" relId="rId10" minVer="http://schemas.openxmlformats.org/drawingml/2006/diagram"/>
+      <dsp:dataModelExt xmlns:dsp="http://schemas.microsoft.com/office/drawing/2008/diagram" relId="rId9" minVer="http://schemas.openxmlformats.org/drawingml/2006/diagram"/>
     </a:ext>
   </dgm:extLst>
 </dgm:dataModel>
@@ -13881,7 +15380,7 @@
   <dgm:whole/>
   <dgm:extLst>
     <a:ext uri="http://schemas.microsoft.com/office/drawing/2008/diagram">
-      <dsp:dataModelExt xmlns:dsp="http://schemas.microsoft.com/office/drawing/2008/diagram" relId="rId15" minVer="http://schemas.openxmlformats.org/drawingml/2006/diagram"/>
+      <dsp:dataModelExt xmlns:dsp="http://schemas.microsoft.com/office/drawing/2008/diagram" relId="rId14" minVer="http://schemas.openxmlformats.org/drawingml/2006/diagram"/>
     </a:ext>
   </dgm:extLst>
 </dgm:dataModel>
@@ -14226,13 +15725,257 @@
   <dgm:whole/>
   <dgm:extLst>
     <a:ext uri="http://schemas.microsoft.com/office/drawing/2008/diagram">
-      <dsp:dataModelExt xmlns:dsp="http://schemas.microsoft.com/office/drawing/2008/diagram" relId="rId15" minVer="http://schemas.openxmlformats.org/drawingml/2006/diagram"/>
+      <dsp:dataModelExt xmlns:dsp="http://schemas.microsoft.com/office/drawing/2008/diagram" relId="rId14" minVer="http://schemas.openxmlformats.org/drawingml/2006/diagram"/>
     </a:ext>
   </dgm:extLst>
 </dgm:dataModel>
 </file>
 
 <file path=ppt/diagrams/data14.xml><?xml version="1.0" encoding="utf-8"?>
+<dgm:dataModel xmlns:dgm="http://schemas.openxmlformats.org/drawingml/2006/diagram" xmlns:a="http://schemas.openxmlformats.org/drawingml/2006/main">
+  <dgm:ptLst>
+    <dgm:pt modelId="{5DEF0052-C6E6-40A1-802E-A5295FA48983}" type="doc">
+      <dgm:prSet loTypeId="urn:microsoft.com/office/officeart/2008/layout/LinedList" loCatId="list" qsTypeId="urn:microsoft.com/office/officeart/2005/8/quickstyle/simple2" qsCatId="simple" csTypeId="urn:microsoft.com/office/officeart/2005/8/colors/accent0_3" csCatId="mainScheme" phldr="1"/>
+      <dgm:spPr/>
+      <dgm:t>
+        <a:bodyPr/>
+        <a:lstStyle/>
+        <a:p>
+          <a:endParaRPr lang="en-US"/>
+        </a:p>
+      </dgm:t>
+    </dgm:pt>
+    <dgm:pt modelId="{411B8D0D-8A5E-4B38-8A3D-7EBC8CA00E53}">
+      <dgm:prSet phldrT="[Text]" custT="1"/>
+      <dgm:spPr/>
+      <dgm:t>
+        <a:bodyPr/>
+        <a:lstStyle/>
+        <a:p>
+          <a:r>
+            <a:rPr lang="en-US" sz="2000" dirty="0">
+              <a:solidFill>
+                <a:schemeClr val="bg1"/>
+              </a:solidFill>
+            </a:rPr>
+            <a:t>After pushing the commit successfully, we can see the changes on GitHub in </a:t>
+          </a:r>
+          <a:r>
+            <a:rPr lang="en-US" sz="2000">
+              <a:solidFill>
+                <a:schemeClr val="bg1"/>
+              </a:solidFill>
+            </a:rPr>
+            <a:t>our branch</a:t>
+          </a:r>
+          <a:endParaRPr lang="en-US" sz="2000" dirty="0">
+            <a:solidFill>
+              <a:schemeClr val="bg1"/>
+            </a:solidFill>
+          </a:endParaRPr>
+        </a:p>
+      </dgm:t>
+    </dgm:pt>
+    <dgm:pt modelId="{C4C8A620-9F69-4ED5-B63B-3D3A59565D68}" type="parTrans" cxnId="{AF149B2D-5D1B-43FB-BE7C-699555993A80}">
+      <dgm:prSet/>
+      <dgm:spPr/>
+      <dgm:t>
+        <a:bodyPr/>
+        <a:lstStyle/>
+        <a:p>
+          <a:endParaRPr lang="en-IL"/>
+        </a:p>
+      </dgm:t>
+    </dgm:pt>
+    <dgm:pt modelId="{9FCAC67F-754E-4D63-ACA7-51B566AF12BD}" type="sibTrans" cxnId="{AF149B2D-5D1B-43FB-BE7C-699555993A80}">
+      <dgm:prSet/>
+      <dgm:spPr/>
+      <dgm:t>
+        <a:bodyPr/>
+        <a:lstStyle/>
+        <a:p>
+          <a:endParaRPr lang="en-IL"/>
+        </a:p>
+      </dgm:t>
+    </dgm:pt>
+    <dgm:pt modelId="{46E45259-DCC1-407C-A26D-97454CA51B03}" type="pres">
+      <dgm:prSet presAssocID="{5DEF0052-C6E6-40A1-802E-A5295FA48983}" presName="vert0" presStyleCnt="0">
+        <dgm:presLayoutVars>
+          <dgm:dir/>
+          <dgm:animOne val="branch"/>
+          <dgm:animLvl val="lvl"/>
+        </dgm:presLayoutVars>
+      </dgm:prSet>
+      <dgm:spPr/>
+    </dgm:pt>
+    <dgm:pt modelId="{7A872C80-96A0-4422-A276-86F6CFE50AB1}" type="pres">
+      <dgm:prSet presAssocID="{411B8D0D-8A5E-4B38-8A3D-7EBC8CA00E53}" presName="thickLine" presStyleLbl="alignNode1" presStyleIdx="0" presStyleCnt="1"/>
+      <dgm:spPr/>
+    </dgm:pt>
+    <dgm:pt modelId="{363A948C-A619-466E-A2FF-A3F0E35250D3}" type="pres">
+      <dgm:prSet presAssocID="{411B8D0D-8A5E-4B38-8A3D-7EBC8CA00E53}" presName="horz1" presStyleCnt="0"/>
+      <dgm:spPr/>
+    </dgm:pt>
+    <dgm:pt modelId="{C5143D86-B46E-4460-A980-B58A7D7747BD}" type="pres">
+      <dgm:prSet presAssocID="{411B8D0D-8A5E-4B38-8A3D-7EBC8CA00E53}" presName="tx1" presStyleLbl="revTx" presStyleIdx="0" presStyleCnt="1"/>
+      <dgm:spPr/>
+    </dgm:pt>
+    <dgm:pt modelId="{1CDAA3E6-B485-43A9-9A42-996DBC8CBF71}" type="pres">
+      <dgm:prSet presAssocID="{411B8D0D-8A5E-4B38-8A3D-7EBC8CA00E53}" presName="vert1" presStyleCnt="0"/>
+      <dgm:spPr/>
+    </dgm:pt>
+  </dgm:ptLst>
+  <dgm:cxnLst>
+    <dgm:cxn modelId="{AF149B2D-5D1B-43FB-BE7C-699555993A80}" srcId="{5DEF0052-C6E6-40A1-802E-A5295FA48983}" destId="{411B8D0D-8A5E-4B38-8A3D-7EBC8CA00E53}" srcOrd="0" destOrd="0" parTransId="{C4C8A620-9F69-4ED5-B63B-3D3A59565D68}" sibTransId="{9FCAC67F-754E-4D63-ACA7-51B566AF12BD}"/>
+    <dgm:cxn modelId="{3E2FFF65-B3CA-42B6-9C4E-03D91E94D5FB}" type="presOf" srcId="{411B8D0D-8A5E-4B38-8A3D-7EBC8CA00E53}" destId="{C5143D86-B46E-4460-A980-B58A7D7747BD}" srcOrd="0" destOrd="0" presId="urn:microsoft.com/office/officeart/2008/layout/LinedList"/>
+    <dgm:cxn modelId="{7BCEA4B4-0FB4-4E9B-944B-581E085AE97C}" type="presOf" srcId="{5DEF0052-C6E6-40A1-802E-A5295FA48983}" destId="{46E45259-DCC1-407C-A26D-97454CA51B03}" srcOrd="0" destOrd="0" presId="urn:microsoft.com/office/officeart/2008/layout/LinedList"/>
+    <dgm:cxn modelId="{3893D679-F86D-485C-A21F-57C55B9CADDA}" type="presParOf" srcId="{46E45259-DCC1-407C-A26D-97454CA51B03}" destId="{7A872C80-96A0-4422-A276-86F6CFE50AB1}" srcOrd="0" destOrd="0" presId="urn:microsoft.com/office/officeart/2008/layout/LinedList"/>
+    <dgm:cxn modelId="{99A8DA37-BE11-48AB-8A9D-CE9AFC2629B2}" type="presParOf" srcId="{46E45259-DCC1-407C-A26D-97454CA51B03}" destId="{363A948C-A619-466E-A2FF-A3F0E35250D3}" srcOrd="1" destOrd="0" presId="urn:microsoft.com/office/officeart/2008/layout/LinedList"/>
+    <dgm:cxn modelId="{30823D4D-49F9-4B84-956B-DC7378E9A0E4}" type="presParOf" srcId="{363A948C-A619-466E-A2FF-A3F0E35250D3}" destId="{C5143D86-B46E-4460-A980-B58A7D7747BD}" srcOrd="0" destOrd="0" presId="urn:microsoft.com/office/officeart/2008/layout/LinedList"/>
+    <dgm:cxn modelId="{6E148422-41D6-41D7-ACD5-5BB94CE15400}" type="presParOf" srcId="{363A948C-A619-466E-A2FF-A3F0E35250D3}" destId="{1CDAA3E6-B485-43A9-9A42-996DBC8CBF71}" srcOrd="1" destOrd="0" presId="urn:microsoft.com/office/officeart/2008/layout/LinedList"/>
+  </dgm:cxnLst>
+  <dgm:bg/>
+  <dgm:whole/>
+  <dgm:extLst>
+    <a:ext uri="http://schemas.microsoft.com/office/drawing/2008/diagram">
+      <dsp:dataModelExt xmlns:dsp="http://schemas.microsoft.com/office/drawing/2008/diagram" relId="rId9" minVer="http://schemas.openxmlformats.org/drawingml/2006/diagram"/>
+    </a:ext>
+  </dgm:extLst>
+</dgm:dataModel>
+</file>
+
+<file path=ppt/diagrams/data15.xml><?xml version="1.0" encoding="utf-8"?>
+<dgm:dataModel xmlns:dgm="http://schemas.openxmlformats.org/drawingml/2006/diagram" xmlns:a="http://schemas.openxmlformats.org/drawingml/2006/main">
+  <dgm:ptLst>
+    <dgm:pt modelId="{0F0A97E6-270F-4C50-B31F-01122B848BCD}" type="doc">
+      <dgm:prSet loTypeId="urn:microsoft.com/office/officeart/2005/8/layout/hChevron3" loCatId="process" qsTypeId="urn:microsoft.com/office/officeart/2005/8/quickstyle/simple1" qsCatId="simple" csTypeId="urn:microsoft.com/office/officeart/2005/8/colors/accent1_2" csCatId="accent1" phldr="1"/>
+      <dgm:spPr/>
+    </dgm:pt>
+    <dgm:pt modelId="{779FDC3E-19C6-4E84-8AF3-6726851ABA6A}">
+      <dgm:prSet phldrT="[Text]"/>
+      <dgm:spPr/>
+      <dgm:t>
+        <a:bodyPr/>
+        <a:lstStyle/>
+        <a:p>
+          <a:r>
+            <a:rPr lang="en-US" dirty="0"/>
+            <a:t>Local Machine</a:t>
+          </a:r>
+          <a:endParaRPr lang="en-IL" dirty="0"/>
+        </a:p>
+      </dgm:t>
+    </dgm:pt>
+    <dgm:pt modelId="{7169E3B1-8B83-4044-B351-17A90BCC5F63}" type="parTrans" cxnId="{BF724F37-DFB9-4B90-9393-537257BE9173}">
+      <dgm:prSet/>
+      <dgm:spPr/>
+      <dgm:t>
+        <a:bodyPr/>
+        <a:lstStyle/>
+        <a:p>
+          <a:endParaRPr lang="en-IL"/>
+        </a:p>
+      </dgm:t>
+    </dgm:pt>
+    <dgm:pt modelId="{82A78DD8-43BA-4D60-A909-39780C11EF1E}" type="sibTrans" cxnId="{BF724F37-DFB9-4B90-9393-537257BE9173}">
+      <dgm:prSet/>
+      <dgm:spPr/>
+      <dgm:t>
+        <a:bodyPr/>
+        <a:lstStyle/>
+        <a:p>
+          <a:endParaRPr lang="en-IL"/>
+        </a:p>
+      </dgm:t>
+    </dgm:pt>
+    <dgm:pt modelId="{C6DBA86F-7485-41CF-8B05-89EBEC125838}">
+      <dgm:prSet phldrT="[Text]"/>
+      <dgm:spPr/>
+      <dgm:t>
+        <a:bodyPr/>
+        <a:lstStyle/>
+        <a:p>
+          <a:r>
+            <a:rPr lang="en-US" dirty="0"/>
+            <a:t>Remote Server</a:t>
+          </a:r>
+          <a:endParaRPr lang="en-IL" dirty="0"/>
+        </a:p>
+      </dgm:t>
+    </dgm:pt>
+    <dgm:pt modelId="{F8B725E7-13BA-4BC4-9685-1F29AD70BB76}" type="parTrans" cxnId="{1139F564-37A0-42BE-A7F3-B1E75F5CB716}">
+      <dgm:prSet/>
+      <dgm:spPr/>
+      <dgm:t>
+        <a:bodyPr/>
+        <a:lstStyle/>
+        <a:p>
+          <a:endParaRPr lang="en-IL"/>
+        </a:p>
+      </dgm:t>
+    </dgm:pt>
+    <dgm:pt modelId="{647A656E-B0A6-401A-B481-6849799FFB01}" type="sibTrans" cxnId="{1139F564-37A0-42BE-A7F3-B1E75F5CB716}">
+      <dgm:prSet/>
+      <dgm:spPr/>
+      <dgm:t>
+        <a:bodyPr/>
+        <a:lstStyle/>
+        <a:p>
+          <a:endParaRPr lang="en-IL"/>
+        </a:p>
+      </dgm:t>
+    </dgm:pt>
+    <dgm:pt modelId="{9486F126-4D91-4024-927B-77294E110AAF}" type="pres">
+      <dgm:prSet presAssocID="{0F0A97E6-270F-4C50-B31F-01122B848BCD}" presName="Name0" presStyleCnt="0">
+        <dgm:presLayoutVars>
+          <dgm:dir/>
+          <dgm:resizeHandles val="exact"/>
+        </dgm:presLayoutVars>
+      </dgm:prSet>
+      <dgm:spPr/>
+    </dgm:pt>
+    <dgm:pt modelId="{AFCB9AAC-413D-453E-B9FA-CCB2F75258BA}" type="pres">
+      <dgm:prSet presAssocID="{779FDC3E-19C6-4E84-8AF3-6726851ABA6A}" presName="parTxOnly" presStyleLbl="node1" presStyleIdx="0" presStyleCnt="2">
+        <dgm:presLayoutVars>
+          <dgm:bulletEnabled val="1"/>
+        </dgm:presLayoutVars>
+      </dgm:prSet>
+      <dgm:spPr/>
+    </dgm:pt>
+    <dgm:pt modelId="{FB80DA79-E52C-4BB3-ADFD-B3CC48FD69B6}" type="pres">
+      <dgm:prSet presAssocID="{82A78DD8-43BA-4D60-A909-39780C11EF1E}" presName="parSpace" presStyleCnt="0"/>
+      <dgm:spPr/>
+    </dgm:pt>
+    <dgm:pt modelId="{D7283E0C-12CA-423D-BECA-A9C855618804}" type="pres">
+      <dgm:prSet presAssocID="{C6DBA86F-7485-41CF-8B05-89EBEC125838}" presName="parTxOnly" presStyleLbl="node1" presStyleIdx="1" presStyleCnt="2">
+        <dgm:presLayoutVars>
+          <dgm:bulletEnabled val="1"/>
+        </dgm:presLayoutVars>
+      </dgm:prSet>
+      <dgm:spPr/>
+    </dgm:pt>
+  </dgm:ptLst>
+  <dgm:cxnLst>
+    <dgm:cxn modelId="{3FC6F708-7B6A-42D0-A3AE-A981BCC8FD0B}" type="presOf" srcId="{C6DBA86F-7485-41CF-8B05-89EBEC125838}" destId="{D7283E0C-12CA-423D-BECA-A9C855618804}" srcOrd="0" destOrd="0" presId="urn:microsoft.com/office/officeart/2005/8/layout/hChevron3"/>
+    <dgm:cxn modelId="{BF724F37-DFB9-4B90-9393-537257BE9173}" srcId="{0F0A97E6-270F-4C50-B31F-01122B848BCD}" destId="{779FDC3E-19C6-4E84-8AF3-6726851ABA6A}" srcOrd="0" destOrd="0" parTransId="{7169E3B1-8B83-4044-B351-17A90BCC5F63}" sibTransId="{82A78DD8-43BA-4D60-A909-39780C11EF1E}"/>
+    <dgm:cxn modelId="{1139F564-37A0-42BE-A7F3-B1E75F5CB716}" srcId="{0F0A97E6-270F-4C50-B31F-01122B848BCD}" destId="{C6DBA86F-7485-41CF-8B05-89EBEC125838}" srcOrd="1" destOrd="0" parTransId="{F8B725E7-13BA-4BC4-9685-1F29AD70BB76}" sibTransId="{647A656E-B0A6-401A-B481-6849799FFB01}"/>
+    <dgm:cxn modelId="{206CBCB0-57E2-4AC5-A642-031E0A2D9DE4}" type="presOf" srcId="{0F0A97E6-270F-4C50-B31F-01122B848BCD}" destId="{9486F126-4D91-4024-927B-77294E110AAF}" srcOrd="0" destOrd="0" presId="urn:microsoft.com/office/officeart/2005/8/layout/hChevron3"/>
+    <dgm:cxn modelId="{AEE03EC3-4996-40AD-8452-9BCAED33419A}" type="presOf" srcId="{779FDC3E-19C6-4E84-8AF3-6726851ABA6A}" destId="{AFCB9AAC-413D-453E-B9FA-CCB2F75258BA}" srcOrd="0" destOrd="0" presId="urn:microsoft.com/office/officeart/2005/8/layout/hChevron3"/>
+    <dgm:cxn modelId="{09AFE18D-C221-4BEF-97C8-3BA25073E8DB}" type="presParOf" srcId="{9486F126-4D91-4024-927B-77294E110AAF}" destId="{AFCB9AAC-413D-453E-B9FA-CCB2F75258BA}" srcOrd="0" destOrd="0" presId="urn:microsoft.com/office/officeart/2005/8/layout/hChevron3"/>
+    <dgm:cxn modelId="{00DB2D25-4CBB-435E-9D71-F40C68D3B246}" type="presParOf" srcId="{9486F126-4D91-4024-927B-77294E110AAF}" destId="{FB80DA79-E52C-4BB3-ADFD-B3CC48FD69B6}" srcOrd="1" destOrd="0" presId="urn:microsoft.com/office/officeart/2005/8/layout/hChevron3"/>
+    <dgm:cxn modelId="{4A4536FF-6DFB-497F-BD4A-79076D068313}" type="presParOf" srcId="{9486F126-4D91-4024-927B-77294E110AAF}" destId="{D7283E0C-12CA-423D-BECA-A9C855618804}" srcOrd="2" destOrd="0" presId="urn:microsoft.com/office/officeart/2005/8/layout/hChevron3"/>
+  </dgm:cxnLst>
+  <dgm:bg/>
+  <dgm:whole/>
+  <dgm:extLst>
+    <a:ext uri="http://schemas.microsoft.com/office/drawing/2008/diagram">
+      <dsp:dataModelExt xmlns:dsp="http://schemas.microsoft.com/office/drawing/2008/diagram" relId="rId14" minVer="http://schemas.openxmlformats.org/drawingml/2006/diagram"/>
+    </a:ext>
+  </dgm:extLst>
+</dgm:dataModel>
+</file>
+
+<file path=ppt/diagrams/data16.xml><?xml version="1.0" encoding="utf-8"?>
 <dgm:dataModel xmlns:dgm="http://schemas.openxmlformats.org/drawingml/2006/diagram" xmlns:a="http://schemas.openxmlformats.org/drawingml/2006/main">
   <dgm:ptLst>
     <dgm:pt modelId="{5DEF0052-C6E6-40A1-802E-A5295FA48983}" type="doc">
@@ -14444,10 +16187,79 @@
     <dgm:pt modelId="{B1535EE1-6CDF-4547-95EE-B420CBDD2DE5}" type="parTrans" cxnId="{50ABE2C8-2525-4CF1-80A3-9F66AC71CEE0}">
       <dgm:prSet/>
       <dgm:spPr/>
+      <dgm:t>
+        <a:bodyPr/>
+        <a:lstStyle/>
+        <a:p>
+          <a:endParaRPr lang="en-IL"/>
+        </a:p>
+      </dgm:t>
     </dgm:pt>
     <dgm:pt modelId="{FD6B3176-9816-44F8-9139-5E92715F69E9}" type="sibTrans" cxnId="{50ABE2C8-2525-4CF1-80A3-9F66AC71CEE0}">
       <dgm:prSet/>
       <dgm:spPr/>
+      <dgm:t>
+        <a:bodyPr/>
+        <a:lstStyle/>
+        <a:p>
+          <a:endParaRPr lang="en-IL"/>
+        </a:p>
+      </dgm:t>
+    </dgm:pt>
+    <dgm:pt modelId="{87C187B9-BFD0-4D1B-BFCB-0AA81A76D56C}">
+      <dgm:prSet/>
+      <dgm:spPr/>
+      <dgm:t>
+        <a:bodyPr/>
+        <a:lstStyle/>
+        <a:p>
+          <a:r>
+            <a:rPr lang="en-US" dirty="0">
+              <a:solidFill>
+                <a:schemeClr val="bg1"/>
+              </a:solidFill>
+            </a:rPr>
+            <a:t>***NOTICE***</a:t>
+          </a:r>
+        </a:p>
+        <a:p>
+          <a:r>
+            <a:rPr lang="en-US" dirty="0">
+              <a:solidFill>
+                <a:schemeClr val="bg1"/>
+              </a:solidFill>
+            </a:rPr>
+            <a:t>Switch to “main” branch before pulling</a:t>
+          </a:r>
+          <a:endParaRPr lang="en-IL" dirty="0">
+            <a:solidFill>
+              <a:schemeClr val="bg1"/>
+            </a:solidFill>
+          </a:endParaRPr>
+        </a:p>
+      </dgm:t>
+    </dgm:pt>
+    <dgm:pt modelId="{26BFC607-79CB-4A26-9022-1F8741B479C2}" type="parTrans" cxnId="{DDC5AD66-C710-4DA9-A04D-541F81E4EEDB}">
+      <dgm:prSet/>
+      <dgm:spPr/>
+      <dgm:t>
+        <a:bodyPr/>
+        <a:lstStyle/>
+        <a:p>
+          <a:endParaRPr lang="en-IL"/>
+        </a:p>
+      </dgm:t>
+    </dgm:pt>
+    <dgm:pt modelId="{26196BFC-FB81-4092-BC64-EF381EC64E62}" type="sibTrans" cxnId="{DDC5AD66-C710-4DA9-A04D-541F81E4EEDB}">
+      <dgm:prSet/>
+      <dgm:spPr/>
+      <dgm:t>
+        <a:bodyPr/>
+        <a:lstStyle/>
+        <a:p>
+          <a:endParaRPr lang="en-IL"/>
+        </a:p>
+      </dgm:t>
     </dgm:pt>
     <dgm:pt modelId="{46E45259-DCC1-407C-A26D-97454CA51B03}" type="pres">
       <dgm:prSet presAssocID="{5DEF0052-C6E6-40A1-802E-A5295FA48983}" presName="vert0" presStyleCnt="0">
@@ -14460,7 +16272,7 @@
       <dgm:spPr/>
     </dgm:pt>
     <dgm:pt modelId="{37A99676-7D77-4234-B476-7F723A4EE5DD}" type="pres">
-      <dgm:prSet presAssocID="{75B842C1-CF52-47E6-AD39-8A3A8C51A002}" presName="thickLine" presStyleLbl="alignNode1" presStyleIdx="0" presStyleCnt="3"/>
+      <dgm:prSet presAssocID="{75B842C1-CF52-47E6-AD39-8A3A8C51A002}" presName="thickLine" presStyleLbl="alignNode1" presStyleIdx="0" presStyleCnt="4"/>
       <dgm:spPr/>
     </dgm:pt>
     <dgm:pt modelId="{A1FB1E83-DAD9-4C2C-A9B4-AB8AFEC41EEE}" type="pres">
@@ -14468,7 +16280,7 @@
       <dgm:spPr/>
     </dgm:pt>
     <dgm:pt modelId="{67E73B1D-A92F-4837-AC5B-AF24B5C52467}" type="pres">
-      <dgm:prSet presAssocID="{75B842C1-CF52-47E6-AD39-8A3A8C51A002}" presName="tx1" presStyleLbl="revTx" presStyleIdx="0" presStyleCnt="3"/>
+      <dgm:prSet presAssocID="{75B842C1-CF52-47E6-AD39-8A3A8C51A002}" presName="tx1" presStyleLbl="revTx" presStyleIdx="0" presStyleCnt="4"/>
       <dgm:spPr/>
     </dgm:pt>
     <dgm:pt modelId="{101FB990-A82D-400F-A7B4-A0308FA8399F}" type="pres">
@@ -14476,7 +16288,7 @@
       <dgm:spPr/>
     </dgm:pt>
     <dgm:pt modelId="{A61422F4-39B9-483B-B7C0-C98B4D842298}" type="pres">
-      <dgm:prSet presAssocID="{40727E57-3C51-4EB3-B34A-D58CB453ECB3}" presName="thickLine" presStyleLbl="alignNode1" presStyleIdx="1" presStyleCnt="3"/>
+      <dgm:prSet presAssocID="{40727E57-3C51-4EB3-B34A-D58CB453ECB3}" presName="thickLine" presStyleLbl="alignNode1" presStyleIdx="1" presStyleCnt="4"/>
       <dgm:spPr/>
     </dgm:pt>
     <dgm:pt modelId="{DD7F288F-8CBF-4564-9843-1D4B3973E86E}" type="pres">
@@ -14484,15 +16296,31 @@
       <dgm:spPr/>
     </dgm:pt>
     <dgm:pt modelId="{123E1194-EDCB-4BC3-8A5F-679E6B7FB166}" type="pres">
-      <dgm:prSet presAssocID="{40727E57-3C51-4EB3-B34A-D58CB453ECB3}" presName="tx1" presStyleLbl="revTx" presStyleIdx="1" presStyleCnt="3"/>
+      <dgm:prSet presAssocID="{40727E57-3C51-4EB3-B34A-D58CB453ECB3}" presName="tx1" presStyleLbl="revTx" presStyleIdx="1" presStyleCnt="4"/>
       <dgm:spPr/>
     </dgm:pt>
     <dgm:pt modelId="{EAA274E6-62CB-46BE-B2CB-A142D5814F33}" type="pres">
       <dgm:prSet presAssocID="{40727E57-3C51-4EB3-B34A-D58CB453ECB3}" presName="vert1" presStyleCnt="0"/>
       <dgm:spPr/>
     </dgm:pt>
+    <dgm:pt modelId="{0127BD06-B9C0-44DD-9F18-3F4DD449B519}" type="pres">
+      <dgm:prSet presAssocID="{87C187B9-BFD0-4D1B-BFCB-0AA81A76D56C}" presName="thickLine" presStyleLbl="alignNode1" presStyleIdx="2" presStyleCnt="4"/>
+      <dgm:spPr/>
+    </dgm:pt>
+    <dgm:pt modelId="{13297E3C-B444-4090-A905-46DDC492738A}" type="pres">
+      <dgm:prSet presAssocID="{87C187B9-BFD0-4D1B-BFCB-0AA81A76D56C}" presName="horz1" presStyleCnt="0"/>
+      <dgm:spPr/>
+    </dgm:pt>
+    <dgm:pt modelId="{BC9B7C63-C7C8-4684-9608-9B8C99B3C3A3}" type="pres">
+      <dgm:prSet presAssocID="{87C187B9-BFD0-4D1B-BFCB-0AA81A76D56C}" presName="tx1" presStyleLbl="revTx" presStyleIdx="2" presStyleCnt="4"/>
+      <dgm:spPr/>
+    </dgm:pt>
+    <dgm:pt modelId="{294D42F2-C0A2-414A-B3BF-ECB370184E7E}" type="pres">
+      <dgm:prSet presAssocID="{87C187B9-BFD0-4D1B-BFCB-0AA81A76D56C}" presName="vert1" presStyleCnt="0"/>
+      <dgm:spPr/>
+    </dgm:pt>
     <dgm:pt modelId="{60803E1B-51DC-4E28-AECB-BC6F5064E147}" type="pres">
-      <dgm:prSet presAssocID="{7177FDDF-34E6-4E96-85F1-5E31960CF313}" presName="thickLine" presStyleLbl="alignNode1" presStyleIdx="2" presStyleCnt="3"/>
+      <dgm:prSet presAssocID="{7177FDDF-34E6-4E96-85F1-5E31960CF313}" presName="thickLine" presStyleLbl="alignNode1" presStyleIdx="3" presStyleCnt="4"/>
       <dgm:spPr/>
     </dgm:pt>
     <dgm:pt modelId="{A4C321BF-989C-4719-9202-65A21144B7F9}" type="pres">
@@ -14500,7 +16328,7 @@
       <dgm:spPr/>
     </dgm:pt>
     <dgm:pt modelId="{70EB4E1A-1F32-4A20-873B-DE23A98B3C83}" type="pres">
-      <dgm:prSet presAssocID="{7177FDDF-34E6-4E96-85F1-5E31960CF313}" presName="tx1" presStyleLbl="revTx" presStyleIdx="2" presStyleCnt="3"/>
+      <dgm:prSet presAssocID="{7177FDDF-34E6-4E96-85F1-5E31960CF313}" presName="tx1" presStyleLbl="revTx" presStyleIdx="3" presStyleCnt="4"/>
       <dgm:spPr/>
     </dgm:pt>
     <dgm:pt modelId="{CD340007-FFD8-4AEA-85FF-AB6B29BB78E5}" type="pres">
@@ -14509,10 +16337,12 @@
     </dgm:pt>
   </dgm:ptLst>
   <dgm:cxnLst>
+    <dgm:cxn modelId="{9BE10238-AE87-4BBB-A908-887555A86D4C}" type="presOf" srcId="{87C187B9-BFD0-4D1B-BFCB-0AA81A76D56C}" destId="{BC9B7C63-C7C8-4684-9608-9B8C99B3C3A3}" srcOrd="0" destOrd="0" presId="urn:microsoft.com/office/officeart/2008/layout/LinedList"/>
     <dgm:cxn modelId="{1CFABB44-93C1-409F-B774-DDF689FAC59A}" type="presOf" srcId="{7177FDDF-34E6-4E96-85F1-5E31960CF313}" destId="{70EB4E1A-1F32-4A20-873B-DE23A98B3C83}" srcOrd="0" destOrd="0" presId="urn:microsoft.com/office/officeart/2008/layout/LinedList"/>
+    <dgm:cxn modelId="{DDC5AD66-C710-4DA9-A04D-541F81E4EEDB}" srcId="{5DEF0052-C6E6-40A1-802E-A5295FA48983}" destId="{87C187B9-BFD0-4D1B-BFCB-0AA81A76D56C}" srcOrd="2" destOrd="0" parTransId="{26BFC607-79CB-4A26-9022-1F8741B479C2}" sibTransId="{26196BFC-FB81-4092-BC64-EF381EC64E62}"/>
     <dgm:cxn modelId="{7BCEA4B4-0FB4-4E9B-944B-581E085AE97C}" type="presOf" srcId="{5DEF0052-C6E6-40A1-802E-A5295FA48983}" destId="{46E45259-DCC1-407C-A26D-97454CA51B03}" srcOrd="0" destOrd="0" presId="urn:microsoft.com/office/officeart/2008/layout/LinedList"/>
     <dgm:cxn modelId="{D360E3C5-BFB2-4BF1-BF02-7F4F948C7061}" srcId="{5DEF0052-C6E6-40A1-802E-A5295FA48983}" destId="{75B842C1-CF52-47E6-AD39-8A3A8C51A002}" srcOrd="0" destOrd="0" parTransId="{70A8DE6A-5EA3-45A3-9517-53D873109099}" sibTransId="{84B980F9-511E-4CD3-A6E2-ABA0F05DADF7}"/>
-    <dgm:cxn modelId="{50ABE2C8-2525-4CF1-80A3-9F66AC71CEE0}" srcId="{5DEF0052-C6E6-40A1-802E-A5295FA48983}" destId="{7177FDDF-34E6-4E96-85F1-5E31960CF313}" srcOrd="2" destOrd="0" parTransId="{B1535EE1-6CDF-4547-95EE-B420CBDD2DE5}" sibTransId="{FD6B3176-9816-44F8-9139-5E92715F69E9}"/>
+    <dgm:cxn modelId="{50ABE2C8-2525-4CF1-80A3-9F66AC71CEE0}" srcId="{5DEF0052-C6E6-40A1-802E-A5295FA48983}" destId="{7177FDDF-34E6-4E96-85F1-5E31960CF313}" srcOrd="3" destOrd="0" parTransId="{B1535EE1-6CDF-4547-95EE-B420CBDD2DE5}" sibTransId="{FD6B3176-9816-44F8-9139-5E92715F69E9}"/>
     <dgm:cxn modelId="{CB53DBC9-7BC9-401B-AE6C-34263338F05E}" type="presOf" srcId="{40727E57-3C51-4EB3-B34A-D58CB453ECB3}" destId="{123E1194-EDCB-4BC3-8A5F-679E6B7FB166}" srcOrd="0" destOrd="0" presId="urn:microsoft.com/office/officeart/2008/layout/LinedList"/>
     <dgm:cxn modelId="{76E612D4-7CD0-4B07-B931-79EF8A4DD877}" srcId="{5DEF0052-C6E6-40A1-802E-A5295FA48983}" destId="{40727E57-3C51-4EB3-B34A-D58CB453ECB3}" srcOrd="1" destOrd="0" parTransId="{119FEF77-3CCC-43A0-983E-7830E4ECA7B6}" sibTransId="{2A893F04-EFB4-4BFE-AA0F-14EE90B83FDC}"/>
     <dgm:cxn modelId="{DA82E9F8-B790-44F0-A621-11DF2EFF6182}" type="presOf" srcId="{75B842C1-CF52-47E6-AD39-8A3A8C51A002}" destId="{67E73B1D-A92F-4837-AC5B-AF24B5C52467}" srcOrd="0" destOrd="0" presId="urn:microsoft.com/office/officeart/2008/layout/LinedList"/>
@@ -14524,8 +16354,12 @@
     <dgm:cxn modelId="{33B13B3A-45A1-4EE8-98F6-05816C7FA0A7}" type="presParOf" srcId="{46E45259-DCC1-407C-A26D-97454CA51B03}" destId="{DD7F288F-8CBF-4564-9843-1D4B3973E86E}" srcOrd="3" destOrd="0" presId="urn:microsoft.com/office/officeart/2008/layout/LinedList"/>
     <dgm:cxn modelId="{1377A727-710B-49BC-B1EA-CB0FA988D6A4}" type="presParOf" srcId="{DD7F288F-8CBF-4564-9843-1D4B3973E86E}" destId="{123E1194-EDCB-4BC3-8A5F-679E6B7FB166}" srcOrd="0" destOrd="0" presId="urn:microsoft.com/office/officeart/2008/layout/LinedList"/>
     <dgm:cxn modelId="{F1FC7C24-A5B7-4B77-84DD-FD02DE8B6A38}" type="presParOf" srcId="{DD7F288F-8CBF-4564-9843-1D4B3973E86E}" destId="{EAA274E6-62CB-46BE-B2CB-A142D5814F33}" srcOrd="1" destOrd="0" presId="urn:microsoft.com/office/officeart/2008/layout/LinedList"/>
-    <dgm:cxn modelId="{F8A9837A-92DC-435A-923F-1D36A47BA2B0}" type="presParOf" srcId="{46E45259-DCC1-407C-A26D-97454CA51B03}" destId="{60803E1B-51DC-4E28-AECB-BC6F5064E147}" srcOrd="4" destOrd="0" presId="urn:microsoft.com/office/officeart/2008/layout/LinedList"/>
-    <dgm:cxn modelId="{C1A9C766-8CD2-408B-824B-686B9D81F94E}" type="presParOf" srcId="{46E45259-DCC1-407C-A26D-97454CA51B03}" destId="{A4C321BF-989C-4719-9202-65A21144B7F9}" srcOrd="5" destOrd="0" presId="urn:microsoft.com/office/officeart/2008/layout/LinedList"/>
+    <dgm:cxn modelId="{AB39A18D-9758-4710-AC62-0831204692B5}" type="presParOf" srcId="{46E45259-DCC1-407C-A26D-97454CA51B03}" destId="{0127BD06-B9C0-44DD-9F18-3F4DD449B519}" srcOrd="4" destOrd="0" presId="urn:microsoft.com/office/officeart/2008/layout/LinedList"/>
+    <dgm:cxn modelId="{46A625B7-6FA8-4DA3-888A-677149440396}" type="presParOf" srcId="{46E45259-DCC1-407C-A26D-97454CA51B03}" destId="{13297E3C-B444-4090-A905-46DDC492738A}" srcOrd="5" destOrd="0" presId="urn:microsoft.com/office/officeart/2008/layout/LinedList"/>
+    <dgm:cxn modelId="{13D2AF85-168E-4E6B-80BC-2A6255F3682B}" type="presParOf" srcId="{13297E3C-B444-4090-A905-46DDC492738A}" destId="{BC9B7C63-C7C8-4684-9608-9B8C99B3C3A3}" srcOrd="0" destOrd="0" presId="urn:microsoft.com/office/officeart/2008/layout/LinedList"/>
+    <dgm:cxn modelId="{8BDCCD44-97CD-4722-B3B7-8E77F45CB3DB}" type="presParOf" srcId="{13297E3C-B444-4090-A905-46DDC492738A}" destId="{294D42F2-C0A2-414A-B3BF-ECB370184E7E}" srcOrd="1" destOrd="0" presId="urn:microsoft.com/office/officeart/2008/layout/LinedList"/>
+    <dgm:cxn modelId="{F8A9837A-92DC-435A-923F-1D36A47BA2B0}" type="presParOf" srcId="{46E45259-DCC1-407C-A26D-97454CA51B03}" destId="{60803E1B-51DC-4E28-AECB-BC6F5064E147}" srcOrd="6" destOrd="0" presId="urn:microsoft.com/office/officeart/2008/layout/LinedList"/>
+    <dgm:cxn modelId="{C1A9C766-8CD2-408B-824B-686B9D81F94E}" type="presParOf" srcId="{46E45259-DCC1-407C-A26D-97454CA51B03}" destId="{A4C321BF-989C-4719-9202-65A21144B7F9}" srcOrd="7" destOrd="0" presId="urn:microsoft.com/office/officeart/2008/layout/LinedList"/>
     <dgm:cxn modelId="{1AD2326A-193C-4E5E-BECD-8B466F29BC34}" type="presParOf" srcId="{A4C321BF-989C-4719-9202-65A21144B7F9}" destId="{70EB4E1A-1F32-4A20-873B-DE23A98B3C83}" srcOrd="0" destOrd="0" presId="urn:microsoft.com/office/officeart/2008/layout/LinedList"/>
     <dgm:cxn modelId="{9DFAF5C8-E938-4186-9B46-A70E1E02875B}" type="presParOf" srcId="{A4C321BF-989C-4719-9202-65A21144B7F9}" destId="{CD340007-FFD8-4AEA-85FF-AB6B29BB78E5}" srcOrd="1" destOrd="0" presId="urn:microsoft.com/office/officeart/2008/layout/LinedList"/>
   </dgm:cxnLst>
@@ -14539,7 +16373,7 @@
 </dgm:dataModel>
 </file>
 
-<file path=ppt/diagrams/data15.xml><?xml version="1.0" encoding="utf-8"?>
+<file path=ppt/diagrams/data17.xml><?xml version="1.0" encoding="utf-8"?>
 <dgm:dataModel xmlns:dgm="http://schemas.openxmlformats.org/drawingml/2006/diagram" xmlns:a="http://schemas.openxmlformats.org/drawingml/2006/main">
   <dgm:ptLst>
     <dgm:pt modelId="{0F0A97E6-270F-4C50-B31F-01122B848BCD}" type="doc">
@@ -14670,7 +16504,7 @@
 </dgm:dataModel>
 </file>
 
-<file path=ppt/diagrams/data16.xml><?xml version="1.0" encoding="utf-8"?>
+<file path=ppt/diagrams/data18.xml><?xml version="1.0" encoding="utf-8"?>
 <dgm:dataModel xmlns:dgm="http://schemas.openxmlformats.org/drawingml/2006/diagram" xmlns:a="http://schemas.openxmlformats.org/drawingml/2006/main">
   <dgm:ptLst>
     <dgm:pt modelId="{5DEF0052-C6E6-40A1-802E-A5295FA48983}" type="doc">
@@ -14881,7 +16715,7 @@
 </dgm:dataModel>
 </file>
 
-<file path=ppt/diagrams/data17.xml><?xml version="1.0" encoding="utf-8"?>
+<file path=ppt/diagrams/data19.xml><?xml version="1.0" encoding="utf-8"?>
 <dgm:dataModel xmlns:dgm="http://schemas.openxmlformats.org/drawingml/2006/diagram" xmlns:a="http://schemas.openxmlformats.org/drawingml/2006/main">
   <dgm:ptLst>
     <dgm:pt modelId="{0F0A97E6-270F-4C50-B31F-01122B848BCD}" type="doc">
@@ -15012,7 +16846,45 @@
 </dgm:dataModel>
 </file>
 
-<file path=ppt/diagrams/data18.xml><?xml version="1.0" encoding="utf-8"?>
+<file path=ppt/diagrams/data2.xml><?xml version="1.0" encoding="utf-8"?>
+<dgm:dataModel xmlns:dgm="http://schemas.openxmlformats.org/drawingml/2006/diagram" xmlns:a="http://schemas.openxmlformats.org/drawingml/2006/main">
+  <dgm:ptLst>
+    <dgm:pt modelId="{5DEF0052-C6E6-40A1-802E-A5295FA48983}" type="doc">
+      <dgm:prSet loTypeId="urn:microsoft.com/office/officeart/2008/layout/LinedList" loCatId="list" qsTypeId="urn:microsoft.com/office/officeart/2005/8/quickstyle/simple1" qsCatId="simple" csTypeId="urn:microsoft.com/office/officeart/2005/8/colors/accent1_2" csCatId="accent1" phldr="1"/>
+      <dgm:spPr/>
+      <dgm:t>
+        <a:bodyPr/>
+        <a:lstStyle/>
+        <a:p>
+          <a:endParaRPr lang="en-US"/>
+        </a:p>
+      </dgm:t>
+    </dgm:pt>
+    <dgm:pt modelId="{6779DA7A-D85B-4503-95AD-8FAFA0442741}" type="pres">
+      <dgm:prSet presAssocID="{5DEF0052-C6E6-40A1-802E-A5295FA48983}" presName="vert0" presStyleCnt="0">
+        <dgm:presLayoutVars>
+          <dgm:dir/>
+          <dgm:animOne val="branch"/>
+          <dgm:animLvl val="lvl"/>
+        </dgm:presLayoutVars>
+      </dgm:prSet>
+      <dgm:spPr/>
+    </dgm:pt>
+  </dgm:ptLst>
+  <dgm:cxnLst>
+    <dgm:cxn modelId="{043D5211-B678-4DDC-8922-D01888B86A62}" type="presOf" srcId="{5DEF0052-C6E6-40A1-802E-A5295FA48983}" destId="{6779DA7A-D85B-4503-95AD-8FAFA0442741}" srcOrd="0" destOrd="0" presId="urn:microsoft.com/office/officeart/2008/layout/LinedList"/>
+  </dgm:cxnLst>
+  <dgm:bg/>
+  <dgm:whole/>
+  <dgm:extLst>
+    <a:ext uri="http://schemas.microsoft.com/office/drawing/2008/diagram">
+      <dsp:dataModelExt xmlns:dsp="http://schemas.microsoft.com/office/drawing/2008/diagram" relId="rId6" minVer="http://schemas.openxmlformats.org/drawingml/2006/diagram"/>
+    </a:ext>
+  </dgm:extLst>
+</dgm:dataModel>
+</file>
+
+<file path=ppt/diagrams/data20.xml><?xml version="1.0" encoding="utf-8"?>
 <dgm:dataModel xmlns:dgm="http://schemas.openxmlformats.org/drawingml/2006/diagram" xmlns:a="http://schemas.openxmlformats.org/drawingml/2006/main">
   <dgm:ptLst>
     <dgm:pt modelId="{48EFD50D-926C-4703-8C66-FEFD8999B5AA}" type="doc">
@@ -15696,44 +17568,6 @@
     <dgm:cxn modelId="{BE695552-D75B-4BF4-88E4-B3632B43DF64}" type="presParOf" srcId="{CFFE870F-F8C5-4734-B861-578B5D1BB9E7}" destId="{14D61AFA-ADAA-4852-A285-2DC9BBE48356}" srcOrd="12" destOrd="0" presId="urn:microsoft.com/office/officeart/2005/8/layout/hList6"/>
     <dgm:cxn modelId="{4A2DF303-1035-4A89-B37B-C9C354742778}" type="presParOf" srcId="{CFFE870F-F8C5-4734-B861-578B5D1BB9E7}" destId="{421DC1E7-9AAD-4D60-9ADD-56276AE90BC9}" srcOrd="13" destOrd="0" presId="urn:microsoft.com/office/officeart/2005/8/layout/hList6"/>
     <dgm:cxn modelId="{A7A14932-E12F-4740-8C2E-F1FF6F4EBAB9}" type="presParOf" srcId="{CFFE870F-F8C5-4734-B861-578B5D1BB9E7}" destId="{AF5A5BD9-0029-41FA-9235-5FFC24FFA33B}" srcOrd="14" destOrd="0" presId="urn:microsoft.com/office/officeart/2005/8/layout/hList6"/>
-  </dgm:cxnLst>
-  <dgm:bg/>
-  <dgm:whole/>
-  <dgm:extLst>
-    <a:ext uri="http://schemas.microsoft.com/office/drawing/2008/diagram">
-      <dsp:dataModelExt xmlns:dsp="http://schemas.microsoft.com/office/drawing/2008/diagram" relId="rId6" minVer="http://schemas.openxmlformats.org/drawingml/2006/diagram"/>
-    </a:ext>
-  </dgm:extLst>
-</dgm:dataModel>
-</file>
-
-<file path=ppt/diagrams/data2.xml><?xml version="1.0" encoding="utf-8"?>
-<dgm:dataModel xmlns:dgm="http://schemas.openxmlformats.org/drawingml/2006/diagram" xmlns:a="http://schemas.openxmlformats.org/drawingml/2006/main">
-  <dgm:ptLst>
-    <dgm:pt modelId="{5DEF0052-C6E6-40A1-802E-A5295FA48983}" type="doc">
-      <dgm:prSet loTypeId="urn:microsoft.com/office/officeart/2008/layout/LinedList" loCatId="list" qsTypeId="urn:microsoft.com/office/officeart/2005/8/quickstyle/simple1" qsCatId="simple" csTypeId="urn:microsoft.com/office/officeart/2005/8/colors/accent1_2" csCatId="accent1" phldr="1"/>
-      <dgm:spPr/>
-      <dgm:t>
-        <a:bodyPr/>
-        <a:lstStyle/>
-        <a:p>
-          <a:endParaRPr lang="en-US"/>
-        </a:p>
-      </dgm:t>
-    </dgm:pt>
-    <dgm:pt modelId="{6779DA7A-D85B-4503-95AD-8FAFA0442741}" type="pres">
-      <dgm:prSet presAssocID="{5DEF0052-C6E6-40A1-802E-A5295FA48983}" presName="vert0" presStyleCnt="0">
-        <dgm:presLayoutVars>
-          <dgm:dir/>
-          <dgm:animOne val="branch"/>
-          <dgm:animLvl val="lvl"/>
-        </dgm:presLayoutVars>
-      </dgm:prSet>
-      <dgm:spPr/>
-    </dgm:pt>
-  </dgm:ptLst>
-  <dgm:cxnLst>
-    <dgm:cxn modelId="{043D5211-B678-4DDC-8922-D01888B86A62}" type="presOf" srcId="{5DEF0052-C6E6-40A1-802E-A5295FA48983}" destId="{6779DA7A-D85B-4503-95AD-8FAFA0442741}" srcOrd="0" destOrd="0" presId="urn:microsoft.com/office/officeart/2008/layout/LinedList"/>
   </dgm:cxnLst>
   <dgm:bg/>
   <dgm:whole/>
@@ -16684,7 +18518,7 @@
   <dgm:whole/>
   <dgm:extLst>
     <a:ext uri="http://schemas.microsoft.com/office/drawing/2008/diagram">
-      <dsp:dataModelExt xmlns:dsp="http://schemas.microsoft.com/office/drawing/2008/diagram" relId="rId10" minVer="http://schemas.openxmlformats.org/drawingml/2006/diagram"/>
+      <dsp:dataModelExt xmlns:dsp="http://schemas.microsoft.com/office/drawing/2008/diagram" relId="rId9" minVer="http://schemas.openxmlformats.org/drawingml/2006/diagram"/>
     </a:ext>
   </dgm:extLst>
 </dgm:dataModel>
@@ -16762,7 +18596,7 @@
   <dgm:whole/>
   <dgm:extLst>
     <a:ext uri="http://schemas.microsoft.com/office/drawing/2008/diagram">
-      <dsp:dataModelExt xmlns:dsp="http://schemas.microsoft.com/office/drawing/2008/diagram" relId="rId15" minVer="http://schemas.openxmlformats.org/drawingml/2006/diagram"/>
+      <dsp:dataModelExt xmlns:dsp="http://schemas.microsoft.com/office/drawing/2008/diagram" relId="rId14" minVer="http://schemas.openxmlformats.org/drawingml/2006/diagram"/>
     </a:ext>
   </dgm:extLst>
 </dgm:dataModel>
@@ -17611,6 +19445,312 @@
       <dsp:cNvGrpSpPr/>
     </dsp:nvGrpSpPr>
     <dsp:grpSpPr/>
+    <dsp:sp modelId="{7A872C80-96A0-4422-A276-86F6CFE50AB1}">
+      <dsp:nvSpPr>
+        <dsp:cNvPr id="0" name=""/>
+        <dsp:cNvSpPr/>
+      </dsp:nvSpPr>
+      <dsp:spPr>
+        <a:xfrm>
+          <a:off x="0" y="0"/>
+          <a:ext cx="3306742" cy="0"/>
+        </a:xfrm>
+        <a:prstGeom prst="line">
+          <a:avLst/>
+        </a:prstGeom>
+        <a:solidFill>
+          <a:schemeClr val="dk2">
+            <a:hueOff val="0"/>
+            <a:satOff val="0"/>
+            <a:lumOff val="0"/>
+            <a:alphaOff val="0"/>
+          </a:schemeClr>
+        </a:solidFill>
+        <a:ln w="12700" cap="flat" cmpd="sng" algn="ctr">
+          <a:solidFill>
+            <a:schemeClr val="dk2">
+              <a:hueOff val="0"/>
+              <a:satOff val="0"/>
+              <a:lumOff val="0"/>
+              <a:alphaOff val="0"/>
+            </a:schemeClr>
+          </a:solidFill>
+          <a:prstDash val="solid"/>
+        </a:ln>
+        <a:effectLst/>
+      </dsp:spPr>
+      <dsp:style>
+        <a:lnRef idx="2">
+          <a:scrgbClr r="0" g="0" b="0"/>
+        </a:lnRef>
+        <a:fillRef idx="1">
+          <a:scrgbClr r="0" g="0" b="0"/>
+        </a:fillRef>
+        <a:effectRef idx="1">
+          <a:scrgbClr r="0" g="0" b="0"/>
+        </a:effectRef>
+        <a:fontRef idx="minor">
+          <a:schemeClr val="lt1"/>
+        </a:fontRef>
+      </dsp:style>
+    </dsp:sp>
+    <dsp:sp modelId="{C5143D86-B46E-4460-A980-B58A7D7747BD}">
+      <dsp:nvSpPr>
+        <dsp:cNvPr id="0" name=""/>
+        <dsp:cNvSpPr/>
+      </dsp:nvSpPr>
+      <dsp:spPr>
+        <a:xfrm>
+          <a:off x="0" y="0"/>
+          <a:ext cx="3306742" cy="4024125"/>
+        </a:xfrm>
+        <a:prstGeom prst="rect">
+          <a:avLst/>
+        </a:prstGeom>
+        <a:noFill/>
+        <a:ln>
+          <a:noFill/>
+        </a:ln>
+        <a:effectLst/>
+      </dsp:spPr>
+      <dsp:style>
+        <a:lnRef idx="0">
+          <a:scrgbClr r="0" g="0" b="0"/>
+        </a:lnRef>
+        <a:fillRef idx="0">
+          <a:scrgbClr r="0" g="0" b="0"/>
+        </a:fillRef>
+        <a:effectRef idx="0">
+          <a:scrgbClr r="0" g="0" b="0"/>
+        </a:effectRef>
+        <a:fontRef idx="minor"/>
+      </dsp:style>
+      <dsp:txBody>
+        <a:bodyPr spcFirstLastPara="0" vert="horz" wrap="square" lIns="76200" tIns="76200" rIns="76200" bIns="76200" numCol="1" spcCol="1270" anchor="t" anchorCtr="0">
+          <a:noAutofit/>
+        </a:bodyPr>
+        <a:lstStyle/>
+        <a:p>
+          <a:pPr marL="0" lvl="0" indent="0" algn="l" defTabSz="889000">
+            <a:lnSpc>
+              <a:spcPct val="90000"/>
+            </a:lnSpc>
+            <a:spcBef>
+              <a:spcPct val="0"/>
+            </a:spcBef>
+            <a:spcAft>
+              <a:spcPct val="35000"/>
+            </a:spcAft>
+            <a:buNone/>
+          </a:pPr>
+          <a:r>
+            <a:rPr lang="en-US" sz="2000" kern="1200" dirty="0">
+              <a:solidFill>
+                <a:schemeClr val="bg1"/>
+              </a:solidFill>
+            </a:rPr>
+            <a:t>After pushing the commit successfully, we can see the changes on GitHub in </a:t>
+          </a:r>
+          <a:r>
+            <a:rPr lang="en-US" sz="2000" kern="1200">
+              <a:solidFill>
+                <a:schemeClr val="bg1"/>
+              </a:solidFill>
+            </a:rPr>
+            <a:t>our branch</a:t>
+          </a:r>
+          <a:endParaRPr lang="en-US" sz="2000" kern="1200" dirty="0">
+            <a:solidFill>
+              <a:schemeClr val="bg1"/>
+            </a:solidFill>
+          </a:endParaRPr>
+        </a:p>
+      </dsp:txBody>
+      <dsp:txXfrm>
+        <a:off x="0" y="0"/>
+        <a:ext cx="3306742" cy="4024125"/>
+      </dsp:txXfrm>
+    </dsp:sp>
+  </dsp:spTree>
+</dsp:drawing>
+</file>
+
+<file path=ppt/diagrams/drawing15.xml><?xml version="1.0" encoding="utf-8"?>
+<dsp:drawing xmlns:dgm="http://schemas.openxmlformats.org/drawingml/2006/diagram" xmlns:dsp="http://schemas.microsoft.com/office/drawing/2008/diagram" xmlns:a="http://schemas.openxmlformats.org/drawingml/2006/main">
+  <dsp:spTree>
+    <dsp:nvGrpSpPr>
+      <dsp:cNvPr id="0" name=""/>
+      <dsp:cNvGrpSpPr/>
+    </dsp:nvGrpSpPr>
+    <dsp:grpSpPr/>
+    <dsp:sp modelId="{AFCB9AAC-413D-453E-B9FA-CCB2F75258BA}">
+      <dsp:nvSpPr>
+        <dsp:cNvPr id="0" name=""/>
+        <dsp:cNvSpPr/>
+      </dsp:nvSpPr>
+      <dsp:spPr>
+        <a:xfrm>
+          <a:off x="2822" y="803549"/>
+          <a:ext cx="2004169" cy="801667"/>
+        </a:xfrm>
+        <a:prstGeom prst="homePlate">
+          <a:avLst/>
+        </a:prstGeom>
+        <a:solidFill>
+          <a:schemeClr val="accent1">
+            <a:hueOff val="0"/>
+            <a:satOff val="0"/>
+            <a:lumOff val="0"/>
+            <a:alphaOff val="0"/>
+          </a:schemeClr>
+        </a:solidFill>
+        <a:ln w="12700" cap="flat" cmpd="sng" algn="ctr">
+          <a:solidFill>
+            <a:schemeClr val="lt1">
+              <a:hueOff val="0"/>
+              <a:satOff val="0"/>
+              <a:lumOff val="0"/>
+              <a:alphaOff val="0"/>
+            </a:schemeClr>
+          </a:solidFill>
+          <a:prstDash val="solid"/>
+        </a:ln>
+        <a:effectLst/>
+      </dsp:spPr>
+      <dsp:style>
+        <a:lnRef idx="2">
+          <a:scrgbClr r="0" g="0" b="0"/>
+        </a:lnRef>
+        <a:fillRef idx="1">
+          <a:scrgbClr r="0" g="0" b="0"/>
+        </a:fillRef>
+        <a:effectRef idx="0">
+          <a:scrgbClr r="0" g="0" b="0"/>
+        </a:effectRef>
+        <a:fontRef idx="minor">
+          <a:schemeClr val="lt1"/>
+        </a:fontRef>
+      </dsp:style>
+      <dsp:txBody>
+        <a:bodyPr spcFirstLastPara="0" vert="horz" wrap="square" lIns="117348" tIns="58674" rIns="29337" bIns="58674" numCol="1" spcCol="1270" anchor="ctr" anchorCtr="0">
+          <a:noAutofit/>
+        </a:bodyPr>
+        <a:lstStyle/>
+        <a:p>
+          <a:pPr marL="0" lvl="0" indent="0" algn="ctr" defTabSz="977900">
+            <a:lnSpc>
+              <a:spcPct val="90000"/>
+            </a:lnSpc>
+            <a:spcBef>
+              <a:spcPct val="0"/>
+            </a:spcBef>
+            <a:spcAft>
+              <a:spcPct val="35000"/>
+            </a:spcAft>
+            <a:buNone/>
+          </a:pPr>
+          <a:r>
+            <a:rPr lang="en-US" sz="2200" kern="1200" dirty="0"/>
+            <a:t>Local Machine</a:t>
+          </a:r>
+          <a:endParaRPr lang="en-IL" sz="2200" kern="1200" dirty="0"/>
+        </a:p>
+      </dsp:txBody>
+      <dsp:txXfrm>
+        <a:off x="2822" y="803549"/>
+        <a:ext cx="1803752" cy="801667"/>
+      </dsp:txXfrm>
+    </dsp:sp>
+    <dsp:sp modelId="{D7283E0C-12CA-423D-BECA-A9C855618804}">
+      <dsp:nvSpPr>
+        <dsp:cNvPr id="0" name=""/>
+        <dsp:cNvSpPr/>
+      </dsp:nvSpPr>
+      <dsp:spPr>
+        <a:xfrm>
+          <a:off x="1606158" y="803549"/>
+          <a:ext cx="2004169" cy="801667"/>
+        </a:xfrm>
+        <a:prstGeom prst="chevron">
+          <a:avLst/>
+        </a:prstGeom>
+        <a:solidFill>
+          <a:schemeClr val="accent1">
+            <a:hueOff val="0"/>
+            <a:satOff val="0"/>
+            <a:lumOff val="0"/>
+            <a:alphaOff val="0"/>
+          </a:schemeClr>
+        </a:solidFill>
+        <a:ln w="12700" cap="flat" cmpd="sng" algn="ctr">
+          <a:solidFill>
+            <a:schemeClr val="lt1">
+              <a:hueOff val="0"/>
+              <a:satOff val="0"/>
+              <a:lumOff val="0"/>
+              <a:alphaOff val="0"/>
+            </a:schemeClr>
+          </a:solidFill>
+          <a:prstDash val="solid"/>
+        </a:ln>
+        <a:effectLst/>
+      </dsp:spPr>
+      <dsp:style>
+        <a:lnRef idx="2">
+          <a:scrgbClr r="0" g="0" b="0"/>
+        </a:lnRef>
+        <a:fillRef idx="1">
+          <a:scrgbClr r="0" g="0" b="0"/>
+        </a:fillRef>
+        <a:effectRef idx="0">
+          <a:scrgbClr r="0" g="0" b="0"/>
+        </a:effectRef>
+        <a:fontRef idx="minor">
+          <a:schemeClr val="lt1"/>
+        </a:fontRef>
+      </dsp:style>
+      <dsp:txBody>
+        <a:bodyPr spcFirstLastPara="0" vert="horz" wrap="square" lIns="88011" tIns="58674" rIns="29337" bIns="58674" numCol="1" spcCol="1270" anchor="ctr" anchorCtr="0">
+          <a:noAutofit/>
+        </a:bodyPr>
+        <a:lstStyle/>
+        <a:p>
+          <a:pPr marL="0" lvl="0" indent="0" algn="ctr" defTabSz="977900">
+            <a:lnSpc>
+              <a:spcPct val="90000"/>
+            </a:lnSpc>
+            <a:spcBef>
+              <a:spcPct val="0"/>
+            </a:spcBef>
+            <a:spcAft>
+              <a:spcPct val="35000"/>
+            </a:spcAft>
+            <a:buNone/>
+          </a:pPr>
+          <a:r>
+            <a:rPr lang="en-US" sz="2200" kern="1200" dirty="0"/>
+            <a:t>Remote Server</a:t>
+          </a:r>
+          <a:endParaRPr lang="en-IL" sz="2200" kern="1200" dirty="0"/>
+        </a:p>
+      </dsp:txBody>
+      <dsp:txXfrm>
+        <a:off x="2006992" y="803549"/>
+        <a:ext cx="1202502" cy="801667"/>
+      </dsp:txXfrm>
+    </dsp:sp>
+  </dsp:spTree>
+</dsp:drawing>
+</file>
+
+<file path=ppt/diagrams/drawing16.xml><?xml version="1.0" encoding="utf-8"?>
+<dsp:drawing xmlns:dgm="http://schemas.openxmlformats.org/drawingml/2006/diagram" xmlns:dsp="http://schemas.microsoft.com/office/drawing/2008/diagram" xmlns:a="http://schemas.openxmlformats.org/drawingml/2006/main">
+  <dsp:spTree>
+    <dsp:nvGrpSpPr>
+      <dsp:cNvPr id="0" name=""/>
+      <dsp:cNvGrpSpPr/>
+    </dsp:nvGrpSpPr>
+    <dsp:grpSpPr/>
     <dsp:sp modelId="{37A99676-7D77-4234-B476-7F723A4EE5DD}">
       <dsp:nvSpPr>
         <dsp:cNvPr id="0" name=""/>
@@ -17618,7 +19758,7 @@
       </dsp:nvSpPr>
       <dsp:spPr>
         <a:xfrm>
-          <a:off x="0" y="1964"/>
+          <a:off x="0" y="0"/>
           <a:ext cx="3306742" cy="0"/>
         </a:xfrm>
         <a:prstGeom prst="line">
@@ -17667,8 +19807,8 @@
       </dsp:nvSpPr>
       <dsp:spPr>
         <a:xfrm>
-          <a:off x="0" y="1964"/>
-          <a:ext cx="3306742" cy="1340065"/>
+          <a:off x="0" y="0"/>
+          <a:ext cx="3306742" cy="1006031"/>
         </a:xfrm>
         <a:prstGeom prst="rect">
           <a:avLst/>
@@ -17692,12 +19832,12 @@
         <a:fontRef idx="minor"/>
       </dsp:style>
       <dsp:txBody>
-        <a:bodyPr spcFirstLastPara="0" vert="horz" wrap="square" lIns="49530" tIns="49530" rIns="49530" bIns="49530" numCol="1" spcCol="1270" anchor="t" anchorCtr="0">
+        <a:bodyPr spcFirstLastPara="0" vert="horz" wrap="square" lIns="45720" tIns="45720" rIns="45720" bIns="45720" numCol="1" spcCol="1270" anchor="t" anchorCtr="0">
           <a:noAutofit/>
         </a:bodyPr>
         <a:lstStyle/>
         <a:p>
-          <a:pPr marL="0" lvl="0" indent="0" algn="l" defTabSz="577850">
+          <a:pPr marL="0" lvl="0" indent="0" algn="l" defTabSz="533400">
             <a:lnSpc>
               <a:spcPct val="90000"/>
             </a:lnSpc>
@@ -17710,14 +19850,14 @@
             <a:buNone/>
           </a:pPr>
           <a:r>
-            <a:rPr lang="en-US" sz="1300" kern="1200" dirty="0">
+            <a:rPr lang="en-US" sz="1200" kern="1200" dirty="0">
               <a:solidFill>
                 <a:schemeClr val="bg1"/>
               </a:solidFill>
             </a:rPr>
             <a:t>The command “git pull” downloads changes in the server version of the repo to our local repo</a:t>
           </a:r>
-          <a:endParaRPr lang="en-IL" sz="1300" kern="1200" dirty="0">
+          <a:endParaRPr lang="en-IL" sz="1200" kern="1200" dirty="0">
             <a:solidFill>
               <a:schemeClr val="bg1"/>
             </a:solidFill>
@@ -17725,8 +19865,8 @@
         </a:p>
       </dsp:txBody>
       <dsp:txXfrm>
-        <a:off x="0" y="1964"/>
-        <a:ext cx="3306742" cy="1340065"/>
+        <a:off x="0" y="0"/>
+        <a:ext cx="3306742" cy="1006031"/>
       </dsp:txXfrm>
     </dsp:sp>
     <dsp:sp modelId="{A61422F4-39B9-483B-B7C0-C98B4D842298}">
@@ -17736,7 +19876,7 @@
       </dsp:nvSpPr>
       <dsp:spPr>
         <a:xfrm>
-          <a:off x="0" y="1342029"/>
+          <a:off x="0" y="1006031"/>
           <a:ext cx="3306742" cy="0"/>
         </a:xfrm>
         <a:prstGeom prst="line">
@@ -17785,8 +19925,8 @@
       </dsp:nvSpPr>
       <dsp:spPr>
         <a:xfrm>
-          <a:off x="0" y="1342029"/>
-          <a:ext cx="3306742" cy="1340065"/>
+          <a:off x="0" y="1006031"/>
+          <a:ext cx="3306742" cy="1006031"/>
         </a:xfrm>
         <a:prstGeom prst="rect">
           <a:avLst/>
@@ -17810,12 +19950,12 @@
         <a:fontRef idx="minor"/>
       </dsp:style>
       <dsp:txBody>
-        <a:bodyPr spcFirstLastPara="0" vert="horz" wrap="square" lIns="49530" tIns="49530" rIns="49530" bIns="49530" numCol="1" spcCol="1270" anchor="t" anchorCtr="0">
+        <a:bodyPr spcFirstLastPara="0" vert="horz" wrap="square" lIns="45720" tIns="45720" rIns="45720" bIns="45720" numCol="1" spcCol="1270" anchor="t" anchorCtr="0">
           <a:noAutofit/>
         </a:bodyPr>
         <a:lstStyle/>
         <a:p>
-          <a:pPr marL="0" lvl="0" indent="0" algn="l" defTabSz="577850">
+          <a:pPr marL="0" lvl="0" indent="0" algn="l" defTabSz="533400">
             <a:lnSpc>
               <a:spcPct val="90000"/>
             </a:lnSpc>
@@ -17828,7 +19968,7 @@
             <a:buNone/>
           </a:pPr>
           <a:r>
-            <a:rPr lang="en-US" sz="1300" kern="1200" dirty="0">
+            <a:rPr lang="en-US" sz="1200" kern="1200" dirty="0">
               <a:solidFill>
                 <a:schemeClr val="bg1"/>
               </a:solidFill>
@@ -17837,7 +19977,7 @@
           </a:r>
         </a:p>
         <a:p>
-          <a:pPr marL="0" lvl="0" indent="0" algn="l" defTabSz="577850">
+          <a:pPr marL="0" lvl="0" indent="0" algn="l" defTabSz="533400">
             <a:lnSpc>
               <a:spcPct val="90000"/>
             </a:lnSpc>
@@ -17850,7 +19990,7 @@
             <a:buNone/>
           </a:pPr>
           <a:r>
-            <a:rPr lang="en-US" sz="1300" kern="1200" dirty="0">
+            <a:rPr lang="en-US" sz="1200" kern="1200" dirty="0">
               <a:solidFill>
                 <a:schemeClr val="accent1"/>
               </a:solidFill>
@@ -17858,7 +19998,7 @@
             <a:t>Before “pulling”, make sure you have </a:t>
           </a:r>
           <a:r>
-            <a:rPr lang="en-US" sz="1300" b="1" kern="1200" dirty="0">
+            <a:rPr lang="en-US" sz="1200" b="1" kern="1200" dirty="0">
               <a:solidFill>
                 <a:schemeClr val="accent1"/>
               </a:solidFill>
@@ -17866,7 +20006,7 @@
             <a:t>staged</a:t>
           </a:r>
           <a:r>
-            <a:rPr lang="en-US" sz="1300" kern="1200" dirty="0">
+            <a:rPr lang="en-US" sz="1200" kern="1200" dirty="0">
               <a:solidFill>
                 <a:schemeClr val="accent1"/>
               </a:solidFill>
@@ -17874,7 +20014,7 @@
             <a:t>, </a:t>
           </a:r>
           <a:r>
-            <a:rPr lang="en-US" sz="1300" b="1" kern="1200" dirty="0">
+            <a:rPr lang="en-US" sz="1200" b="1" kern="1200" dirty="0">
               <a:solidFill>
                 <a:schemeClr val="accent1"/>
               </a:solidFill>
@@ -17882,7 +20022,7 @@
             <a:t>committed</a:t>
           </a:r>
           <a:r>
-            <a:rPr lang="en-US" sz="1300" kern="1200" dirty="0">
+            <a:rPr lang="en-US" sz="1200" kern="1200" dirty="0">
               <a:solidFill>
                 <a:schemeClr val="accent1"/>
               </a:solidFill>
@@ -17890,7 +20030,7 @@
             <a:t>, and </a:t>
           </a:r>
           <a:r>
-            <a:rPr lang="en-US" sz="1300" b="1" kern="1200" dirty="0">
+            <a:rPr lang="en-US" sz="1200" b="1" kern="1200" dirty="0">
               <a:solidFill>
                 <a:schemeClr val="accent1"/>
               </a:solidFill>
@@ -17898,7 +20038,7 @@
             <a:t>pushed</a:t>
           </a:r>
           <a:r>
-            <a:rPr lang="en-US" sz="1300" kern="1200" dirty="0">
+            <a:rPr lang="en-US" sz="1200" kern="1200" dirty="0">
               <a:solidFill>
                 <a:schemeClr val="accent1"/>
               </a:solidFill>
@@ -17906,14 +20046,14 @@
             <a:t> all your changes. </a:t>
           </a:r>
           <a:r>
-            <a:rPr lang="en-US" sz="1300" kern="1200" dirty="0">
+            <a:rPr lang="en-US" sz="1200" kern="1200" dirty="0">
               <a:solidFill>
                 <a:schemeClr val="bg1"/>
               </a:solidFill>
             </a:rPr>
             <a:t>Otherwise your branch might need a bit of work to be synced again</a:t>
           </a:r>
-          <a:endParaRPr lang="en-IL" sz="1300" kern="1200" dirty="0">
+          <a:endParaRPr lang="en-IL" sz="1200" kern="1200" dirty="0">
             <a:solidFill>
               <a:schemeClr val="bg1"/>
             </a:solidFill>
@@ -17921,8 +20061,148 @@
         </a:p>
       </dsp:txBody>
       <dsp:txXfrm>
-        <a:off x="0" y="1342029"/>
-        <a:ext cx="3306742" cy="1340065"/>
+        <a:off x="0" y="1006031"/>
+        <a:ext cx="3306742" cy="1006031"/>
+      </dsp:txXfrm>
+    </dsp:sp>
+    <dsp:sp modelId="{0127BD06-B9C0-44DD-9F18-3F4DD449B519}">
+      <dsp:nvSpPr>
+        <dsp:cNvPr id="0" name=""/>
+        <dsp:cNvSpPr/>
+      </dsp:nvSpPr>
+      <dsp:spPr>
+        <a:xfrm>
+          <a:off x="0" y="2012062"/>
+          <a:ext cx="3306742" cy="0"/>
+        </a:xfrm>
+        <a:prstGeom prst="line">
+          <a:avLst/>
+        </a:prstGeom>
+        <a:solidFill>
+          <a:schemeClr val="dk2">
+            <a:hueOff val="0"/>
+            <a:satOff val="0"/>
+            <a:lumOff val="0"/>
+            <a:alphaOff val="0"/>
+          </a:schemeClr>
+        </a:solidFill>
+        <a:ln w="12700" cap="flat" cmpd="sng" algn="ctr">
+          <a:solidFill>
+            <a:schemeClr val="dk2">
+              <a:hueOff val="0"/>
+              <a:satOff val="0"/>
+              <a:lumOff val="0"/>
+              <a:alphaOff val="0"/>
+            </a:schemeClr>
+          </a:solidFill>
+          <a:prstDash val="solid"/>
+        </a:ln>
+        <a:effectLst/>
+      </dsp:spPr>
+      <dsp:style>
+        <a:lnRef idx="2">
+          <a:scrgbClr r="0" g="0" b="0"/>
+        </a:lnRef>
+        <a:fillRef idx="1">
+          <a:scrgbClr r="0" g="0" b="0"/>
+        </a:fillRef>
+        <a:effectRef idx="1">
+          <a:scrgbClr r="0" g="0" b="0"/>
+        </a:effectRef>
+        <a:fontRef idx="minor">
+          <a:schemeClr val="lt1"/>
+        </a:fontRef>
+      </dsp:style>
+    </dsp:sp>
+    <dsp:sp modelId="{BC9B7C63-C7C8-4684-9608-9B8C99B3C3A3}">
+      <dsp:nvSpPr>
+        <dsp:cNvPr id="0" name=""/>
+        <dsp:cNvSpPr/>
+      </dsp:nvSpPr>
+      <dsp:spPr>
+        <a:xfrm>
+          <a:off x="0" y="2012062"/>
+          <a:ext cx="3306742" cy="1006031"/>
+        </a:xfrm>
+        <a:prstGeom prst="rect">
+          <a:avLst/>
+        </a:prstGeom>
+        <a:noFill/>
+        <a:ln>
+          <a:noFill/>
+        </a:ln>
+        <a:effectLst/>
+      </dsp:spPr>
+      <dsp:style>
+        <a:lnRef idx="0">
+          <a:scrgbClr r="0" g="0" b="0"/>
+        </a:lnRef>
+        <a:fillRef idx="0">
+          <a:scrgbClr r="0" g="0" b="0"/>
+        </a:fillRef>
+        <a:effectRef idx="0">
+          <a:scrgbClr r="0" g="0" b="0"/>
+        </a:effectRef>
+        <a:fontRef idx="minor"/>
+      </dsp:style>
+      <dsp:txBody>
+        <a:bodyPr spcFirstLastPara="0" vert="horz" wrap="square" lIns="45720" tIns="45720" rIns="45720" bIns="45720" numCol="1" spcCol="1270" anchor="t" anchorCtr="0">
+          <a:noAutofit/>
+        </a:bodyPr>
+        <a:lstStyle/>
+        <a:p>
+          <a:pPr marL="0" lvl="0" indent="0" algn="l" defTabSz="533400">
+            <a:lnSpc>
+              <a:spcPct val="90000"/>
+            </a:lnSpc>
+            <a:spcBef>
+              <a:spcPct val="0"/>
+            </a:spcBef>
+            <a:spcAft>
+              <a:spcPct val="35000"/>
+            </a:spcAft>
+            <a:buNone/>
+          </a:pPr>
+          <a:r>
+            <a:rPr lang="en-US" sz="1200" kern="1200" dirty="0">
+              <a:solidFill>
+                <a:schemeClr val="bg1"/>
+              </a:solidFill>
+            </a:rPr>
+            <a:t>***NOTICE***</a:t>
+          </a:r>
+        </a:p>
+        <a:p>
+          <a:pPr marL="0" lvl="0" indent="0" algn="l" defTabSz="533400">
+            <a:lnSpc>
+              <a:spcPct val="90000"/>
+            </a:lnSpc>
+            <a:spcBef>
+              <a:spcPct val="0"/>
+            </a:spcBef>
+            <a:spcAft>
+              <a:spcPct val="35000"/>
+            </a:spcAft>
+            <a:buNone/>
+          </a:pPr>
+          <a:r>
+            <a:rPr lang="en-US" sz="1200" kern="1200" dirty="0">
+              <a:solidFill>
+                <a:schemeClr val="bg1"/>
+              </a:solidFill>
+            </a:rPr>
+            <a:t>Switch to “main” branch before pulling</a:t>
+          </a:r>
+          <a:endParaRPr lang="en-IL" sz="1200" kern="1200" dirty="0">
+            <a:solidFill>
+              <a:schemeClr val="bg1"/>
+            </a:solidFill>
+          </a:endParaRPr>
+        </a:p>
+      </dsp:txBody>
+      <dsp:txXfrm>
+        <a:off x="0" y="2012062"/>
+        <a:ext cx="3306742" cy="1006031"/>
       </dsp:txXfrm>
     </dsp:sp>
     <dsp:sp modelId="{60803E1B-51DC-4E28-AECB-BC6F5064E147}">
@@ -17932,7 +20212,7 @@
       </dsp:nvSpPr>
       <dsp:spPr>
         <a:xfrm>
-          <a:off x="0" y="2682095"/>
+          <a:off x="0" y="3018093"/>
           <a:ext cx="3306742" cy="0"/>
         </a:xfrm>
         <a:prstGeom prst="line">
@@ -17981,8 +20261,8 @@
       </dsp:nvSpPr>
       <dsp:spPr>
         <a:xfrm>
-          <a:off x="0" y="2682095"/>
-          <a:ext cx="3306742" cy="1340065"/>
+          <a:off x="0" y="3018093"/>
+          <a:ext cx="3306742" cy="1006031"/>
         </a:xfrm>
         <a:prstGeom prst="rect">
           <a:avLst/>
@@ -18006,12 +20286,12 @@
         <a:fontRef idx="minor"/>
       </dsp:style>
       <dsp:txBody>
-        <a:bodyPr spcFirstLastPara="0" vert="horz" wrap="square" lIns="49530" tIns="49530" rIns="49530" bIns="49530" numCol="1" spcCol="1270" anchor="t" anchorCtr="0">
+        <a:bodyPr spcFirstLastPara="0" vert="horz" wrap="square" lIns="45720" tIns="45720" rIns="45720" bIns="45720" numCol="1" spcCol="1270" anchor="t" anchorCtr="0">
           <a:noAutofit/>
         </a:bodyPr>
         <a:lstStyle/>
         <a:p>
-          <a:pPr marL="0" lvl="0" indent="0" algn="l" defTabSz="577850">
+          <a:pPr marL="0" lvl="0" indent="0" algn="l" defTabSz="533400">
             <a:lnSpc>
               <a:spcPct val="90000"/>
             </a:lnSpc>
@@ -18024,7 +20304,7 @@
             <a:buNone/>
           </a:pPr>
           <a:r>
-            <a:rPr lang="en-US" sz="1300" kern="1200" dirty="0">
+            <a:rPr lang="en-US" sz="1200" kern="1200" dirty="0">
               <a:solidFill>
                 <a:schemeClr val="bg1"/>
               </a:solidFill>
@@ -18032,7 +20312,7 @@
             <a:t>The changes you are pulling should be on other branches and not your own (probably the “main” branch or “</a:t>
           </a:r>
           <a:r>
-            <a:rPr lang="en-US" sz="1300" kern="1200" dirty="0" err="1">
+            <a:rPr lang="en-US" sz="1200" kern="1200" dirty="0" err="1">
               <a:solidFill>
                 <a:schemeClr val="bg1"/>
               </a:solidFill>
@@ -18040,14 +20320,14 @@
             <a:t>Other_Person”’s</a:t>
           </a:r>
           <a:r>
-            <a:rPr lang="en-US" sz="1300" kern="1200" dirty="0">
+            <a:rPr lang="en-US" sz="1200" kern="1200" dirty="0">
               <a:solidFill>
                 <a:schemeClr val="bg1"/>
               </a:solidFill>
             </a:rPr>
             <a:t> branch</a:t>
           </a:r>
-          <a:endParaRPr lang="en-IL" sz="1300" kern="1200" dirty="0">
+          <a:endParaRPr lang="en-IL" sz="1200" kern="1200" dirty="0">
             <a:solidFill>
               <a:schemeClr val="bg1"/>
             </a:solidFill>
@@ -18055,15 +20335,15 @@
         </a:p>
       </dsp:txBody>
       <dsp:txXfrm>
-        <a:off x="0" y="2682095"/>
-        <a:ext cx="3306742" cy="1340065"/>
+        <a:off x="0" y="3018093"/>
+        <a:ext cx="3306742" cy="1006031"/>
       </dsp:txXfrm>
     </dsp:sp>
   </dsp:spTree>
 </dsp:drawing>
 </file>
 
-<file path=ppt/diagrams/drawing15.xml><?xml version="1.0" encoding="utf-8"?>
+<file path=ppt/diagrams/drawing17.xml><?xml version="1.0" encoding="utf-8"?>
 <dsp:drawing xmlns:dgm="http://schemas.openxmlformats.org/drawingml/2006/diagram" xmlns:dsp="http://schemas.microsoft.com/office/drawing/2008/diagram" xmlns:a="http://schemas.openxmlformats.org/drawingml/2006/main">
   <dsp:spTree>
     <dsp:nvGrpSpPr>
@@ -18231,7 +20511,7 @@
 </dsp:drawing>
 </file>
 
-<file path=ppt/diagrams/drawing16.xml><?xml version="1.0" encoding="utf-8"?>
+<file path=ppt/diagrams/drawing18.xml><?xml version="1.0" encoding="utf-8"?>
 <dsp:drawing xmlns:dgm="http://schemas.openxmlformats.org/drawingml/2006/diagram" xmlns:dsp="http://schemas.microsoft.com/office/drawing/2008/diagram" xmlns:a="http://schemas.openxmlformats.org/drawingml/2006/main">
   <dsp:spTree>
     <dsp:nvGrpSpPr>
@@ -18597,7 +20877,7 @@
 </dsp:drawing>
 </file>
 
-<file path=ppt/diagrams/drawing17.xml><?xml version="1.0" encoding="utf-8"?>
+<file path=ppt/diagrams/drawing19.xml><?xml version="1.0" encoding="utf-8"?>
 <dsp:drawing xmlns:dgm="http://schemas.openxmlformats.org/drawingml/2006/diagram" xmlns:dsp="http://schemas.microsoft.com/office/drawing/2008/diagram" xmlns:a="http://schemas.openxmlformats.org/drawingml/2006/main">
   <dsp:spTree>
     <dsp:nvGrpSpPr>
@@ -18765,7 +21045,19 @@
 </dsp:drawing>
 </file>
 
-<file path=ppt/diagrams/drawing18.xml><?xml version="1.0" encoding="utf-8"?>
+<file path=ppt/diagrams/drawing2.xml><?xml version="1.0" encoding="utf-8"?>
+<dsp:drawing xmlns:dgm="http://schemas.openxmlformats.org/drawingml/2006/diagram" xmlns:dsp="http://schemas.microsoft.com/office/drawing/2008/diagram" xmlns:a="http://schemas.openxmlformats.org/drawingml/2006/main">
+  <dsp:spTree>
+    <dsp:nvGrpSpPr>
+      <dsp:cNvPr id="0" name=""/>
+      <dsp:cNvGrpSpPr/>
+    </dsp:nvGrpSpPr>
+    <dsp:grpSpPr/>
+  </dsp:spTree>
+</dsp:drawing>
+</file>
+
+<file path=ppt/diagrams/drawing20.xml><?xml version="1.0" encoding="utf-8"?>
 <dsp:drawing xmlns:dgm="http://schemas.openxmlformats.org/drawingml/2006/diagram" xmlns:dsp="http://schemas.microsoft.com/office/drawing/2008/diagram" xmlns:a="http://schemas.openxmlformats.org/drawingml/2006/main">
   <dsp:spTree>
     <dsp:nvGrpSpPr>
@@ -19713,18 +22005,6 @@
         <a:ext cx="1268015" cy="2118038"/>
       </dsp:txXfrm>
     </dsp:sp>
-  </dsp:spTree>
-</dsp:drawing>
-</file>
-
-<file path=ppt/diagrams/drawing2.xml><?xml version="1.0" encoding="utf-8"?>
-<dsp:drawing xmlns:dgm="http://schemas.openxmlformats.org/drawingml/2006/diagram" xmlns:dsp="http://schemas.microsoft.com/office/drawing/2008/diagram" xmlns:a="http://schemas.openxmlformats.org/drawingml/2006/main">
-  <dsp:spTree>
-    <dsp:nvGrpSpPr>
-      <dsp:cNvPr id="0" name=""/>
-      <dsp:cNvGrpSpPr/>
-    </dsp:nvGrpSpPr>
-    <dsp:grpSpPr/>
   </dsp:spTree>
 </dsp:drawing>
 </file>
@@ -24709,11 +26989,12 @@
 </file>
 
 <file path=ppt/diagrams/layout18.xml><?xml version="1.0" encoding="utf-8"?>
-<dgm:layoutDef xmlns:dgm="http://schemas.openxmlformats.org/drawingml/2006/diagram" xmlns:a="http://schemas.openxmlformats.org/drawingml/2006/main" uniqueId="urn:microsoft.com/office/officeart/2005/8/layout/hList6">
+<dgm:layoutDef xmlns:dgm="http://schemas.openxmlformats.org/drawingml/2006/diagram" xmlns:a="http://schemas.openxmlformats.org/drawingml/2006/main" uniqueId="urn:microsoft.com/office/officeart/2008/layout/LinedList">
   <dgm:title val=""/>
   <dgm:desc val=""/>
   <dgm:catLst>
-    <dgm:cat type="list" pri="18000"/>
+    <dgm:cat type="hierarchy" pri="8000"/>
+    <dgm:cat type="list" pri="2500"/>
   </dgm:catLst>
   <dgm:sampData>
     <dgm:dataModel>
@@ -24728,35 +27009,15 @@
         <dgm:pt modelId="12">
           <dgm:prSet phldr="1"/>
         </dgm:pt>
-        <dgm:pt modelId="2">
-          <dgm:prSet phldr="1"/>
-        </dgm:pt>
-        <dgm:pt modelId="21">
-          <dgm:prSet phldr="1"/>
-        </dgm:pt>
-        <dgm:pt modelId="22">
-          <dgm:prSet phldr="1"/>
-        </dgm:pt>
-        <dgm:pt modelId="3">
-          <dgm:prSet phldr="1"/>
-        </dgm:pt>
-        <dgm:pt modelId="31">
-          <dgm:prSet phldr="1"/>
-        </dgm:pt>
-        <dgm:pt modelId="32">
+        <dgm:pt modelId="13">
           <dgm:prSet phldr="1"/>
         </dgm:pt>
       </dgm:ptLst>
       <dgm:cxnLst>
-        <dgm:cxn modelId="4" srcId="0" destId="1" srcOrd="0" destOrd="0"/>
-        <dgm:cxn modelId="5" srcId="0" destId="2" srcOrd="1" destOrd="0"/>
-        <dgm:cxn modelId="6" srcId="0" destId="3" srcOrd="2" destOrd="0"/>
-        <dgm:cxn modelId="13" srcId="1" destId="11" srcOrd="0" destOrd="0"/>
-        <dgm:cxn modelId="14" srcId="1" destId="12" srcOrd="1" destOrd="0"/>
-        <dgm:cxn modelId="23" srcId="2" destId="21" srcOrd="0" destOrd="0"/>
-        <dgm:cxn modelId="24" srcId="2" destId="22" srcOrd="1" destOrd="0"/>
-        <dgm:cxn modelId="33" srcId="3" destId="31" srcOrd="0" destOrd="0"/>
-        <dgm:cxn modelId="34" srcId="3" destId="32" srcOrd="1" destOrd="0"/>
+        <dgm:cxn modelId="2" srcId="0" destId="1" srcOrd="0" destOrd="0"/>
+        <dgm:cxn modelId="3" srcId="1" destId="11" srcOrd="0" destOrd="0"/>
+        <dgm:cxn modelId="4" srcId="1" destId="12" srcOrd="1" destOrd="0"/>
+        <dgm:cxn modelId="5" srcId="1" destId="13" srcOrd="2" destOrd="0"/>
       </dgm:cxnLst>
       <dgm:bg/>
       <dgm:whole/>
@@ -24766,16 +27027,457 @@
     <dgm:dataModel>
       <dgm:ptLst>
         <dgm:pt modelId="0" type="doc"/>
-        <dgm:pt modelId="1"/>
-        <dgm:pt modelId="11"/>
-        <dgm:pt modelId="2"/>
-        <dgm:pt modelId="21"/>
+        <dgm:pt modelId="1">
+          <dgm:prSet phldr="1"/>
+        </dgm:pt>
+        <dgm:pt modelId="11">
+          <dgm:prSet phldr="1"/>
+        </dgm:pt>
+        <dgm:pt modelId="12">
+          <dgm:prSet phldr="1"/>
+        </dgm:pt>
       </dgm:ptLst>
       <dgm:cxnLst>
-        <dgm:cxn modelId="4" srcId="0" destId="1" srcOrd="0" destOrd="0"/>
-        <dgm:cxn modelId="5" srcId="0" destId="2" srcOrd="1" destOrd="0"/>
-        <dgm:cxn modelId="13" srcId="1" destId="11" srcOrd="0" destOrd="0"/>
-        <dgm:cxn modelId="23" srcId="2" destId="21" srcOrd="0" destOrd="0"/>
+        <dgm:cxn modelId="2" srcId="0" destId="1" srcOrd="0" destOrd="0"/>
+        <dgm:cxn modelId="3" srcId="1" destId="11" srcOrd="0" destOrd="0"/>
+        <dgm:cxn modelId="4" srcId="1" destId="12" srcOrd="1" destOrd="0"/>
+      </dgm:cxnLst>
+      <dgm:bg/>
+      <dgm:whole/>
+    </dgm:dataModel>
+  </dgm:styleData>
+  <dgm:clrData>
+    <dgm:dataModel>
+      <dgm:ptLst>
+        <dgm:pt modelId="0" type="doc"/>
+        <dgm:pt modelId="1">
+          <dgm:prSet phldr="1"/>
+        </dgm:pt>
+        <dgm:pt modelId="11">
+          <dgm:prSet phldr="1"/>
+        </dgm:pt>
+        <dgm:pt modelId="12">
+          <dgm:prSet phldr="1"/>
+        </dgm:pt>
+      </dgm:ptLst>
+      <dgm:cxnLst>
+        <dgm:cxn modelId="2" srcId="0" destId="1" srcOrd="0" destOrd="0"/>
+        <dgm:cxn modelId="3" srcId="1" destId="11" srcOrd="0" destOrd="0"/>
+        <dgm:cxn modelId="4" srcId="1" destId="12" srcOrd="1" destOrd="0"/>
+      </dgm:cxnLst>
+      <dgm:bg/>
+      <dgm:whole/>
+    </dgm:dataModel>
+  </dgm:clrData>
+  <dgm:layoutNode name="vert0">
+    <dgm:varLst>
+      <dgm:dir/>
+      <dgm:animOne val="branch"/>
+      <dgm:animLvl val="lvl"/>
+    </dgm:varLst>
+    <dgm:choose name="Name0">
+      <dgm:if name="Name1" func="var" arg="dir" op="equ" val="norm">
+        <dgm:alg type="lin">
+          <dgm:param type="linDir" val="fromT"/>
+          <dgm:param type="nodeHorzAlign" val="l"/>
+        </dgm:alg>
+      </dgm:if>
+      <dgm:else name="Name2">
+        <dgm:alg type="lin">
+          <dgm:param type="linDir" val="fromT"/>
+          <dgm:param type="nodeHorzAlign" val="r"/>
+        </dgm:alg>
+      </dgm:else>
+    </dgm:choose>
+    <dgm:shape xmlns:r="http://schemas.openxmlformats.org/officeDocument/2006/relationships" r:blip="">
+      <dgm:adjLst/>
+    </dgm:shape>
+    <dgm:presOf/>
+    <dgm:constrLst>
+      <dgm:constr type="w" for="ch" forName="horz1" refType="w"/>
+      <dgm:constr type="h" for="ch" forName="horz1" refType="h"/>
+      <dgm:constr type="h" for="des" forName="vert1" refType="h"/>
+      <dgm:constr type="h" for="des" forName="tx1" refType="h"/>
+      <dgm:constr type="h" for="des" forName="horz2" refType="h"/>
+      <dgm:constr type="h" for="des" forName="vert2" refType="h"/>
+      <dgm:constr type="h" for="des" forName="horz3" refType="h"/>
+      <dgm:constr type="h" for="des" forName="vert3" refType="h"/>
+      <dgm:constr type="h" for="des" forName="horz4" refType="h"/>
+      <dgm:constr type="h" for="des" ptType="node" refType="h"/>
+      <dgm:constr type="primFontSz" for="des" forName="tx1" op="equ" val="65"/>
+      <dgm:constr type="primFontSz" for="des" forName="tx2" op="equ" val="65"/>
+      <dgm:constr type="primFontSz" for="des" forName="tx3" op="equ" val="65"/>
+      <dgm:constr type="primFontSz" for="des" forName="tx4" op="equ" val="65"/>
+      <dgm:constr type="w" for="des" forName="thickLine" refType="w"/>
+      <dgm:constr type="h" for="des" forName="thickLine"/>
+      <dgm:constr type="h" for="des" forName="thinLine1"/>
+      <dgm:constr type="h" for="des" forName="thinLine2b"/>
+      <dgm:constr type="h" for="des" forName="thinLine3"/>
+      <dgm:constr type="h" for="des" forName="vertSpace2a" refType="h" fact="0.05"/>
+      <dgm:constr type="h" for="des" forName="vertSpace2b" refType="h" refFor="des" refForName="vertSpace2a"/>
+    </dgm:constrLst>
+    <dgm:forEach name="Name3" axis="ch" ptType="node">
+      <dgm:layoutNode name="thickLine" styleLbl="alignNode1">
+        <dgm:alg type="sp"/>
+        <dgm:shape xmlns:r="http://schemas.openxmlformats.org/officeDocument/2006/relationships" type="line" r:blip="">
+          <dgm:adjLst/>
+        </dgm:shape>
+        <dgm:presOf/>
+      </dgm:layoutNode>
+      <dgm:layoutNode name="horz1">
+        <dgm:choose name="Name4">
+          <dgm:if name="Name5" func="var" arg="dir" op="equ" val="norm">
+            <dgm:alg type="lin">
+              <dgm:param type="linDir" val="fromL"/>
+              <dgm:param type="nodeVertAlign" val="t"/>
+            </dgm:alg>
+          </dgm:if>
+          <dgm:else name="Name6">
+            <dgm:alg type="lin">
+              <dgm:param type="linDir" val="fromR"/>
+              <dgm:param type="nodeVertAlign" val="t"/>
+            </dgm:alg>
+          </dgm:else>
+        </dgm:choose>
+        <dgm:shape xmlns:r="http://schemas.openxmlformats.org/officeDocument/2006/relationships" r:blip="">
+          <dgm:adjLst/>
+        </dgm:shape>
+        <dgm:presOf/>
+        <dgm:choose name="Name7">
+          <dgm:if name="Name8" axis="root des" func="maxDepth" op="equ" val="1">
+            <dgm:constrLst>
+              <dgm:constr type="w" for="ch" forName="tx1" refType="w"/>
+            </dgm:constrLst>
+          </dgm:if>
+          <dgm:if name="Name9" axis="root des" func="maxDepth" op="equ" val="2">
+            <dgm:constrLst>
+              <dgm:constr type="w" for="ch" forName="tx1" refType="w" fact="0.2"/>
+              <dgm:constr type="w" for="des" forName="tx2" refType="w" fact="0.785"/>
+              <dgm:constr type="w" for="des" forName="horzSpace2" refType="w" fact="0.015"/>
+              <dgm:constr type="w" for="des" forName="thinLine2b" refType="w" fact="0.8"/>
+            </dgm:constrLst>
+          </dgm:if>
+          <dgm:if name="Name10" axis="root des" func="maxDepth" op="equ" val="3">
+            <dgm:constrLst>
+              <dgm:constr type="w" for="ch" forName="tx1" refType="w" fact="0.2"/>
+              <dgm:constr type="w" for="des" forName="tx2" refType="w" fact="0.385"/>
+              <dgm:constr type="w" for="des" forName="tx3" refType="w" fact="0.385"/>
+              <dgm:constr type="w" for="des" forName="horzSpace2" refType="w" fact="0.015"/>
+              <dgm:constr type="w" for="des" forName="horzSpace3" refType="w" fact="0.015"/>
+              <dgm:constr type="w" for="des" forName="thinLine2b" refType="w" fact="0.8"/>
+              <dgm:constr type="w" for="des" forName="thinLine3" refType="w" fact="0.385"/>
+            </dgm:constrLst>
+          </dgm:if>
+          <dgm:if name="Name11" axis="root des" func="maxDepth" op="gte" val="4">
+            <dgm:constrLst>
+              <dgm:constr type="w" for="ch" forName="tx1" refType="w" fact="0.2"/>
+              <dgm:constr type="w" for="des" forName="tx2" refType="w" fact="0.2516"/>
+              <dgm:constr type="w" for="des" forName="tx3" refType="w" fact="0.2516"/>
+              <dgm:constr type="w" for="des" forName="tx4" refType="w" fact="0.2516"/>
+              <dgm:constr type="w" for="des" forName="horzSpace2" refType="w" fact="0.015"/>
+              <dgm:constr type="w" for="des" forName="horzSpace3" refType="w" fact="0.015"/>
+              <dgm:constr type="w" for="des" forName="horzSpace4" refType="w" fact="0.015"/>
+              <dgm:constr type="w" for="des" forName="thinLine2b" refType="w" fact="0.8"/>
+              <dgm:constr type="w" for="des" forName="thinLine3" refType="w" fact="0.5332"/>
+            </dgm:constrLst>
+          </dgm:if>
+          <dgm:else name="Name12"/>
+        </dgm:choose>
+        <dgm:layoutNode name="tx1" styleLbl="revTx">
+          <dgm:alg type="tx">
+            <dgm:param type="parTxLTRAlign" val="l"/>
+            <dgm:param type="parTxRTLAlign" val="r"/>
+            <dgm:param type="txAnchorVert" val="t"/>
+          </dgm:alg>
+          <dgm:shape xmlns:r="http://schemas.openxmlformats.org/officeDocument/2006/relationships" type="rect" r:blip="">
+            <dgm:adjLst/>
+          </dgm:shape>
+          <dgm:presOf axis="self"/>
+          <dgm:constrLst>
+            <dgm:constr type="tMarg" refType="primFontSz" fact="0.3"/>
+            <dgm:constr type="bMarg" refType="primFontSz" fact="0.3"/>
+            <dgm:constr type="lMarg" refType="primFontSz" fact="0.3"/>
+            <dgm:constr type="rMarg" refType="primFontSz" fact="0.3"/>
+          </dgm:constrLst>
+          <dgm:ruleLst>
+            <dgm:rule type="primFontSz" val="5" fact="NaN" max="NaN"/>
+          </dgm:ruleLst>
+        </dgm:layoutNode>
+        <dgm:layoutNode name="vert1">
+          <dgm:choose name="Name13">
+            <dgm:if name="Name14" func="var" arg="dir" op="equ" val="norm">
+              <dgm:alg type="lin">
+                <dgm:param type="linDir" val="fromT"/>
+                <dgm:param type="nodeHorzAlign" val="l"/>
+              </dgm:alg>
+            </dgm:if>
+            <dgm:else name="Name15">
+              <dgm:alg type="lin">
+                <dgm:param type="linDir" val="fromT"/>
+                <dgm:param type="nodeHorzAlign" val="r"/>
+              </dgm:alg>
+            </dgm:else>
+          </dgm:choose>
+          <dgm:shape xmlns:r="http://schemas.openxmlformats.org/officeDocument/2006/relationships" r:blip="">
+            <dgm:adjLst/>
+          </dgm:shape>
+          <dgm:presOf/>
+          <dgm:forEach name="Name16" axis="ch" ptType="node">
+            <dgm:choose name="Name17">
+              <dgm:if name="Name18" axis="self" ptType="node" func="pos" op="equ" val="1">
+                <dgm:layoutNode name="vertSpace2a">
+                  <dgm:alg type="sp"/>
+                  <dgm:shape xmlns:r="http://schemas.openxmlformats.org/officeDocument/2006/relationships" r:blip="">
+                    <dgm:adjLst/>
+                  </dgm:shape>
+                  <dgm:presOf/>
+                </dgm:layoutNode>
+              </dgm:if>
+              <dgm:else name="Name19"/>
+            </dgm:choose>
+            <dgm:layoutNode name="horz2">
+              <dgm:choose name="Name20">
+                <dgm:if name="Name21" func="var" arg="dir" op="equ" val="norm">
+                  <dgm:alg type="lin">
+                    <dgm:param type="linDir" val="fromL"/>
+                    <dgm:param type="nodeVertAlign" val="t"/>
+                  </dgm:alg>
+                </dgm:if>
+                <dgm:else name="Name22">
+                  <dgm:alg type="lin">
+                    <dgm:param type="linDir" val="fromR"/>
+                    <dgm:param type="nodeVertAlign" val="t"/>
+                  </dgm:alg>
+                </dgm:else>
+              </dgm:choose>
+              <dgm:shape xmlns:r="http://schemas.openxmlformats.org/officeDocument/2006/relationships" r:blip="">
+                <dgm:adjLst/>
+              </dgm:shape>
+              <dgm:presOf/>
+              <dgm:layoutNode name="horzSpace2">
+                <dgm:alg type="sp"/>
+                <dgm:shape xmlns:r="http://schemas.openxmlformats.org/officeDocument/2006/relationships" r:blip="">
+                  <dgm:adjLst/>
+                </dgm:shape>
+                <dgm:presOf/>
+              </dgm:layoutNode>
+              <dgm:layoutNode name="tx2" styleLbl="revTx">
+                <dgm:alg type="tx">
+                  <dgm:param type="parTxLTRAlign" val="l"/>
+                  <dgm:param type="parTxRTLAlign" val="r"/>
+                  <dgm:param type="txAnchorVert" val="t"/>
+                </dgm:alg>
+                <dgm:shape xmlns:r="http://schemas.openxmlformats.org/officeDocument/2006/relationships" type="rect" r:blip="">
+                  <dgm:adjLst/>
+                </dgm:shape>
+                <dgm:presOf axis="self"/>
+                <dgm:constrLst>
+                  <dgm:constr type="tMarg" refType="primFontSz" fact="0.3"/>
+                  <dgm:constr type="bMarg" refType="primFontSz" fact="0.3"/>
+                  <dgm:constr type="lMarg" refType="primFontSz" fact="0.3"/>
+                  <dgm:constr type="rMarg" refType="primFontSz" fact="0.3"/>
+                </dgm:constrLst>
+                <dgm:ruleLst>
+                  <dgm:rule type="primFontSz" val="5" fact="NaN" max="NaN"/>
+                </dgm:ruleLst>
+              </dgm:layoutNode>
+              <dgm:layoutNode name="vert2">
+                <dgm:choose name="Name23">
+                  <dgm:if name="Name24" func="var" arg="dir" op="equ" val="norm">
+                    <dgm:alg type="lin">
+                      <dgm:param type="linDir" val="fromT"/>
+                      <dgm:param type="nodeHorzAlign" val="l"/>
+                    </dgm:alg>
+                  </dgm:if>
+                  <dgm:else name="Name25">
+                    <dgm:alg type="lin">
+                      <dgm:param type="linDir" val="fromT"/>
+                      <dgm:param type="nodeHorzAlign" val="r"/>
+                    </dgm:alg>
+                  </dgm:else>
+                </dgm:choose>
+                <dgm:shape xmlns:r="http://schemas.openxmlformats.org/officeDocument/2006/relationships" r:blip="">
+                  <dgm:adjLst/>
+                </dgm:shape>
+                <dgm:presOf/>
+                <dgm:forEach name="Name26" axis="ch" ptType="node">
+                  <dgm:layoutNode name="horz3">
+                    <dgm:choose name="Name27">
+                      <dgm:if name="Name28" func="var" arg="dir" op="equ" val="norm">
+                        <dgm:alg type="lin">
+                          <dgm:param type="linDir" val="fromL"/>
+                          <dgm:param type="nodeVertAlign" val="t"/>
+                        </dgm:alg>
+                      </dgm:if>
+                      <dgm:else name="Name29">
+                        <dgm:alg type="lin">
+                          <dgm:param type="linDir" val="fromR"/>
+                          <dgm:param type="nodeVertAlign" val="t"/>
+                        </dgm:alg>
+                      </dgm:else>
+                    </dgm:choose>
+                    <dgm:shape xmlns:r="http://schemas.openxmlformats.org/officeDocument/2006/relationships" r:blip="">
+                      <dgm:adjLst/>
+                    </dgm:shape>
+                    <dgm:presOf/>
+                    <dgm:layoutNode name="horzSpace3">
+                      <dgm:alg type="sp"/>
+                      <dgm:shape xmlns:r="http://schemas.openxmlformats.org/officeDocument/2006/relationships" r:blip="">
+                        <dgm:adjLst/>
+                      </dgm:shape>
+                      <dgm:presOf/>
+                    </dgm:layoutNode>
+                    <dgm:layoutNode name="tx3" styleLbl="revTx">
+                      <dgm:alg type="tx">
+                        <dgm:param type="parTxLTRAlign" val="l"/>
+                        <dgm:param type="parTxRTLAlign" val="r"/>
+                        <dgm:param type="txAnchorVert" val="t"/>
+                      </dgm:alg>
+                      <dgm:shape xmlns:r="http://schemas.openxmlformats.org/officeDocument/2006/relationships" type="rect" r:blip="">
+                        <dgm:adjLst/>
+                      </dgm:shape>
+                      <dgm:presOf axis="self"/>
+                      <dgm:constrLst>
+                        <dgm:constr type="tMarg" refType="primFontSz" fact="0.3"/>
+                        <dgm:constr type="bMarg" refType="primFontSz" fact="0.3"/>
+                        <dgm:constr type="lMarg" refType="primFontSz" fact="0.3"/>
+                        <dgm:constr type="rMarg" refType="primFontSz" fact="0.3"/>
+                      </dgm:constrLst>
+                      <dgm:ruleLst>
+                        <dgm:rule type="primFontSz" val="5" fact="NaN" max="NaN"/>
+                      </dgm:ruleLst>
+                    </dgm:layoutNode>
+                    <dgm:layoutNode name="vert3">
+                      <dgm:choose name="Name30">
+                        <dgm:if name="Name31" func="var" arg="dir" op="equ" val="norm">
+                          <dgm:alg type="lin">
+                            <dgm:param type="linDir" val="fromT"/>
+                            <dgm:param type="nodeHorzAlign" val="l"/>
+                          </dgm:alg>
+                        </dgm:if>
+                        <dgm:else name="Name32">
+                          <dgm:alg type="lin">
+                            <dgm:param type="linDir" val="fromT"/>
+                            <dgm:param type="nodeHorzAlign" val="r"/>
+                          </dgm:alg>
+                        </dgm:else>
+                      </dgm:choose>
+                      <dgm:shape xmlns:r="http://schemas.openxmlformats.org/officeDocument/2006/relationships" r:blip="">
+                        <dgm:adjLst/>
+                      </dgm:shape>
+                      <dgm:presOf/>
+                      <dgm:forEach name="Name33" axis="ch" ptType="node">
+                        <dgm:layoutNode name="horz4">
+                          <dgm:choose name="Name34">
+                            <dgm:if name="Name35" func="var" arg="dir" op="equ" val="norm">
+                              <dgm:alg type="lin">
+                                <dgm:param type="linDir" val="fromL"/>
+                                <dgm:param type="nodeVertAlign" val="t"/>
+                              </dgm:alg>
+                            </dgm:if>
+                            <dgm:else name="Name36">
+                              <dgm:alg type="lin">
+                                <dgm:param type="linDir" val="fromR"/>
+                                <dgm:param type="nodeVertAlign" val="t"/>
+                              </dgm:alg>
+                            </dgm:else>
+                          </dgm:choose>
+                          <dgm:shape xmlns:r="http://schemas.openxmlformats.org/officeDocument/2006/relationships" r:blip="">
+                            <dgm:adjLst/>
+                          </dgm:shape>
+                          <dgm:presOf/>
+                          <dgm:layoutNode name="horzSpace4">
+                            <dgm:alg type="sp"/>
+                            <dgm:shape xmlns:r="http://schemas.openxmlformats.org/officeDocument/2006/relationships" r:blip="">
+                              <dgm:adjLst/>
+                            </dgm:shape>
+                            <dgm:presOf/>
+                          </dgm:layoutNode>
+                          <dgm:layoutNode name="tx4" styleLbl="revTx">
+                            <dgm:varLst>
+                              <dgm:bulletEnabled val="1"/>
+                            </dgm:varLst>
+                            <dgm:alg type="tx">
+                              <dgm:param type="parTxLTRAlign" val="l"/>
+                              <dgm:param type="parTxRTLAlign" val="r"/>
+                              <dgm:param type="txAnchorVert" val="t"/>
+                            </dgm:alg>
+                            <dgm:shape xmlns:r="http://schemas.openxmlformats.org/officeDocument/2006/relationships" type="rect" r:blip="">
+                              <dgm:adjLst/>
+                            </dgm:shape>
+                            <dgm:presOf axis="desOrSelf" ptType="node"/>
+                            <dgm:constrLst>
+                              <dgm:constr type="tMarg" refType="primFontSz" fact="0.3"/>
+                              <dgm:constr type="bMarg" refType="primFontSz" fact="0.3"/>
+                              <dgm:constr type="lMarg" refType="primFontSz" fact="0.3"/>
+                              <dgm:constr type="rMarg" refType="primFontSz" fact="0.3"/>
+                            </dgm:constrLst>
+                            <dgm:ruleLst>
+                              <dgm:rule type="primFontSz" val="5" fact="NaN" max="NaN"/>
+                            </dgm:ruleLst>
+                          </dgm:layoutNode>
+                        </dgm:layoutNode>
+                      </dgm:forEach>
+                    </dgm:layoutNode>
+                  </dgm:layoutNode>
+                  <dgm:forEach name="Name37" axis="followSib" ptType="sibTrans" cnt="1">
+                    <dgm:layoutNode name="thinLine3" styleLbl="callout">
+                      <dgm:alg type="sp"/>
+                      <dgm:shape xmlns:r="http://schemas.openxmlformats.org/officeDocument/2006/relationships" type="line" r:blip="">
+                        <dgm:adjLst/>
+                      </dgm:shape>
+                      <dgm:presOf/>
+                    </dgm:layoutNode>
+                  </dgm:forEach>
+                </dgm:forEach>
+              </dgm:layoutNode>
+            </dgm:layoutNode>
+            <dgm:layoutNode name="thinLine2b" styleLbl="callout">
+              <dgm:alg type="sp"/>
+              <dgm:shape xmlns:r="http://schemas.openxmlformats.org/officeDocument/2006/relationships" type="line" r:blip="">
+                <dgm:adjLst/>
+              </dgm:shape>
+              <dgm:presOf/>
+            </dgm:layoutNode>
+            <dgm:layoutNode name="vertSpace2b">
+              <dgm:alg type="sp"/>
+              <dgm:shape xmlns:r="http://schemas.openxmlformats.org/officeDocument/2006/relationships" r:blip="">
+                <dgm:adjLst/>
+              </dgm:shape>
+              <dgm:presOf/>
+            </dgm:layoutNode>
+          </dgm:forEach>
+        </dgm:layoutNode>
+      </dgm:layoutNode>
+    </dgm:forEach>
+  </dgm:layoutNode>
+</dgm:layoutDef>
+</file>
+
+<file path=ppt/diagrams/layout19.xml><?xml version="1.0" encoding="utf-8"?>
+<dgm:layoutDef xmlns:dgm="http://schemas.openxmlformats.org/drawingml/2006/diagram" xmlns:a="http://schemas.openxmlformats.org/drawingml/2006/main" uniqueId="urn:microsoft.com/office/officeart/2005/8/layout/hChevron3">
+  <dgm:title val=""/>
+  <dgm:desc val=""/>
+  <dgm:catLst>
+    <dgm:cat type="process" pri="10000"/>
+  </dgm:catLst>
+  <dgm:sampData useDef="1">
+    <dgm:dataModel>
+      <dgm:ptLst/>
+      <dgm:bg/>
+      <dgm:whole/>
+    </dgm:dataModel>
+  </dgm:sampData>
+  <dgm:styleData>
+    <dgm:dataModel>
+      <dgm:ptLst>
+        <dgm:pt modelId="0" type="doc"/>
+        <dgm:pt modelId="1"/>
+        <dgm:pt modelId="2"/>
+      </dgm:ptLst>
+      <dgm:cxnLst>
+        <dgm:cxn modelId="3" srcId="0" destId="1" srcOrd="0" destOrd="0"/>
+        <dgm:cxn modelId="4" srcId="0" destId="2" srcOrd="1" destOrd="0"/>
       </dgm:cxnLst>
       <dgm:bg/>
       <dgm:whole/>
@@ -24786,23 +27488,15 @@
       <dgm:ptLst>
         <dgm:pt modelId="0" type="doc"/>
         <dgm:pt modelId="1"/>
-        <dgm:pt modelId="11"/>
         <dgm:pt modelId="2"/>
-        <dgm:pt modelId="21"/>
         <dgm:pt modelId="3"/>
-        <dgm:pt modelId="31"/>
         <dgm:pt modelId="4"/>
-        <dgm:pt modelId="41"/>
       </dgm:ptLst>
       <dgm:cxnLst>
         <dgm:cxn modelId="5" srcId="0" destId="1" srcOrd="0" destOrd="0"/>
         <dgm:cxn modelId="6" srcId="0" destId="2" srcOrd="1" destOrd="0"/>
         <dgm:cxn modelId="7" srcId="0" destId="3" srcOrd="2" destOrd="0"/>
         <dgm:cxn modelId="8" srcId="0" destId="4" srcOrd="3" destOrd="0"/>
-        <dgm:cxn modelId="13" srcId="1" destId="11" srcOrd="0" destOrd="0"/>
-        <dgm:cxn modelId="23" srcId="2" destId="21" srcOrd="0" destOrd="0"/>
-        <dgm:cxn modelId="33" srcId="3" destId="31" srcOrd="0" destOrd="0"/>
-        <dgm:cxn modelId="43" srcId="4" destId="41" srcOrd="0" destOrd="0"/>
       </dgm:cxnLst>
       <dgm:bg/>
       <dgm:whole/>
@@ -24827,55 +27521,207 @@
       <dgm:adjLst/>
     </dgm:shape>
     <dgm:presOf/>
-    <dgm:constrLst>
-      <dgm:constr type="h" for="ch" ptType="node" refType="h"/>
-      <dgm:constr type="w" for="ch" ptType="node" refType="w"/>
-      <dgm:constr type="primFontSz" for="ch" ptType="node" op="equ"/>
-      <dgm:constr type="w" for="ch" forName="sibTrans" refType="w" fact="0.075"/>
-    </dgm:constrLst>
-    <dgm:ruleLst/>
-    <dgm:forEach name="nodesForEach" axis="ch" ptType="node">
-      <dgm:layoutNode name="node">
-        <dgm:varLst>
-          <dgm:bulletEnabled val="1"/>
-        </dgm:varLst>
-        <dgm:alg type="tx"/>
-        <dgm:choose name="Name4">
-          <dgm:if name="Name5" func="var" arg="dir" op="equ" val="norm">
-            <dgm:shape xmlns:r="http://schemas.openxmlformats.org/officeDocument/2006/relationships" rot="-90" type="flowChartManualOperation" r:blip="">
-              <dgm:adjLst/>
-            </dgm:shape>
-          </dgm:if>
-          <dgm:else name="Name6">
-            <dgm:shape xmlns:r="http://schemas.openxmlformats.org/officeDocument/2006/relationships" rot="90" type="flowChartManualOperation" r:blip="">
-              <dgm:adjLst/>
-            </dgm:shape>
-          </dgm:else>
-        </dgm:choose>
-        <dgm:presOf axis="desOrSelf" ptType="node"/>
+    <dgm:choose name="Name4">
+      <dgm:if name="Name5" axis="root des" func="maxDepth" op="gte" val="2">
         <dgm:constrLst>
-          <dgm:constr type="primFontSz" val="65"/>
-          <dgm:constr type="tMarg"/>
-          <dgm:constr type="bMarg"/>
-          <dgm:constr type="lMarg" refType="primFontSz" fact="0.5"/>
-          <dgm:constr type="rMarg" refType="lMarg"/>
+          <dgm:constr type="w" for="ch" forName="parAndChTx" refType="w"/>
+          <dgm:constr type="primFontSz" for="ch" ptType="node" op="equ"/>
+          <dgm:constr type="w" for="ch" forName="parAndChSpace" refType="w" refFor="ch" refForName="parAndChTx" fact="-0.2"/>
+          <dgm:constr type="w" for="ch" ptType="sibTrans" op="equ"/>
         </dgm:constrLst>
-        <dgm:ruleLst>
-          <dgm:rule type="primFontSz" val="5" fact="NaN" max="NaN"/>
-        </dgm:ruleLst>
-      </dgm:layoutNode>
-      <dgm:forEach name="sibTransForEach" axis="followSib" ptType="sibTrans" cnt="1">
-        <dgm:layoutNode name="sibTrans">
-          <dgm:alg type="sp"/>
-          <dgm:shape xmlns:r="http://schemas.openxmlformats.org/officeDocument/2006/relationships" r:blip="">
-            <dgm:adjLst/>
-          </dgm:shape>
-          <dgm:presOf/>
-          <dgm:constrLst/>
-          <dgm:ruleLst/>
-        </dgm:layoutNode>
-      </dgm:forEach>
-    </dgm:forEach>
+        <dgm:ruleLst/>
+        <dgm:forEach name="Name6" axis="ch" ptType="node">
+          <dgm:layoutNode name="parAndChTx">
+            <dgm:varLst>
+              <dgm:bulletEnabled val="1"/>
+            </dgm:varLst>
+            <dgm:alg type="tx"/>
+            <dgm:choose name="Name7">
+              <dgm:if name="Name8" func="var" arg="dir" op="equ" val="norm">
+                <dgm:choose name="Name9">
+                  <dgm:if name="Name10" axis="self" ptType="node" func="pos" op="equ" val="1">
+                    <dgm:shape xmlns:r="http://schemas.openxmlformats.org/officeDocument/2006/relationships" type="homePlate" r:blip="">
+                      <dgm:adjLst>
+                        <dgm:adj idx="1" val="0.25"/>
+                      </dgm:adjLst>
+                    </dgm:shape>
+                    <dgm:presOf axis="desOrSelf" ptType="node"/>
+                    <dgm:constrLst>
+                      <dgm:constr type="h" refType="w" op="equ" fact="0.8"/>
+                      <dgm:constr type="primFontSz" val="65"/>
+                      <dgm:constr type="tMarg" refType="primFontSz" fact="0.2"/>
+                      <dgm:constr type="bMarg" refType="primFontSz" fact="0.2"/>
+                      <dgm:constr type="lMarg" refType="w" fact="0.1"/>
+                      <dgm:constr type="rMarg" refType="w" fact="0.4"/>
+                    </dgm:constrLst>
+                  </dgm:if>
+                  <dgm:else name="Name11">
+                    <dgm:shape xmlns:r="http://schemas.openxmlformats.org/officeDocument/2006/relationships" type="chevron" r:blip="">
+                      <dgm:adjLst>
+                        <dgm:adj idx="1" val="0.25"/>
+                      </dgm:adjLst>
+                    </dgm:shape>
+                    <dgm:presOf axis="desOrSelf" ptType="node"/>
+                    <dgm:constrLst>
+                      <dgm:constr type="h" refType="w" op="equ" fact="0.8"/>
+                      <dgm:constr type="primFontSz" val="65"/>
+                      <dgm:constr type="tMarg" refType="primFontSz" fact="0.2"/>
+                      <dgm:constr type="bMarg" refType="primFontSz" fact="0.2"/>
+                      <dgm:constr type="lMarg" refType="w" fact="0.1"/>
+                      <dgm:constr type="rMarg" refType="w" fact="0.1"/>
+                    </dgm:constrLst>
+                  </dgm:else>
+                </dgm:choose>
+              </dgm:if>
+              <dgm:else name="Name12">
+                <dgm:choose name="Name13">
+                  <dgm:if name="Name14" axis="self" ptType="node" func="pos" op="equ" val="1">
+                    <dgm:shape xmlns:r="http://schemas.openxmlformats.org/officeDocument/2006/relationships" rot="180" type="homePlate" r:blip="">
+                      <dgm:adjLst>
+                        <dgm:adj idx="1" val="0.25"/>
+                      </dgm:adjLst>
+                    </dgm:shape>
+                    <dgm:presOf axis="desOrSelf" ptType="node"/>
+                    <dgm:constrLst>
+                      <dgm:constr type="h" refType="w" op="equ" fact="0.8"/>
+                      <dgm:constr type="primFontSz" val="65"/>
+                      <dgm:constr type="tMarg" refType="primFontSz" fact="0.2"/>
+                      <dgm:constr type="bMarg" refType="primFontSz" fact="0.2"/>
+                      <dgm:constr type="lMarg" refType="w" fact="0.4"/>
+                      <dgm:constr type="rMarg" refType="w" fact="0.1"/>
+                    </dgm:constrLst>
+                  </dgm:if>
+                  <dgm:else name="Name15">
+                    <dgm:shape xmlns:r="http://schemas.openxmlformats.org/officeDocument/2006/relationships" rot="180" type="chevron" r:blip="">
+                      <dgm:adjLst>
+                        <dgm:adj idx="1" val="0.25"/>
+                      </dgm:adjLst>
+                    </dgm:shape>
+                    <dgm:presOf axis="desOrSelf" ptType="node"/>
+                    <dgm:constrLst>
+                      <dgm:constr type="h" refType="w" op="equ" fact="0.8"/>
+                      <dgm:constr type="primFontSz" val="65"/>
+                      <dgm:constr type="tMarg" refType="primFontSz" fact="0.2"/>
+                      <dgm:constr type="bMarg" refType="primFontSz" fact="0.2"/>
+                      <dgm:constr type="lMarg" refType="w" fact="0.1"/>
+                      <dgm:constr type="rMarg" refType="w" fact="0.1"/>
+                    </dgm:constrLst>
+                  </dgm:else>
+                </dgm:choose>
+              </dgm:else>
+            </dgm:choose>
+            <dgm:ruleLst>
+              <dgm:rule type="primFontSz" val="5" fact="NaN" max="NaN"/>
+            </dgm:ruleLst>
+          </dgm:layoutNode>
+          <dgm:forEach name="Name16" axis="followSib" ptType="sibTrans" cnt="1">
+            <dgm:layoutNode name="parAndChSpace">
+              <dgm:alg type="sp"/>
+              <dgm:shape xmlns:r="http://schemas.openxmlformats.org/officeDocument/2006/relationships" r:blip="">
+                <dgm:adjLst/>
+              </dgm:shape>
+              <dgm:presOf/>
+              <dgm:constrLst/>
+              <dgm:ruleLst/>
+            </dgm:layoutNode>
+          </dgm:forEach>
+        </dgm:forEach>
+      </dgm:if>
+      <dgm:else name="Name17">
+        <dgm:constrLst>
+          <dgm:constr type="w" for="ch" forName="parTxOnly" refType="w"/>
+          <dgm:constr type="primFontSz" for="ch" ptType="node" op="equ"/>
+          <dgm:constr type="w" for="ch" forName="parSpace" refType="w" refFor="ch" refForName="parTxOnly" fact="-0.2"/>
+          <dgm:constr type="w" for="ch" ptType="sibTrans" op="equ"/>
+        </dgm:constrLst>
+        <dgm:ruleLst/>
+        <dgm:forEach name="Name18" axis="ch" ptType="node">
+          <dgm:layoutNode name="parTxOnly">
+            <dgm:varLst>
+              <dgm:bulletEnabled val="1"/>
+            </dgm:varLst>
+            <dgm:alg type="tx"/>
+            <dgm:presOf axis="desOrSelf" ptType="node"/>
+            <dgm:choose name="Name19">
+              <dgm:if name="Name20" func="var" arg="dir" op="equ" val="norm">
+                <dgm:choose name="Name21">
+                  <dgm:if name="Name22" axis="self" ptType="node" func="pos" op="equ" val="1">
+                    <dgm:shape xmlns:r="http://schemas.openxmlformats.org/officeDocument/2006/relationships" type="homePlate" r:blip="">
+                      <dgm:adjLst/>
+                    </dgm:shape>
+                    <dgm:constrLst>
+                      <dgm:constr type="h" refType="w" op="equ" fact="0.4"/>
+                      <dgm:constr type="primFontSz" val="65"/>
+                      <dgm:constr type="tMarg" refType="primFontSz" fact="0.21"/>
+                      <dgm:constr type="bMarg" refType="primFontSz" fact="0.21"/>
+                      <dgm:constr type="lMarg" refType="primFontSz" fact="0.42"/>
+                      <dgm:constr type="rMarg" refType="primFontSz" fact="0.105"/>
+                    </dgm:constrLst>
+                  </dgm:if>
+                  <dgm:else name="Name23">
+                    <dgm:shape xmlns:r="http://schemas.openxmlformats.org/officeDocument/2006/relationships" type="chevron" r:blip="">
+                      <dgm:adjLst/>
+                    </dgm:shape>
+                    <dgm:constrLst>
+                      <dgm:constr type="h" refType="w" op="equ" fact="0.4"/>
+                      <dgm:constr type="primFontSz" val="65"/>
+                      <dgm:constr type="tMarg" refType="primFontSz" fact="0.21"/>
+                      <dgm:constr type="bMarg" refType="primFontSz" fact="0.21"/>
+                      <dgm:constr type="lMarg" refType="primFontSz" fact="0.315"/>
+                      <dgm:constr type="rMarg" refType="primFontSz" fact="0.105"/>
+                    </dgm:constrLst>
+                  </dgm:else>
+                </dgm:choose>
+              </dgm:if>
+              <dgm:else name="Name24">
+                <dgm:choose name="Name25">
+                  <dgm:if name="Name26" axis="self" ptType="node" func="pos" op="equ" val="1">
+                    <dgm:shape xmlns:r="http://schemas.openxmlformats.org/officeDocument/2006/relationships" rot="180" type="homePlate" r:blip="">
+                      <dgm:adjLst/>
+                    </dgm:shape>
+                    <dgm:constrLst>
+                      <dgm:constr type="h" refType="w" op="equ" fact="0.4"/>
+                      <dgm:constr type="primFontSz" val="65"/>
+                      <dgm:constr type="tMarg" refType="primFontSz" fact="0.21"/>
+                      <dgm:constr type="bMarg" refType="primFontSz" fact="0.21"/>
+                      <dgm:constr type="lMarg" refType="primFontSz" fact="0.105"/>
+                      <dgm:constr type="rMarg" refType="primFontSz" fact="0.42"/>
+                    </dgm:constrLst>
+                  </dgm:if>
+                  <dgm:else name="Name27">
+                    <dgm:shape xmlns:r="http://schemas.openxmlformats.org/officeDocument/2006/relationships" rot="180" type="chevron" r:blip="">
+                      <dgm:adjLst/>
+                    </dgm:shape>
+                    <dgm:constrLst>
+                      <dgm:constr type="h" refType="w" op="equ" fact="0.4"/>
+                      <dgm:constr type="primFontSz" val="65"/>
+                      <dgm:constr type="tMarg" refType="primFontSz" fact="0.21"/>
+                      <dgm:constr type="bMarg" refType="primFontSz" fact="0.21"/>
+                      <dgm:constr type="lMarg" refType="primFontSz" fact="0.105"/>
+                      <dgm:constr type="rMarg" refType="primFontSz" fact="0.315"/>
+                    </dgm:constrLst>
+                  </dgm:else>
+                </dgm:choose>
+              </dgm:else>
+            </dgm:choose>
+            <dgm:ruleLst>
+              <dgm:rule type="primFontSz" val="5" fact="NaN" max="NaN"/>
+            </dgm:ruleLst>
+          </dgm:layoutNode>
+          <dgm:forEach name="Name28" axis="followSib" ptType="sibTrans" cnt="1">
+            <dgm:layoutNode name="parSpace">
+              <dgm:alg type="sp"/>
+              <dgm:shape xmlns:r="http://schemas.openxmlformats.org/officeDocument/2006/relationships" r:blip="">
+                <dgm:adjLst/>
+              </dgm:shape>
+              <dgm:presOf/>
+              <dgm:constrLst/>
+              <dgm:ruleLst/>
+            </dgm:layoutNode>
+          </dgm:forEach>
+        </dgm:forEach>
+      </dgm:else>
+    </dgm:choose>
   </dgm:layoutNode>
 </dgm:layoutDef>
 </file>
@@ -25341,6 +28187,178 @@
           </dgm:forEach>
         </dgm:layoutNode>
       </dgm:layoutNode>
+    </dgm:forEach>
+  </dgm:layoutNode>
+</dgm:layoutDef>
+</file>
+
+<file path=ppt/diagrams/layout20.xml><?xml version="1.0" encoding="utf-8"?>
+<dgm:layoutDef xmlns:dgm="http://schemas.openxmlformats.org/drawingml/2006/diagram" xmlns:a="http://schemas.openxmlformats.org/drawingml/2006/main" uniqueId="urn:microsoft.com/office/officeart/2005/8/layout/hList6">
+  <dgm:title val=""/>
+  <dgm:desc val=""/>
+  <dgm:catLst>
+    <dgm:cat type="list" pri="18000"/>
+  </dgm:catLst>
+  <dgm:sampData>
+    <dgm:dataModel>
+      <dgm:ptLst>
+        <dgm:pt modelId="0" type="doc"/>
+        <dgm:pt modelId="1">
+          <dgm:prSet phldr="1"/>
+        </dgm:pt>
+        <dgm:pt modelId="11">
+          <dgm:prSet phldr="1"/>
+        </dgm:pt>
+        <dgm:pt modelId="12">
+          <dgm:prSet phldr="1"/>
+        </dgm:pt>
+        <dgm:pt modelId="2">
+          <dgm:prSet phldr="1"/>
+        </dgm:pt>
+        <dgm:pt modelId="21">
+          <dgm:prSet phldr="1"/>
+        </dgm:pt>
+        <dgm:pt modelId="22">
+          <dgm:prSet phldr="1"/>
+        </dgm:pt>
+        <dgm:pt modelId="3">
+          <dgm:prSet phldr="1"/>
+        </dgm:pt>
+        <dgm:pt modelId="31">
+          <dgm:prSet phldr="1"/>
+        </dgm:pt>
+        <dgm:pt modelId="32">
+          <dgm:prSet phldr="1"/>
+        </dgm:pt>
+      </dgm:ptLst>
+      <dgm:cxnLst>
+        <dgm:cxn modelId="4" srcId="0" destId="1" srcOrd="0" destOrd="0"/>
+        <dgm:cxn modelId="5" srcId="0" destId="2" srcOrd="1" destOrd="0"/>
+        <dgm:cxn modelId="6" srcId="0" destId="3" srcOrd="2" destOrd="0"/>
+        <dgm:cxn modelId="13" srcId="1" destId="11" srcOrd="0" destOrd="0"/>
+        <dgm:cxn modelId="14" srcId="1" destId="12" srcOrd="1" destOrd="0"/>
+        <dgm:cxn modelId="23" srcId="2" destId="21" srcOrd="0" destOrd="0"/>
+        <dgm:cxn modelId="24" srcId="2" destId="22" srcOrd="1" destOrd="0"/>
+        <dgm:cxn modelId="33" srcId="3" destId="31" srcOrd="0" destOrd="0"/>
+        <dgm:cxn modelId="34" srcId="3" destId="32" srcOrd="1" destOrd="0"/>
+      </dgm:cxnLst>
+      <dgm:bg/>
+      <dgm:whole/>
+    </dgm:dataModel>
+  </dgm:sampData>
+  <dgm:styleData>
+    <dgm:dataModel>
+      <dgm:ptLst>
+        <dgm:pt modelId="0" type="doc"/>
+        <dgm:pt modelId="1"/>
+        <dgm:pt modelId="11"/>
+        <dgm:pt modelId="2"/>
+        <dgm:pt modelId="21"/>
+      </dgm:ptLst>
+      <dgm:cxnLst>
+        <dgm:cxn modelId="4" srcId="0" destId="1" srcOrd="0" destOrd="0"/>
+        <dgm:cxn modelId="5" srcId="0" destId="2" srcOrd="1" destOrd="0"/>
+        <dgm:cxn modelId="13" srcId="1" destId="11" srcOrd="0" destOrd="0"/>
+        <dgm:cxn modelId="23" srcId="2" destId="21" srcOrd="0" destOrd="0"/>
+      </dgm:cxnLst>
+      <dgm:bg/>
+      <dgm:whole/>
+    </dgm:dataModel>
+  </dgm:styleData>
+  <dgm:clrData>
+    <dgm:dataModel>
+      <dgm:ptLst>
+        <dgm:pt modelId="0" type="doc"/>
+        <dgm:pt modelId="1"/>
+        <dgm:pt modelId="11"/>
+        <dgm:pt modelId="2"/>
+        <dgm:pt modelId="21"/>
+        <dgm:pt modelId="3"/>
+        <dgm:pt modelId="31"/>
+        <dgm:pt modelId="4"/>
+        <dgm:pt modelId="41"/>
+      </dgm:ptLst>
+      <dgm:cxnLst>
+        <dgm:cxn modelId="5" srcId="0" destId="1" srcOrd="0" destOrd="0"/>
+        <dgm:cxn modelId="6" srcId="0" destId="2" srcOrd="1" destOrd="0"/>
+        <dgm:cxn modelId="7" srcId="0" destId="3" srcOrd="2" destOrd="0"/>
+        <dgm:cxn modelId="8" srcId="0" destId="4" srcOrd="3" destOrd="0"/>
+        <dgm:cxn modelId="13" srcId="1" destId="11" srcOrd="0" destOrd="0"/>
+        <dgm:cxn modelId="23" srcId="2" destId="21" srcOrd="0" destOrd="0"/>
+        <dgm:cxn modelId="33" srcId="3" destId="31" srcOrd="0" destOrd="0"/>
+        <dgm:cxn modelId="43" srcId="4" destId="41" srcOrd="0" destOrd="0"/>
+      </dgm:cxnLst>
+      <dgm:bg/>
+      <dgm:whole/>
+    </dgm:dataModel>
+  </dgm:clrData>
+  <dgm:layoutNode name="Name0">
+    <dgm:varLst>
+      <dgm:dir/>
+      <dgm:resizeHandles val="exact"/>
+    </dgm:varLst>
+    <dgm:choose name="Name1">
+      <dgm:if name="Name2" func="var" arg="dir" op="equ" val="norm">
+        <dgm:alg type="lin"/>
+      </dgm:if>
+      <dgm:else name="Name3">
+        <dgm:alg type="lin">
+          <dgm:param type="linDir" val="fromR"/>
+        </dgm:alg>
+      </dgm:else>
+    </dgm:choose>
+    <dgm:shape xmlns:r="http://schemas.openxmlformats.org/officeDocument/2006/relationships" r:blip="">
+      <dgm:adjLst/>
+    </dgm:shape>
+    <dgm:presOf/>
+    <dgm:constrLst>
+      <dgm:constr type="h" for="ch" ptType="node" refType="h"/>
+      <dgm:constr type="w" for="ch" ptType="node" refType="w"/>
+      <dgm:constr type="primFontSz" for="ch" ptType="node" op="equ"/>
+      <dgm:constr type="w" for="ch" forName="sibTrans" refType="w" fact="0.075"/>
+    </dgm:constrLst>
+    <dgm:ruleLst/>
+    <dgm:forEach name="nodesForEach" axis="ch" ptType="node">
+      <dgm:layoutNode name="node">
+        <dgm:varLst>
+          <dgm:bulletEnabled val="1"/>
+        </dgm:varLst>
+        <dgm:alg type="tx"/>
+        <dgm:choose name="Name4">
+          <dgm:if name="Name5" func="var" arg="dir" op="equ" val="norm">
+            <dgm:shape xmlns:r="http://schemas.openxmlformats.org/officeDocument/2006/relationships" rot="-90" type="flowChartManualOperation" r:blip="">
+              <dgm:adjLst/>
+            </dgm:shape>
+          </dgm:if>
+          <dgm:else name="Name6">
+            <dgm:shape xmlns:r="http://schemas.openxmlformats.org/officeDocument/2006/relationships" rot="90" type="flowChartManualOperation" r:blip="">
+              <dgm:adjLst/>
+            </dgm:shape>
+          </dgm:else>
+        </dgm:choose>
+        <dgm:presOf axis="desOrSelf" ptType="node"/>
+        <dgm:constrLst>
+          <dgm:constr type="primFontSz" val="65"/>
+          <dgm:constr type="tMarg"/>
+          <dgm:constr type="bMarg"/>
+          <dgm:constr type="lMarg" refType="primFontSz" fact="0.5"/>
+          <dgm:constr type="rMarg" refType="lMarg"/>
+        </dgm:constrLst>
+        <dgm:ruleLst>
+          <dgm:rule type="primFontSz" val="5" fact="NaN" max="NaN"/>
+        </dgm:ruleLst>
+      </dgm:layoutNode>
+      <dgm:forEach name="sibTransForEach" axis="followSib" ptType="sibTrans" cnt="1">
+        <dgm:layoutNode name="sibTrans">
+          <dgm:alg type="sp"/>
+          <dgm:shape xmlns:r="http://schemas.openxmlformats.org/officeDocument/2006/relationships" r:blip="">
+            <dgm:adjLst/>
+          </dgm:shape>
+          <dgm:presOf/>
+          <dgm:constrLst/>
+          <dgm:ruleLst/>
+        </dgm:layoutNode>
+      </dgm:forEach>
     </dgm:forEach>
   </dgm:layoutNode>
 </dgm:layoutDef>
@@ -37333,11 +40351,11 @@
 </file>
 
 <file path=ppt/diagrams/quickStyle18.xml><?xml version="1.0" encoding="utf-8"?>
-<dgm:styleDef xmlns:dgm="http://schemas.openxmlformats.org/drawingml/2006/diagram" xmlns:a="http://schemas.openxmlformats.org/drawingml/2006/main" uniqueId="urn:microsoft.com/office/officeart/2005/8/quickstyle/simple4">
+<dgm:styleDef xmlns:dgm="http://schemas.openxmlformats.org/drawingml/2006/diagram" xmlns:a="http://schemas.openxmlformats.org/drawingml/2006/main" uniqueId="urn:microsoft.com/office/officeart/2005/8/quickstyle/simple2">
   <dgm:title val=""/>
   <dgm:desc val=""/>
   <dgm:catLst>
-    <dgm:cat type="simple" pri="10400"/>
+    <dgm:cat type="simple" pri="10200"/>
   </dgm:catLst>
   <dgm:scene3d>
     <a:camera prst="orthographicFront"/>
@@ -37351,13 +40369,13 @@
     <dgm:sp3d/>
     <dgm:txPr/>
     <dgm:style>
-      <a:lnRef idx="0">
-        <a:scrgbClr r="0" g="0" b="0"/>
-      </a:lnRef>
-      <a:fillRef idx="3">
-        <a:scrgbClr r="0" g="0" b="0"/>
-      </a:fillRef>
-      <a:effectRef idx="2">
+      <a:lnRef idx="3">
+        <a:scrgbClr r="0" g="0" b="0"/>
+      </a:lnRef>
+      <a:fillRef idx="1">
+        <a:scrgbClr r="0" g="0" b="0"/>
+      </a:fillRef>
+      <a:effectRef idx="1">
         <a:scrgbClr r="0" g="0" b="0"/>
       </a:effectRef>
       <a:fontRef idx="minor">
@@ -37373,13 +40391,13 @@
     <dgm:sp3d/>
     <dgm:txPr/>
     <dgm:style>
-      <a:lnRef idx="1">
-        <a:scrgbClr r="0" g="0" b="0"/>
-      </a:lnRef>
-      <a:fillRef idx="3">
-        <a:scrgbClr r="0" g="0" b="0"/>
-      </a:fillRef>
-      <a:effectRef idx="2">
+      <a:lnRef idx="3">
+        <a:scrgbClr r="0" g="0" b="0"/>
+      </a:lnRef>
+      <a:fillRef idx="1">
+        <a:scrgbClr r="0" g="0" b="0"/>
+      </a:fillRef>
+      <a:effectRef idx="1">
         <a:scrgbClr r="0" g="0" b="0"/>
       </a:effectRef>
       <a:fontRef idx="minor">
@@ -37395,10 +40413,10 @@
     <dgm:sp3d/>
     <dgm:txPr/>
     <dgm:style>
-      <a:lnRef idx="0">
-        <a:scrgbClr r="0" g="0" b="0"/>
-      </a:lnRef>
-      <a:fillRef idx="3">
+      <a:lnRef idx="3">
+        <a:scrgbClr r="0" g="0" b="0"/>
+      </a:lnRef>
+      <a:fillRef idx="1">
         <a:scrgbClr r="0" g="0" b="0"/>
       </a:fillRef>
       <a:effectRef idx="0">
@@ -37417,13 +40435,13 @@
     <dgm:sp3d/>
     <dgm:txPr/>
     <dgm:style>
-      <a:lnRef idx="1">
-        <a:scrgbClr r="0" g="0" b="0"/>
-      </a:lnRef>
-      <a:fillRef idx="3">
-        <a:scrgbClr r="0" g="0" b="0"/>
-      </a:fillRef>
-      <a:effectRef idx="2">
+      <a:lnRef idx="2">
+        <a:scrgbClr r="0" g="0" b="0"/>
+      </a:lnRef>
+      <a:fillRef idx="1">
+        <a:scrgbClr r="0" g="0" b="0"/>
+      </a:fillRef>
+      <a:effectRef idx="1">
         <a:scrgbClr r="0" g="0" b="0"/>
       </a:effectRef>
       <a:fontRef idx="minor">
@@ -37439,13 +40457,13 @@
     <dgm:sp3d/>
     <dgm:txPr/>
     <dgm:style>
-      <a:lnRef idx="0">
-        <a:scrgbClr r="0" g="0" b="0"/>
-      </a:lnRef>
-      <a:fillRef idx="3">
-        <a:scrgbClr r="0" g="0" b="0"/>
-      </a:fillRef>
-      <a:effectRef idx="2">
+      <a:lnRef idx="3">
+        <a:scrgbClr r="0" g="0" b="0"/>
+      </a:lnRef>
+      <a:fillRef idx="1">
+        <a:scrgbClr r="0" g="0" b="0"/>
+      </a:fillRef>
+      <a:effectRef idx="1">
         <a:scrgbClr r="0" g="0" b="0"/>
       </a:effectRef>
       <a:fontRef idx="minor">
@@ -37461,13 +40479,13 @@
     <dgm:sp3d/>
     <dgm:txPr/>
     <dgm:style>
-      <a:lnRef idx="0">
-        <a:scrgbClr r="0" g="0" b="0"/>
-      </a:lnRef>
-      <a:fillRef idx="3">
-        <a:scrgbClr r="0" g="0" b="0"/>
-      </a:fillRef>
-      <a:effectRef idx="2">
+      <a:lnRef idx="3">
+        <a:scrgbClr r="0" g="0" b="0"/>
+      </a:lnRef>
+      <a:fillRef idx="1">
+        <a:scrgbClr r="0" g="0" b="0"/>
+      </a:fillRef>
+      <a:effectRef idx="1">
         <a:scrgbClr r="0" g="0" b="0"/>
       </a:effectRef>
       <a:fontRef idx="minor">
@@ -37483,13 +40501,13 @@
     <dgm:sp3d/>
     <dgm:txPr/>
     <dgm:style>
-      <a:lnRef idx="0">
-        <a:scrgbClr r="0" g="0" b="0"/>
-      </a:lnRef>
-      <a:fillRef idx="3">
-        <a:scrgbClr r="0" g="0" b="0"/>
-      </a:fillRef>
-      <a:effectRef idx="2">
+      <a:lnRef idx="3">
+        <a:scrgbClr r="0" g="0" b="0"/>
+      </a:lnRef>
+      <a:fillRef idx="1">
+        <a:scrgbClr r="0" g="0" b="0"/>
+      </a:fillRef>
+      <a:effectRef idx="1">
         <a:scrgbClr r="0" g="0" b="0"/>
       </a:effectRef>
       <a:fontRef idx="minor">
@@ -37505,13 +40523,13 @@
     <dgm:sp3d/>
     <dgm:txPr/>
     <dgm:style>
-      <a:lnRef idx="0">
-        <a:scrgbClr r="0" g="0" b="0"/>
-      </a:lnRef>
-      <a:fillRef idx="3">
-        <a:scrgbClr r="0" g="0" b="0"/>
-      </a:fillRef>
-      <a:effectRef idx="2">
+      <a:lnRef idx="3">
+        <a:scrgbClr r="0" g="0" b="0"/>
+      </a:lnRef>
+      <a:fillRef idx="1">
+        <a:scrgbClr r="0" g="0" b="0"/>
+      </a:fillRef>
+      <a:effectRef idx="1">
         <a:scrgbClr r="0" g="0" b="0"/>
       </a:effectRef>
       <a:fontRef idx="minor">
@@ -37527,73 +40545,73 @@
     <dgm:sp3d/>
     <dgm:txPr/>
     <dgm:style>
+      <a:lnRef idx="3">
+        <a:scrgbClr r="0" g="0" b="0"/>
+      </a:lnRef>
+      <a:fillRef idx="1">
+        <a:scrgbClr r="0" g="0" b="0"/>
+      </a:fillRef>
+      <a:effectRef idx="1">
+        <a:scrgbClr r="0" g="0" b="0"/>
+      </a:effectRef>
+      <a:fontRef idx="minor"/>
+    </dgm:style>
+  </dgm:styleLbl>
+  <dgm:styleLbl name="alignImgPlace1">
+    <dgm:scene3d>
+      <a:camera prst="orthographicFront"/>
+      <a:lightRig rig="threePt" dir="t"/>
+    </dgm:scene3d>
+    <dgm:sp3d/>
+    <dgm:txPr/>
+    <dgm:style>
+      <a:lnRef idx="3">
+        <a:scrgbClr r="0" g="0" b="0"/>
+      </a:lnRef>
+      <a:fillRef idx="1">
+        <a:scrgbClr r="0" g="0" b="0"/>
+      </a:fillRef>
+      <a:effectRef idx="1">
+        <a:scrgbClr r="0" g="0" b="0"/>
+      </a:effectRef>
+      <a:fontRef idx="minor"/>
+    </dgm:style>
+  </dgm:styleLbl>
+  <dgm:styleLbl name="bgImgPlace1">
+    <dgm:scene3d>
+      <a:camera prst="orthographicFront"/>
+      <a:lightRig rig="threePt" dir="t"/>
+    </dgm:scene3d>
+    <dgm:sp3d/>
+    <dgm:txPr/>
+    <dgm:style>
+      <a:lnRef idx="3">
+        <a:scrgbClr r="0" g="0" b="0"/>
+      </a:lnRef>
+      <a:fillRef idx="1">
+        <a:scrgbClr r="0" g="0" b="0"/>
+      </a:fillRef>
+      <a:effectRef idx="1">
+        <a:scrgbClr r="0" g="0" b="0"/>
+      </a:effectRef>
+      <a:fontRef idx="minor"/>
+    </dgm:style>
+  </dgm:styleLbl>
+  <dgm:styleLbl name="sibTrans2D1">
+    <dgm:scene3d>
+      <a:camera prst="orthographicFront"/>
+      <a:lightRig rig="threePt" dir="t"/>
+    </dgm:scene3d>
+    <dgm:sp3d/>
+    <dgm:txPr/>
+    <dgm:style>
       <a:lnRef idx="0">
         <a:scrgbClr r="0" g="0" b="0"/>
       </a:lnRef>
       <a:fillRef idx="1">
         <a:scrgbClr r="0" g="0" b="0"/>
       </a:fillRef>
-      <a:effectRef idx="2">
-        <a:scrgbClr r="0" g="0" b="0"/>
-      </a:effectRef>
-      <a:fontRef idx="minor"/>
-    </dgm:style>
-  </dgm:styleLbl>
-  <dgm:styleLbl name="alignImgPlace1">
-    <dgm:scene3d>
-      <a:camera prst="orthographicFront"/>
-      <a:lightRig rig="threePt" dir="t"/>
-    </dgm:scene3d>
-    <dgm:sp3d/>
-    <dgm:txPr/>
-    <dgm:style>
-      <a:lnRef idx="0">
-        <a:scrgbClr r="0" g="0" b="0"/>
-      </a:lnRef>
-      <a:fillRef idx="1">
-        <a:scrgbClr r="0" g="0" b="0"/>
-      </a:fillRef>
-      <a:effectRef idx="2">
-        <a:scrgbClr r="0" g="0" b="0"/>
-      </a:effectRef>
-      <a:fontRef idx="minor"/>
-    </dgm:style>
-  </dgm:styleLbl>
-  <dgm:styleLbl name="bgImgPlace1">
-    <dgm:scene3d>
-      <a:camera prst="orthographicFront"/>
-      <a:lightRig rig="threePt" dir="t"/>
-    </dgm:scene3d>
-    <dgm:sp3d/>
-    <dgm:txPr/>
-    <dgm:style>
-      <a:lnRef idx="0">
-        <a:scrgbClr r="0" g="0" b="0"/>
-      </a:lnRef>
-      <a:fillRef idx="1">
-        <a:scrgbClr r="0" g="0" b="0"/>
-      </a:fillRef>
-      <a:effectRef idx="2">
-        <a:scrgbClr r="0" g="0" b="0"/>
-      </a:effectRef>
-      <a:fontRef idx="minor"/>
-    </dgm:style>
-  </dgm:styleLbl>
-  <dgm:styleLbl name="sibTrans2D1">
-    <dgm:scene3d>
-      <a:camera prst="orthographicFront"/>
-      <a:lightRig rig="threePt" dir="t"/>
-    </dgm:scene3d>
-    <dgm:sp3d/>
-    <dgm:txPr/>
-    <dgm:style>
-      <a:lnRef idx="0">
-        <a:scrgbClr r="0" g="0" b="0"/>
-      </a:lnRef>
-      <a:fillRef idx="3">
-        <a:scrgbClr r="0" g="0" b="0"/>
-      </a:fillRef>
-      <a:effectRef idx="2">
+      <a:effectRef idx="1">
         <a:scrgbClr r="0" g="0" b="0"/>
       </a:effectRef>
       <a:fontRef idx="minor">
@@ -37612,10 +40630,10 @@
       <a:lnRef idx="0">
         <a:scrgbClr r="0" g="0" b="0"/>
       </a:lnRef>
-      <a:fillRef idx="3">
-        <a:scrgbClr r="0" g="0" b="0"/>
-      </a:fillRef>
-      <a:effectRef idx="2">
+      <a:fillRef idx="1">
+        <a:scrgbClr r="0" g="0" b="0"/>
+      </a:fillRef>
+      <a:effectRef idx="1">
         <a:scrgbClr r="0" g="0" b="0"/>
       </a:effectRef>
       <a:fontRef idx="minor">
@@ -37634,10 +40652,10 @@
       <a:lnRef idx="0">
         <a:scrgbClr r="0" g="0" b="0"/>
       </a:lnRef>
-      <a:fillRef idx="3">
-        <a:scrgbClr r="0" g="0" b="0"/>
-      </a:fillRef>
-      <a:effectRef idx="2">
+      <a:fillRef idx="1">
+        <a:scrgbClr r="0" g="0" b="0"/>
+      </a:fillRef>
+      <a:effectRef idx="1">
         <a:scrgbClr r="0" g="0" b="0"/>
       </a:effectRef>
       <a:fontRef idx="minor">
@@ -37693,13 +40711,13 @@
     <dgm:sp3d/>
     <dgm:txPr/>
     <dgm:style>
-      <a:lnRef idx="0">
-        <a:scrgbClr r="0" g="0" b="0"/>
-      </a:lnRef>
-      <a:fillRef idx="3">
-        <a:scrgbClr r="0" g="0" b="0"/>
-      </a:fillRef>
-      <a:effectRef idx="2">
+      <a:lnRef idx="3">
+        <a:scrgbClr r="0" g="0" b="0"/>
+      </a:lnRef>
+      <a:fillRef idx="1">
+        <a:scrgbClr r="0" g="0" b="0"/>
+      </a:fillRef>
+      <a:effectRef idx="1">
         <a:scrgbClr r="0" g="0" b="0"/>
       </a:effectRef>
       <a:fontRef idx="minor">
@@ -37715,13 +40733,13 @@
     <dgm:sp3d/>
     <dgm:txPr/>
     <dgm:style>
-      <a:lnRef idx="0">
-        <a:scrgbClr r="0" g="0" b="0"/>
-      </a:lnRef>
-      <a:fillRef idx="3">
-        <a:scrgbClr r="0" g="0" b="0"/>
-      </a:fillRef>
-      <a:effectRef idx="2">
+      <a:lnRef idx="3">
+        <a:scrgbClr r="0" g="0" b="0"/>
+      </a:lnRef>
+      <a:fillRef idx="1">
+        <a:scrgbClr r="0" g="0" b="0"/>
+      </a:fillRef>
+      <a:effectRef idx="1">
         <a:scrgbClr r="0" g="0" b="0"/>
       </a:effectRef>
       <a:fontRef idx="minor">
@@ -37737,13 +40755,13 @@
     <dgm:sp3d/>
     <dgm:txPr/>
     <dgm:style>
-      <a:lnRef idx="0">
-        <a:scrgbClr r="0" g="0" b="0"/>
-      </a:lnRef>
-      <a:fillRef idx="3">
-        <a:scrgbClr r="0" g="0" b="0"/>
-      </a:fillRef>
-      <a:effectRef idx="2">
+      <a:lnRef idx="3">
+        <a:scrgbClr r="0" g="0" b="0"/>
+      </a:lnRef>
+      <a:fillRef idx="1">
+        <a:scrgbClr r="0" g="0" b="0"/>
+      </a:fillRef>
+      <a:effectRef idx="1">
         <a:scrgbClr r="0" g="0" b="0"/>
       </a:effectRef>
       <a:fontRef idx="minor">
@@ -37759,13 +40777,13 @@
     <dgm:sp3d/>
     <dgm:txPr/>
     <dgm:style>
-      <a:lnRef idx="0">
-        <a:scrgbClr r="0" g="0" b="0"/>
-      </a:lnRef>
-      <a:fillRef idx="3">
-        <a:scrgbClr r="0" g="0" b="0"/>
-      </a:fillRef>
-      <a:effectRef idx="2">
+      <a:lnRef idx="3">
+        <a:scrgbClr r="0" g="0" b="0"/>
+      </a:lnRef>
+      <a:fillRef idx="1">
+        <a:scrgbClr r="0" g="0" b="0"/>
+      </a:fillRef>
+      <a:effectRef idx="1">
         <a:scrgbClr r="0" g="0" b="0"/>
       </a:effectRef>
       <a:fontRef idx="minor">
@@ -37781,13 +40799,13 @@
     <dgm:sp3d/>
     <dgm:txPr/>
     <dgm:style>
-      <a:lnRef idx="0">
-        <a:scrgbClr r="0" g="0" b="0"/>
-      </a:lnRef>
-      <a:fillRef idx="3">
-        <a:scrgbClr r="0" g="0" b="0"/>
-      </a:fillRef>
-      <a:effectRef idx="2">
+      <a:lnRef idx="3">
+        <a:scrgbClr r="0" g="0" b="0"/>
+      </a:lnRef>
+      <a:fillRef idx="1">
+        <a:scrgbClr r="0" g="0" b="0"/>
+      </a:fillRef>
+      <a:effectRef idx="1">
         <a:scrgbClr r="0" g="0" b="0"/>
       </a:effectRef>
       <a:fontRef idx="minor">
@@ -37803,13 +40821,13 @@
     <dgm:sp3d/>
     <dgm:txPr/>
     <dgm:style>
-      <a:lnRef idx="0">
-        <a:scrgbClr r="0" g="0" b="0"/>
-      </a:lnRef>
-      <a:fillRef idx="3">
-        <a:scrgbClr r="0" g="0" b="0"/>
-      </a:fillRef>
-      <a:effectRef idx="2">
+      <a:lnRef idx="3">
+        <a:scrgbClr r="0" g="0" b="0"/>
+      </a:lnRef>
+      <a:fillRef idx="1">
+        <a:scrgbClr r="0" g="0" b="0"/>
+      </a:fillRef>
+      <a:effectRef idx="1">
         <a:scrgbClr r="0" g="0" b="0"/>
       </a:effectRef>
       <a:fontRef idx="minor">
@@ -37825,13 +40843,13 @@
     <dgm:sp3d/>
     <dgm:txPr/>
     <dgm:style>
-      <a:lnRef idx="0">
-        <a:scrgbClr r="0" g="0" b="0"/>
-      </a:lnRef>
-      <a:fillRef idx="3">
-        <a:scrgbClr r="0" g="0" b="0"/>
-      </a:fillRef>
-      <a:effectRef idx="2">
+      <a:lnRef idx="3">
+        <a:scrgbClr r="0" g="0" b="0"/>
+      </a:lnRef>
+      <a:fillRef idx="1">
+        <a:scrgbClr r="0" g="0" b="0"/>
+      </a:fillRef>
+      <a:effectRef idx="1">
         <a:scrgbClr r="0" g="0" b="0"/>
       </a:effectRef>
       <a:fontRef idx="minor">
@@ -37847,13 +40865,13 @@
     <dgm:sp3d/>
     <dgm:txPr/>
     <dgm:style>
-      <a:lnRef idx="1">
-        <a:scrgbClr r="0" g="0" b="0"/>
-      </a:lnRef>
-      <a:fillRef idx="3">
-        <a:scrgbClr r="0" g="0" b="0"/>
-      </a:fillRef>
-      <a:effectRef idx="2">
+      <a:lnRef idx="3">
+        <a:scrgbClr r="0" g="0" b="0"/>
+      </a:lnRef>
+      <a:fillRef idx="1">
+        <a:scrgbClr r="0" g="0" b="0"/>
+      </a:fillRef>
+      <a:effectRef idx="1">
         <a:scrgbClr r="0" g="0" b="0"/>
       </a:effectRef>
       <a:fontRef idx="minor">
@@ -37869,13 +40887,13 @@
     <dgm:sp3d/>
     <dgm:txPr/>
     <dgm:style>
-      <a:lnRef idx="1">
-        <a:scrgbClr r="0" g="0" b="0"/>
-      </a:lnRef>
-      <a:fillRef idx="3">
-        <a:scrgbClr r="0" g="0" b="0"/>
-      </a:fillRef>
-      <a:effectRef idx="2">
+      <a:lnRef idx="3">
+        <a:scrgbClr r="0" g="0" b="0"/>
+      </a:lnRef>
+      <a:fillRef idx="1">
+        <a:scrgbClr r="0" g="0" b="0"/>
+      </a:fillRef>
+      <a:effectRef idx="1">
         <a:scrgbClr r="0" g="0" b="0"/>
       </a:effectRef>
       <a:fontRef idx="minor">
@@ -37891,9 +40909,469 @@
     <dgm:sp3d/>
     <dgm:txPr/>
     <dgm:style>
+      <a:lnRef idx="2">
+        <a:scrgbClr r="0" g="0" b="0"/>
+      </a:lnRef>
+      <a:fillRef idx="0">
+        <a:scrgbClr r="0" g="0" b="0"/>
+      </a:fillRef>
+      <a:effectRef idx="0">
+        <a:scrgbClr r="0" g="0" b="0"/>
+      </a:effectRef>
+      <a:fontRef idx="minor"/>
+    </dgm:style>
+  </dgm:styleLbl>
+  <dgm:styleLbl name="parChTrans1D2">
+    <dgm:scene3d>
+      <a:camera prst="orthographicFront"/>
+      <a:lightRig rig="threePt" dir="t"/>
+    </dgm:scene3d>
+    <dgm:sp3d/>
+    <dgm:txPr/>
+    <dgm:style>
+      <a:lnRef idx="2">
+        <a:scrgbClr r="0" g="0" b="0"/>
+      </a:lnRef>
+      <a:fillRef idx="0">
+        <a:scrgbClr r="0" g="0" b="0"/>
+      </a:fillRef>
+      <a:effectRef idx="0">
+        <a:scrgbClr r="0" g="0" b="0"/>
+      </a:effectRef>
+      <a:fontRef idx="minor"/>
+    </dgm:style>
+  </dgm:styleLbl>
+  <dgm:styleLbl name="parChTrans1D3">
+    <dgm:scene3d>
+      <a:camera prst="orthographicFront"/>
+      <a:lightRig rig="threePt" dir="t"/>
+    </dgm:scene3d>
+    <dgm:sp3d/>
+    <dgm:txPr/>
+    <dgm:style>
+      <a:lnRef idx="2">
+        <a:scrgbClr r="0" g="0" b="0"/>
+      </a:lnRef>
+      <a:fillRef idx="0">
+        <a:scrgbClr r="0" g="0" b="0"/>
+      </a:fillRef>
+      <a:effectRef idx="0">
+        <a:scrgbClr r="0" g="0" b="0"/>
+      </a:effectRef>
+      <a:fontRef idx="minor"/>
+    </dgm:style>
+  </dgm:styleLbl>
+  <dgm:styleLbl name="parChTrans1D4">
+    <dgm:scene3d>
+      <a:camera prst="orthographicFront"/>
+      <a:lightRig rig="threePt" dir="t"/>
+    </dgm:scene3d>
+    <dgm:sp3d/>
+    <dgm:txPr/>
+    <dgm:style>
+      <a:lnRef idx="2">
+        <a:scrgbClr r="0" g="0" b="0"/>
+      </a:lnRef>
+      <a:fillRef idx="0">
+        <a:scrgbClr r="0" g="0" b="0"/>
+      </a:fillRef>
+      <a:effectRef idx="0">
+        <a:scrgbClr r="0" g="0" b="0"/>
+      </a:effectRef>
+      <a:fontRef idx="minor"/>
+    </dgm:style>
+  </dgm:styleLbl>
+  <dgm:styleLbl name="fgAcc1">
+    <dgm:scene3d>
+      <a:camera prst="orthographicFront"/>
+      <a:lightRig rig="threePt" dir="t"/>
+    </dgm:scene3d>
+    <dgm:sp3d/>
+    <dgm:txPr/>
+    <dgm:style>
+      <a:lnRef idx="2">
+        <a:scrgbClr r="0" g="0" b="0"/>
+      </a:lnRef>
+      <a:fillRef idx="1">
+        <a:scrgbClr r="0" g="0" b="0"/>
+      </a:fillRef>
+      <a:effectRef idx="0">
+        <a:scrgbClr r="0" g="0" b="0"/>
+      </a:effectRef>
+      <a:fontRef idx="minor"/>
+    </dgm:style>
+  </dgm:styleLbl>
+  <dgm:styleLbl name="conFgAcc1">
+    <dgm:scene3d>
+      <a:camera prst="orthographicFront"/>
+      <a:lightRig rig="threePt" dir="t"/>
+    </dgm:scene3d>
+    <dgm:sp3d/>
+    <dgm:txPr/>
+    <dgm:style>
+      <a:lnRef idx="2">
+        <a:scrgbClr r="0" g="0" b="0"/>
+      </a:lnRef>
+      <a:fillRef idx="1">
+        <a:scrgbClr r="0" g="0" b="0"/>
+      </a:fillRef>
+      <a:effectRef idx="0">
+        <a:scrgbClr r="0" g="0" b="0"/>
+      </a:effectRef>
+      <a:fontRef idx="minor"/>
+    </dgm:style>
+  </dgm:styleLbl>
+  <dgm:styleLbl name="alignAcc1">
+    <dgm:scene3d>
+      <a:camera prst="orthographicFront"/>
+      <a:lightRig rig="threePt" dir="t"/>
+    </dgm:scene3d>
+    <dgm:sp3d/>
+    <dgm:txPr/>
+    <dgm:style>
+      <a:lnRef idx="2">
+        <a:scrgbClr r="0" g="0" b="0"/>
+      </a:lnRef>
+      <a:fillRef idx="1">
+        <a:scrgbClr r="0" g="0" b="0"/>
+      </a:fillRef>
+      <a:effectRef idx="0">
+        <a:scrgbClr r="0" g="0" b="0"/>
+      </a:effectRef>
+      <a:fontRef idx="minor"/>
+    </dgm:style>
+  </dgm:styleLbl>
+  <dgm:styleLbl name="trAlignAcc1">
+    <dgm:scene3d>
+      <a:camera prst="orthographicFront"/>
+      <a:lightRig rig="threePt" dir="t"/>
+    </dgm:scene3d>
+    <dgm:sp3d/>
+    <dgm:txPr/>
+    <dgm:style>
       <a:lnRef idx="1">
         <a:scrgbClr r="0" g="0" b="0"/>
       </a:lnRef>
+      <a:fillRef idx="1">
+        <a:scrgbClr r="0" g="0" b="0"/>
+      </a:fillRef>
+      <a:effectRef idx="0">
+        <a:scrgbClr r="0" g="0" b="0"/>
+      </a:effectRef>
+      <a:fontRef idx="minor"/>
+    </dgm:style>
+  </dgm:styleLbl>
+  <dgm:styleLbl name="bgAcc1">
+    <dgm:scene3d>
+      <a:camera prst="orthographicFront"/>
+      <a:lightRig rig="threePt" dir="t"/>
+    </dgm:scene3d>
+    <dgm:sp3d/>
+    <dgm:txPr/>
+    <dgm:style>
+      <a:lnRef idx="2">
+        <a:scrgbClr r="0" g="0" b="0"/>
+      </a:lnRef>
+      <a:fillRef idx="1">
+        <a:scrgbClr r="0" g="0" b="0"/>
+      </a:fillRef>
+      <a:effectRef idx="0">
+        <a:scrgbClr r="0" g="0" b="0"/>
+      </a:effectRef>
+      <a:fontRef idx="minor"/>
+    </dgm:style>
+  </dgm:styleLbl>
+  <dgm:styleLbl name="solidFgAcc1">
+    <dgm:scene3d>
+      <a:camera prst="orthographicFront"/>
+      <a:lightRig rig="threePt" dir="t"/>
+    </dgm:scene3d>
+    <dgm:sp3d/>
+    <dgm:txPr/>
+    <dgm:style>
+      <a:lnRef idx="2">
+        <a:scrgbClr r="0" g="0" b="0"/>
+      </a:lnRef>
+      <a:fillRef idx="1">
+        <a:scrgbClr r="0" g="0" b="0"/>
+      </a:fillRef>
+      <a:effectRef idx="0">
+        <a:scrgbClr r="0" g="0" b="0"/>
+      </a:effectRef>
+      <a:fontRef idx="minor"/>
+    </dgm:style>
+  </dgm:styleLbl>
+  <dgm:styleLbl name="solidAlignAcc1">
+    <dgm:scene3d>
+      <a:camera prst="orthographicFront"/>
+      <a:lightRig rig="threePt" dir="t"/>
+    </dgm:scene3d>
+    <dgm:sp3d/>
+    <dgm:txPr/>
+    <dgm:style>
+      <a:lnRef idx="2">
+        <a:scrgbClr r="0" g="0" b="0"/>
+      </a:lnRef>
+      <a:fillRef idx="1">
+        <a:scrgbClr r="0" g="0" b="0"/>
+      </a:fillRef>
+      <a:effectRef idx="0">
+        <a:scrgbClr r="0" g="0" b="0"/>
+      </a:effectRef>
+      <a:fontRef idx="minor"/>
+    </dgm:style>
+  </dgm:styleLbl>
+  <dgm:styleLbl name="solidBgAcc1">
+    <dgm:scene3d>
+      <a:camera prst="orthographicFront"/>
+      <a:lightRig rig="threePt" dir="t"/>
+    </dgm:scene3d>
+    <dgm:sp3d/>
+    <dgm:txPr/>
+    <dgm:style>
+      <a:lnRef idx="2">
+        <a:scrgbClr r="0" g="0" b="0"/>
+      </a:lnRef>
+      <a:fillRef idx="1">
+        <a:scrgbClr r="0" g="0" b="0"/>
+      </a:fillRef>
+      <a:effectRef idx="0">
+        <a:scrgbClr r="0" g="0" b="0"/>
+      </a:effectRef>
+      <a:fontRef idx="minor"/>
+    </dgm:style>
+  </dgm:styleLbl>
+  <dgm:styleLbl name="fgAccFollowNode1">
+    <dgm:scene3d>
+      <a:camera prst="orthographicFront"/>
+      <a:lightRig rig="threePt" dir="t"/>
+    </dgm:scene3d>
+    <dgm:sp3d/>
+    <dgm:txPr/>
+    <dgm:style>
+      <a:lnRef idx="2">
+        <a:scrgbClr r="0" g="0" b="0"/>
+      </a:lnRef>
+      <a:fillRef idx="1">
+        <a:scrgbClr r="0" g="0" b="0"/>
+      </a:fillRef>
+      <a:effectRef idx="0">
+        <a:scrgbClr r="0" g="0" b="0"/>
+      </a:effectRef>
+      <a:fontRef idx="minor"/>
+    </dgm:style>
+  </dgm:styleLbl>
+  <dgm:styleLbl name="alignAccFollowNode1">
+    <dgm:scene3d>
+      <a:camera prst="orthographicFront"/>
+      <a:lightRig rig="threePt" dir="t"/>
+    </dgm:scene3d>
+    <dgm:sp3d/>
+    <dgm:txPr/>
+    <dgm:style>
+      <a:lnRef idx="2">
+        <a:scrgbClr r="0" g="0" b="0"/>
+      </a:lnRef>
+      <a:fillRef idx="1">
+        <a:scrgbClr r="0" g="0" b="0"/>
+      </a:fillRef>
+      <a:effectRef idx="0">
+        <a:scrgbClr r="0" g="0" b="0"/>
+      </a:effectRef>
+      <a:fontRef idx="minor"/>
+    </dgm:style>
+  </dgm:styleLbl>
+  <dgm:styleLbl name="bgAccFollowNode1">
+    <dgm:scene3d>
+      <a:camera prst="orthographicFront"/>
+      <a:lightRig rig="threePt" dir="t"/>
+    </dgm:scene3d>
+    <dgm:sp3d/>
+    <dgm:txPr/>
+    <dgm:style>
+      <a:lnRef idx="2">
+        <a:scrgbClr r="0" g="0" b="0"/>
+      </a:lnRef>
+      <a:fillRef idx="1">
+        <a:scrgbClr r="0" g="0" b="0"/>
+      </a:fillRef>
+      <a:effectRef idx="0">
+        <a:scrgbClr r="0" g="0" b="0"/>
+      </a:effectRef>
+      <a:fontRef idx="minor"/>
+    </dgm:style>
+  </dgm:styleLbl>
+  <dgm:styleLbl name="fgAcc0">
+    <dgm:scene3d>
+      <a:camera prst="orthographicFront"/>
+      <a:lightRig rig="threePt" dir="t"/>
+    </dgm:scene3d>
+    <dgm:sp3d/>
+    <dgm:txPr/>
+    <dgm:style>
+      <a:lnRef idx="2">
+        <a:scrgbClr r="0" g="0" b="0"/>
+      </a:lnRef>
+      <a:fillRef idx="1">
+        <a:scrgbClr r="0" g="0" b="0"/>
+      </a:fillRef>
+      <a:effectRef idx="0">
+        <a:scrgbClr r="0" g="0" b="0"/>
+      </a:effectRef>
+      <a:fontRef idx="minor"/>
+    </dgm:style>
+  </dgm:styleLbl>
+  <dgm:styleLbl name="fgAcc2">
+    <dgm:scene3d>
+      <a:camera prst="orthographicFront"/>
+      <a:lightRig rig="threePt" dir="t"/>
+    </dgm:scene3d>
+    <dgm:sp3d/>
+    <dgm:txPr/>
+    <dgm:style>
+      <a:lnRef idx="2">
+        <a:scrgbClr r="0" g="0" b="0"/>
+      </a:lnRef>
+      <a:fillRef idx="1">
+        <a:scrgbClr r="0" g="0" b="0"/>
+      </a:fillRef>
+      <a:effectRef idx="0">
+        <a:scrgbClr r="0" g="0" b="0"/>
+      </a:effectRef>
+      <a:fontRef idx="minor"/>
+    </dgm:style>
+  </dgm:styleLbl>
+  <dgm:styleLbl name="fgAcc3">
+    <dgm:scene3d>
+      <a:camera prst="orthographicFront"/>
+      <a:lightRig rig="threePt" dir="t"/>
+    </dgm:scene3d>
+    <dgm:sp3d/>
+    <dgm:txPr/>
+    <dgm:style>
+      <a:lnRef idx="2">
+        <a:scrgbClr r="0" g="0" b="0"/>
+      </a:lnRef>
+      <a:fillRef idx="1">
+        <a:scrgbClr r="0" g="0" b="0"/>
+      </a:fillRef>
+      <a:effectRef idx="0">
+        <a:scrgbClr r="0" g="0" b="0"/>
+      </a:effectRef>
+      <a:fontRef idx="minor"/>
+    </dgm:style>
+  </dgm:styleLbl>
+  <dgm:styleLbl name="fgAcc4">
+    <dgm:scene3d>
+      <a:camera prst="orthographicFront"/>
+      <a:lightRig rig="threePt" dir="t"/>
+    </dgm:scene3d>
+    <dgm:sp3d/>
+    <dgm:txPr/>
+    <dgm:style>
+      <a:lnRef idx="2">
+        <a:scrgbClr r="0" g="0" b="0"/>
+      </a:lnRef>
+      <a:fillRef idx="1">
+        <a:scrgbClr r="0" g="0" b="0"/>
+      </a:fillRef>
+      <a:effectRef idx="0">
+        <a:scrgbClr r="0" g="0" b="0"/>
+      </a:effectRef>
+      <a:fontRef idx="minor"/>
+    </dgm:style>
+  </dgm:styleLbl>
+  <dgm:styleLbl name="bgShp">
+    <dgm:scene3d>
+      <a:camera prst="orthographicFront"/>
+      <a:lightRig rig="threePt" dir="t"/>
+    </dgm:scene3d>
+    <dgm:sp3d/>
+    <dgm:txPr/>
+    <dgm:style>
+      <a:lnRef idx="0">
+        <a:scrgbClr r="0" g="0" b="0"/>
+      </a:lnRef>
+      <a:fillRef idx="1">
+        <a:scrgbClr r="0" g="0" b="0"/>
+      </a:fillRef>
+      <a:effectRef idx="0">
+        <a:scrgbClr r="0" g="0" b="0"/>
+      </a:effectRef>
+      <a:fontRef idx="minor"/>
+    </dgm:style>
+  </dgm:styleLbl>
+  <dgm:styleLbl name="dkBgShp">
+    <dgm:scene3d>
+      <a:camera prst="orthographicFront"/>
+      <a:lightRig rig="threePt" dir="t"/>
+    </dgm:scene3d>
+    <dgm:sp3d/>
+    <dgm:txPr/>
+    <dgm:style>
+      <a:lnRef idx="0">
+        <a:scrgbClr r="0" g="0" b="0"/>
+      </a:lnRef>
+      <a:fillRef idx="1">
+        <a:scrgbClr r="0" g="0" b="0"/>
+      </a:fillRef>
+      <a:effectRef idx="0">
+        <a:scrgbClr r="0" g="0" b="0"/>
+      </a:effectRef>
+      <a:fontRef idx="minor"/>
+    </dgm:style>
+  </dgm:styleLbl>
+  <dgm:styleLbl name="trBgShp">
+    <dgm:scene3d>
+      <a:camera prst="orthographicFront"/>
+      <a:lightRig rig="threePt" dir="t"/>
+    </dgm:scene3d>
+    <dgm:sp3d/>
+    <dgm:txPr/>
+    <dgm:style>
+      <a:lnRef idx="0">
+        <a:scrgbClr r="0" g="0" b="0"/>
+      </a:lnRef>
+      <a:fillRef idx="1">
+        <a:scrgbClr r="0" g="0" b="0"/>
+      </a:fillRef>
+      <a:effectRef idx="0">
+        <a:scrgbClr r="0" g="0" b="0"/>
+      </a:effectRef>
+      <a:fontRef idx="minor"/>
+    </dgm:style>
+  </dgm:styleLbl>
+  <dgm:styleLbl name="fgShp">
+    <dgm:scene3d>
+      <a:camera prst="orthographicFront"/>
+      <a:lightRig rig="threePt" dir="t"/>
+    </dgm:scene3d>
+    <dgm:sp3d/>
+    <dgm:txPr/>
+    <dgm:style>
+      <a:lnRef idx="3">
+        <a:scrgbClr r="0" g="0" b="0"/>
+      </a:lnRef>
+      <a:fillRef idx="1">
+        <a:scrgbClr r="0" g="0" b="0"/>
+      </a:fillRef>
+      <a:effectRef idx="1">
+        <a:scrgbClr r="0" g="0" b="0"/>
+      </a:effectRef>
+      <a:fontRef idx="minor"/>
+    </dgm:style>
+  </dgm:styleLbl>
+  <dgm:styleLbl name="revTx">
+    <dgm:scene3d>
+      <a:camera prst="orthographicFront"/>
+      <a:lightRig rig="threePt" dir="t"/>
+    </dgm:scene3d>
+    <dgm:sp3d/>
+    <dgm:txPr/>
+    <dgm:style>
+      <a:lnRef idx="0">
+        <a:scrgbClr r="0" g="0" b="0"/>
+      </a:lnRef>
       <a:fillRef idx="0">
         <a:scrgbClr r="0" g="0" b="0"/>
       </a:fillRef>
@@ -37903,6 +41381,580 @@
       <a:fontRef idx="minor"/>
     </dgm:style>
   </dgm:styleLbl>
+</dgm:styleDef>
+</file>
+
+<file path=ppt/diagrams/quickStyle19.xml><?xml version="1.0" encoding="utf-8"?>
+<dgm:styleDef xmlns:dgm="http://schemas.openxmlformats.org/drawingml/2006/diagram" xmlns:a="http://schemas.openxmlformats.org/drawingml/2006/main" uniqueId="urn:microsoft.com/office/officeart/2005/8/quickstyle/simple1">
+  <dgm:title val=""/>
+  <dgm:desc val=""/>
+  <dgm:catLst>
+    <dgm:cat type="simple" pri="10100"/>
+  </dgm:catLst>
+  <dgm:scene3d>
+    <a:camera prst="orthographicFront"/>
+    <a:lightRig rig="threePt" dir="t"/>
+  </dgm:scene3d>
+  <dgm:styleLbl name="node0">
+    <dgm:scene3d>
+      <a:camera prst="orthographicFront"/>
+      <a:lightRig rig="threePt" dir="t"/>
+    </dgm:scene3d>
+    <dgm:sp3d/>
+    <dgm:txPr/>
+    <dgm:style>
+      <a:lnRef idx="2">
+        <a:scrgbClr r="0" g="0" b="0"/>
+      </a:lnRef>
+      <a:fillRef idx="1">
+        <a:scrgbClr r="0" g="0" b="0"/>
+      </a:fillRef>
+      <a:effectRef idx="0">
+        <a:scrgbClr r="0" g="0" b="0"/>
+      </a:effectRef>
+      <a:fontRef idx="minor">
+        <a:schemeClr val="lt1"/>
+      </a:fontRef>
+    </dgm:style>
+  </dgm:styleLbl>
+  <dgm:styleLbl name="lnNode1">
+    <dgm:scene3d>
+      <a:camera prst="orthographicFront"/>
+      <a:lightRig rig="threePt" dir="t"/>
+    </dgm:scene3d>
+    <dgm:sp3d/>
+    <dgm:txPr/>
+    <dgm:style>
+      <a:lnRef idx="2">
+        <a:scrgbClr r="0" g="0" b="0"/>
+      </a:lnRef>
+      <a:fillRef idx="1">
+        <a:scrgbClr r="0" g="0" b="0"/>
+      </a:fillRef>
+      <a:effectRef idx="0">
+        <a:scrgbClr r="0" g="0" b="0"/>
+      </a:effectRef>
+      <a:fontRef idx="minor">
+        <a:schemeClr val="lt1"/>
+      </a:fontRef>
+    </dgm:style>
+  </dgm:styleLbl>
+  <dgm:styleLbl name="vennNode1">
+    <dgm:scene3d>
+      <a:camera prst="orthographicFront"/>
+      <a:lightRig rig="threePt" dir="t"/>
+    </dgm:scene3d>
+    <dgm:sp3d/>
+    <dgm:txPr/>
+    <dgm:style>
+      <a:lnRef idx="2">
+        <a:scrgbClr r="0" g="0" b="0"/>
+      </a:lnRef>
+      <a:fillRef idx="1">
+        <a:scrgbClr r="0" g="0" b="0"/>
+      </a:fillRef>
+      <a:effectRef idx="0">
+        <a:scrgbClr r="0" g="0" b="0"/>
+      </a:effectRef>
+      <a:fontRef idx="minor">
+        <a:schemeClr val="tx1"/>
+      </a:fontRef>
+    </dgm:style>
+  </dgm:styleLbl>
+  <dgm:styleLbl name="alignNode1">
+    <dgm:scene3d>
+      <a:camera prst="orthographicFront"/>
+      <a:lightRig rig="threePt" dir="t"/>
+    </dgm:scene3d>
+    <dgm:sp3d/>
+    <dgm:txPr/>
+    <dgm:style>
+      <a:lnRef idx="2">
+        <a:scrgbClr r="0" g="0" b="0"/>
+      </a:lnRef>
+      <a:fillRef idx="1">
+        <a:scrgbClr r="0" g="0" b="0"/>
+      </a:fillRef>
+      <a:effectRef idx="0">
+        <a:scrgbClr r="0" g="0" b="0"/>
+      </a:effectRef>
+      <a:fontRef idx="minor">
+        <a:schemeClr val="lt1"/>
+      </a:fontRef>
+    </dgm:style>
+  </dgm:styleLbl>
+  <dgm:styleLbl name="node1">
+    <dgm:scene3d>
+      <a:camera prst="orthographicFront"/>
+      <a:lightRig rig="threePt" dir="t"/>
+    </dgm:scene3d>
+    <dgm:sp3d/>
+    <dgm:txPr/>
+    <dgm:style>
+      <a:lnRef idx="2">
+        <a:scrgbClr r="0" g="0" b="0"/>
+      </a:lnRef>
+      <a:fillRef idx="1">
+        <a:scrgbClr r="0" g="0" b="0"/>
+      </a:fillRef>
+      <a:effectRef idx="0">
+        <a:scrgbClr r="0" g="0" b="0"/>
+      </a:effectRef>
+      <a:fontRef idx="minor">
+        <a:schemeClr val="lt1"/>
+      </a:fontRef>
+    </dgm:style>
+  </dgm:styleLbl>
+  <dgm:styleLbl name="node2">
+    <dgm:scene3d>
+      <a:camera prst="orthographicFront"/>
+      <a:lightRig rig="threePt" dir="t"/>
+    </dgm:scene3d>
+    <dgm:sp3d/>
+    <dgm:txPr/>
+    <dgm:style>
+      <a:lnRef idx="2">
+        <a:scrgbClr r="0" g="0" b="0"/>
+      </a:lnRef>
+      <a:fillRef idx="1">
+        <a:scrgbClr r="0" g="0" b="0"/>
+      </a:fillRef>
+      <a:effectRef idx="0">
+        <a:scrgbClr r="0" g="0" b="0"/>
+      </a:effectRef>
+      <a:fontRef idx="minor">
+        <a:schemeClr val="lt1"/>
+      </a:fontRef>
+    </dgm:style>
+  </dgm:styleLbl>
+  <dgm:styleLbl name="node3">
+    <dgm:scene3d>
+      <a:camera prst="orthographicFront"/>
+      <a:lightRig rig="threePt" dir="t"/>
+    </dgm:scene3d>
+    <dgm:sp3d/>
+    <dgm:txPr/>
+    <dgm:style>
+      <a:lnRef idx="2">
+        <a:scrgbClr r="0" g="0" b="0"/>
+      </a:lnRef>
+      <a:fillRef idx="1">
+        <a:scrgbClr r="0" g="0" b="0"/>
+      </a:fillRef>
+      <a:effectRef idx="0">
+        <a:scrgbClr r="0" g="0" b="0"/>
+      </a:effectRef>
+      <a:fontRef idx="minor">
+        <a:schemeClr val="lt1"/>
+      </a:fontRef>
+    </dgm:style>
+  </dgm:styleLbl>
+  <dgm:styleLbl name="node4">
+    <dgm:scene3d>
+      <a:camera prst="orthographicFront"/>
+      <a:lightRig rig="threePt" dir="t"/>
+    </dgm:scene3d>
+    <dgm:sp3d/>
+    <dgm:txPr/>
+    <dgm:style>
+      <a:lnRef idx="2">
+        <a:scrgbClr r="0" g="0" b="0"/>
+      </a:lnRef>
+      <a:fillRef idx="1">
+        <a:scrgbClr r="0" g="0" b="0"/>
+      </a:fillRef>
+      <a:effectRef idx="0">
+        <a:scrgbClr r="0" g="0" b="0"/>
+      </a:effectRef>
+      <a:fontRef idx="minor">
+        <a:schemeClr val="lt1"/>
+      </a:fontRef>
+    </dgm:style>
+  </dgm:styleLbl>
+  <dgm:styleLbl name="fgImgPlace1">
+    <dgm:scene3d>
+      <a:camera prst="orthographicFront"/>
+      <a:lightRig rig="threePt" dir="t"/>
+    </dgm:scene3d>
+    <dgm:sp3d/>
+    <dgm:txPr/>
+    <dgm:style>
+      <a:lnRef idx="2">
+        <a:scrgbClr r="0" g="0" b="0"/>
+      </a:lnRef>
+      <a:fillRef idx="1">
+        <a:scrgbClr r="0" g="0" b="0"/>
+      </a:fillRef>
+      <a:effectRef idx="0">
+        <a:scrgbClr r="0" g="0" b="0"/>
+      </a:effectRef>
+      <a:fontRef idx="minor"/>
+    </dgm:style>
+  </dgm:styleLbl>
+  <dgm:styleLbl name="alignImgPlace1">
+    <dgm:scene3d>
+      <a:camera prst="orthographicFront"/>
+      <a:lightRig rig="threePt" dir="t"/>
+    </dgm:scene3d>
+    <dgm:sp3d/>
+    <dgm:txPr/>
+    <dgm:style>
+      <a:lnRef idx="2">
+        <a:scrgbClr r="0" g="0" b="0"/>
+      </a:lnRef>
+      <a:fillRef idx="1">
+        <a:scrgbClr r="0" g="0" b="0"/>
+      </a:fillRef>
+      <a:effectRef idx="0">
+        <a:scrgbClr r="0" g="0" b="0"/>
+      </a:effectRef>
+      <a:fontRef idx="minor"/>
+    </dgm:style>
+  </dgm:styleLbl>
+  <dgm:styleLbl name="bgImgPlace1">
+    <dgm:scene3d>
+      <a:camera prst="orthographicFront"/>
+      <a:lightRig rig="threePt" dir="t"/>
+    </dgm:scene3d>
+    <dgm:sp3d/>
+    <dgm:txPr/>
+    <dgm:style>
+      <a:lnRef idx="2">
+        <a:scrgbClr r="0" g="0" b="0"/>
+      </a:lnRef>
+      <a:fillRef idx="1">
+        <a:scrgbClr r="0" g="0" b="0"/>
+      </a:fillRef>
+      <a:effectRef idx="0">
+        <a:scrgbClr r="0" g="0" b="0"/>
+      </a:effectRef>
+      <a:fontRef idx="minor"/>
+    </dgm:style>
+  </dgm:styleLbl>
+  <dgm:styleLbl name="sibTrans2D1">
+    <dgm:scene3d>
+      <a:camera prst="orthographicFront"/>
+      <a:lightRig rig="threePt" dir="t"/>
+    </dgm:scene3d>
+    <dgm:sp3d/>
+    <dgm:txPr/>
+    <dgm:style>
+      <a:lnRef idx="0">
+        <a:scrgbClr r="0" g="0" b="0"/>
+      </a:lnRef>
+      <a:fillRef idx="1">
+        <a:scrgbClr r="0" g="0" b="0"/>
+      </a:fillRef>
+      <a:effectRef idx="0">
+        <a:scrgbClr r="0" g="0" b="0"/>
+      </a:effectRef>
+      <a:fontRef idx="minor">
+        <a:schemeClr val="lt1"/>
+      </a:fontRef>
+    </dgm:style>
+  </dgm:styleLbl>
+  <dgm:styleLbl name="fgSibTrans2D1">
+    <dgm:scene3d>
+      <a:camera prst="orthographicFront"/>
+      <a:lightRig rig="threePt" dir="t"/>
+    </dgm:scene3d>
+    <dgm:sp3d/>
+    <dgm:txPr/>
+    <dgm:style>
+      <a:lnRef idx="0">
+        <a:scrgbClr r="0" g="0" b="0"/>
+      </a:lnRef>
+      <a:fillRef idx="1">
+        <a:scrgbClr r="0" g="0" b="0"/>
+      </a:fillRef>
+      <a:effectRef idx="0">
+        <a:scrgbClr r="0" g="0" b="0"/>
+      </a:effectRef>
+      <a:fontRef idx="minor">
+        <a:schemeClr val="lt1"/>
+      </a:fontRef>
+    </dgm:style>
+  </dgm:styleLbl>
+  <dgm:styleLbl name="bgSibTrans2D1">
+    <dgm:scene3d>
+      <a:camera prst="orthographicFront"/>
+      <a:lightRig rig="threePt" dir="t"/>
+    </dgm:scene3d>
+    <dgm:sp3d/>
+    <dgm:txPr/>
+    <dgm:style>
+      <a:lnRef idx="0">
+        <a:scrgbClr r="0" g="0" b="0"/>
+      </a:lnRef>
+      <a:fillRef idx="1">
+        <a:scrgbClr r="0" g="0" b="0"/>
+      </a:fillRef>
+      <a:effectRef idx="0">
+        <a:scrgbClr r="0" g="0" b="0"/>
+      </a:effectRef>
+      <a:fontRef idx="minor">
+        <a:schemeClr val="lt1"/>
+      </a:fontRef>
+    </dgm:style>
+  </dgm:styleLbl>
+  <dgm:styleLbl name="sibTrans1D1">
+    <dgm:scene3d>
+      <a:camera prst="orthographicFront"/>
+      <a:lightRig rig="threePt" dir="t"/>
+    </dgm:scene3d>
+    <dgm:sp3d/>
+    <dgm:txPr/>
+    <dgm:style>
+      <a:lnRef idx="1">
+        <a:scrgbClr r="0" g="0" b="0"/>
+      </a:lnRef>
+      <a:fillRef idx="0">
+        <a:scrgbClr r="0" g="0" b="0"/>
+      </a:fillRef>
+      <a:effectRef idx="0">
+        <a:scrgbClr r="0" g="0" b="0"/>
+      </a:effectRef>
+      <a:fontRef idx="minor"/>
+    </dgm:style>
+  </dgm:styleLbl>
+  <dgm:styleLbl name="callout">
+    <dgm:scene3d>
+      <a:camera prst="orthographicFront"/>
+      <a:lightRig rig="threePt" dir="t"/>
+    </dgm:scene3d>
+    <dgm:sp3d/>
+    <dgm:txPr/>
+    <dgm:style>
+      <a:lnRef idx="2">
+        <a:scrgbClr r="0" g="0" b="0"/>
+      </a:lnRef>
+      <a:fillRef idx="1">
+        <a:scrgbClr r="0" g="0" b="0"/>
+      </a:fillRef>
+      <a:effectRef idx="0">
+        <a:scrgbClr r="0" g="0" b="0"/>
+      </a:effectRef>
+      <a:fontRef idx="minor"/>
+    </dgm:style>
+  </dgm:styleLbl>
+  <dgm:styleLbl name="asst0">
+    <dgm:scene3d>
+      <a:camera prst="orthographicFront"/>
+      <a:lightRig rig="threePt" dir="t"/>
+    </dgm:scene3d>
+    <dgm:sp3d/>
+    <dgm:txPr/>
+    <dgm:style>
+      <a:lnRef idx="2">
+        <a:scrgbClr r="0" g="0" b="0"/>
+      </a:lnRef>
+      <a:fillRef idx="1">
+        <a:scrgbClr r="0" g="0" b="0"/>
+      </a:fillRef>
+      <a:effectRef idx="0">
+        <a:scrgbClr r="0" g="0" b="0"/>
+      </a:effectRef>
+      <a:fontRef idx="minor">
+        <a:schemeClr val="lt1"/>
+      </a:fontRef>
+    </dgm:style>
+  </dgm:styleLbl>
+  <dgm:styleLbl name="asst1">
+    <dgm:scene3d>
+      <a:camera prst="orthographicFront"/>
+      <a:lightRig rig="threePt" dir="t"/>
+    </dgm:scene3d>
+    <dgm:sp3d/>
+    <dgm:txPr/>
+    <dgm:style>
+      <a:lnRef idx="2">
+        <a:scrgbClr r="0" g="0" b="0"/>
+      </a:lnRef>
+      <a:fillRef idx="1">
+        <a:scrgbClr r="0" g="0" b="0"/>
+      </a:fillRef>
+      <a:effectRef idx="0">
+        <a:scrgbClr r="0" g="0" b="0"/>
+      </a:effectRef>
+      <a:fontRef idx="minor">
+        <a:schemeClr val="lt1"/>
+      </a:fontRef>
+    </dgm:style>
+  </dgm:styleLbl>
+  <dgm:styleLbl name="asst2">
+    <dgm:scene3d>
+      <a:camera prst="orthographicFront"/>
+      <a:lightRig rig="threePt" dir="t"/>
+    </dgm:scene3d>
+    <dgm:sp3d/>
+    <dgm:txPr/>
+    <dgm:style>
+      <a:lnRef idx="2">
+        <a:scrgbClr r="0" g="0" b="0"/>
+      </a:lnRef>
+      <a:fillRef idx="1">
+        <a:scrgbClr r="0" g="0" b="0"/>
+      </a:fillRef>
+      <a:effectRef idx="0">
+        <a:scrgbClr r="0" g="0" b="0"/>
+      </a:effectRef>
+      <a:fontRef idx="minor">
+        <a:schemeClr val="lt1"/>
+      </a:fontRef>
+    </dgm:style>
+  </dgm:styleLbl>
+  <dgm:styleLbl name="asst3">
+    <dgm:scene3d>
+      <a:camera prst="orthographicFront"/>
+      <a:lightRig rig="threePt" dir="t"/>
+    </dgm:scene3d>
+    <dgm:sp3d/>
+    <dgm:txPr/>
+    <dgm:style>
+      <a:lnRef idx="2">
+        <a:scrgbClr r="0" g="0" b="0"/>
+      </a:lnRef>
+      <a:fillRef idx="1">
+        <a:scrgbClr r="0" g="0" b="0"/>
+      </a:fillRef>
+      <a:effectRef idx="0">
+        <a:scrgbClr r="0" g="0" b="0"/>
+      </a:effectRef>
+      <a:fontRef idx="minor">
+        <a:schemeClr val="lt1"/>
+      </a:fontRef>
+    </dgm:style>
+  </dgm:styleLbl>
+  <dgm:styleLbl name="asst4">
+    <dgm:scene3d>
+      <a:camera prst="orthographicFront"/>
+      <a:lightRig rig="threePt" dir="t"/>
+    </dgm:scene3d>
+    <dgm:sp3d/>
+    <dgm:txPr/>
+    <dgm:style>
+      <a:lnRef idx="2">
+        <a:scrgbClr r="0" g="0" b="0"/>
+      </a:lnRef>
+      <a:fillRef idx="1">
+        <a:scrgbClr r="0" g="0" b="0"/>
+      </a:fillRef>
+      <a:effectRef idx="0">
+        <a:scrgbClr r="0" g="0" b="0"/>
+      </a:effectRef>
+      <a:fontRef idx="minor">
+        <a:schemeClr val="lt1"/>
+      </a:fontRef>
+    </dgm:style>
+  </dgm:styleLbl>
+  <dgm:styleLbl name="parChTrans2D1">
+    <dgm:scene3d>
+      <a:camera prst="orthographicFront"/>
+      <a:lightRig rig="threePt" dir="t"/>
+    </dgm:scene3d>
+    <dgm:sp3d/>
+    <dgm:txPr/>
+    <dgm:style>
+      <a:lnRef idx="2">
+        <a:scrgbClr r="0" g="0" b="0"/>
+      </a:lnRef>
+      <a:fillRef idx="1">
+        <a:scrgbClr r="0" g="0" b="0"/>
+      </a:fillRef>
+      <a:effectRef idx="0">
+        <a:scrgbClr r="0" g="0" b="0"/>
+      </a:effectRef>
+      <a:fontRef idx="minor">
+        <a:schemeClr val="lt1"/>
+      </a:fontRef>
+    </dgm:style>
+  </dgm:styleLbl>
+  <dgm:styleLbl name="parChTrans2D2">
+    <dgm:scene3d>
+      <a:camera prst="orthographicFront"/>
+      <a:lightRig rig="threePt" dir="t"/>
+    </dgm:scene3d>
+    <dgm:sp3d/>
+    <dgm:txPr/>
+    <dgm:style>
+      <a:lnRef idx="2">
+        <a:scrgbClr r="0" g="0" b="0"/>
+      </a:lnRef>
+      <a:fillRef idx="1">
+        <a:scrgbClr r="0" g="0" b="0"/>
+      </a:fillRef>
+      <a:effectRef idx="0">
+        <a:scrgbClr r="0" g="0" b="0"/>
+      </a:effectRef>
+      <a:fontRef idx="minor">
+        <a:schemeClr val="lt1"/>
+      </a:fontRef>
+    </dgm:style>
+  </dgm:styleLbl>
+  <dgm:styleLbl name="parChTrans2D3">
+    <dgm:scene3d>
+      <a:camera prst="orthographicFront"/>
+      <a:lightRig rig="threePt" dir="t"/>
+    </dgm:scene3d>
+    <dgm:sp3d/>
+    <dgm:txPr/>
+    <dgm:style>
+      <a:lnRef idx="2">
+        <a:scrgbClr r="0" g="0" b="0"/>
+      </a:lnRef>
+      <a:fillRef idx="1">
+        <a:scrgbClr r="0" g="0" b="0"/>
+      </a:fillRef>
+      <a:effectRef idx="0">
+        <a:scrgbClr r="0" g="0" b="0"/>
+      </a:effectRef>
+      <a:fontRef idx="minor">
+        <a:schemeClr val="lt1"/>
+      </a:fontRef>
+    </dgm:style>
+  </dgm:styleLbl>
+  <dgm:styleLbl name="parChTrans2D4">
+    <dgm:scene3d>
+      <a:camera prst="orthographicFront"/>
+      <a:lightRig rig="threePt" dir="t"/>
+    </dgm:scene3d>
+    <dgm:sp3d/>
+    <dgm:txPr/>
+    <dgm:style>
+      <a:lnRef idx="2">
+        <a:scrgbClr r="0" g="0" b="0"/>
+      </a:lnRef>
+      <a:fillRef idx="1">
+        <a:scrgbClr r="0" g="0" b="0"/>
+      </a:fillRef>
+      <a:effectRef idx="0">
+        <a:scrgbClr r="0" g="0" b="0"/>
+      </a:effectRef>
+      <a:fontRef idx="minor">
+        <a:schemeClr val="lt1"/>
+      </a:fontRef>
+    </dgm:style>
+  </dgm:styleLbl>
+  <dgm:styleLbl name="parChTrans1D1">
+    <dgm:scene3d>
+      <a:camera prst="orthographicFront"/>
+      <a:lightRig rig="threePt" dir="t"/>
+    </dgm:scene3d>
+    <dgm:sp3d/>
+    <dgm:txPr/>
+    <dgm:style>
+      <a:lnRef idx="2">
+        <a:scrgbClr r="0" g="0" b="0"/>
+      </a:lnRef>
+      <a:fillRef idx="0">
+        <a:scrgbClr r="0" g="0" b="0"/>
+      </a:fillRef>
+      <a:effectRef idx="0">
+        <a:scrgbClr r="0" g="0" b="0"/>
+      </a:effectRef>
+      <a:fontRef idx="minor"/>
+    </dgm:style>
+  </dgm:styleLbl>
   <dgm:styleLbl name="parChTrans1D2">
     <dgm:scene3d>
       <a:camera prst="orthographicFront"/>
@@ -37911,10 +41963,130 @@
     <dgm:sp3d/>
     <dgm:txPr/>
     <dgm:style>
+      <a:lnRef idx="2">
+        <a:scrgbClr r="0" g="0" b="0"/>
+      </a:lnRef>
+      <a:fillRef idx="0">
+        <a:scrgbClr r="0" g="0" b="0"/>
+      </a:fillRef>
+      <a:effectRef idx="0">
+        <a:scrgbClr r="0" g="0" b="0"/>
+      </a:effectRef>
+      <a:fontRef idx="minor"/>
+    </dgm:style>
+  </dgm:styleLbl>
+  <dgm:styleLbl name="parChTrans1D3">
+    <dgm:scene3d>
+      <a:camera prst="orthographicFront"/>
+      <a:lightRig rig="threePt" dir="t"/>
+    </dgm:scene3d>
+    <dgm:sp3d/>
+    <dgm:txPr/>
+    <dgm:style>
+      <a:lnRef idx="2">
+        <a:scrgbClr r="0" g="0" b="0"/>
+      </a:lnRef>
+      <a:fillRef idx="0">
+        <a:scrgbClr r="0" g="0" b="0"/>
+      </a:fillRef>
+      <a:effectRef idx="0">
+        <a:scrgbClr r="0" g="0" b="0"/>
+      </a:effectRef>
+      <a:fontRef idx="minor"/>
+    </dgm:style>
+  </dgm:styleLbl>
+  <dgm:styleLbl name="parChTrans1D4">
+    <dgm:scene3d>
+      <a:camera prst="orthographicFront"/>
+      <a:lightRig rig="threePt" dir="t"/>
+    </dgm:scene3d>
+    <dgm:sp3d/>
+    <dgm:txPr/>
+    <dgm:style>
+      <a:lnRef idx="2">
+        <a:scrgbClr r="0" g="0" b="0"/>
+      </a:lnRef>
+      <a:fillRef idx="0">
+        <a:scrgbClr r="0" g="0" b="0"/>
+      </a:fillRef>
+      <a:effectRef idx="0">
+        <a:scrgbClr r="0" g="0" b="0"/>
+      </a:effectRef>
+      <a:fontRef idx="minor"/>
+    </dgm:style>
+  </dgm:styleLbl>
+  <dgm:styleLbl name="fgAcc1">
+    <dgm:scene3d>
+      <a:camera prst="orthographicFront"/>
+      <a:lightRig rig="threePt" dir="t"/>
+    </dgm:scene3d>
+    <dgm:sp3d/>
+    <dgm:txPr/>
+    <dgm:style>
+      <a:lnRef idx="2">
+        <a:scrgbClr r="0" g="0" b="0"/>
+      </a:lnRef>
+      <a:fillRef idx="1">
+        <a:scrgbClr r="0" g="0" b="0"/>
+      </a:fillRef>
+      <a:effectRef idx="0">
+        <a:scrgbClr r="0" g="0" b="0"/>
+      </a:effectRef>
+      <a:fontRef idx="minor"/>
+    </dgm:style>
+  </dgm:styleLbl>
+  <dgm:styleLbl name="conFgAcc1">
+    <dgm:scene3d>
+      <a:camera prst="orthographicFront"/>
+      <a:lightRig rig="threePt" dir="t"/>
+    </dgm:scene3d>
+    <dgm:sp3d/>
+    <dgm:txPr/>
+    <dgm:style>
+      <a:lnRef idx="2">
+        <a:scrgbClr r="0" g="0" b="0"/>
+      </a:lnRef>
+      <a:fillRef idx="1">
+        <a:scrgbClr r="0" g="0" b="0"/>
+      </a:fillRef>
+      <a:effectRef idx="0">
+        <a:scrgbClr r="0" g="0" b="0"/>
+      </a:effectRef>
+      <a:fontRef idx="minor"/>
+    </dgm:style>
+  </dgm:styleLbl>
+  <dgm:styleLbl name="alignAcc1">
+    <dgm:scene3d>
+      <a:camera prst="orthographicFront"/>
+      <a:lightRig rig="threePt" dir="t"/>
+    </dgm:scene3d>
+    <dgm:sp3d/>
+    <dgm:txPr/>
+    <dgm:style>
+      <a:lnRef idx="2">
+        <a:scrgbClr r="0" g="0" b="0"/>
+      </a:lnRef>
+      <a:fillRef idx="1">
+        <a:scrgbClr r="0" g="0" b="0"/>
+      </a:fillRef>
+      <a:effectRef idx="0">
+        <a:scrgbClr r="0" g="0" b="0"/>
+      </a:effectRef>
+      <a:fontRef idx="minor"/>
+    </dgm:style>
+  </dgm:styleLbl>
+  <dgm:styleLbl name="trAlignAcc1">
+    <dgm:scene3d>
+      <a:camera prst="orthographicFront"/>
+      <a:lightRig rig="threePt" dir="t"/>
+    </dgm:scene3d>
+    <dgm:sp3d/>
+    <dgm:txPr/>
+    <dgm:style>
       <a:lnRef idx="1">
         <a:scrgbClr r="0" g="0" b="0"/>
       </a:lnRef>
-      <a:fillRef idx="0">
+      <a:fillRef idx="1">
         <a:scrgbClr r="0" g="0" b="0"/>
       </a:fillRef>
       <a:effectRef idx="0">
@@ -37923,18 +42095,18 @@
       <a:fontRef idx="minor"/>
     </dgm:style>
   </dgm:styleLbl>
-  <dgm:styleLbl name="parChTrans1D3">
-    <dgm:scene3d>
-      <a:camera prst="orthographicFront"/>
-      <a:lightRig rig="threePt" dir="t"/>
-    </dgm:scene3d>
-    <dgm:sp3d/>
-    <dgm:txPr/>
-    <dgm:style>
-      <a:lnRef idx="1">
-        <a:scrgbClr r="0" g="0" b="0"/>
-      </a:lnRef>
-      <a:fillRef idx="0">
+  <dgm:styleLbl name="bgAcc1">
+    <dgm:scene3d>
+      <a:camera prst="orthographicFront"/>
+      <a:lightRig rig="threePt" dir="t"/>
+    </dgm:scene3d>
+    <dgm:sp3d/>
+    <dgm:txPr/>
+    <dgm:style>
+      <a:lnRef idx="2">
+        <a:scrgbClr r="0" g="0" b="0"/>
+      </a:lnRef>
+      <a:fillRef idx="1">
         <a:scrgbClr r="0" g="0" b="0"/>
       </a:fillRef>
       <a:effectRef idx="0">
@@ -37943,18 +42115,18 @@
       <a:fontRef idx="minor"/>
     </dgm:style>
   </dgm:styleLbl>
-  <dgm:styleLbl name="parChTrans1D4">
-    <dgm:scene3d>
-      <a:camera prst="orthographicFront"/>
-      <a:lightRig rig="threePt" dir="t"/>
-    </dgm:scene3d>
-    <dgm:sp3d/>
-    <dgm:txPr/>
-    <dgm:style>
-      <a:lnRef idx="1">
-        <a:scrgbClr r="0" g="0" b="0"/>
-      </a:lnRef>
-      <a:fillRef idx="0">
+  <dgm:styleLbl name="solidFgAcc1">
+    <dgm:scene3d>
+      <a:camera prst="orthographicFront"/>
+      <a:lightRig rig="threePt" dir="t"/>
+    </dgm:scene3d>
+    <dgm:sp3d/>
+    <dgm:txPr/>
+    <dgm:style>
+      <a:lnRef idx="2">
+        <a:scrgbClr r="0" g="0" b="0"/>
+      </a:lnRef>
+      <a:fillRef idx="1">
         <a:scrgbClr r="0" g="0" b="0"/>
       </a:fillRef>
       <a:effectRef idx="0">
@@ -37963,15 +42135,15 @@
       <a:fontRef idx="minor"/>
     </dgm:style>
   </dgm:styleLbl>
-  <dgm:styleLbl name="fgAcc1">
-    <dgm:scene3d>
-      <a:camera prst="orthographicFront"/>
-      <a:lightRig rig="threePt" dir="t"/>
-    </dgm:scene3d>
-    <dgm:sp3d/>
-    <dgm:txPr/>
-    <dgm:style>
-      <a:lnRef idx="1">
+  <dgm:styleLbl name="solidAlignAcc1">
+    <dgm:scene3d>
+      <a:camera prst="orthographicFront"/>
+      <a:lightRig rig="threePt" dir="t"/>
+    </dgm:scene3d>
+    <dgm:sp3d/>
+    <dgm:txPr/>
+    <dgm:style>
+      <a:lnRef idx="2">
         <a:scrgbClr r="0" g="0" b="0"/>
       </a:lnRef>
       <a:fillRef idx="1">
@@ -37983,15 +42155,15 @@
       <a:fontRef idx="minor"/>
     </dgm:style>
   </dgm:styleLbl>
-  <dgm:styleLbl name="conFgAcc1">
-    <dgm:scene3d>
-      <a:camera prst="orthographicFront"/>
-      <a:lightRig rig="threePt" dir="t"/>
-    </dgm:scene3d>
-    <dgm:sp3d/>
-    <dgm:txPr/>
-    <dgm:style>
-      <a:lnRef idx="1">
+  <dgm:styleLbl name="solidBgAcc1">
+    <dgm:scene3d>
+      <a:camera prst="orthographicFront"/>
+      <a:lightRig rig="threePt" dir="t"/>
+    </dgm:scene3d>
+    <dgm:sp3d/>
+    <dgm:txPr/>
+    <dgm:style>
+      <a:lnRef idx="2">
         <a:scrgbClr r="0" g="0" b="0"/>
       </a:lnRef>
       <a:fillRef idx="1">
@@ -38003,15 +42175,15 @@
       <a:fontRef idx="minor"/>
     </dgm:style>
   </dgm:styleLbl>
-  <dgm:styleLbl name="alignAcc1">
-    <dgm:scene3d>
-      <a:camera prst="orthographicFront"/>
-      <a:lightRig rig="threePt" dir="t"/>
-    </dgm:scene3d>
-    <dgm:sp3d/>
-    <dgm:txPr/>
-    <dgm:style>
-      <a:lnRef idx="1">
+  <dgm:styleLbl name="fgAccFollowNode1">
+    <dgm:scene3d>
+      <a:camera prst="orthographicFront"/>
+      <a:lightRig rig="threePt" dir="t"/>
+    </dgm:scene3d>
+    <dgm:sp3d/>
+    <dgm:txPr/>
+    <dgm:style>
+      <a:lnRef idx="2">
         <a:scrgbClr r="0" g="0" b="0"/>
       </a:lnRef>
       <a:fillRef idx="1">
@@ -38023,15 +42195,15 @@
       <a:fontRef idx="minor"/>
     </dgm:style>
   </dgm:styleLbl>
-  <dgm:styleLbl name="trAlignAcc1">
-    <dgm:scene3d>
-      <a:camera prst="orthographicFront"/>
-      <a:lightRig rig="threePt" dir="t"/>
-    </dgm:scene3d>
-    <dgm:sp3d/>
-    <dgm:txPr/>
-    <dgm:style>
-      <a:lnRef idx="1">
+  <dgm:styleLbl name="alignAccFollowNode1">
+    <dgm:scene3d>
+      <a:camera prst="orthographicFront"/>
+      <a:lightRig rig="threePt" dir="t"/>
+    </dgm:scene3d>
+    <dgm:sp3d/>
+    <dgm:txPr/>
+    <dgm:style>
+      <a:lnRef idx="2">
         <a:scrgbClr r="0" g="0" b="0"/>
       </a:lnRef>
       <a:fillRef idx="1">
@@ -38043,15 +42215,15 @@
       <a:fontRef idx="minor"/>
     </dgm:style>
   </dgm:styleLbl>
-  <dgm:styleLbl name="bgAcc1">
-    <dgm:scene3d>
-      <a:camera prst="orthographicFront"/>
-      <a:lightRig rig="threePt" dir="t"/>
-    </dgm:scene3d>
-    <dgm:sp3d/>
-    <dgm:txPr/>
-    <dgm:style>
-      <a:lnRef idx="1">
+  <dgm:styleLbl name="bgAccFollowNode1">
+    <dgm:scene3d>
+      <a:camera prst="orthographicFront"/>
+      <a:lightRig rig="threePt" dir="t"/>
+    </dgm:scene3d>
+    <dgm:sp3d/>
+    <dgm:txPr/>
+    <dgm:style>
+      <a:lnRef idx="2">
         <a:scrgbClr r="0" g="0" b="0"/>
       </a:lnRef>
       <a:fillRef idx="1">
@@ -38063,15 +42235,15 @@
       <a:fontRef idx="minor"/>
     </dgm:style>
   </dgm:styleLbl>
-  <dgm:styleLbl name="solidFgAcc1">
-    <dgm:scene3d>
-      <a:camera prst="orthographicFront"/>
-      <a:lightRig rig="threePt" dir="t"/>
-    </dgm:scene3d>
-    <dgm:sp3d/>
-    <dgm:txPr/>
-    <dgm:style>
-      <a:lnRef idx="1">
+  <dgm:styleLbl name="fgAcc0">
+    <dgm:scene3d>
+      <a:camera prst="orthographicFront"/>
+      <a:lightRig rig="threePt" dir="t"/>
+    </dgm:scene3d>
+    <dgm:sp3d/>
+    <dgm:txPr/>
+    <dgm:style>
+      <a:lnRef idx="2">
         <a:scrgbClr r="0" g="0" b="0"/>
       </a:lnRef>
       <a:fillRef idx="1">
@@ -38083,15 +42255,15 @@
       <a:fontRef idx="minor"/>
     </dgm:style>
   </dgm:styleLbl>
-  <dgm:styleLbl name="solidAlignAcc1">
-    <dgm:scene3d>
-      <a:camera prst="orthographicFront"/>
-      <a:lightRig rig="threePt" dir="t"/>
-    </dgm:scene3d>
-    <dgm:sp3d/>
-    <dgm:txPr/>
-    <dgm:style>
-      <a:lnRef idx="1">
+  <dgm:styleLbl name="fgAcc2">
+    <dgm:scene3d>
+      <a:camera prst="orthographicFront"/>
+      <a:lightRig rig="threePt" dir="t"/>
+    </dgm:scene3d>
+    <dgm:sp3d/>
+    <dgm:txPr/>
+    <dgm:style>
+      <a:lnRef idx="2">
         <a:scrgbClr r="0" g="0" b="0"/>
       </a:lnRef>
       <a:fillRef idx="1">
@@ -38103,15 +42275,15 @@
       <a:fontRef idx="minor"/>
     </dgm:style>
   </dgm:styleLbl>
-  <dgm:styleLbl name="solidBgAcc1">
-    <dgm:scene3d>
-      <a:camera prst="orthographicFront"/>
-      <a:lightRig rig="threePt" dir="t"/>
-    </dgm:scene3d>
-    <dgm:sp3d/>
-    <dgm:txPr/>
-    <dgm:style>
-      <a:lnRef idx="1">
+  <dgm:styleLbl name="fgAcc3">
+    <dgm:scene3d>
+      <a:camera prst="orthographicFront"/>
+      <a:lightRig rig="threePt" dir="t"/>
+    </dgm:scene3d>
+    <dgm:sp3d/>
+    <dgm:txPr/>
+    <dgm:style>
+      <a:lnRef idx="2">
         <a:scrgbClr r="0" g="0" b="0"/>
       </a:lnRef>
       <a:fillRef idx="1">
@@ -38123,15 +42295,15 @@
       <a:fontRef idx="minor"/>
     </dgm:style>
   </dgm:styleLbl>
-  <dgm:styleLbl name="fgAccFollowNode1">
-    <dgm:scene3d>
-      <a:camera prst="orthographicFront"/>
-      <a:lightRig rig="threePt" dir="t"/>
-    </dgm:scene3d>
-    <dgm:sp3d/>
-    <dgm:txPr/>
-    <dgm:style>
-      <a:lnRef idx="1">
+  <dgm:styleLbl name="fgAcc4">
+    <dgm:scene3d>
+      <a:camera prst="orthographicFront"/>
+      <a:lightRig rig="threePt" dir="t"/>
+    </dgm:scene3d>
+    <dgm:sp3d/>
+    <dgm:txPr/>
+    <dgm:style>
+      <a:lnRef idx="2">
         <a:scrgbClr r="0" g="0" b="0"/>
       </a:lnRef>
       <a:fillRef idx="1">
@@ -38143,15 +42315,15 @@
       <a:fontRef idx="minor"/>
     </dgm:style>
   </dgm:styleLbl>
-  <dgm:styleLbl name="alignAccFollowNode1">
-    <dgm:scene3d>
-      <a:camera prst="orthographicFront"/>
-      <a:lightRig rig="threePt" dir="t"/>
-    </dgm:scene3d>
-    <dgm:sp3d/>
-    <dgm:txPr/>
-    <dgm:style>
-      <a:lnRef idx="1">
+  <dgm:styleLbl name="bgShp">
+    <dgm:scene3d>
+      <a:camera prst="orthographicFront"/>
+      <a:lightRig rig="threePt" dir="t"/>
+    </dgm:scene3d>
+    <dgm:sp3d/>
+    <dgm:txPr/>
+    <dgm:style>
+      <a:lnRef idx="0">
         <a:scrgbClr r="0" g="0" b="0"/>
       </a:lnRef>
       <a:fillRef idx="1">
@@ -38163,15 +42335,15 @@
       <a:fontRef idx="minor"/>
     </dgm:style>
   </dgm:styleLbl>
-  <dgm:styleLbl name="bgAccFollowNode1">
-    <dgm:scene3d>
-      <a:camera prst="orthographicFront"/>
-      <a:lightRig rig="threePt" dir="t"/>
-    </dgm:scene3d>
-    <dgm:sp3d/>
-    <dgm:txPr/>
-    <dgm:style>
-      <a:lnRef idx="1">
+  <dgm:styleLbl name="dkBgShp">
+    <dgm:scene3d>
+      <a:camera prst="orthographicFront"/>
+      <a:lightRig rig="threePt" dir="t"/>
+    </dgm:scene3d>
+    <dgm:sp3d/>
+    <dgm:txPr/>
+    <dgm:style>
+      <a:lnRef idx="0">
         <a:scrgbClr r="0" g="0" b="0"/>
       </a:lnRef>
       <a:fillRef idx="1">
@@ -38183,15 +42355,15 @@
       <a:fontRef idx="minor"/>
     </dgm:style>
   </dgm:styleLbl>
-  <dgm:styleLbl name="fgAcc0">
-    <dgm:scene3d>
-      <a:camera prst="orthographicFront"/>
-      <a:lightRig rig="threePt" dir="t"/>
-    </dgm:scene3d>
-    <dgm:sp3d/>
-    <dgm:txPr/>
-    <dgm:style>
-      <a:lnRef idx="1">
+  <dgm:styleLbl name="trBgShp">
+    <dgm:scene3d>
+      <a:camera prst="orthographicFront"/>
+      <a:lightRig rig="threePt" dir="t"/>
+    </dgm:scene3d>
+    <dgm:sp3d/>
+    <dgm:txPr/>
+    <dgm:style>
+      <a:lnRef idx="0">
         <a:scrgbClr r="0" g="0" b="0"/>
       </a:lnRef>
       <a:fillRef idx="1">
@@ -38203,126 +42375,6 @@
       <a:fontRef idx="minor"/>
     </dgm:style>
   </dgm:styleLbl>
-  <dgm:styleLbl name="fgAcc2">
-    <dgm:scene3d>
-      <a:camera prst="orthographicFront"/>
-      <a:lightRig rig="threePt" dir="t"/>
-    </dgm:scene3d>
-    <dgm:sp3d/>
-    <dgm:txPr/>
-    <dgm:style>
-      <a:lnRef idx="1">
-        <a:scrgbClr r="0" g="0" b="0"/>
-      </a:lnRef>
-      <a:fillRef idx="1">
-        <a:scrgbClr r="0" g="0" b="0"/>
-      </a:fillRef>
-      <a:effectRef idx="0">
-        <a:scrgbClr r="0" g="0" b="0"/>
-      </a:effectRef>
-      <a:fontRef idx="minor"/>
-    </dgm:style>
-  </dgm:styleLbl>
-  <dgm:styleLbl name="fgAcc3">
-    <dgm:scene3d>
-      <a:camera prst="orthographicFront"/>
-      <a:lightRig rig="threePt" dir="t"/>
-    </dgm:scene3d>
-    <dgm:sp3d/>
-    <dgm:txPr/>
-    <dgm:style>
-      <a:lnRef idx="1">
-        <a:scrgbClr r="0" g="0" b="0"/>
-      </a:lnRef>
-      <a:fillRef idx="1">
-        <a:scrgbClr r="0" g="0" b="0"/>
-      </a:fillRef>
-      <a:effectRef idx="0">
-        <a:scrgbClr r="0" g="0" b="0"/>
-      </a:effectRef>
-      <a:fontRef idx="minor"/>
-    </dgm:style>
-  </dgm:styleLbl>
-  <dgm:styleLbl name="fgAcc4">
-    <dgm:scene3d>
-      <a:camera prst="orthographicFront"/>
-      <a:lightRig rig="threePt" dir="t"/>
-    </dgm:scene3d>
-    <dgm:sp3d/>
-    <dgm:txPr/>
-    <dgm:style>
-      <a:lnRef idx="1">
-        <a:scrgbClr r="0" g="0" b="0"/>
-      </a:lnRef>
-      <a:fillRef idx="1">
-        <a:scrgbClr r="0" g="0" b="0"/>
-      </a:fillRef>
-      <a:effectRef idx="0">
-        <a:scrgbClr r="0" g="0" b="0"/>
-      </a:effectRef>
-      <a:fontRef idx="minor"/>
-    </dgm:style>
-  </dgm:styleLbl>
-  <dgm:styleLbl name="bgShp">
-    <dgm:scene3d>
-      <a:camera prst="orthographicFront"/>
-      <a:lightRig rig="threePt" dir="t"/>
-    </dgm:scene3d>
-    <dgm:sp3d/>
-    <dgm:txPr/>
-    <dgm:style>
-      <a:lnRef idx="0">
-        <a:scrgbClr r="0" g="0" b="0"/>
-      </a:lnRef>
-      <a:fillRef idx="1">
-        <a:scrgbClr r="0" g="0" b="0"/>
-      </a:fillRef>
-      <a:effectRef idx="2">
-        <a:scrgbClr r="0" g="0" b="0"/>
-      </a:effectRef>
-      <a:fontRef idx="minor"/>
-    </dgm:style>
-  </dgm:styleLbl>
-  <dgm:styleLbl name="dkBgShp">
-    <dgm:scene3d>
-      <a:camera prst="orthographicFront"/>
-      <a:lightRig rig="threePt" dir="t"/>
-    </dgm:scene3d>
-    <dgm:sp3d/>
-    <dgm:txPr/>
-    <dgm:style>
-      <a:lnRef idx="0">
-        <a:scrgbClr r="0" g="0" b="0"/>
-      </a:lnRef>
-      <a:fillRef idx="1">
-        <a:scrgbClr r="0" g="0" b="0"/>
-      </a:fillRef>
-      <a:effectRef idx="2">
-        <a:scrgbClr r="0" g="0" b="0"/>
-      </a:effectRef>
-      <a:fontRef idx="minor"/>
-    </dgm:style>
-  </dgm:styleLbl>
-  <dgm:styleLbl name="trBgShp">
-    <dgm:scene3d>
-      <a:camera prst="orthographicFront"/>
-      <a:lightRig rig="threePt" dir="t"/>
-    </dgm:scene3d>
-    <dgm:sp3d/>
-    <dgm:txPr/>
-    <dgm:style>
-      <a:lnRef idx="0">
-        <a:scrgbClr r="0" g="0" b="0"/>
-      </a:lnRef>
-      <a:fillRef idx="1">
-        <a:scrgbClr r="0" g="0" b="0"/>
-      </a:fillRef>
-      <a:effectRef idx="0">
-        <a:scrgbClr r="0" g="0" b="0"/>
-      </a:effectRef>
-      <a:fontRef idx="minor"/>
-    </dgm:style>
-  </dgm:styleLbl>
   <dgm:styleLbl name="fgShp">
     <dgm:scene3d>
       <a:camera prst="orthographicFront"/>
@@ -38331,13 +42383,13 @@
     <dgm:sp3d/>
     <dgm:txPr/>
     <dgm:style>
-      <a:lnRef idx="0">
-        <a:scrgbClr r="0" g="0" b="0"/>
-      </a:lnRef>
-      <a:fillRef idx="3">
-        <a:scrgbClr r="0" g="0" b="0"/>
-      </a:fillRef>
-      <a:effectRef idx="2">
+      <a:lnRef idx="2">
+        <a:scrgbClr r="0" g="0" b="0"/>
+      </a:lnRef>
+      <a:fillRef idx="1">
+        <a:scrgbClr r="0" g="0" b="0"/>
+      </a:fillRef>
+      <a:effectRef idx="0">
         <a:scrgbClr r="0" g="0" b="0"/>
       </a:effectRef>
       <a:fontRef idx="minor"/>
@@ -39372,6 +43424,1040 @@
         <a:scrgbClr r="0" g="0" b="0"/>
       </a:fillRef>
       <a:effectRef idx="0">
+        <a:scrgbClr r="0" g="0" b="0"/>
+      </a:effectRef>
+      <a:fontRef idx="minor"/>
+    </dgm:style>
+  </dgm:styleLbl>
+  <dgm:styleLbl name="revTx">
+    <dgm:scene3d>
+      <a:camera prst="orthographicFront"/>
+      <a:lightRig rig="threePt" dir="t"/>
+    </dgm:scene3d>
+    <dgm:sp3d/>
+    <dgm:txPr/>
+    <dgm:style>
+      <a:lnRef idx="0">
+        <a:scrgbClr r="0" g="0" b="0"/>
+      </a:lnRef>
+      <a:fillRef idx="0">
+        <a:scrgbClr r="0" g="0" b="0"/>
+      </a:fillRef>
+      <a:effectRef idx="0">
+        <a:scrgbClr r="0" g="0" b="0"/>
+      </a:effectRef>
+      <a:fontRef idx="minor"/>
+    </dgm:style>
+  </dgm:styleLbl>
+</dgm:styleDef>
+</file>
+
+<file path=ppt/diagrams/quickStyle20.xml><?xml version="1.0" encoding="utf-8"?>
+<dgm:styleDef xmlns:dgm="http://schemas.openxmlformats.org/drawingml/2006/diagram" xmlns:a="http://schemas.openxmlformats.org/drawingml/2006/main" uniqueId="urn:microsoft.com/office/officeart/2005/8/quickstyle/simple4">
+  <dgm:title val=""/>
+  <dgm:desc val=""/>
+  <dgm:catLst>
+    <dgm:cat type="simple" pri="10400"/>
+  </dgm:catLst>
+  <dgm:scene3d>
+    <a:camera prst="orthographicFront"/>
+    <a:lightRig rig="threePt" dir="t"/>
+  </dgm:scene3d>
+  <dgm:styleLbl name="node0">
+    <dgm:scene3d>
+      <a:camera prst="orthographicFront"/>
+      <a:lightRig rig="threePt" dir="t"/>
+    </dgm:scene3d>
+    <dgm:sp3d/>
+    <dgm:txPr/>
+    <dgm:style>
+      <a:lnRef idx="0">
+        <a:scrgbClr r="0" g="0" b="0"/>
+      </a:lnRef>
+      <a:fillRef idx="3">
+        <a:scrgbClr r="0" g="0" b="0"/>
+      </a:fillRef>
+      <a:effectRef idx="2">
+        <a:scrgbClr r="0" g="0" b="0"/>
+      </a:effectRef>
+      <a:fontRef idx="minor">
+        <a:schemeClr val="lt1"/>
+      </a:fontRef>
+    </dgm:style>
+  </dgm:styleLbl>
+  <dgm:styleLbl name="lnNode1">
+    <dgm:scene3d>
+      <a:camera prst="orthographicFront"/>
+      <a:lightRig rig="threePt" dir="t"/>
+    </dgm:scene3d>
+    <dgm:sp3d/>
+    <dgm:txPr/>
+    <dgm:style>
+      <a:lnRef idx="1">
+        <a:scrgbClr r="0" g="0" b="0"/>
+      </a:lnRef>
+      <a:fillRef idx="3">
+        <a:scrgbClr r="0" g="0" b="0"/>
+      </a:fillRef>
+      <a:effectRef idx="2">
+        <a:scrgbClr r="0" g="0" b="0"/>
+      </a:effectRef>
+      <a:fontRef idx="minor">
+        <a:schemeClr val="lt1"/>
+      </a:fontRef>
+    </dgm:style>
+  </dgm:styleLbl>
+  <dgm:styleLbl name="vennNode1">
+    <dgm:scene3d>
+      <a:camera prst="orthographicFront"/>
+      <a:lightRig rig="threePt" dir="t"/>
+    </dgm:scene3d>
+    <dgm:sp3d/>
+    <dgm:txPr/>
+    <dgm:style>
+      <a:lnRef idx="0">
+        <a:scrgbClr r="0" g="0" b="0"/>
+      </a:lnRef>
+      <a:fillRef idx="3">
+        <a:scrgbClr r="0" g="0" b="0"/>
+      </a:fillRef>
+      <a:effectRef idx="0">
+        <a:scrgbClr r="0" g="0" b="0"/>
+      </a:effectRef>
+      <a:fontRef idx="minor">
+        <a:schemeClr val="tx1"/>
+      </a:fontRef>
+    </dgm:style>
+  </dgm:styleLbl>
+  <dgm:styleLbl name="alignNode1">
+    <dgm:scene3d>
+      <a:camera prst="orthographicFront"/>
+      <a:lightRig rig="threePt" dir="t"/>
+    </dgm:scene3d>
+    <dgm:sp3d/>
+    <dgm:txPr/>
+    <dgm:style>
+      <a:lnRef idx="1">
+        <a:scrgbClr r="0" g="0" b="0"/>
+      </a:lnRef>
+      <a:fillRef idx="3">
+        <a:scrgbClr r="0" g="0" b="0"/>
+      </a:fillRef>
+      <a:effectRef idx="2">
+        <a:scrgbClr r="0" g="0" b="0"/>
+      </a:effectRef>
+      <a:fontRef idx="minor">
+        <a:schemeClr val="lt1"/>
+      </a:fontRef>
+    </dgm:style>
+  </dgm:styleLbl>
+  <dgm:styleLbl name="node1">
+    <dgm:scene3d>
+      <a:camera prst="orthographicFront"/>
+      <a:lightRig rig="threePt" dir="t"/>
+    </dgm:scene3d>
+    <dgm:sp3d/>
+    <dgm:txPr/>
+    <dgm:style>
+      <a:lnRef idx="0">
+        <a:scrgbClr r="0" g="0" b="0"/>
+      </a:lnRef>
+      <a:fillRef idx="3">
+        <a:scrgbClr r="0" g="0" b="0"/>
+      </a:fillRef>
+      <a:effectRef idx="2">
+        <a:scrgbClr r="0" g="0" b="0"/>
+      </a:effectRef>
+      <a:fontRef idx="minor">
+        <a:schemeClr val="lt1"/>
+      </a:fontRef>
+    </dgm:style>
+  </dgm:styleLbl>
+  <dgm:styleLbl name="node2">
+    <dgm:scene3d>
+      <a:camera prst="orthographicFront"/>
+      <a:lightRig rig="threePt" dir="t"/>
+    </dgm:scene3d>
+    <dgm:sp3d/>
+    <dgm:txPr/>
+    <dgm:style>
+      <a:lnRef idx="0">
+        <a:scrgbClr r="0" g="0" b="0"/>
+      </a:lnRef>
+      <a:fillRef idx="3">
+        <a:scrgbClr r="0" g="0" b="0"/>
+      </a:fillRef>
+      <a:effectRef idx="2">
+        <a:scrgbClr r="0" g="0" b="0"/>
+      </a:effectRef>
+      <a:fontRef idx="minor">
+        <a:schemeClr val="lt1"/>
+      </a:fontRef>
+    </dgm:style>
+  </dgm:styleLbl>
+  <dgm:styleLbl name="node3">
+    <dgm:scene3d>
+      <a:camera prst="orthographicFront"/>
+      <a:lightRig rig="threePt" dir="t"/>
+    </dgm:scene3d>
+    <dgm:sp3d/>
+    <dgm:txPr/>
+    <dgm:style>
+      <a:lnRef idx="0">
+        <a:scrgbClr r="0" g="0" b="0"/>
+      </a:lnRef>
+      <a:fillRef idx="3">
+        <a:scrgbClr r="0" g="0" b="0"/>
+      </a:fillRef>
+      <a:effectRef idx="2">
+        <a:scrgbClr r="0" g="0" b="0"/>
+      </a:effectRef>
+      <a:fontRef idx="minor">
+        <a:schemeClr val="lt1"/>
+      </a:fontRef>
+    </dgm:style>
+  </dgm:styleLbl>
+  <dgm:styleLbl name="node4">
+    <dgm:scene3d>
+      <a:camera prst="orthographicFront"/>
+      <a:lightRig rig="threePt" dir="t"/>
+    </dgm:scene3d>
+    <dgm:sp3d/>
+    <dgm:txPr/>
+    <dgm:style>
+      <a:lnRef idx="0">
+        <a:scrgbClr r="0" g="0" b="0"/>
+      </a:lnRef>
+      <a:fillRef idx="3">
+        <a:scrgbClr r="0" g="0" b="0"/>
+      </a:fillRef>
+      <a:effectRef idx="2">
+        <a:scrgbClr r="0" g="0" b="0"/>
+      </a:effectRef>
+      <a:fontRef idx="minor">
+        <a:schemeClr val="lt1"/>
+      </a:fontRef>
+    </dgm:style>
+  </dgm:styleLbl>
+  <dgm:styleLbl name="fgImgPlace1">
+    <dgm:scene3d>
+      <a:camera prst="orthographicFront"/>
+      <a:lightRig rig="threePt" dir="t"/>
+    </dgm:scene3d>
+    <dgm:sp3d/>
+    <dgm:txPr/>
+    <dgm:style>
+      <a:lnRef idx="0">
+        <a:scrgbClr r="0" g="0" b="0"/>
+      </a:lnRef>
+      <a:fillRef idx="1">
+        <a:scrgbClr r="0" g="0" b="0"/>
+      </a:fillRef>
+      <a:effectRef idx="2">
+        <a:scrgbClr r="0" g="0" b="0"/>
+      </a:effectRef>
+      <a:fontRef idx="minor"/>
+    </dgm:style>
+  </dgm:styleLbl>
+  <dgm:styleLbl name="alignImgPlace1">
+    <dgm:scene3d>
+      <a:camera prst="orthographicFront"/>
+      <a:lightRig rig="threePt" dir="t"/>
+    </dgm:scene3d>
+    <dgm:sp3d/>
+    <dgm:txPr/>
+    <dgm:style>
+      <a:lnRef idx="0">
+        <a:scrgbClr r="0" g="0" b="0"/>
+      </a:lnRef>
+      <a:fillRef idx="1">
+        <a:scrgbClr r="0" g="0" b="0"/>
+      </a:fillRef>
+      <a:effectRef idx="2">
+        <a:scrgbClr r="0" g="0" b="0"/>
+      </a:effectRef>
+      <a:fontRef idx="minor"/>
+    </dgm:style>
+  </dgm:styleLbl>
+  <dgm:styleLbl name="bgImgPlace1">
+    <dgm:scene3d>
+      <a:camera prst="orthographicFront"/>
+      <a:lightRig rig="threePt" dir="t"/>
+    </dgm:scene3d>
+    <dgm:sp3d/>
+    <dgm:txPr/>
+    <dgm:style>
+      <a:lnRef idx="0">
+        <a:scrgbClr r="0" g="0" b="0"/>
+      </a:lnRef>
+      <a:fillRef idx="1">
+        <a:scrgbClr r="0" g="0" b="0"/>
+      </a:fillRef>
+      <a:effectRef idx="2">
+        <a:scrgbClr r="0" g="0" b="0"/>
+      </a:effectRef>
+      <a:fontRef idx="minor"/>
+    </dgm:style>
+  </dgm:styleLbl>
+  <dgm:styleLbl name="sibTrans2D1">
+    <dgm:scene3d>
+      <a:camera prst="orthographicFront"/>
+      <a:lightRig rig="threePt" dir="t"/>
+    </dgm:scene3d>
+    <dgm:sp3d/>
+    <dgm:txPr/>
+    <dgm:style>
+      <a:lnRef idx="0">
+        <a:scrgbClr r="0" g="0" b="0"/>
+      </a:lnRef>
+      <a:fillRef idx="3">
+        <a:scrgbClr r="0" g="0" b="0"/>
+      </a:fillRef>
+      <a:effectRef idx="2">
+        <a:scrgbClr r="0" g="0" b="0"/>
+      </a:effectRef>
+      <a:fontRef idx="minor">
+        <a:schemeClr val="lt1"/>
+      </a:fontRef>
+    </dgm:style>
+  </dgm:styleLbl>
+  <dgm:styleLbl name="fgSibTrans2D1">
+    <dgm:scene3d>
+      <a:camera prst="orthographicFront"/>
+      <a:lightRig rig="threePt" dir="t"/>
+    </dgm:scene3d>
+    <dgm:sp3d/>
+    <dgm:txPr/>
+    <dgm:style>
+      <a:lnRef idx="0">
+        <a:scrgbClr r="0" g="0" b="0"/>
+      </a:lnRef>
+      <a:fillRef idx="3">
+        <a:scrgbClr r="0" g="0" b="0"/>
+      </a:fillRef>
+      <a:effectRef idx="2">
+        <a:scrgbClr r="0" g="0" b="0"/>
+      </a:effectRef>
+      <a:fontRef idx="minor">
+        <a:schemeClr val="lt1"/>
+      </a:fontRef>
+    </dgm:style>
+  </dgm:styleLbl>
+  <dgm:styleLbl name="bgSibTrans2D1">
+    <dgm:scene3d>
+      <a:camera prst="orthographicFront"/>
+      <a:lightRig rig="threePt" dir="t"/>
+    </dgm:scene3d>
+    <dgm:sp3d/>
+    <dgm:txPr/>
+    <dgm:style>
+      <a:lnRef idx="0">
+        <a:scrgbClr r="0" g="0" b="0"/>
+      </a:lnRef>
+      <a:fillRef idx="3">
+        <a:scrgbClr r="0" g="0" b="0"/>
+      </a:fillRef>
+      <a:effectRef idx="2">
+        <a:scrgbClr r="0" g="0" b="0"/>
+      </a:effectRef>
+      <a:fontRef idx="minor">
+        <a:schemeClr val="lt1"/>
+      </a:fontRef>
+    </dgm:style>
+  </dgm:styleLbl>
+  <dgm:styleLbl name="sibTrans1D1">
+    <dgm:scene3d>
+      <a:camera prst="orthographicFront"/>
+      <a:lightRig rig="threePt" dir="t"/>
+    </dgm:scene3d>
+    <dgm:sp3d/>
+    <dgm:txPr/>
+    <dgm:style>
+      <a:lnRef idx="1">
+        <a:scrgbClr r="0" g="0" b="0"/>
+      </a:lnRef>
+      <a:fillRef idx="0">
+        <a:scrgbClr r="0" g="0" b="0"/>
+      </a:fillRef>
+      <a:effectRef idx="0">
+        <a:scrgbClr r="0" g="0" b="0"/>
+      </a:effectRef>
+      <a:fontRef idx="minor"/>
+    </dgm:style>
+  </dgm:styleLbl>
+  <dgm:styleLbl name="callout">
+    <dgm:scene3d>
+      <a:camera prst="orthographicFront"/>
+      <a:lightRig rig="threePt" dir="t"/>
+    </dgm:scene3d>
+    <dgm:sp3d/>
+    <dgm:txPr/>
+    <dgm:style>
+      <a:lnRef idx="2">
+        <a:scrgbClr r="0" g="0" b="0"/>
+      </a:lnRef>
+      <a:fillRef idx="1">
+        <a:scrgbClr r="0" g="0" b="0"/>
+      </a:fillRef>
+      <a:effectRef idx="1">
+        <a:scrgbClr r="0" g="0" b="0"/>
+      </a:effectRef>
+      <a:fontRef idx="minor"/>
+    </dgm:style>
+  </dgm:styleLbl>
+  <dgm:styleLbl name="asst0">
+    <dgm:scene3d>
+      <a:camera prst="orthographicFront"/>
+      <a:lightRig rig="threePt" dir="t"/>
+    </dgm:scene3d>
+    <dgm:sp3d/>
+    <dgm:txPr/>
+    <dgm:style>
+      <a:lnRef idx="0">
+        <a:scrgbClr r="0" g="0" b="0"/>
+      </a:lnRef>
+      <a:fillRef idx="3">
+        <a:scrgbClr r="0" g="0" b="0"/>
+      </a:fillRef>
+      <a:effectRef idx="2">
+        <a:scrgbClr r="0" g="0" b="0"/>
+      </a:effectRef>
+      <a:fontRef idx="minor">
+        <a:schemeClr val="lt1"/>
+      </a:fontRef>
+    </dgm:style>
+  </dgm:styleLbl>
+  <dgm:styleLbl name="asst1">
+    <dgm:scene3d>
+      <a:camera prst="orthographicFront"/>
+      <a:lightRig rig="threePt" dir="t"/>
+    </dgm:scene3d>
+    <dgm:sp3d/>
+    <dgm:txPr/>
+    <dgm:style>
+      <a:lnRef idx="0">
+        <a:scrgbClr r="0" g="0" b="0"/>
+      </a:lnRef>
+      <a:fillRef idx="3">
+        <a:scrgbClr r="0" g="0" b="0"/>
+      </a:fillRef>
+      <a:effectRef idx="2">
+        <a:scrgbClr r="0" g="0" b="0"/>
+      </a:effectRef>
+      <a:fontRef idx="minor">
+        <a:schemeClr val="lt1"/>
+      </a:fontRef>
+    </dgm:style>
+  </dgm:styleLbl>
+  <dgm:styleLbl name="asst2">
+    <dgm:scene3d>
+      <a:camera prst="orthographicFront"/>
+      <a:lightRig rig="threePt" dir="t"/>
+    </dgm:scene3d>
+    <dgm:sp3d/>
+    <dgm:txPr/>
+    <dgm:style>
+      <a:lnRef idx="0">
+        <a:scrgbClr r="0" g="0" b="0"/>
+      </a:lnRef>
+      <a:fillRef idx="3">
+        <a:scrgbClr r="0" g="0" b="0"/>
+      </a:fillRef>
+      <a:effectRef idx="2">
+        <a:scrgbClr r="0" g="0" b="0"/>
+      </a:effectRef>
+      <a:fontRef idx="minor">
+        <a:schemeClr val="lt1"/>
+      </a:fontRef>
+    </dgm:style>
+  </dgm:styleLbl>
+  <dgm:styleLbl name="asst3">
+    <dgm:scene3d>
+      <a:camera prst="orthographicFront"/>
+      <a:lightRig rig="threePt" dir="t"/>
+    </dgm:scene3d>
+    <dgm:sp3d/>
+    <dgm:txPr/>
+    <dgm:style>
+      <a:lnRef idx="0">
+        <a:scrgbClr r="0" g="0" b="0"/>
+      </a:lnRef>
+      <a:fillRef idx="3">
+        <a:scrgbClr r="0" g="0" b="0"/>
+      </a:fillRef>
+      <a:effectRef idx="2">
+        <a:scrgbClr r="0" g="0" b="0"/>
+      </a:effectRef>
+      <a:fontRef idx="minor">
+        <a:schemeClr val="lt1"/>
+      </a:fontRef>
+    </dgm:style>
+  </dgm:styleLbl>
+  <dgm:styleLbl name="asst4">
+    <dgm:scene3d>
+      <a:camera prst="orthographicFront"/>
+      <a:lightRig rig="threePt" dir="t"/>
+    </dgm:scene3d>
+    <dgm:sp3d/>
+    <dgm:txPr/>
+    <dgm:style>
+      <a:lnRef idx="0">
+        <a:scrgbClr r="0" g="0" b="0"/>
+      </a:lnRef>
+      <a:fillRef idx="3">
+        <a:scrgbClr r="0" g="0" b="0"/>
+      </a:fillRef>
+      <a:effectRef idx="2">
+        <a:scrgbClr r="0" g="0" b="0"/>
+      </a:effectRef>
+      <a:fontRef idx="minor">
+        <a:schemeClr val="lt1"/>
+      </a:fontRef>
+    </dgm:style>
+  </dgm:styleLbl>
+  <dgm:styleLbl name="parChTrans2D1">
+    <dgm:scene3d>
+      <a:camera prst="orthographicFront"/>
+      <a:lightRig rig="threePt" dir="t"/>
+    </dgm:scene3d>
+    <dgm:sp3d/>
+    <dgm:txPr/>
+    <dgm:style>
+      <a:lnRef idx="0">
+        <a:scrgbClr r="0" g="0" b="0"/>
+      </a:lnRef>
+      <a:fillRef idx="3">
+        <a:scrgbClr r="0" g="0" b="0"/>
+      </a:fillRef>
+      <a:effectRef idx="2">
+        <a:scrgbClr r="0" g="0" b="0"/>
+      </a:effectRef>
+      <a:fontRef idx="minor">
+        <a:schemeClr val="lt1"/>
+      </a:fontRef>
+    </dgm:style>
+  </dgm:styleLbl>
+  <dgm:styleLbl name="parChTrans2D2">
+    <dgm:scene3d>
+      <a:camera prst="orthographicFront"/>
+      <a:lightRig rig="threePt" dir="t"/>
+    </dgm:scene3d>
+    <dgm:sp3d/>
+    <dgm:txPr/>
+    <dgm:style>
+      <a:lnRef idx="0">
+        <a:scrgbClr r="0" g="0" b="0"/>
+      </a:lnRef>
+      <a:fillRef idx="3">
+        <a:scrgbClr r="0" g="0" b="0"/>
+      </a:fillRef>
+      <a:effectRef idx="2">
+        <a:scrgbClr r="0" g="0" b="0"/>
+      </a:effectRef>
+      <a:fontRef idx="minor">
+        <a:schemeClr val="lt1"/>
+      </a:fontRef>
+    </dgm:style>
+  </dgm:styleLbl>
+  <dgm:styleLbl name="parChTrans2D3">
+    <dgm:scene3d>
+      <a:camera prst="orthographicFront"/>
+      <a:lightRig rig="threePt" dir="t"/>
+    </dgm:scene3d>
+    <dgm:sp3d/>
+    <dgm:txPr/>
+    <dgm:style>
+      <a:lnRef idx="1">
+        <a:scrgbClr r="0" g="0" b="0"/>
+      </a:lnRef>
+      <a:fillRef idx="3">
+        <a:scrgbClr r="0" g="0" b="0"/>
+      </a:fillRef>
+      <a:effectRef idx="2">
+        <a:scrgbClr r="0" g="0" b="0"/>
+      </a:effectRef>
+      <a:fontRef idx="minor">
+        <a:schemeClr val="lt1"/>
+      </a:fontRef>
+    </dgm:style>
+  </dgm:styleLbl>
+  <dgm:styleLbl name="parChTrans2D4">
+    <dgm:scene3d>
+      <a:camera prst="orthographicFront"/>
+      <a:lightRig rig="threePt" dir="t"/>
+    </dgm:scene3d>
+    <dgm:sp3d/>
+    <dgm:txPr/>
+    <dgm:style>
+      <a:lnRef idx="1">
+        <a:scrgbClr r="0" g="0" b="0"/>
+      </a:lnRef>
+      <a:fillRef idx="3">
+        <a:scrgbClr r="0" g="0" b="0"/>
+      </a:fillRef>
+      <a:effectRef idx="2">
+        <a:scrgbClr r="0" g="0" b="0"/>
+      </a:effectRef>
+      <a:fontRef idx="minor">
+        <a:schemeClr val="lt1"/>
+      </a:fontRef>
+    </dgm:style>
+  </dgm:styleLbl>
+  <dgm:styleLbl name="parChTrans1D1">
+    <dgm:scene3d>
+      <a:camera prst="orthographicFront"/>
+      <a:lightRig rig="threePt" dir="t"/>
+    </dgm:scene3d>
+    <dgm:sp3d/>
+    <dgm:txPr/>
+    <dgm:style>
+      <a:lnRef idx="1">
+        <a:scrgbClr r="0" g="0" b="0"/>
+      </a:lnRef>
+      <a:fillRef idx="0">
+        <a:scrgbClr r="0" g="0" b="0"/>
+      </a:fillRef>
+      <a:effectRef idx="0">
+        <a:scrgbClr r="0" g="0" b="0"/>
+      </a:effectRef>
+      <a:fontRef idx="minor"/>
+    </dgm:style>
+  </dgm:styleLbl>
+  <dgm:styleLbl name="parChTrans1D2">
+    <dgm:scene3d>
+      <a:camera prst="orthographicFront"/>
+      <a:lightRig rig="threePt" dir="t"/>
+    </dgm:scene3d>
+    <dgm:sp3d/>
+    <dgm:txPr/>
+    <dgm:style>
+      <a:lnRef idx="1">
+        <a:scrgbClr r="0" g="0" b="0"/>
+      </a:lnRef>
+      <a:fillRef idx="0">
+        <a:scrgbClr r="0" g="0" b="0"/>
+      </a:fillRef>
+      <a:effectRef idx="0">
+        <a:scrgbClr r="0" g="0" b="0"/>
+      </a:effectRef>
+      <a:fontRef idx="minor"/>
+    </dgm:style>
+  </dgm:styleLbl>
+  <dgm:styleLbl name="parChTrans1D3">
+    <dgm:scene3d>
+      <a:camera prst="orthographicFront"/>
+      <a:lightRig rig="threePt" dir="t"/>
+    </dgm:scene3d>
+    <dgm:sp3d/>
+    <dgm:txPr/>
+    <dgm:style>
+      <a:lnRef idx="1">
+        <a:scrgbClr r="0" g="0" b="0"/>
+      </a:lnRef>
+      <a:fillRef idx="0">
+        <a:scrgbClr r="0" g="0" b="0"/>
+      </a:fillRef>
+      <a:effectRef idx="0">
+        <a:scrgbClr r="0" g="0" b="0"/>
+      </a:effectRef>
+      <a:fontRef idx="minor"/>
+    </dgm:style>
+  </dgm:styleLbl>
+  <dgm:styleLbl name="parChTrans1D4">
+    <dgm:scene3d>
+      <a:camera prst="orthographicFront"/>
+      <a:lightRig rig="threePt" dir="t"/>
+    </dgm:scene3d>
+    <dgm:sp3d/>
+    <dgm:txPr/>
+    <dgm:style>
+      <a:lnRef idx="1">
+        <a:scrgbClr r="0" g="0" b="0"/>
+      </a:lnRef>
+      <a:fillRef idx="0">
+        <a:scrgbClr r="0" g="0" b="0"/>
+      </a:fillRef>
+      <a:effectRef idx="0">
+        <a:scrgbClr r="0" g="0" b="0"/>
+      </a:effectRef>
+      <a:fontRef idx="minor"/>
+    </dgm:style>
+  </dgm:styleLbl>
+  <dgm:styleLbl name="fgAcc1">
+    <dgm:scene3d>
+      <a:camera prst="orthographicFront"/>
+      <a:lightRig rig="threePt" dir="t"/>
+    </dgm:scene3d>
+    <dgm:sp3d/>
+    <dgm:txPr/>
+    <dgm:style>
+      <a:lnRef idx="1">
+        <a:scrgbClr r="0" g="0" b="0"/>
+      </a:lnRef>
+      <a:fillRef idx="1">
+        <a:scrgbClr r="0" g="0" b="0"/>
+      </a:fillRef>
+      <a:effectRef idx="0">
+        <a:scrgbClr r="0" g="0" b="0"/>
+      </a:effectRef>
+      <a:fontRef idx="minor"/>
+    </dgm:style>
+  </dgm:styleLbl>
+  <dgm:styleLbl name="conFgAcc1">
+    <dgm:scene3d>
+      <a:camera prst="orthographicFront"/>
+      <a:lightRig rig="threePt" dir="t"/>
+    </dgm:scene3d>
+    <dgm:sp3d/>
+    <dgm:txPr/>
+    <dgm:style>
+      <a:lnRef idx="1">
+        <a:scrgbClr r="0" g="0" b="0"/>
+      </a:lnRef>
+      <a:fillRef idx="1">
+        <a:scrgbClr r="0" g="0" b="0"/>
+      </a:fillRef>
+      <a:effectRef idx="0">
+        <a:scrgbClr r="0" g="0" b="0"/>
+      </a:effectRef>
+      <a:fontRef idx="minor"/>
+    </dgm:style>
+  </dgm:styleLbl>
+  <dgm:styleLbl name="alignAcc1">
+    <dgm:scene3d>
+      <a:camera prst="orthographicFront"/>
+      <a:lightRig rig="threePt" dir="t"/>
+    </dgm:scene3d>
+    <dgm:sp3d/>
+    <dgm:txPr/>
+    <dgm:style>
+      <a:lnRef idx="1">
+        <a:scrgbClr r="0" g="0" b="0"/>
+      </a:lnRef>
+      <a:fillRef idx="1">
+        <a:scrgbClr r="0" g="0" b="0"/>
+      </a:fillRef>
+      <a:effectRef idx="0">
+        <a:scrgbClr r="0" g="0" b="0"/>
+      </a:effectRef>
+      <a:fontRef idx="minor"/>
+    </dgm:style>
+  </dgm:styleLbl>
+  <dgm:styleLbl name="trAlignAcc1">
+    <dgm:scene3d>
+      <a:camera prst="orthographicFront"/>
+      <a:lightRig rig="threePt" dir="t"/>
+    </dgm:scene3d>
+    <dgm:sp3d/>
+    <dgm:txPr/>
+    <dgm:style>
+      <a:lnRef idx="1">
+        <a:scrgbClr r="0" g="0" b="0"/>
+      </a:lnRef>
+      <a:fillRef idx="1">
+        <a:scrgbClr r="0" g="0" b="0"/>
+      </a:fillRef>
+      <a:effectRef idx="0">
+        <a:scrgbClr r="0" g="0" b="0"/>
+      </a:effectRef>
+      <a:fontRef idx="minor"/>
+    </dgm:style>
+  </dgm:styleLbl>
+  <dgm:styleLbl name="bgAcc1">
+    <dgm:scene3d>
+      <a:camera prst="orthographicFront"/>
+      <a:lightRig rig="threePt" dir="t"/>
+    </dgm:scene3d>
+    <dgm:sp3d/>
+    <dgm:txPr/>
+    <dgm:style>
+      <a:lnRef idx="1">
+        <a:scrgbClr r="0" g="0" b="0"/>
+      </a:lnRef>
+      <a:fillRef idx="1">
+        <a:scrgbClr r="0" g="0" b="0"/>
+      </a:fillRef>
+      <a:effectRef idx="0">
+        <a:scrgbClr r="0" g="0" b="0"/>
+      </a:effectRef>
+      <a:fontRef idx="minor"/>
+    </dgm:style>
+  </dgm:styleLbl>
+  <dgm:styleLbl name="solidFgAcc1">
+    <dgm:scene3d>
+      <a:camera prst="orthographicFront"/>
+      <a:lightRig rig="threePt" dir="t"/>
+    </dgm:scene3d>
+    <dgm:sp3d/>
+    <dgm:txPr/>
+    <dgm:style>
+      <a:lnRef idx="1">
+        <a:scrgbClr r="0" g="0" b="0"/>
+      </a:lnRef>
+      <a:fillRef idx="1">
+        <a:scrgbClr r="0" g="0" b="0"/>
+      </a:fillRef>
+      <a:effectRef idx="0">
+        <a:scrgbClr r="0" g="0" b="0"/>
+      </a:effectRef>
+      <a:fontRef idx="minor"/>
+    </dgm:style>
+  </dgm:styleLbl>
+  <dgm:styleLbl name="solidAlignAcc1">
+    <dgm:scene3d>
+      <a:camera prst="orthographicFront"/>
+      <a:lightRig rig="threePt" dir="t"/>
+    </dgm:scene3d>
+    <dgm:sp3d/>
+    <dgm:txPr/>
+    <dgm:style>
+      <a:lnRef idx="1">
+        <a:scrgbClr r="0" g="0" b="0"/>
+      </a:lnRef>
+      <a:fillRef idx="1">
+        <a:scrgbClr r="0" g="0" b="0"/>
+      </a:fillRef>
+      <a:effectRef idx="0">
+        <a:scrgbClr r="0" g="0" b="0"/>
+      </a:effectRef>
+      <a:fontRef idx="minor"/>
+    </dgm:style>
+  </dgm:styleLbl>
+  <dgm:styleLbl name="solidBgAcc1">
+    <dgm:scene3d>
+      <a:camera prst="orthographicFront"/>
+      <a:lightRig rig="threePt" dir="t"/>
+    </dgm:scene3d>
+    <dgm:sp3d/>
+    <dgm:txPr/>
+    <dgm:style>
+      <a:lnRef idx="1">
+        <a:scrgbClr r="0" g="0" b="0"/>
+      </a:lnRef>
+      <a:fillRef idx="1">
+        <a:scrgbClr r="0" g="0" b="0"/>
+      </a:fillRef>
+      <a:effectRef idx="0">
+        <a:scrgbClr r="0" g="0" b="0"/>
+      </a:effectRef>
+      <a:fontRef idx="minor"/>
+    </dgm:style>
+  </dgm:styleLbl>
+  <dgm:styleLbl name="fgAccFollowNode1">
+    <dgm:scene3d>
+      <a:camera prst="orthographicFront"/>
+      <a:lightRig rig="threePt" dir="t"/>
+    </dgm:scene3d>
+    <dgm:sp3d/>
+    <dgm:txPr/>
+    <dgm:style>
+      <a:lnRef idx="1">
+        <a:scrgbClr r="0" g="0" b="0"/>
+      </a:lnRef>
+      <a:fillRef idx="1">
+        <a:scrgbClr r="0" g="0" b="0"/>
+      </a:fillRef>
+      <a:effectRef idx="0">
+        <a:scrgbClr r="0" g="0" b="0"/>
+      </a:effectRef>
+      <a:fontRef idx="minor"/>
+    </dgm:style>
+  </dgm:styleLbl>
+  <dgm:styleLbl name="alignAccFollowNode1">
+    <dgm:scene3d>
+      <a:camera prst="orthographicFront"/>
+      <a:lightRig rig="threePt" dir="t"/>
+    </dgm:scene3d>
+    <dgm:sp3d/>
+    <dgm:txPr/>
+    <dgm:style>
+      <a:lnRef idx="1">
+        <a:scrgbClr r="0" g="0" b="0"/>
+      </a:lnRef>
+      <a:fillRef idx="1">
+        <a:scrgbClr r="0" g="0" b="0"/>
+      </a:fillRef>
+      <a:effectRef idx="0">
+        <a:scrgbClr r="0" g="0" b="0"/>
+      </a:effectRef>
+      <a:fontRef idx="minor"/>
+    </dgm:style>
+  </dgm:styleLbl>
+  <dgm:styleLbl name="bgAccFollowNode1">
+    <dgm:scene3d>
+      <a:camera prst="orthographicFront"/>
+      <a:lightRig rig="threePt" dir="t"/>
+    </dgm:scene3d>
+    <dgm:sp3d/>
+    <dgm:txPr/>
+    <dgm:style>
+      <a:lnRef idx="1">
+        <a:scrgbClr r="0" g="0" b="0"/>
+      </a:lnRef>
+      <a:fillRef idx="1">
+        <a:scrgbClr r="0" g="0" b="0"/>
+      </a:fillRef>
+      <a:effectRef idx="0">
+        <a:scrgbClr r="0" g="0" b="0"/>
+      </a:effectRef>
+      <a:fontRef idx="minor"/>
+    </dgm:style>
+  </dgm:styleLbl>
+  <dgm:styleLbl name="fgAcc0">
+    <dgm:scene3d>
+      <a:camera prst="orthographicFront"/>
+      <a:lightRig rig="threePt" dir="t"/>
+    </dgm:scene3d>
+    <dgm:sp3d/>
+    <dgm:txPr/>
+    <dgm:style>
+      <a:lnRef idx="1">
+        <a:scrgbClr r="0" g="0" b="0"/>
+      </a:lnRef>
+      <a:fillRef idx="1">
+        <a:scrgbClr r="0" g="0" b="0"/>
+      </a:fillRef>
+      <a:effectRef idx="0">
+        <a:scrgbClr r="0" g="0" b="0"/>
+      </a:effectRef>
+      <a:fontRef idx="minor"/>
+    </dgm:style>
+  </dgm:styleLbl>
+  <dgm:styleLbl name="fgAcc2">
+    <dgm:scene3d>
+      <a:camera prst="orthographicFront"/>
+      <a:lightRig rig="threePt" dir="t"/>
+    </dgm:scene3d>
+    <dgm:sp3d/>
+    <dgm:txPr/>
+    <dgm:style>
+      <a:lnRef idx="1">
+        <a:scrgbClr r="0" g="0" b="0"/>
+      </a:lnRef>
+      <a:fillRef idx="1">
+        <a:scrgbClr r="0" g="0" b="0"/>
+      </a:fillRef>
+      <a:effectRef idx="0">
+        <a:scrgbClr r="0" g="0" b="0"/>
+      </a:effectRef>
+      <a:fontRef idx="minor"/>
+    </dgm:style>
+  </dgm:styleLbl>
+  <dgm:styleLbl name="fgAcc3">
+    <dgm:scene3d>
+      <a:camera prst="orthographicFront"/>
+      <a:lightRig rig="threePt" dir="t"/>
+    </dgm:scene3d>
+    <dgm:sp3d/>
+    <dgm:txPr/>
+    <dgm:style>
+      <a:lnRef idx="1">
+        <a:scrgbClr r="0" g="0" b="0"/>
+      </a:lnRef>
+      <a:fillRef idx="1">
+        <a:scrgbClr r="0" g="0" b="0"/>
+      </a:fillRef>
+      <a:effectRef idx="0">
+        <a:scrgbClr r="0" g="0" b="0"/>
+      </a:effectRef>
+      <a:fontRef idx="minor"/>
+    </dgm:style>
+  </dgm:styleLbl>
+  <dgm:styleLbl name="fgAcc4">
+    <dgm:scene3d>
+      <a:camera prst="orthographicFront"/>
+      <a:lightRig rig="threePt" dir="t"/>
+    </dgm:scene3d>
+    <dgm:sp3d/>
+    <dgm:txPr/>
+    <dgm:style>
+      <a:lnRef idx="1">
+        <a:scrgbClr r="0" g="0" b="0"/>
+      </a:lnRef>
+      <a:fillRef idx="1">
+        <a:scrgbClr r="0" g="0" b="0"/>
+      </a:fillRef>
+      <a:effectRef idx="0">
+        <a:scrgbClr r="0" g="0" b="0"/>
+      </a:effectRef>
+      <a:fontRef idx="minor"/>
+    </dgm:style>
+  </dgm:styleLbl>
+  <dgm:styleLbl name="bgShp">
+    <dgm:scene3d>
+      <a:camera prst="orthographicFront"/>
+      <a:lightRig rig="threePt" dir="t"/>
+    </dgm:scene3d>
+    <dgm:sp3d/>
+    <dgm:txPr/>
+    <dgm:style>
+      <a:lnRef idx="0">
+        <a:scrgbClr r="0" g="0" b="0"/>
+      </a:lnRef>
+      <a:fillRef idx="1">
+        <a:scrgbClr r="0" g="0" b="0"/>
+      </a:fillRef>
+      <a:effectRef idx="2">
+        <a:scrgbClr r="0" g="0" b="0"/>
+      </a:effectRef>
+      <a:fontRef idx="minor"/>
+    </dgm:style>
+  </dgm:styleLbl>
+  <dgm:styleLbl name="dkBgShp">
+    <dgm:scene3d>
+      <a:camera prst="orthographicFront"/>
+      <a:lightRig rig="threePt" dir="t"/>
+    </dgm:scene3d>
+    <dgm:sp3d/>
+    <dgm:txPr/>
+    <dgm:style>
+      <a:lnRef idx="0">
+        <a:scrgbClr r="0" g="0" b="0"/>
+      </a:lnRef>
+      <a:fillRef idx="1">
+        <a:scrgbClr r="0" g="0" b="0"/>
+      </a:fillRef>
+      <a:effectRef idx="2">
+        <a:scrgbClr r="0" g="0" b="0"/>
+      </a:effectRef>
+      <a:fontRef idx="minor"/>
+    </dgm:style>
+  </dgm:styleLbl>
+  <dgm:styleLbl name="trBgShp">
+    <dgm:scene3d>
+      <a:camera prst="orthographicFront"/>
+      <a:lightRig rig="threePt" dir="t"/>
+    </dgm:scene3d>
+    <dgm:sp3d/>
+    <dgm:txPr/>
+    <dgm:style>
+      <a:lnRef idx="0">
+        <a:scrgbClr r="0" g="0" b="0"/>
+      </a:lnRef>
+      <a:fillRef idx="1">
+        <a:scrgbClr r="0" g="0" b="0"/>
+      </a:fillRef>
+      <a:effectRef idx="0">
+        <a:scrgbClr r="0" g="0" b="0"/>
+      </a:effectRef>
+      <a:fontRef idx="minor"/>
+    </dgm:style>
+  </dgm:styleLbl>
+  <dgm:styleLbl name="fgShp">
+    <dgm:scene3d>
+      <a:camera prst="orthographicFront"/>
+      <a:lightRig rig="threePt" dir="t"/>
+    </dgm:scene3d>
+    <dgm:sp3d/>
+    <dgm:txPr/>
+    <dgm:style>
+      <a:lnRef idx="0">
+        <a:scrgbClr r="0" g="0" b="0"/>
+      </a:lnRef>
+      <a:fillRef idx="3">
+        <a:scrgbClr r="0" g="0" b="0"/>
+      </a:fillRef>
+      <a:effectRef idx="2">
         <a:scrgbClr r="0" g="0" b="0"/>
       </a:effectRef>
       <a:fontRef idx="minor"/>
@@ -52918,6 +58004,549 @@
                   <a:schemeClr val="bg1"/>
                 </a:solidFill>
               </a:rPr>
+              <a:t>Pushing </a:t>
+            </a:r>
+            <a:r>
+              <a:rPr lang="en-US" sz="3200" b="1" dirty="0">
+                <a:solidFill>
+                  <a:schemeClr val="bg1"/>
+                </a:solidFill>
+              </a:rPr>
+              <a:t>your </a:t>
+            </a:r>
+            <a:r>
+              <a:rPr lang="en-US" sz="3200" dirty="0">
+                <a:solidFill>
+                  <a:schemeClr val="bg1"/>
+                </a:solidFill>
+              </a:rPr>
+              <a:t>changes to the server</a:t>
+            </a:r>
+            <a:endParaRPr lang="en-IL" sz="3200" dirty="0">
+              <a:solidFill>
+                <a:schemeClr val="bg1"/>
+              </a:solidFill>
+            </a:endParaRPr>
+          </a:p>
+        </p:txBody>
+      </p:sp>
+      <p:sp useBgFill="1">
+        <p:nvSpPr>
+          <p:cNvPr id="61" name="Rounded Rectangle 14">
+            <a:extLst>
+              <a:ext uri="{FF2B5EF4-FFF2-40B4-BE49-F238E27FC236}">
+                <a16:creationId xmlns:a16="http://schemas.microsoft.com/office/drawing/2014/main" id="{E6C57836-126B-4938-8C7A-3C3BCB59D383}"/>
+              </a:ext>
+              <a:ext uri="{C183D7F6-B498-43B3-948B-1728B52AA6E4}">
+                <adec:decorative xmlns:adec="http://schemas.microsoft.com/office/drawing/2017/decorative" val="1"/>
+              </a:ext>
+            </a:extLst>
+          </p:cNvPr>
+          <p:cNvSpPr>
+            <a:spLocks noGrp="1" noRot="1" noChangeAspect="1" noMove="1" noResize="1" noEditPoints="1" noAdjustHandles="1" noChangeArrowheads="1" noChangeShapeType="1" noTextEdit="1"/>
+          </p:cNvSpPr>
+          <p:nvPr>
+            <p:extLst>
+              <p:ext uri="{386F3935-93C4-4BCD-93E2-E3B085C9AB24}">
+                <p16:designElem xmlns:p16="http://schemas.microsoft.com/office/powerpoint/2015/main" val="1"/>
+              </p:ext>
+            </p:extLst>
+          </p:nvPr>
+        </p:nvSpPr>
+        <p:spPr>
+          <a:xfrm>
+            <a:off x="4636008" y="1066164"/>
+            <a:ext cx="6765949" cy="5148371"/>
+          </a:xfrm>
+          <a:prstGeom prst="roundRect">
+            <a:avLst>
+              <a:gd name="adj" fmla="val 2403"/>
+            </a:avLst>
+          </a:prstGeom>
+          <a:ln>
+            <a:noFill/>
+          </a:ln>
+          <a:effectLst>
+            <a:innerShdw blurRad="114300">
+              <a:prstClr val="black"/>
+            </a:innerShdw>
+          </a:effectLst>
+        </p:spPr>
+        <p:style>
+          <a:lnRef idx="2">
+            <a:schemeClr val="accent1">
+              <a:shade val="50000"/>
+            </a:schemeClr>
+          </a:lnRef>
+          <a:fillRef idx="1">
+            <a:schemeClr val="accent1"/>
+          </a:fillRef>
+          <a:effectRef idx="0">
+            <a:schemeClr val="accent1"/>
+          </a:effectRef>
+          <a:fontRef idx="minor">
+            <a:schemeClr val="lt1"/>
+          </a:fontRef>
+        </p:style>
+        <p:txBody>
+          <a:bodyPr rtlCol="0" anchor="ctr"/>
+          <a:lstStyle/>
+          <a:p>
+            <a:pPr marL="0" marR="0" lvl="0" indent="0" algn="ctr" defTabSz="457200" rtl="0" eaLnBrk="1" fontAlgn="auto" latinLnBrk="0" hangingPunct="1">
+              <a:lnSpc>
+                <a:spcPct val="100000"/>
+              </a:lnSpc>
+              <a:spcBef>
+                <a:spcPts val="0"/>
+              </a:spcBef>
+              <a:spcAft>
+                <a:spcPts val="0"/>
+              </a:spcAft>
+              <a:buClrTx/>
+              <a:buSzTx/>
+              <a:buFontTx/>
+              <a:buNone/>
+              <a:tabLst/>
+              <a:defRPr/>
+            </a:pPr>
+            <a:endParaRPr kumimoji="0" lang="en-US" sz="1800" b="0" i="0" u="none" strike="noStrike" kern="1200" cap="none" spc="0" normalizeH="0" baseline="0" noProof="0">
+              <a:ln>
+                <a:noFill/>
+              </a:ln>
+              <a:solidFill>
+                <a:prstClr val="white"/>
+              </a:solidFill>
+              <a:effectLst/>
+              <a:uLnTx/>
+              <a:uFillTx/>
+              <a:latin typeface="Century Gothic" panose="020B0502020202020204"/>
+              <a:ea typeface="+mn-ea"/>
+              <a:cs typeface="+mn-cs"/>
+            </a:endParaRPr>
+          </a:p>
+        </p:txBody>
+      </p:sp>
+      <p:sp>
+        <p:nvSpPr>
+          <p:cNvPr id="3" name="TextBox 2">
+            <a:extLst>
+              <a:ext uri="{FF2B5EF4-FFF2-40B4-BE49-F238E27FC236}">
+                <a16:creationId xmlns:a16="http://schemas.microsoft.com/office/drawing/2014/main" id="{7E0439F0-2979-62DC-0328-8B8888B2DF55}"/>
+              </a:ext>
+            </a:extLst>
+          </p:cNvPr>
+          <p:cNvSpPr txBox="1"/>
+          <p:nvPr/>
+        </p:nvSpPr>
+        <p:spPr>
+          <a:xfrm>
+            <a:off x="9652523" y="6870700"/>
+            <a:ext cx="2539477" cy="200055"/>
+          </a:xfrm>
+          <a:prstGeom prst="rect">
+            <a:avLst/>
+          </a:prstGeom>
+          <a:solidFill>
+            <a:srgbClr val="000000"/>
+          </a:solidFill>
+        </p:spPr>
+        <p:txBody>
+          <a:bodyPr wrap="none" rtlCol="0">
+            <a:spAutoFit/>
+          </a:bodyPr>
+          <a:lstStyle/>
+          <a:p>
+            <a:pPr marL="0" marR="0" lvl="0" indent="0" algn="r" defTabSz="457200" rtl="0" eaLnBrk="1" fontAlgn="auto" latinLnBrk="0" hangingPunct="1">
+              <a:lnSpc>
+                <a:spcPct val="100000"/>
+              </a:lnSpc>
+              <a:spcBef>
+                <a:spcPts val="0"/>
+              </a:spcBef>
+              <a:spcAft>
+                <a:spcPts val="600"/>
+              </a:spcAft>
+              <a:buClrTx/>
+              <a:buSzTx/>
+              <a:buFontTx/>
+              <a:buNone/>
+              <a:tabLst/>
+              <a:defRPr/>
+            </a:pPr>
+            <a:r>
+              <a:rPr kumimoji="0" lang="en-IL" sz="700" b="0" i="0" u="none" strike="noStrike" kern="1200" cap="none" spc="0" normalizeH="0" baseline="0" noProof="0">
+                <a:ln>
+                  <a:noFill/>
+                </a:ln>
+                <a:solidFill>
+                  <a:srgbClr val="FFFFFF"/>
+                </a:solidFill>
+                <a:effectLst/>
+                <a:uLnTx/>
+                <a:uFillTx/>
+                <a:latin typeface="Century Gothic" panose="020B0502020202020204"/>
+                <a:ea typeface="+mn-ea"/>
+                <a:cs typeface="+mn-cs"/>
+                <a:hlinkClick r:id="rId3" tooltip="https://black-pixel.deviantart.com/art/Git-Wallpaper-Clean-357130508">
+                  <a:extLst>
+                    <a:ext uri="{A12FA001-AC4F-418D-AE19-62706E023703}">
+                      <ahyp:hlinkClr xmlns:ahyp="http://schemas.microsoft.com/office/drawing/2018/hyperlinkcolor" val="tx"/>
+                    </a:ext>
+                  </a:extLst>
+                </a:hlinkClick>
+              </a:rPr>
+              <a:t>This Photo</a:t>
+            </a:r>
+            <a:r>
+              <a:rPr kumimoji="0" lang="en-IL" sz="700" b="0" i="0" u="none" strike="noStrike" kern="1200" cap="none" spc="0" normalizeH="0" baseline="0" noProof="0">
+                <a:ln>
+                  <a:noFill/>
+                </a:ln>
+                <a:solidFill>
+                  <a:srgbClr val="FFFFFF"/>
+                </a:solidFill>
+                <a:effectLst/>
+                <a:uLnTx/>
+                <a:uFillTx/>
+                <a:latin typeface="Century Gothic" panose="020B0502020202020204"/>
+                <a:ea typeface="+mn-ea"/>
+                <a:cs typeface="+mn-cs"/>
+              </a:rPr>
+              <a:t> by Unknown Author is licensed under </a:t>
+            </a:r>
+            <a:r>
+              <a:rPr kumimoji="0" lang="en-IL" sz="700" b="0" i="0" u="none" strike="noStrike" kern="1200" cap="none" spc="0" normalizeH="0" baseline="0" noProof="0">
+                <a:ln>
+                  <a:noFill/>
+                </a:ln>
+                <a:solidFill>
+                  <a:srgbClr val="FFFFFF"/>
+                </a:solidFill>
+                <a:effectLst/>
+                <a:uLnTx/>
+                <a:uFillTx/>
+                <a:latin typeface="Century Gothic" panose="020B0502020202020204"/>
+                <a:ea typeface="+mn-ea"/>
+                <a:cs typeface="+mn-cs"/>
+                <a:hlinkClick r:id="rId4" tooltip="https://creativecommons.org/licenses/by/3.0/">
+                  <a:extLst>
+                    <a:ext uri="{A12FA001-AC4F-418D-AE19-62706E023703}">
+                      <ahyp:hlinkClr xmlns:ahyp="http://schemas.microsoft.com/office/drawing/2018/hyperlinkcolor" val="tx"/>
+                    </a:ext>
+                  </a:extLst>
+                </a:hlinkClick>
+              </a:rPr>
+              <a:t>CC BY</a:t>
+            </a:r>
+            <a:endParaRPr kumimoji="0" lang="en-IL" sz="700" b="0" i="0" u="none" strike="noStrike" kern="1200" cap="none" spc="0" normalizeH="0" baseline="0" noProof="0">
+              <a:ln>
+                <a:noFill/>
+              </a:ln>
+              <a:solidFill>
+                <a:srgbClr val="FFFFFF"/>
+              </a:solidFill>
+              <a:effectLst/>
+              <a:uLnTx/>
+              <a:uFillTx/>
+              <a:latin typeface="Century Gothic" panose="020B0502020202020204"/>
+              <a:ea typeface="+mn-ea"/>
+              <a:cs typeface="+mn-cs"/>
+            </a:endParaRPr>
+          </a:p>
+        </p:txBody>
+      </p:sp>
+      <p:graphicFrame>
+        <p:nvGraphicFramePr>
+          <p:cNvPr id="23" name="Content Placeholder 3">
+            <a:extLst>
+              <a:ext uri="{FF2B5EF4-FFF2-40B4-BE49-F238E27FC236}">
+                <a16:creationId xmlns:a16="http://schemas.microsoft.com/office/drawing/2014/main" id="{EFBF22F8-5CBC-4F6A-5843-A55DE5E8731B}"/>
+              </a:ext>
+            </a:extLst>
+          </p:cNvPr>
+          <p:cNvGraphicFramePr>
+            <a:graphicFrameLocks noGrp="1"/>
+          </p:cNvGraphicFramePr>
+          <p:nvPr>
+            <p:ph idx="1"/>
+            <p:extLst>
+              <p:ext uri="{D42A27DB-BD31-4B8C-83A1-F6EECF244321}">
+                <p14:modId xmlns:p14="http://schemas.microsoft.com/office/powerpoint/2010/main" val="3275136066"/>
+              </p:ext>
+            </p:extLst>
+          </p:nvPr>
+        </p:nvGraphicFramePr>
+        <p:xfrm>
+          <a:off x="685801" y="2194560"/>
+          <a:ext cx="3306742" cy="4024125"/>
+        </p:xfrm>
+        <a:graphic>
+          <a:graphicData uri="http://schemas.openxmlformats.org/drawingml/2006/diagram">
+            <dgm:relIds xmlns:dgm="http://schemas.openxmlformats.org/drawingml/2006/diagram" xmlns:r="http://schemas.openxmlformats.org/officeDocument/2006/relationships" r:dm="rId5" r:lo="rId6" r:qs="rId7" r:cs="rId8"/>
+          </a:graphicData>
+        </a:graphic>
+      </p:graphicFrame>
+      <p:graphicFrame>
+        <p:nvGraphicFramePr>
+          <p:cNvPr id="7" name="Diagram 6">
+            <a:extLst>
+              <a:ext uri="{FF2B5EF4-FFF2-40B4-BE49-F238E27FC236}">
+                <a16:creationId xmlns:a16="http://schemas.microsoft.com/office/drawing/2014/main" id="{08E18E02-7796-A380-808E-9A3EE88205EB}"/>
+              </a:ext>
+            </a:extLst>
+          </p:cNvPr>
+          <p:cNvGraphicFramePr/>
+          <p:nvPr/>
+        </p:nvGraphicFramePr>
+        <p:xfrm>
+          <a:off x="6515100" y="-159130"/>
+          <a:ext cx="3613150" cy="2408767"/>
+        </p:xfrm>
+        <a:graphic>
+          <a:graphicData uri="http://schemas.openxmlformats.org/drawingml/2006/diagram">
+            <dgm:relIds xmlns:dgm="http://schemas.openxmlformats.org/drawingml/2006/diagram" xmlns:r="http://schemas.openxmlformats.org/officeDocument/2006/relationships" r:dm="rId10" r:lo="rId11" r:qs="rId12" r:cs="rId13"/>
+          </a:graphicData>
+        </a:graphic>
+      </p:graphicFrame>
+      <p:pic>
+        <p:nvPicPr>
+          <p:cNvPr id="6" name="Picture 5">
+            <a:extLst>
+              <a:ext uri="{FF2B5EF4-FFF2-40B4-BE49-F238E27FC236}">
+                <a16:creationId xmlns:a16="http://schemas.microsoft.com/office/drawing/2014/main" id="{CACA8F50-B33E-6DA0-8133-D88966D9313F}"/>
+              </a:ext>
+            </a:extLst>
+          </p:cNvPr>
+          <p:cNvPicPr>
+            <a:picLocks noChangeAspect="1"/>
+          </p:cNvPicPr>
+          <p:nvPr/>
+        </p:nvPicPr>
+        <p:blipFill>
+          <a:blip r:embed="rId15"/>
+          <a:stretch>
+            <a:fillRect/>
+          </a:stretch>
+        </p:blipFill>
+        <p:spPr>
+          <a:xfrm>
+            <a:off x="5021782" y="2477232"/>
+            <a:ext cx="5994400" cy="2701520"/>
+          </a:xfrm>
+          <a:prstGeom prst="rect">
+            <a:avLst/>
+          </a:prstGeom>
+        </p:spPr>
+      </p:pic>
+    </p:spTree>
+    <p:extLst>
+      <p:ext uri="{BB962C8B-B14F-4D97-AF65-F5344CB8AC3E}">
+        <p14:creationId xmlns:p14="http://schemas.microsoft.com/office/powerpoint/2010/main" val="2872548155"/>
+      </p:ext>
+    </p:extLst>
+  </p:cSld>
+  <p:clrMapOvr>
+    <a:overrideClrMapping bg1="lt1" tx1="dk1" bg2="lt2" tx2="dk2" accent1="accent1" accent2="accent2" accent3="accent3" accent4="accent4" accent5="accent5" accent6="accent6" hlink="hlink" folHlink="folHlink"/>
+  </p:clrMapOvr>
+</p:sld>
+</file>
+
+<file path=ppt/slides/slide11.xml><?xml version="1.0" encoding="utf-8"?>
+<p:sld xmlns:a="http://schemas.openxmlformats.org/drawingml/2006/main" xmlns:r="http://schemas.openxmlformats.org/officeDocument/2006/relationships" xmlns:p="http://schemas.openxmlformats.org/presentationml/2006/main">
+  <p:cSld>
+    <p:bg>
+      <p:bgPr>
+        <a:solidFill>
+          <a:schemeClr val="bg1"/>
+        </a:solidFill>
+        <a:effectLst/>
+      </p:bgPr>
+    </p:bg>
+    <p:spTree>
+      <p:nvGrpSpPr>
+        <p:cNvPr id="1" name=""/>
+        <p:cNvGrpSpPr/>
+        <p:nvPr/>
+      </p:nvGrpSpPr>
+      <p:grpSpPr>
+        <a:xfrm>
+          <a:off x="0" y="0"/>
+          <a:ext cx="0" cy="0"/>
+          <a:chOff x="0" y="0"/>
+          <a:chExt cx="0" cy="0"/>
+        </a:xfrm>
+      </p:grpSpPr>
+      <p:sp>
+        <p:nvSpPr>
+          <p:cNvPr id="57" name="Rectangle 56">
+            <a:extLst>
+              <a:ext uri="{FF2B5EF4-FFF2-40B4-BE49-F238E27FC236}">
+                <a16:creationId xmlns:a16="http://schemas.microsoft.com/office/drawing/2014/main" id="{03FFF8D3-2EF3-4286-935A-D01BE3C85333}"/>
+              </a:ext>
+              <a:ext uri="{C183D7F6-B498-43B3-948B-1728B52AA6E4}">
+                <adec:decorative xmlns:adec="http://schemas.microsoft.com/office/drawing/2017/decorative" val="1"/>
+              </a:ext>
+            </a:extLst>
+          </p:cNvPr>
+          <p:cNvSpPr>
+            <a:spLocks noGrp="1" noRot="1" noChangeAspect="1" noMove="1" noResize="1" noEditPoints="1" noAdjustHandles="1" noChangeArrowheads="1" noChangeShapeType="1" noTextEdit="1"/>
+          </p:cNvSpPr>
+          <p:nvPr>
+            <p:extLst>
+              <p:ext uri="{386F3935-93C4-4BCD-93E2-E3B085C9AB24}">
+                <p16:designElem xmlns:p16="http://schemas.microsoft.com/office/powerpoint/2015/main" val="1"/>
+              </p:ext>
+            </p:extLst>
+          </p:nvPr>
+        </p:nvSpPr>
+        <p:spPr>
+          <a:xfrm>
+            <a:off x="0" y="0"/>
+            <a:ext cx="12192000" cy="6858000"/>
+          </a:xfrm>
+          <a:prstGeom prst="rect">
+            <a:avLst/>
+          </a:prstGeom>
+          <a:solidFill>
+            <a:schemeClr val="tx1"/>
+          </a:solidFill>
+          <a:ln>
+            <a:noFill/>
+          </a:ln>
+        </p:spPr>
+        <p:style>
+          <a:lnRef idx="2">
+            <a:schemeClr val="accent1">
+              <a:shade val="50000"/>
+            </a:schemeClr>
+          </a:lnRef>
+          <a:fillRef idx="1">
+            <a:schemeClr val="accent1"/>
+          </a:fillRef>
+          <a:effectRef idx="0">
+            <a:schemeClr val="accent1"/>
+          </a:effectRef>
+          <a:fontRef idx="minor">
+            <a:schemeClr val="lt1"/>
+          </a:fontRef>
+        </p:style>
+        <p:txBody>
+          <a:bodyPr rtlCol="0" anchor="ctr"/>
+          <a:lstStyle/>
+          <a:p>
+            <a:pPr marL="0" marR="0" lvl="0" indent="0" algn="ctr" defTabSz="457200" rtl="0" eaLnBrk="1" fontAlgn="auto" latinLnBrk="0" hangingPunct="1">
+              <a:lnSpc>
+                <a:spcPct val="100000"/>
+              </a:lnSpc>
+              <a:spcBef>
+                <a:spcPts val="0"/>
+              </a:spcBef>
+              <a:spcAft>
+                <a:spcPts val="0"/>
+              </a:spcAft>
+              <a:buClrTx/>
+              <a:buSzTx/>
+              <a:buFontTx/>
+              <a:buNone/>
+              <a:tabLst/>
+              <a:defRPr/>
+            </a:pPr>
+            <a:endParaRPr kumimoji="0" lang="en-US" sz="1800" b="0" i="0" u="none" strike="noStrike" kern="1200" cap="none" spc="0" normalizeH="0" baseline="0" noProof="0">
+              <a:ln>
+                <a:noFill/>
+              </a:ln>
+              <a:solidFill>
+                <a:prstClr val="black"/>
+              </a:solidFill>
+              <a:effectLst/>
+              <a:uLnTx/>
+              <a:uFillTx/>
+              <a:latin typeface="Century Gothic" panose="020B0502020202020204"/>
+              <a:ea typeface="+mn-ea"/>
+              <a:cs typeface="+mn-cs"/>
+            </a:endParaRPr>
+          </a:p>
+        </p:txBody>
+      </p:sp>
+      <p:pic>
+        <p:nvPicPr>
+          <p:cNvPr id="59" name="Picture 58">
+            <a:extLst>
+              <a:ext uri="{FF2B5EF4-FFF2-40B4-BE49-F238E27FC236}">
+                <a16:creationId xmlns:a16="http://schemas.microsoft.com/office/drawing/2014/main" id="{CD8CCB43-545E-4064-8BB8-5C492D0F5F57}"/>
+              </a:ext>
+              <a:ext uri="{C183D7F6-B498-43B3-948B-1728B52AA6E4}">
+                <adec:decorative xmlns:adec="http://schemas.microsoft.com/office/drawing/2017/decorative" val="1"/>
+              </a:ext>
+            </a:extLst>
+          </p:cNvPr>
+          <p:cNvPicPr>
+            <a:picLocks noGrp="1" noRot="1" noChangeAspect="1" noMove="1" noResize="1" noEditPoints="1" noAdjustHandles="1" noChangeArrowheads="1" noChangeShapeType="1" noCrop="1"/>
+          </p:cNvPicPr>
+          <p:nvPr>
+            <p:extLst>
+              <p:ext uri="{386F3935-93C4-4BCD-93E2-E3B085C9AB24}">
+                <p16:designElem xmlns:p16="http://schemas.microsoft.com/office/powerpoint/2015/main" val="1"/>
+              </p:ext>
+            </p:extLst>
+          </p:nvPr>
+        </p:nvPicPr>
+        <p:blipFill>
+          <a:blip r:embed="rId2">
+            <a:extLst>
+              <a:ext uri="{28A0092B-C50C-407E-A947-70E740481C1C}">
+                <a14:useLocalDpi xmlns:a14="http://schemas.microsoft.com/office/drawing/2010/main" val="0"/>
+              </a:ext>
+            </a:extLst>
+          </a:blip>
+          <a:stretch>
+            <a:fillRect/>
+          </a:stretch>
+        </p:blipFill>
+        <p:spPr>
+          <a:xfrm>
+            <a:off x="0" y="0"/>
+            <a:ext cx="12192000" cy="1441450"/>
+          </a:xfrm>
+          <a:prstGeom prst="rect">
+            <a:avLst/>
+          </a:prstGeom>
+        </p:spPr>
+      </p:pic>
+      <p:sp>
+        <p:nvSpPr>
+          <p:cNvPr id="2" name="Title 1">
+            <a:extLst>
+              <a:ext uri="{FF2B5EF4-FFF2-40B4-BE49-F238E27FC236}">
+                <a16:creationId xmlns:a16="http://schemas.microsoft.com/office/drawing/2014/main" id="{52C967D9-E119-03D1-0D2C-84B6990DFF2F}"/>
+              </a:ext>
+            </a:extLst>
+          </p:cNvPr>
+          <p:cNvSpPr>
+            <a:spLocks noGrp="1"/>
+          </p:cNvSpPr>
+          <p:nvPr>
+            <p:ph type="title"/>
+          </p:nvPr>
+        </p:nvSpPr>
+        <p:spPr>
+          <a:xfrm>
+            <a:off x="685800" y="764373"/>
+            <a:ext cx="3306744" cy="1293028"/>
+          </a:xfrm>
+        </p:spPr>
+        <p:txBody>
+          <a:bodyPr>
+            <a:normAutofit fontScale="90000"/>
+          </a:bodyPr>
+          <a:lstStyle/>
+          <a:p>
+            <a:r>
+              <a:rPr lang="en-US" sz="3200" dirty="0">
+                <a:solidFill>
+                  <a:schemeClr val="bg1"/>
+                </a:solidFill>
+              </a:rPr>
               <a:t>Pulling </a:t>
             </a:r>
             <a:r>
@@ -53185,7 +58814,7 @@
             <p:ph idx="1"/>
             <p:extLst>
               <p:ext uri="{D42A27DB-BD31-4B8C-83A1-F6EECF244321}">
-                <p14:modId xmlns:p14="http://schemas.microsoft.com/office/powerpoint/2010/main" val="1396768396"/>
+                <p14:modId xmlns:p14="http://schemas.microsoft.com/office/powerpoint/2010/main" val="9688391"/>
               </p:ext>
             </p:extLst>
           </p:nvPr>
@@ -53325,7 +58954,7 @@
 </p:sld>
 </file>
 
-<file path=ppt/slides/slide11.xml><?xml version="1.0" encoding="utf-8"?>
+<file path=ppt/slides/slide12.xml><?xml version="1.0" encoding="utf-8"?>
 <p:sld xmlns:a="http://schemas.openxmlformats.org/drawingml/2006/main" xmlns:r="http://schemas.openxmlformats.org/officeDocument/2006/relationships" xmlns:p="http://schemas.openxmlformats.org/presentationml/2006/main">
   <p:cSld>
     <p:bg>
@@ -53874,7 +59503,7 @@
 </p:sld>
 </file>
 
-<file path=ppt/slides/slide12.xml><?xml version="1.0" encoding="utf-8"?>
+<file path=ppt/slides/slide13.xml><?xml version="1.0" encoding="utf-8"?>
 <p:sld xmlns:a="http://schemas.openxmlformats.org/drawingml/2006/main" xmlns:r="http://schemas.openxmlformats.org/officeDocument/2006/relationships" xmlns:p="http://schemas.openxmlformats.org/presentationml/2006/main">
   <p:cSld>
     <p:bg>
@@ -53979,7 +59608,7 @@
 </p:sld>
 </file>
 
-<file path=ppt/slides/slide13.xml><?xml version="1.0" encoding="utf-8"?>
+<file path=ppt/slides/slide14.xml><?xml version="1.0" encoding="utf-8"?>
 <p:sld xmlns:a="http://schemas.openxmlformats.org/drawingml/2006/main" xmlns:r="http://schemas.openxmlformats.org/officeDocument/2006/relationships" xmlns:p="http://schemas.openxmlformats.org/presentationml/2006/main">
   <p:cSld>
     <p:spTree>
@@ -55222,10 +60851,10 @@
       </p:graphicFrame>
       <p:pic>
         <p:nvPicPr>
-          <p:cNvPr id="5" name="Picture 4" descr="Text&#10;&#10;Description automatically generated">
+          <p:cNvPr id="7" name="Picture 6" descr="Text&#10;&#10;Description automatically generated">
             <a:extLst>
               <a:ext uri="{FF2B5EF4-FFF2-40B4-BE49-F238E27FC236}">
-                <a16:creationId xmlns:a16="http://schemas.microsoft.com/office/drawing/2014/main" id="{3A49F5D2-08DF-778A-4AC9-FD713D184D20}"/>
+                <a16:creationId xmlns:a16="http://schemas.microsoft.com/office/drawing/2014/main" id="{8D5F7380-AF4C-8D85-9CA2-7384B0DF01B7}"/>
               </a:ext>
             </a:extLst>
           </p:cNvPr>
@@ -55235,15 +60864,21 @@
           <p:nvPr/>
         </p:nvPicPr>
         <p:blipFill>
-          <a:blip r:embed="rId15"/>
+          <a:blip r:embed="rId15">
+            <a:extLst>
+              <a:ext uri="{28A0092B-C50C-407E-A947-70E740481C1C}">
+                <a14:useLocalDpi xmlns:a14="http://schemas.microsoft.com/office/drawing/2010/main" val="0"/>
+              </a:ext>
+            </a:extLst>
+          </a:blip>
           <a:stretch>
             <a:fillRect/>
           </a:stretch>
         </p:blipFill>
         <p:spPr>
           <a:xfrm>
-            <a:off x="4834975" y="2194560"/>
-            <a:ext cx="6269058" cy="2883767"/>
+            <a:off x="4800794" y="2903552"/>
+            <a:ext cx="6436375" cy="1303070"/>
           </a:xfrm>
           <a:prstGeom prst="rect">
             <a:avLst/>
@@ -56108,36 +61743,6 @@
           </a:p>
         </p:txBody>
       </p:sp>
-      <p:pic>
-        <p:nvPicPr>
-          <p:cNvPr id="8" name="Picture 7" descr="Text&#10;&#10;Description automatically generated">
-            <a:extLst>
-              <a:ext uri="{FF2B5EF4-FFF2-40B4-BE49-F238E27FC236}">
-                <a16:creationId xmlns:a16="http://schemas.microsoft.com/office/drawing/2014/main" id="{8928E48E-91F9-2AFE-8005-81CF70B4F3FE}"/>
-              </a:ext>
-            </a:extLst>
-          </p:cNvPr>
-          <p:cNvPicPr>
-            <a:picLocks noChangeAspect="1"/>
-          </p:cNvPicPr>
-          <p:nvPr/>
-        </p:nvPicPr>
-        <p:blipFill>
-          <a:blip r:embed="rId3"/>
-          <a:stretch>
-            <a:fillRect/>
-          </a:stretch>
-        </p:blipFill>
-        <p:spPr>
-          <a:xfrm>
-            <a:off x="4955339" y="2537438"/>
-            <a:ext cx="6127287" cy="2205822"/>
-          </a:xfrm>
-          <a:prstGeom prst="rect">
-            <a:avLst/>
-          </a:prstGeom>
-        </p:spPr>
-      </p:pic>
       <p:sp>
         <p:nvSpPr>
           <p:cNvPr id="3" name="TextBox 2">
@@ -56178,7 +61783,7 @@
                 <a:solidFill>
                   <a:srgbClr val="FFFFFF"/>
                 </a:solidFill>
-                <a:hlinkClick r:id="rId4" tooltip="https://black-pixel.deviantart.com/art/Git-Wallpaper-Clean-357130508">
+                <a:hlinkClick r:id="rId3" tooltip="https://black-pixel.deviantart.com/art/Git-Wallpaper-Clean-357130508">
                   <a:extLst>
                     <a:ext uri="{A12FA001-AC4F-418D-AE19-62706E023703}">
                       <ahyp:hlinkClr xmlns:ahyp="http://schemas.microsoft.com/office/drawing/2018/hyperlinkcolor" val="tx"/>
@@ -56201,7 +61806,7 @@
                 <a:solidFill>
                   <a:srgbClr val="FFFFFF"/>
                 </a:solidFill>
-                <a:hlinkClick r:id="rId5" tooltip="https://creativecommons.org/licenses/by/3.0/">
+                <a:hlinkClick r:id="rId4" tooltip="https://creativecommons.org/licenses/by/3.0/">
                   <a:extLst>
                     <a:ext uri="{A12FA001-AC4F-418D-AE19-62706E023703}">
                       <ahyp:hlinkClr xmlns:ahyp="http://schemas.microsoft.com/office/drawing/2018/hyperlinkcolor" val="tx"/>
@@ -56246,7 +61851,7 @@
         </p:xfrm>
         <a:graphic>
           <a:graphicData uri="http://schemas.openxmlformats.org/drawingml/2006/diagram">
-            <dgm:relIds xmlns:dgm="http://schemas.openxmlformats.org/drawingml/2006/diagram" xmlns:r="http://schemas.openxmlformats.org/officeDocument/2006/relationships" r:dm="rId6" r:lo="rId7" r:qs="rId8" r:cs="rId9"/>
+            <dgm:relIds xmlns:dgm="http://schemas.openxmlformats.org/drawingml/2006/diagram" xmlns:r="http://schemas.openxmlformats.org/officeDocument/2006/relationships" r:dm="rId5" r:lo="rId6" r:qs="rId7" r:cs="rId8"/>
           </a:graphicData>
         </a:graphic>
       </p:graphicFrame>
@@ -56274,10 +61879,100 @@
         </p:xfrm>
         <a:graphic>
           <a:graphicData uri="http://schemas.openxmlformats.org/drawingml/2006/diagram">
-            <dgm:relIds xmlns:dgm="http://schemas.openxmlformats.org/drawingml/2006/diagram" xmlns:r="http://schemas.openxmlformats.org/officeDocument/2006/relationships" r:dm="rId11" r:lo="rId12" r:qs="rId13" r:cs="rId14"/>
+            <dgm:relIds xmlns:dgm="http://schemas.openxmlformats.org/drawingml/2006/diagram" xmlns:r="http://schemas.openxmlformats.org/officeDocument/2006/relationships" r:dm="rId10" r:lo="rId11" r:qs="rId12" r:cs="rId13"/>
           </a:graphicData>
         </a:graphic>
       </p:graphicFrame>
+      <p:pic>
+        <p:nvPicPr>
+          <p:cNvPr id="6" name="Picture 5" descr="Graphical user interface, text&#10;&#10;Description automatically generated with medium confidence">
+            <a:extLst>
+              <a:ext uri="{FF2B5EF4-FFF2-40B4-BE49-F238E27FC236}">
+                <a16:creationId xmlns:a16="http://schemas.microsoft.com/office/drawing/2014/main" id="{15FA33D7-6C08-0573-1A7C-BB38A3D6C732}"/>
+              </a:ext>
+            </a:extLst>
+          </p:cNvPr>
+          <p:cNvPicPr>
+            <a:picLocks noChangeAspect="1"/>
+          </p:cNvPicPr>
+          <p:nvPr/>
+        </p:nvPicPr>
+        <p:blipFill>
+          <a:blip r:embed="rId15">
+            <a:extLst>
+              <a:ext uri="{28A0092B-C50C-407E-A947-70E740481C1C}">
+                <a14:useLocalDpi xmlns:a14="http://schemas.microsoft.com/office/drawing/2010/main" val="0"/>
+              </a:ext>
+            </a:extLst>
+          </a:blip>
+          <a:stretch>
+            <a:fillRect/>
+          </a:stretch>
+        </p:blipFill>
+        <p:spPr>
+          <a:xfrm>
+            <a:off x="4995844" y="2855366"/>
+            <a:ext cx="6090320" cy="1291322"/>
+          </a:xfrm>
+          <a:prstGeom prst="rect">
+            <a:avLst/>
+          </a:prstGeom>
+        </p:spPr>
+      </p:pic>
+      <p:sp>
+        <p:nvSpPr>
+          <p:cNvPr id="7" name="Oval 6">
+            <a:extLst>
+              <a:ext uri="{FF2B5EF4-FFF2-40B4-BE49-F238E27FC236}">
+                <a16:creationId xmlns:a16="http://schemas.microsoft.com/office/drawing/2014/main" id="{EBC0D948-4A00-3D83-C3FE-537246254F4A}"/>
+              </a:ext>
+            </a:extLst>
+          </p:cNvPr>
+          <p:cNvSpPr/>
+          <p:nvPr/>
+        </p:nvSpPr>
+        <p:spPr>
+          <a:xfrm>
+            <a:off x="6781800" y="3091959"/>
+            <a:ext cx="520700" cy="191601"/>
+          </a:xfrm>
+          <a:prstGeom prst="ellipse">
+            <a:avLst/>
+          </a:prstGeom>
+          <a:noFill/>
+          <a:ln w="9525" cap="flat" cmpd="sng" algn="ctr">
+            <a:solidFill>
+              <a:schemeClr val="accent1"/>
+            </a:solidFill>
+            <a:prstDash val="solid"/>
+            <a:round/>
+            <a:headEnd type="none" w="med" len="med"/>
+            <a:tailEnd type="none" w="med" len="med"/>
+          </a:ln>
+        </p:spPr>
+        <p:style>
+          <a:lnRef idx="0">
+            <a:scrgbClr r="0" g="0" b="0"/>
+          </a:lnRef>
+          <a:fillRef idx="0">
+            <a:scrgbClr r="0" g="0" b="0"/>
+          </a:fillRef>
+          <a:effectRef idx="0">
+            <a:scrgbClr r="0" g="0" b="0"/>
+          </a:effectRef>
+          <a:fontRef idx="minor">
+            <a:schemeClr val="accent1"/>
+          </a:fontRef>
+        </p:style>
+        <p:txBody>
+          <a:bodyPr rtlCol="0" anchor="ctr"/>
+          <a:lstStyle/>
+          <a:p>
+            <a:pPr algn="ctr"/>
+            <a:endParaRPr lang="en-IL"/>
+          </a:p>
+        </p:txBody>
+      </p:sp>
     </p:spTree>
     <p:extLst>
       <p:ext uri="{BB962C8B-B14F-4D97-AF65-F5344CB8AC3E}">
@@ -56555,36 +62250,6 @@
           </a:p>
         </p:txBody>
       </p:sp>
-      <p:pic>
-        <p:nvPicPr>
-          <p:cNvPr id="5" name="Picture 4" descr="A screenshot of a computer&#10;&#10;Description automatically generated with medium confidence">
-            <a:extLst>
-              <a:ext uri="{FF2B5EF4-FFF2-40B4-BE49-F238E27FC236}">
-                <a16:creationId xmlns:a16="http://schemas.microsoft.com/office/drawing/2014/main" id="{D6D58671-F952-002A-E7F9-236E0BE7F354}"/>
-              </a:ext>
-            </a:extLst>
-          </p:cNvPr>
-          <p:cNvPicPr>
-            <a:picLocks noChangeAspect="1"/>
-          </p:cNvPicPr>
-          <p:nvPr/>
-        </p:nvPicPr>
-        <p:blipFill>
-          <a:blip r:embed="rId3"/>
-          <a:stretch>
-            <a:fillRect/>
-          </a:stretch>
-        </p:blipFill>
-        <p:spPr>
-          <a:xfrm>
-            <a:off x="4955339" y="2920393"/>
-            <a:ext cx="6127287" cy="1439912"/>
-          </a:xfrm>
-          <a:prstGeom prst="rect">
-            <a:avLst/>
-          </a:prstGeom>
-        </p:spPr>
-      </p:pic>
       <p:sp>
         <p:nvSpPr>
           <p:cNvPr id="3" name="TextBox 2">
@@ -56640,7 +62305,7 @@
                 <a:effectLst/>
                 <a:uLnTx/>
                 <a:uFillTx/>
-                <a:hlinkClick r:id="rId4" tooltip="https://black-pixel.deviantart.com/art/Git-Wallpaper-Clean-357130508">
+                <a:hlinkClick r:id="rId3" tooltip="https://black-pixel.deviantart.com/art/Git-Wallpaper-Clean-357130508">
                   <a:extLst>
                     <a:ext uri="{A12FA001-AC4F-418D-AE19-62706E023703}">
                       <ahyp:hlinkClr xmlns:ahyp="http://schemas.microsoft.com/office/drawing/2018/hyperlinkcolor" val="tx"/>
@@ -56675,7 +62340,7 @@
                 <a:effectLst/>
                 <a:uLnTx/>
                 <a:uFillTx/>
-                <a:hlinkClick r:id="rId5" tooltip="https://creativecommons.org/licenses/by/3.0/">
+                <a:hlinkClick r:id="rId4" tooltip="https://creativecommons.org/licenses/by/3.0/">
                   <a:extLst>
                     <a:ext uri="{A12FA001-AC4F-418D-AE19-62706E023703}">
                       <ahyp:hlinkClr xmlns:ahyp="http://schemas.microsoft.com/office/drawing/2018/hyperlinkcolor" val="tx"/>
@@ -56726,10 +62391,73 @@
         </p:xfrm>
         <a:graphic>
           <a:graphicData uri="http://schemas.openxmlformats.org/drawingml/2006/diagram">
-            <dgm:relIds xmlns:dgm="http://schemas.openxmlformats.org/drawingml/2006/diagram" xmlns:r="http://schemas.openxmlformats.org/officeDocument/2006/relationships" r:dm="rId6" r:lo="rId7" r:qs="rId8" r:cs="rId9"/>
+            <dgm:relIds xmlns:dgm="http://schemas.openxmlformats.org/drawingml/2006/diagram" xmlns:r="http://schemas.openxmlformats.org/officeDocument/2006/relationships" r:dm="rId5" r:lo="rId6" r:qs="rId7" r:cs="rId8"/>
           </a:graphicData>
         </a:graphic>
       </p:graphicFrame>
+      <p:graphicFrame>
+        <p:nvGraphicFramePr>
+          <p:cNvPr id="8" name="Diagram 7">
+            <a:extLst>
+              <a:ext uri="{FF2B5EF4-FFF2-40B4-BE49-F238E27FC236}">
+                <a16:creationId xmlns:a16="http://schemas.microsoft.com/office/drawing/2014/main" id="{7F9B00F3-FD26-FD44-E86E-F3ECB52AEC0A}"/>
+              </a:ext>
+            </a:extLst>
+          </p:cNvPr>
+          <p:cNvGraphicFramePr/>
+          <p:nvPr>
+            <p:extLst>
+              <p:ext uri="{D42A27DB-BD31-4B8C-83A1-F6EECF244321}">
+                <p14:modId xmlns:p14="http://schemas.microsoft.com/office/powerpoint/2010/main" val="1675799979"/>
+              </p:ext>
+            </p:extLst>
+          </p:nvPr>
+        </p:nvGraphicFramePr>
+        <p:xfrm>
+          <a:off x="6515100" y="-159130"/>
+          <a:ext cx="3613150" cy="2408767"/>
+        </p:xfrm>
+        <a:graphic>
+          <a:graphicData uri="http://schemas.openxmlformats.org/drawingml/2006/diagram">
+            <dgm:relIds xmlns:dgm="http://schemas.openxmlformats.org/drawingml/2006/diagram" xmlns:r="http://schemas.openxmlformats.org/officeDocument/2006/relationships" r:dm="rId10" r:lo="rId11" r:qs="rId12" r:cs="rId13"/>
+          </a:graphicData>
+        </a:graphic>
+      </p:graphicFrame>
+      <p:pic>
+        <p:nvPicPr>
+          <p:cNvPr id="6" name="Picture 5" descr="Text&#10;&#10;Description automatically generated">
+            <a:extLst>
+              <a:ext uri="{FF2B5EF4-FFF2-40B4-BE49-F238E27FC236}">
+                <a16:creationId xmlns:a16="http://schemas.microsoft.com/office/drawing/2014/main" id="{FC5D2A1E-C7FE-0322-9B0B-5A0CA05A356A}"/>
+              </a:ext>
+            </a:extLst>
+          </p:cNvPr>
+          <p:cNvPicPr>
+            <a:picLocks noChangeAspect="1"/>
+          </p:cNvPicPr>
+          <p:nvPr/>
+        </p:nvPicPr>
+        <p:blipFill rotWithShape="1">
+          <a:blip r:embed="rId15">
+            <a:extLst>
+              <a:ext uri="{28A0092B-C50C-407E-A947-70E740481C1C}">
+                <a14:useLocalDpi xmlns:a14="http://schemas.microsoft.com/office/drawing/2010/main" val="0"/>
+              </a:ext>
+            </a:extLst>
+          </a:blip>
+          <a:srcRect r="13299"/>
+          <a:stretch/>
+        </p:blipFill>
+        <p:spPr>
+          <a:xfrm>
+            <a:off x="4952123" y="2991346"/>
+            <a:ext cx="5842878" cy="1107139"/>
+          </a:xfrm>
+          <a:prstGeom prst="rect">
+            <a:avLst/>
+          </a:prstGeom>
+        </p:spPr>
+      </p:pic>
       <p:sp>
         <p:nvSpPr>
           <p:cNvPr id="7" name="Oval 6">
@@ -56744,7 +62472,7 @@
         </p:nvSpPr>
         <p:spPr>
           <a:xfrm>
-            <a:off x="6699250" y="3155950"/>
+            <a:off x="6883400" y="3260725"/>
             <a:ext cx="2667000" cy="184150"/>
           </a:xfrm>
           <a:prstGeom prst="ellipse">
@@ -56784,34 +62512,6 @@
           </a:p>
         </p:txBody>
       </p:sp>
-      <p:graphicFrame>
-        <p:nvGraphicFramePr>
-          <p:cNvPr id="8" name="Diagram 7">
-            <a:extLst>
-              <a:ext uri="{FF2B5EF4-FFF2-40B4-BE49-F238E27FC236}">
-                <a16:creationId xmlns:a16="http://schemas.microsoft.com/office/drawing/2014/main" id="{7F9B00F3-FD26-FD44-E86E-F3ECB52AEC0A}"/>
-              </a:ext>
-            </a:extLst>
-          </p:cNvPr>
-          <p:cNvGraphicFramePr/>
-          <p:nvPr>
-            <p:extLst>
-              <p:ext uri="{D42A27DB-BD31-4B8C-83A1-F6EECF244321}">
-                <p14:modId xmlns:p14="http://schemas.microsoft.com/office/powerpoint/2010/main" val="1675799979"/>
-              </p:ext>
-            </p:extLst>
-          </p:nvPr>
-        </p:nvGraphicFramePr>
-        <p:xfrm>
-          <a:off x="6515100" y="-159130"/>
-          <a:ext cx="3613150" cy="2408767"/>
-        </p:xfrm>
-        <a:graphic>
-          <a:graphicData uri="http://schemas.openxmlformats.org/drawingml/2006/diagram">
-            <dgm:relIds xmlns:dgm="http://schemas.openxmlformats.org/drawingml/2006/diagram" xmlns:r="http://schemas.openxmlformats.org/officeDocument/2006/relationships" r:dm="rId11" r:lo="rId12" r:qs="rId13" r:cs="rId14"/>
-          </a:graphicData>
-        </a:graphic>
-      </p:graphicFrame>
     </p:spTree>
     <p:extLst>
       <p:ext uri="{BB962C8B-B14F-4D97-AF65-F5344CB8AC3E}">
@@ -57303,36 +63003,6 @@
           </a:graphicData>
         </a:graphic>
       </p:graphicFrame>
-      <p:pic>
-        <p:nvPicPr>
-          <p:cNvPr id="6" name="Picture 5">
-            <a:extLst>
-              <a:ext uri="{FF2B5EF4-FFF2-40B4-BE49-F238E27FC236}">
-                <a16:creationId xmlns:a16="http://schemas.microsoft.com/office/drawing/2014/main" id="{B55DD5B7-BF25-D488-CB96-0A00E7C36C1B}"/>
-              </a:ext>
-            </a:extLst>
-          </p:cNvPr>
-          <p:cNvPicPr>
-            <a:picLocks noChangeAspect="1"/>
-          </p:cNvPicPr>
-          <p:nvPr/>
-        </p:nvPicPr>
-        <p:blipFill>
-          <a:blip r:embed="rId10"/>
-          <a:stretch>
-            <a:fillRect/>
-          </a:stretch>
-        </p:blipFill>
-        <p:spPr>
-          <a:xfrm>
-            <a:off x="4986053" y="2858203"/>
-            <a:ext cx="6117718" cy="1513791"/>
-          </a:xfrm>
-          <a:prstGeom prst="rect">
-            <a:avLst/>
-          </a:prstGeom>
-        </p:spPr>
-      </p:pic>
       <p:graphicFrame>
         <p:nvGraphicFramePr>
           <p:cNvPr id="7" name="Diagram 6">
@@ -57357,10 +63027,100 @@
         </p:xfrm>
         <a:graphic>
           <a:graphicData uri="http://schemas.openxmlformats.org/drawingml/2006/diagram">
-            <dgm:relIds xmlns:dgm="http://schemas.openxmlformats.org/drawingml/2006/diagram" xmlns:r="http://schemas.openxmlformats.org/officeDocument/2006/relationships" r:dm="rId11" r:lo="rId12" r:qs="rId13" r:cs="rId14"/>
+            <dgm:relIds xmlns:dgm="http://schemas.openxmlformats.org/drawingml/2006/diagram" xmlns:r="http://schemas.openxmlformats.org/officeDocument/2006/relationships" r:dm="rId10" r:lo="rId11" r:qs="rId12" r:cs="rId13"/>
           </a:graphicData>
         </a:graphic>
       </p:graphicFrame>
+      <p:pic>
+        <p:nvPicPr>
+          <p:cNvPr id="5" name="Picture 4" descr="Text&#10;&#10;Description automatically generated">
+            <a:extLst>
+              <a:ext uri="{FF2B5EF4-FFF2-40B4-BE49-F238E27FC236}">
+                <a16:creationId xmlns:a16="http://schemas.microsoft.com/office/drawing/2014/main" id="{6A9D3C3E-2D1F-5760-2D0C-AFD048C40429}"/>
+              </a:ext>
+            </a:extLst>
+          </p:cNvPr>
+          <p:cNvPicPr>
+            <a:picLocks noChangeAspect="1"/>
+          </p:cNvPicPr>
+          <p:nvPr/>
+        </p:nvPicPr>
+        <p:blipFill>
+          <a:blip r:embed="rId15">
+            <a:extLst>
+              <a:ext uri="{28A0092B-C50C-407E-A947-70E740481C1C}">
+                <a14:useLocalDpi xmlns:a14="http://schemas.microsoft.com/office/drawing/2010/main" val="0"/>
+              </a:ext>
+            </a:extLst>
+          </a:blip>
+          <a:stretch>
+            <a:fillRect/>
+          </a:stretch>
+        </p:blipFill>
+        <p:spPr>
+          <a:xfrm>
+            <a:off x="5264150" y="2748966"/>
+            <a:ext cx="5617222" cy="1833960"/>
+          </a:xfrm>
+          <a:prstGeom prst="rect">
+            <a:avLst/>
+          </a:prstGeom>
+        </p:spPr>
+      </p:pic>
+      <p:sp>
+        <p:nvSpPr>
+          <p:cNvPr id="8" name="Oval 7">
+            <a:extLst>
+              <a:ext uri="{FF2B5EF4-FFF2-40B4-BE49-F238E27FC236}">
+                <a16:creationId xmlns:a16="http://schemas.microsoft.com/office/drawing/2014/main" id="{28F9C1AC-AB58-F7AD-C247-83090B5A8BAC}"/>
+              </a:ext>
+            </a:extLst>
+          </p:cNvPr>
+          <p:cNvSpPr/>
+          <p:nvPr/>
+        </p:nvSpPr>
+        <p:spPr>
+          <a:xfrm>
+            <a:off x="6851650" y="2940050"/>
+            <a:ext cx="1619250" cy="215900"/>
+          </a:xfrm>
+          <a:prstGeom prst="ellipse">
+            <a:avLst/>
+          </a:prstGeom>
+          <a:noFill/>
+          <a:ln w="9525" cap="flat" cmpd="sng" algn="ctr">
+            <a:solidFill>
+              <a:schemeClr val="accent1"/>
+            </a:solidFill>
+            <a:prstDash val="solid"/>
+            <a:round/>
+            <a:headEnd type="none" w="med" len="med"/>
+            <a:tailEnd type="none" w="med" len="med"/>
+          </a:ln>
+        </p:spPr>
+        <p:style>
+          <a:lnRef idx="0">
+            <a:scrgbClr r="0" g="0" b="0"/>
+          </a:lnRef>
+          <a:fillRef idx="0">
+            <a:scrgbClr r="0" g="0" b="0"/>
+          </a:fillRef>
+          <a:effectRef idx="0">
+            <a:scrgbClr r="0" g="0" b="0"/>
+          </a:effectRef>
+          <a:fontRef idx="minor">
+            <a:schemeClr val="accent1"/>
+          </a:fontRef>
+        </p:style>
+        <p:txBody>
+          <a:bodyPr rtlCol="0" anchor="ctr"/>
+          <a:lstStyle/>
+          <a:p>
+            <a:pPr algn="ctr"/>
+            <a:endParaRPr lang="en-IL"/>
+          </a:p>
+        </p:txBody>
+      </p:sp>
     </p:spTree>
     <p:extLst>
       <p:ext uri="{BB962C8B-B14F-4D97-AF65-F5344CB8AC3E}">
